--- a/VierGewinnt.pptx
+++ b/VierGewinnt.pptx
@@ -11,12 +11,12 @@
     <p:sldId id="259" r:id="rId5"/>
     <p:sldId id="260" r:id="rId6"/>
     <p:sldId id="263" r:id="rId7"/>
-    <p:sldId id="261" r:id="rId8"/>
-    <p:sldId id="262" r:id="rId9"/>
-    <p:sldId id="265" r:id="rId10"/>
-    <p:sldId id="266" r:id="rId11"/>
-    <p:sldId id="267" r:id="rId12"/>
-    <p:sldId id="268" r:id="rId13"/>
+    <p:sldId id="262" r:id="rId8"/>
+    <p:sldId id="265" r:id="rId9"/>
+    <p:sldId id="266" r:id="rId10"/>
+    <p:sldId id="268" r:id="rId11"/>
+    <p:sldId id="269" r:id="rId12"/>
+    <p:sldId id="267" r:id="rId13"/>
   </p:sldIdLst>
   <p:sldSz cx="12192000" cy="6858000"/>
   <p:notesSz cx="6858000" cy="9144000"/>
@@ -3531,7 +3531,7 @@
           <p:cNvPr id="2" name="Titel 1">
             <a:extLst>
               <a:ext uri="{FF2B5EF4-FFF2-40B4-BE49-F238E27FC236}">
-                <a16:creationId xmlns:a16="http://schemas.microsoft.com/office/drawing/2014/main" id="{9D44D46B-EA06-447C-AFB6-160680A203ED}"/>
+                <a16:creationId xmlns:a16="http://schemas.microsoft.com/office/drawing/2014/main" id="{D215DADA-2CD0-4CB5-8FB5-628F7C3FD518}"/>
               </a:ext>
             </a:extLst>
           </p:cNvPr>
@@ -3542,19 +3542,14 @@
             <p:ph type="title"/>
           </p:nvPr>
         </p:nvSpPr>
-        <p:spPr>
-          <a:xfrm>
-            <a:off x="838200" y="18255"/>
-            <a:ext cx="10515600" cy="1325563"/>
-          </a:xfrm>
-        </p:spPr>
+        <p:spPr/>
         <p:txBody>
           <a:bodyPr/>
           <a:lstStyle/>
           <a:p>
             <a:r>
               <a:rPr lang="de-DE" dirty="0"/>
-              <a:t>Gewonnen?</a:t>
+              <a:t>Spielende</a:t>
             </a:r>
           </a:p>
         </p:txBody>
@@ -3564,7 +3559,7 @@
           <p:cNvPr id="3" name="Inhaltsplatzhalter 2">
             <a:extLst>
               <a:ext uri="{FF2B5EF4-FFF2-40B4-BE49-F238E27FC236}">
-                <a16:creationId xmlns:a16="http://schemas.microsoft.com/office/drawing/2014/main" id="{6D7E88EE-7F8F-4FCE-B3A5-A60E4DA71967}"/>
+                <a16:creationId xmlns:a16="http://schemas.microsoft.com/office/drawing/2014/main" id="{4539C5C4-ECCA-44B9-BE80-4998BDC224F4}"/>
               </a:ext>
             </a:extLst>
           </p:cNvPr>
@@ -3575,7 +3570,12 @@
             <p:ph idx="1"/>
           </p:nvPr>
         </p:nvSpPr>
-        <p:spPr/>
+        <p:spPr>
+          <a:xfrm>
+            <a:off x="323295" y="1825625"/>
+            <a:ext cx="5012185" cy="4770484"/>
+          </a:xfrm>
+        </p:spPr>
         <p:txBody>
           <a:bodyPr>
             <a:noAutofit/>
@@ -3586,20 +3586,11 @@
               <a:buNone/>
             </a:pPr>
             <a:r>
-              <a:rPr lang="de-DE" sz="2000" dirty="0"/>
-              <a:t>; R2 =&gt; eingefügte Reihe</a:t>
-            </a:r>
-          </a:p>
-          <a:p>
-            <a:pPr marL="0" indent="0">
-              <a:buNone/>
-            </a:pPr>
-            <a:r>
-              <a:rPr lang="de-DE" sz="2000" dirty="0" err="1"/>
-              <a:t>spielstand_horiz</a:t>
-            </a:r>
-            <a:r>
-              <a:rPr lang="de-DE" sz="2000" dirty="0"/>
+              <a:rPr lang="de-DE" sz="2400" dirty="0" err="1"/>
+              <a:t>win</a:t>
+            </a:r>
+            <a:r>
+              <a:rPr lang="de-DE" sz="2400" dirty="0"/>
               <a:t>:</a:t>
             </a:r>
           </a:p>
@@ -3608,522 +3599,305 @@
               <a:buNone/>
             </a:pPr>
             <a:r>
-              <a:rPr lang="de-DE" sz="2000" dirty="0"/>
-              <a:t>; Wenn aktueller Spieler 4 horizontal nebeneinander hat</a:t>
-            </a:r>
-          </a:p>
-          <a:p>
-            <a:pPr marL="0" indent="0">
-              <a:buNone/>
-            </a:pPr>
-            <a:r>
-              <a:rPr lang="de-DE" sz="2000" dirty="0"/>
-              <a:t>; Für jede Zeile &gt;= 127 auf = 127 testen und dann bis 4 mal nach rechts shiften</a:t>
-            </a:r>
-          </a:p>
-          <a:p>
-            <a:pPr marL="0" indent="0">
-              <a:buNone/>
-            </a:pPr>
-            <a:r>
-              <a:rPr lang="de-DE" sz="2000" dirty="0"/>
-              <a:t>; Ist die Zeile 127, dann sind 4 Steine nebeneinander =&gt; </a:t>
-            </a:r>
-            <a:r>
-              <a:rPr lang="de-DE" sz="2000" dirty="0" err="1"/>
-              <a:t>Win</a:t>
-            </a:r>
-            <a:endParaRPr lang="de-DE" sz="2000" dirty="0"/>
-          </a:p>
-          <a:p>
-            <a:pPr marL="0" indent="0">
-              <a:buNone/>
-            </a:pPr>
-            <a:endParaRPr lang="de-DE" sz="2000" dirty="0"/>
-          </a:p>
-          <a:p>
-            <a:pPr marL="0" indent="0">
-              <a:buNone/>
-            </a:pPr>
-            <a:r>
-              <a:rPr lang="de-DE" sz="2000" dirty="0"/>
-              <a:t>mov a, </a:t>
-            </a:r>
-            <a:r>
-              <a:rPr lang="de-DE" sz="2000" dirty="0" err="1"/>
-              <a:t>aktiverspieler</a:t>
-            </a:r>
-            <a:endParaRPr lang="de-DE" sz="2000" dirty="0"/>
-          </a:p>
-          <a:p>
-            <a:pPr marL="0" indent="0">
-              <a:buNone/>
-            </a:pPr>
-            <a:r>
-              <a:rPr lang="de-DE" sz="2000" dirty="0" err="1"/>
-              <a:t>add</a:t>
-            </a:r>
-            <a:r>
-              <a:rPr lang="de-DE" sz="2000" dirty="0"/>
-              <a:t> a, R2</a:t>
-            </a:r>
-          </a:p>
-          <a:p>
-            <a:pPr marL="0" indent="0">
-              <a:buNone/>
-            </a:pPr>
-            <a:r>
-              <a:rPr lang="de-DE" sz="2000" dirty="0"/>
-              <a:t>mov R0, a</a:t>
-            </a:r>
-          </a:p>
-          <a:p>
-            <a:pPr marL="0" indent="0">
-              <a:buNone/>
-            </a:pPr>
-            <a:r>
-              <a:rPr lang="de-DE" sz="2000" dirty="0"/>
-              <a:t>mov a, @R0</a:t>
-            </a:r>
-          </a:p>
-          <a:p>
-            <a:pPr marL="0" indent="0">
-              <a:buNone/>
-            </a:pPr>
-            <a:r>
-              <a:rPr lang="de-DE" sz="2000" dirty="0"/>
-              <a:t>mov R1, a</a:t>
-            </a:r>
-          </a:p>
-          <a:p>
-            <a:pPr marL="0" indent="0">
-              <a:buNone/>
-            </a:pPr>
-            <a:endParaRPr lang="de-DE" sz="2000" dirty="0"/>
-          </a:p>
-          <a:p>
-            <a:pPr marL="0" indent="0">
-              <a:buNone/>
-            </a:pPr>
-            <a:r>
-              <a:rPr lang="de-DE" sz="2000" dirty="0"/>
-              <a:t>CMP_HORIZ #15d</a:t>
-            </a:r>
-          </a:p>
-          <a:p>
-            <a:pPr marL="0" indent="0">
-              <a:buNone/>
-            </a:pPr>
-            <a:r>
-              <a:rPr lang="de-DE" sz="2000" dirty="0"/>
-              <a:t>CMP_HORIZ #30d</a:t>
-            </a:r>
-          </a:p>
-          <a:p>
-            <a:pPr marL="0" indent="0">
-              <a:buNone/>
-            </a:pPr>
-            <a:r>
-              <a:rPr lang="de-DE" sz="2000" dirty="0"/>
-              <a:t>CMP_HORIZ #60d</a:t>
-            </a:r>
-          </a:p>
-          <a:p>
-            <a:pPr marL="0" indent="0">
-              <a:buNone/>
-            </a:pPr>
-            <a:r>
-              <a:rPr lang="de-DE" sz="2000" dirty="0"/>
-              <a:t>CMP_HORIZ #120d</a:t>
-            </a:r>
-          </a:p>
-          <a:p>
-            <a:pPr marL="0" indent="0">
-              <a:buNone/>
-            </a:pPr>
-            <a:r>
-              <a:rPr lang="de-DE" sz="2000" dirty="0"/>
-              <a:t>CMP_HORIZ #240d</a:t>
-            </a:r>
-          </a:p>
-          <a:p>
-            <a:pPr marL="0" indent="0">
-              <a:buNone/>
-            </a:pPr>
-            <a:endParaRPr lang="de-DE" sz="2000" dirty="0"/>
-          </a:p>
-          <a:p>
-            <a:pPr marL="0" indent="0">
-              <a:buNone/>
-            </a:pPr>
-            <a:r>
-              <a:rPr lang="de-DE" sz="2000" dirty="0" err="1"/>
-              <a:t>spielstand_horiz_exit</a:t>
-            </a:r>
-            <a:r>
-              <a:rPr lang="de-DE" sz="2000" dirty="0"/>
-              <a:t>:</a:t>
-            </a:r>
-          </a:p>
-          <a:p>
-            <a:pPr marL="0" indent="0">
-              <a:buNone/>
-            </a:pPr>
-            <a:r>
-              <a:rPr lang="de-DE" sz="2000" dirty="0" err="1"/>
-              <a:t>ret</a:t>
-            </a:r>
-            <a:endParaRPr lang="de-DE" sz="2000" dirty="0"/>
-          </a:p>
-          <a:p>
-            <a:pPr marL="0" indent="0">
-              <a:buNone/>
-            </a:pPr>
-            <a:endParaRPr lang="de-DE" sz="2000" dirty="0"/>
-          </a:p>
-          <a:p>
-            <a:pPr marL="0" indent="0">
-              <a:buNone/>
-            </a:pPr>
-            <a:r>
-              <a:rPr lang="de-DE" sz="2000" dirty="0"/>
-              <a:t>; R2 =&gt; eingefügte Reihe</a:t>
-            </a:r>
-          </a:p>
-          <a:p>
-            <a:pPr marL="0" indent="0">
-              <a:buNone/>
-            </a:pPr>
-            <a:r>
-              <a:rPr lang="de-DE" sz="2000" dirty="0" err="1"/>
-              <a:t>spielstand_vert</a:t>
-            </a:r>
-            <a:r>
-              <a:rPr lang="de-DE" sz="2000" dirty="0"/>
-              <a:t>:</a:t>
-            </a:r>
-          </a:p>
-          <a:p>
-            <a:pPr marL="0" indent="0">
-              <a:buNone/>
-            </a:pPr>
-            <a:r>
-              <a:rPr lang="de-DE" sz="2000" dirty="0"/>
-              <a:t>; Wenn aktueller Spieler 4 vertikal übereinander hat</a:t>
-            </a:r>
-          </a:p>
-          <a:p>
-            <a:pPr marL="0" indent="0">
-              <a:buNone/>
-            </a:pPr>
-            <a:r>
-              <a:rPr lang="de-DE" sz="2000" dirty="0"/>
-              <a:t>; Wenn eingefügte Reihe &lt; 4 dann eingefügte Reihe bis +3 </a:t>
-            </a:r>
-            <a:r>
-              <a:rPr lang="de-DE" sz="2000" dirty="0" err="1"/>
-              <a:t>verunden</a:t>
-            </a:r>
-            <a:endParaRPr lang="de-DE" sz="2000" dirty="0"/>
-          </a:p>
-          <a:p>
-            <a:pPr marL="0" indent="0">
-              <a:buNone/>
-            </a:pPr>
-            <a:r>
-              <a:rPr lang="de-DE" sz="2000" dirty="0"/>
-              <a:t>; Ergebnis &gt; 0 =&gt; 4 Steine übereinander</a:t>
-            </a:r>
-          </a:p>
-          <a:p>
-            <a:pPr marL="0" indent="0">
-              <a:buNone/>
-            </a:pPr>
-            <a:endParaRPr lang="de-DE" sz="2000" dirty="0"/>
-          </a:p>
-          <a:p>
-            <a:pPr marL="0" indent="0">
-              <a:buNone/>
-            </a:pPr>
-            <a:r>
-              <a:rPr lang="de-DE" sz="2000" dirty="0"/>
-              <a:t>mov a, R2</a:t>
-            </a:r>
-          </a:p>
-          <a:p>
-            <a:pPr marL="0" indent="0">
-              <a:buNone/>
-            </a:pPr>
-            <a:r>
-              <a:rPr lang="de-DE" sz="2000" dirty="0" err="1"/>
+              <a:rPr lang="de-DE" sz="2400" dirty="0"/>
+              <a:t>; Spieler1 = Leer</a:t>
+            </a:r>
+          </a:p>
+          <a:p>
+            <a:pPr marL="0" indent="0">
+              <a:buNone/>
+            </a:pPr>
+            <a:r>
+              <a:rPr lang="de-DE" sz="2400" dirty="0"/>
+              <a:t>mov SPIELER1, #00h</a:t>
+            </a:r>
+          </a:p>
+          <a:p>
+            <a:pPr marL="0" indent="0">
+              <a:buNone/>
+            </a:pPr>
+            <a:r>
+              <a:rPr lang="de-DE" sz="2400" dirty="0"/>
+              <a:t>mov SPIELER1+1, #00h</a:t>
+            </a:r>
+          </a:p>
+          <a:p>
+            <a:pPr marL="0" indent="0">
+              <a:buNone/>
+            </a:pPr>
+            <a:r>
+              <a:rPr lang="de-DE" sz="2400" dirty="0"/>
+              <a:t>mov SPIELER1+2, #00h</a:t>
+            </a:r>
+          </a:p>
+          <a:p>
+            <a:pPr marL="0" indent="0">
+              <a:buNone/>
+            </a:pPr>
+            <a:r>
+              <a:rPr lang="de-DE" sz="2400" dirty="0"/>
+              <a:t>…</a:t>
+            </a:r>
+          </a:p>
+          <a:p>
+            <a:pPr marL="0" indent="0">
+              <a:buNone/>
+            </a:pPr>
+            <a:r>
+              <a:rPr lang="de-DE" sz="2400" dirty="0"/>
+              <a:t>mov SPIELER1+7, #00h</a:t>
+            </a:r>
+          </a:p>
+          <a:p>
+            <a:pPr marL="0" indent="0">
+              <a:buNone/>
+            </a:pPr>
+            <a:r>
+              <a:rPr lang="de-DE" sz="2400" dirty="0"/>
+              <a:t>; Spieler2 = Darstellen einer '1' oder '2'</a:t>
+            </a:r>
+          </a:p>
+          <a:p>
+            <a:pPr marL="0" indent="0">
+              <a:buNone/>
+            </a:pPr>
+            <a:r>
+              <a:rPr lang="de-DE" sz="2400" dirty="0"/>
+              <a:t>mov a, #SPIELER1</a:t>
+            </a:r>
+          </a:p>
+          <a:p>
+            <a:pPr marL="0" indent="0">
+              <a:buNone/>
+            </a:pPr>
+            <a:r>
+              <a:rPr lang="de-DE" sz="2400" dirty="0" err="1"/>
               <a:t>clr</a:t>
             </a:r>
             <a:r>
-              <a:rPr lang="de-DE" sz="2000" dirty="0"/>
+              <a:rPr lang="de-DE" sz="2400" dirty="0"/>
               <a:t> c</a:t>
             </a:r>
           </a:p>
-          <a:p>
-            <a:pPr marL="0" indent="0">
-              <a:buNone/>
-            </a:pPr>
-            <a:r>
-              <a:rPr lang="de-DE" sz="2000" dirty="0" err="1"/>
+        </p:txBody>
+      </p:sp>
+      <p:sp>
+        <p:nvSpPr>
+          <p:cNvPr id="4" name="Textfeld 3">
+            <a:extLst>
+              <a:ext uri="{FF2B5EF4-FFF2-40B4-BE49-F238E27FC236}">
+                <a16:creationId xmlns:a16="http://schemas.microsoft.com/office/drawing/2014/main" id="{D0694201-5A6E-4E97-B66D-64AC5A92D708}"/>
+              </a:ext>
+            </a:extLst>
+          </p:cNvPr>
+          <p:cNvSpPr txBox="1"/>
+          <p:nvPr/>
+        </p:nvSpPr>
+        <p:spPr>
+          <a:xfrm>
+            <a:off x="6924583" y="1690688"/>
+            <a:ext cx="4776187" cy="4154984"/>
+          </a:xfrm>
+          <a:prstGeom prst="rect">
+            <a:avLst/>
+          </a:prstGeom>
+          <a:noFill/>
+        </p:spPr>
+        <p:txBody>
+          <a:bodyPr wrap="square" rtlCol="0">
+            <a:spAutoFit/>
+          </a:bodyPr>
+          <a:lstStyle/>
+          <a:p>
+            <a:r>
+              <a:rPr lang="de-DE" sz="2400" dirty="0" err="1"/>
               <a:t>subb</a:t>
             </a:r>
             <a:r>
-              <a:rPr lang="de-DE" sz="2000" dirty="0"/>
-              <a:t> a, #5d</a:t>
-            </a:r>
-          </a:p>
-          <a:p>
-            <a:pPr marL="0" indent="0">
-              <a:buNone/>
-            </a:pPr>
-            <a:r>
-              <a:rPr lang="de-DE" sz="2000" dirty="0" err="1"/>
-              <a:t>jnc</a:t>
-            </a:r>
-            <a:r>
-              <a:rPr lang="de-DE" sz="2000" dirty="0"/>
+              <a:rPr lang="de-DE" sz="2400" dirty="0"/>
+              <a:t> a, AKTIVERSPIELER </a:t>
+            </a:r>
+          </a:p>
+          <a:p>
+            <a:r>
+              <a:rPr lang="de-DE" sz="2400" dirty="0"/>
+              <a:t>; Wenn C = 1, dann hat Spieler 2 gewonnen und wir müssen eine 2 anzeigen</a:t>
+            </a:r>
+          </a:p>
+          <a:p>
+            <a:r>
+              <a:rPr lang="de-DE" sz="2400" dirty="0" err="1"/>
+              <a:t>jc</a:t>
+            </a:r>
+            <a:r>
+              <a:rPr lang="de-DE" sz="2400" dirty="0"/>
+              <a:t> win_spieler2</a:t>
+            </a:r>
+          </a:p>
+          <a:p>
+            <a:r>
+              <a:rPr lang="de-DE" sz="2400" dirty="0"/>
+              <a:t>; 1 ausgeben</a:t>
+            </a:r>
+          </a:p>
+          <a:p>
+            <a:r>
+              <a:rPr lang="de-DE" sz="2400" dirty="0"/>
+              <a:t>mov </a:t>
+            </a:r>
+            <a:r>
+              <a:rPr lang="de-DE" sz="2400" dirty="0" err="1"/>
+              <a:t>dptr</a:t>
+            </a:r>
+            <a:r>
+              <a:rPr lang="de-DE" sz="2400" dirty="0"/>
+              <a:t>, #display_1</a:t>
+            </a:r>
+          </a:p>
+          <a:p>
+            <a:r>
+              <a:rPr lang="de-DE" sz="2400" dirty="0"/>
+              <a:t>DISPLAY_DB 0</a:t>
+            </a:r>
+          </a:p>
+          <a:p>
+            <a:r>
+              <a:rPr lang="de-DE" sz="2400" dirty="0"/>
+              <a:t>…</a:t>
+            </a:r>
+          </a:p>
+          <a:p>
+            <a:r>
+              <a:rPr lang="de-DE" sz="2400" dirty="0"/>
+              <a:t>DISPLAY_DB 7</a:t>
+            </a:r>
+          </a:p>
+          <a:p>
+            <a:r>
+              <a:rPr lang="de-DE" sz="2400" dirty="0" err="1"/>
+              <a:t>jmp</a:t>
+            </a:r>
+            <a:r>
+              <a:rPr lang="de-DE" sz="2400" dirty="0"/>
               <a:t> </a:t>
             </a:r>
             <a:r>
-              <a:rPr lang="de-DE" sz="2000" dirty="0" err="1"/>
-              <a:t>spielstand_vert_exit</a:t>
-            </a:r>
-            <a:endParaRPr lang="de-DE" sz="2000" dirty="0"/>
-          </a:p>
-          <a:p>
-            <a:pPr marL="0" indent="0">
-              <a:buNone/>
-            </a:pPr>
-            <a:endParaRPr lang="de-DE" sz="2000" dirty="0"/>
-          </a:p>
-          <a:p>
-            <a:pPr marL="0" indent="0">
-              <a:buNone/>
-            </a:pPr>
-            <a:r>
-              <a:rPr lang="de-DE" sz="2000" dirty="0"/>
-              <a:t>mov a, </a:t>
-            </a:r>
-            <a:r>
-              <a:rPr lang="de-DE" sz="2000" dirty="0" err="1"/>
-              <a:t>aktiverspieler</a:t>
-            </a:r>
-            <a:endParaRPr lang="de-DE" sz="2000" dirty="0"/>
-          </a:p>
-          <a:p>
-            <a:pPr marL="0" indent="0">
-              <a:buNone/>
-            </a:pPr>
-            <a:r>
-              <a:rPr lang="de-DE" sz="2000" dirty="0" err="1"/>
-              <a:t>add</a:t>
-            </a:r>
-            <a:r>
-              <a:rPr lang="de-DE" sz="2000" dirty="0"/>
-              <a:t> a, R2</a:t>
-            </a:r>
-          </a:p>
-          <a:p>
-            <a:pPr marL="0" indent="0">
-              <a:buNone/>
-            </a:pPr>
-            <a:r>
-              <a:rPr lang="de-DE" sz="2000" dirty="0"/>
-              <a:t>mov R0, a</a:t>
-            </a:r>
-          </a:p>
-          <a:p>
-            <a:pPr marL="0" indent="0">
-              <a:buNone/>
-            </a:pPr>
-            <a:r>
-              <a:rPr lang="de-DE" sz="2000" dirty="0"/>
-              <a:t>mov a, @R0</a:t>
-            </a:r>
-          </a:p>
-          <a:p>
-            <a:pPr marL="0" indent="0">
-              <a:buNone/>
-            </a:pPr>
-            <a:endParaRPr lang="de-DE" sz="2000" dirty="0"/>
-          </a:p>
-          <a:p>
-            <a:pPr marL="0" indent="0">
-              <a:buNone/>
-            </a:pPr>
-            <a:r>
-              <a:rPr lang="de-DE" sz="2000" dirty="0" err="1"/>
-              <a:t>inc</a:t>
-            </a:r>
-            <a:r>
-              <a:rPr lang="de-DE" sz="2000" dirty="0"/>
-              <a:t> R0</a:t>
-            </a:r>
-          </a:p>
-          <a:p>
-            <a:pPr marL="0" indent="0">
-              <a:buNone/>
-            </a:pPr>
-            <a:r>
-              <a:rPr lang="de-DE" sz="2000" dirty="0" err="1"/>
-              <a:t>anl</a:t>
-            </a:r>
-            <a:r>
-              <a:rPr lang="de-DE" sz="2000" dirty="0"/>
-              <a:t> a, @R0</a:t>
-            </a:r>
-          </a:p>
-          <a:p>
-            <a:pPr marL="0" indent="0">
-              <a:buNone/>
-            </a:pPr>
-            <a:endParaRPr lang="de-DE" sz="2000" dirty="0"/>
-          </a:p>
-          <a:p>
-            <a:pPr marL="0" indent="0">
-              <a:buNone/>
-            </a:pPr>
-            <a:r>
-              <a:rPr lang="de-DE" sz="2000" dirty="0" err="1"/>
-              <a:t>inc</a:t>
-            </a:r>
-            <a:r>
-              <a:rPr lang="de-DE" sz="2000" dirty="0"/>
-              <a:t> R0</a:t>
-            </a:r>
-          </a:p>
-          <a:p>
-            <a:pPr marL="0" indent="0">
-              <a:buNone/>
-            </a:pPr>
-            <a:r>
-              <a:rPr lang="de-DE" sz="2000" dirty="0" err="1"/>
-              <a:t>anl</a:t>
-            </a:r>
-            <a:r>
-              <a:rPr lang="de-DE" sz="2000" dirty="0"/>
-              <a:t> a, @R0</a:t>
-            </a:r>
-          </a:p>
-          <a:p>
-            <a:pPr marL="0" indent="0">
-              <a:buNone/>
-            </a:pPr>
-            <a:endParaRPr lang="de-DE" sz="2000" dirty="0"/>
-          </a:p>
-          <a:p>
-            <a:pPr marL="0" indent="0">
-              <a:buNone/>
-            </a:pPr>
-            <a:r>
-              <a:rPr lang="de-DE" sz="2000" dirty="0" err="1"/>
-              <a:t>inc</a:t>
-            </a:r>
-            <a:r>
-              <a:rPr lang="de-DE" sz="2000" dirty="0"/>
-              <a:t> R0</a:t>
-            </a:r>
-          </a:p>
-          <a:p>
-            <a:pPr marL="0" indent="0">
-              <a:buNone/>
-            </a:pPr>
-            <a:r>
-              <a:rPr lang="de-DE" sz="2000" dirty="0" err="1"/>
-              <a:t>anl</a:t>
-            </a:r>
-            <a:r>
-              <a:rPr lang="de-DE" sz="2000" dirty="0"/>
-              <a:t> a, @R0</a:t>
-            </a:r>
-          </a:p>
-          <a:p>
-            <a:pPr marL="0" indent="0">
-              <a:buNone/>
-            </a:pPr>
-            <a:endParaRPr lang="de-DE" sz="2000" dirty="0"/>
-          </a:p>
-          <a:p>
-            <a:pPr marL="0" indent="0">
-              <a:buNone/>
-            </a:pPr>
-            <a:r>
-              <a:rPr lang="de-DE" sz="2000" dirty="0" err="1"/>
-              <a:t>jz</a:t>
-            </a:r>
-            <a:r>
-              <a:rPr lang="de-DE" sz="2000" dirty="0"/>
-              <a:t> </a:t>
-            </a:r>
-            <a:r>
-              <a:rPr lang="de-DE" sz="2000" dirty="0" err="1"/>
-              <a:t>spielstand_vert_exit</a:t>
-            </a:r>
-            <a:endParaRPr lang="de-DE" sz="2000" dirty="0"/>
-          </a:p>
-          <a:p>
-            <a:pPr marL="0" indent="0">
-              <a:buNone/>
-            </a:pPr>
-            <a:endParaRPr lang="de-DE" sz="2000" dirty="0"/>
-          </a:p>
-          <a:p>
-            <a:pPr marL="0" indent="0">
-              <a:buNone/>
-            </a:pPr>
-            <a:r>
-              <a:rPr lang="de-DE" sz="2000" dirty="0" err="1"/>
-              <a:t>jmp</a:t>
-            </a:r>
-            <a:r>
-              <a:rPr lang="de-DE" sz="2000" dirty="0"/>
-              <a:t> </a:t>
-            </a:r>
-            <a:r>
-              <a:rPr lang="de-DE" sz="2000" dirty="0" err="1"/>
-              <a:t>win</a:t>
-            </a:r>
-            <a:endParaRPr lang="de-DE" sz="2000" dirty="0"/>
-          </a:p>
-          <a:p>
-            <a:pPr marL="0" indent="0">
-              <a:buNone/>
-            </a:pPr>
-            <a:endParaRPr lang="de-DE" sz="2000" dirty="0"/>
-          </a:p>
-          <a:p>
-            <a:pPr marL="0" indent="0">
-              <a:buNone/>
-            </a:pPr>
-            <a:r>
-              <a:rPr lang="de-DE" sz="2000" dirty="0" err="1"/>
-              <a:t>spielstand_vert_exit</a:t>
-            </a:r>
-            <a:r>
-              <a:rPr lang="de-DE" sz="2000" dirty="0"/>
-              <a:t>:</a:t>
-            </a:r>
-          </a:p>
-          <a:p>
-            <a:pPr marL="0" indent="0">
-              <a:buNone/>
-            </a:pPr>
-            <a:r>
-              <a:rPr lang="de-DE" sz="2000" dirty="0" err="1"/>
-              <a:t>ret</a:t>
-            </a:r>
-            <a:endParaRPr lang="de-DE" sz="2000" dirty="0"/>
-          </a:p>
-        </p:txBody>
-      </p:sp>
+              <a:rPr lang="de-DE" sz="2400" dirty="0" err="1"/>
+              <a:t>leerlauf</a:t>
+            </a:r>
+            <a:endParaRPr lang="de-DE" sz="2400" dirty="0"/>
+          </a:p>
+        </p:txBody>
+      </p:sp>
+      <mc:AlternateContent xmlns:mc="http://schemas.openxmlformats.org/markup-compatibility/2006">
+        <mc:Choice xmlns:pslz="http://schemas.microsoft.com/office/powerpoint/2016/slidezoom" Requires="pslz">
+          <p:graphicFrame>
+            <p:nvGraphicFramePr>
+              <p:cNvPr id="6" name="Folienzoom 5">
+                <a:extLst>
+                  <a:ext uri="{FF2B5EF4-FFF2-40B4-BE49-F238E27FC236}">
+                    <a16:creationId xmlns:a16="http://schemas.microsoft.com/office/drawing/2014/main" id="{2C42E88D-793B-417E-8566-C3EC8262A494}"/>
+                  </a:ext>
+                </a:extLst>
+              </p:cNvPr>
+              <p:cNvGraphicFramePr>
+                <a:graphicFrameLocks noChangeAspect="1"/>
+              </p:cNvGraphicFramePr>
+              <p:nvPr>
+                <p:extLst>
+                  <p:ext uri="{D42A27DB-BD31-4B8C-83A1-F6EECF244321}">
+                    <p14:modId xmlns:p14="http://schemas.microsoft.com/office/powerpoint/2010/main" val="3006888641"/>
+                  </p:ext>
+                </p:extLst>
+              </p:nvPr>
+            </p:nvGraphicFramePr>
+            <p:xfrm>
+              <a:off x="6924583" y="5854479"/>
+              <a:ext cx="1416934" cy="741630"/>
+            </p:xfrm>
+            <a:graphic>
+              <a:graphicData uri="http://schemas.microsoft.com/office/powerpoint/2016/slidezoom">
+                <pslz:sldZm>
+                  <pslz:sldZmObj sldId="269" cId="2813325783">
+                    <pslz:zmPr id="{85B1D7B2-A83D-4D33-90C2-1864D3B6422E}" imageType="cover" transitionDur="1000">
+                      <p166:blipFill xmlns:p166="http://schemas.microsoft.com/office/powerpoint/2016/6/main">
+                        <a:blip r:embed="rId2">
+                          <a:extLst>
+                            <a:ext uri="{28A0092B-C50C-407E-A947-70E740481C1C}">
+                              <a14:useLocalDpi xmlns:a14="http://schemas.microsoft.com/office/drawing/2010/main" val="0"/>
+                            </a:ext>
+                          </a:extLst>
+                        </a:blip>
+                        <a:stretch>
+                          <a:fillRect/>
+                        </a:stretch>
+                      </p166:blipFill>
+                      <p166:spPr xmlns:p166="http://schemas.microsoft.com/office/powerpoint/2016/6/main">
+                        <a:xfrm>
+                          <a:off x="0" y="0"/>
+                          <a:ext cx="1416934" cy="741630"/>
+                        </a:xfrm>
+                        <a:prstGeom prst="rect">
+                          <a:avLst/>
+                        </a:prstGeom>
+                        <a:ln w="3175">
+                          <a:noFill/>
+                        </a:ln>
+                      </p166:spPr>
+                    </pslz:zmPr>
+                  </pslz:sldZmObj>
+                </pslz:sldZm>
+              </a:graphicData>
+            </a:graphic>
+          </p:graphicFrame>
+        </mc:Choice>
+        <mc:Fallback>
+          <p:pic>
+            <p:nvPicPr>
+              <p:cNvPr id="6" name="Folienzoom 5">
+                <a:hlinkClick r:id="rId3" action="ppaction://hlinksldjump"/>
+                <a:extLst>
+                  <a:ext uri="{FF2B5EF4-FFF2-40B4-BE49-F238E27FC236}">
+                    <a16:creationId xmlns:a16="http://schemas.microsoft.com/office/drawing/2014/main" id="{2C42E88D-793B-417E-8566-C3EC8262A494}"/>
+                  </a:ext>
+                </a:extLst>
+              </p:cNvPr>
+              <p:cNvPicPr>
+                <a:picLocks noGrp="1" noRot="1" noChangeAspect="1" noMove="1" noResize="1" noEditPoints="1" noAdjustHandles="1" noChangeArrowheads="1" noChangeShapeType="1"/>
+              </p:cNvPicPr>
+              <p:nvPr/>
+            </p:nvPicPr>
+            <p:blipFill>
+              <a:blip r:embed="rId2">
+                <a:extLst>
+                  <a:ext uri="{28A0092B-C50C-407E-A947-70E740481C1C}">
+                    <a14:useLocalDpi xmlns:a14="http://schemas.microsoft.com/office/drawing/2010/main" val="0"/>
+                  </a:ext>
+                </a:extLst>
+              </a:blip>
+              <a:stretch>
+                <a:fillRect/>
+              </a:stretch>
+            </p:blipFill>
+            <p:spPr>
+              <a:xfrm>
+                <a:off x="6924583" y="5854479"/>
+                <a:ext cx="1416934" cy="741630"/>
+              </a:xfrm>
+              <a:prstGeom prst="rect">
+                <a:avLst/>
+              </a:prstGeom>
+              <a:ln w="3175">
+                <a:noFill/>
+              </a:ln>
+            </p:spPr>
+          </p:pic>
+        </mc:Fallback>
+      </mc:AlternateContent>
     </p:spTree>
     <p:extLst>
       <p:ext uri="{BB962C8B-B14F-4D97-AF65-F5344CB8AC3E}">
-        <p14:creationId xmlns:p14="http://schemas.microsoft.com/office/powerpoint/2010/main" val="3161684329"/>
+        <p14:creationId xmlns:p14="http://schemas.microsoft.com/office/powerpoint/2010/main" val="3602023725"/>
       </p:ext>
     </p:extLst>
   </p:cSld>
@@ -4152,43 +3926,10 @@
       </p:grpSpPr>
       <p:sp>
         <p:nvSpPr>
-          <p:cNvPr id="2" name="Titel 1">
-            <a:extLst>
-              <a:ext uri="{FF2B5EF4-FFF2-40B4-BE49-F238E27FC236}">
-                <a16:creationId xmlns:a16="http://schemas.microsoft.com/office/drawing/2014/main" id="{9D44D46B-EA06-447C-AFB6-160680A203ED}"/>
-              </a:ext>
-            </a:extLst>
-          </p:cNvPr>
-          <p:cNvSpPr>
-            <a:spLocks noGrp="1"/>
-          </p:cNvSpPr>
-          <p:nvPr>
-            <p:ph type="title"/>
-          </p:nvPr>
-        </p:nvSpPr>
-        <p:spPr>
-          <a:xfrm>
-            <a:off x="838200" y="18255"/>
-            <a:ext cx="10515600" cy="1325563"/>
-          </a:xfrm>
-        </p:spPr>
-        <p:txBody>
-          <a:bodyPr/>
-          <a:lstStyle/>
-          <a:p>
-            <a:r>
-              <a:rPr lang="de-DE" dirty="0"/>
-              <a:t>Spieler wechseln</a:t>
-            </a:r>
-          </a:p>
-        </p:txBody>
-      </p:sp>
-      <p:sp>
-        <p:nvSpPr>
           <p:cNvPr id="3" name="Inhaltsplatzhalter 2">
             <a:extLst>
               <a:ext uri="{FF2B5EF4-FFF2-40B4-BE49-F238E27FC236}">
-                <a16:creationId xmlns:a16="http://schemas.microsoft.com/office/drawing/2014/main" id="{6D7E88EE-7F8F-4FCE-B3A5-A60E4DA71967}"/>
+                <a16:creationId xmlns:a16="http://schemas.microsoft.com/office/drawing/2014/main" id="{97AAAE67-A688-4279-9111-810820E869CF}"/>
               </a:ext>
             </a:extLst>
           </p:cNvPr>
@@ -4201,13 +3942,13 @@
         </p:nvSpPr>
         <p:spPr>
           <a:xfrm>
-            <a:off x="3585469" y="1798992"/>
-            <a:ext cx="5021062" cy="4351338"/>
+            <a:off x="838200" y="568171"/>
+            <a:ext cx="10515600" cy="5608792"/>
           </a:xfrm>
         </p:spPr>
         <p:txBody>
           <a:bodyPr>
-            <a:normAutofit/>
+            <a:noAutofit/>
           </a:bodyPr>
           <a:lstStyle/>
           <a:p>
@@ -4215,23 +3956,97 @@
               <a:buNone/>
             </a:pPr>
             <a:r>
-              <a:rPr lang="de-DE" sz="2400" dirty="0" err="1">
-                <a:solidFill>
-                  <a:schemeClr val="accent4">
-                    <a:lumMod val="75000"/>
-                  </a:schemeClr>
-                </a:solidFill>
-              </a:rPr>
-              <a:t>spieler_wechseln</a:t>
-            </a:r>
-            <a:r>
-              <a:rPr lang="de-DE" sz="2400" dirty="0">
-                <a:solidFill>
-                  <a:schemeClr val="accent4">
-                    <a:lumMod val="75000"/>
-                  </a:schemeClr>
-                </a:solidFill>
-              </a:rPr>
+              <a:rPr lang="de-DE" sz="2400" dirty="0"/>
+              <a:t>; 2 ausgeben</a:t>
+            </a:r>
+          </a:p>
+          <a:p>
+            <a:pPr marL="0" indent="0">
+              <a:buNone/>
+            </a:pPr>
+            <a:r>
+              <a:rPr lang="de-DE" sz="2400" dirty="0"/>
+              <a:t>win_spieler2:</a:t>
+            </a:r>
+          </a:p>
+          <a:p>
+            <a:pPr marL="0" indent="0">
+              <a:buNone/>
+            </a:pPr>
+            <a:r>
+              <a:rPr lang="de-DE" sz="2400" dirty="0"/>
+              <a:t>mov </a:t>
+            </a:r>
+            <a:r>
+              <a:rPr lang="de-DE" sz="2400" dirty="0" err="1"/>
+              <a:t>dptr</a:t>
+            </a:r>
+            <a:r>
+              <a:rPr lang="de-DE" sz="2400" dirty="0"/>
+              <a:t>, #display_2</a:t>
+            </a:r>
+          </a:p>
+          <a:p>
+            <a:pPr marL="0" indent="0">
+              <a:buNone/>
+            </a:pPr>
+            <a:r>
+              <a:rPr lang="de-DE" sz="2400" dirty="0"/>
+              <a:t>DISPLAY_DB 0</a:t>
+            </a:r>
+          </a:p>
+          <a:p>
+            <a:pPr marL="0" indent="0">
+              <a:buNone/>
+            </a:pPr>
+            <a:r>
+              <a:rPr lang="de-DE" sz="2400" dirty="0"/>
+              <a:t>…</a:t>
+            </a:r>
+          </a:p>
+          <a:p>
+            <a:pPr marL="0" indent="0">
+              <a:buNone/>
+            </a:pPr>
+            <a:r>
+              <a:rPr lang="de-DE" sz="2400" dirty="0"/>
+              <a:t>DISPLAY_DB 7</a:t>
+            </a:r>
+          </a:p>
+          <a:p>
+            <a:pPr marL="0" indent="0">
+              <a:buNone/>
+            </a:pPr>
+            <a:r>
+              <a:rPr lang="de-DE" sz="2400" dirty="0" err="1"/>
+              <a:t>jmp</a:t>
+            </a:r>
+            <a:r>
+              <a:rPr lang="de-DE" sz="2400" dirty="0"/>
+              <a:t> </a:t>
+            </a:r>
+            <a:r>
+              <a:rPr lang="de-DE" sz="2400" dirty="0" err="1"/>
+              <a:t>leerlauf</a:t>
+            </a:r>
+            <a:endParaRPr lang="de-DE" sz="2400" dirty="0"/>
+          </a:p>
+          <a:p>
+            <a:pPr marL="0" indent="0">
+              <a:buNone/>
+            </a:pPr>
+            <a:endParaRPr lang="de-DE" sz="2400" dirty="0"/>
+          </a:p>
+          <a:p>
+            <a:pPr marL="0" indent="0">
+              <a:buNone/>
+            </a:pPr>
+            <a:r>
+              <a:rPr lang="de-DE" sz="2400" dirty="0" err="1"/>
+              <a:t>leerlauf</a:t>
+            </a:r>
+            <a:r>
+              <a:rPr lang="de-DE" sz="2400" dirty="0"/>
               <a:t>:</a:t>
             </a:r>
           </a:p>
@@ -4240,231 +4055,87 @@
               <a:buNone/>
             </a:pPr>
             <a:r>
-              <a:rPr lang="de-DE" sz="2400" b="1" dirty="0">
-                <a:solidFill>
-                  <a:schemeClr val="accent1">
-                    <a:lumMod val="75000"/>
-                  </a:schemeClr>
-                </a:solidFill>
-              </a:rPr>
-              <a:t>MOV</a:t>
+              <a:rPr lang="de-DE" sz="2400" dirty="0"/>
+              <a:t>mov a, p2</a:t>
+            </a:r>
+          </a:p>
+          <a:p>
+            <a:pPr marL="0" indent="0">
+              <a:buNone/>
+            </a:pPr>
+            <a:r>
+              <a:rPr lang="de-DE" sz="2400" dirty="0" err="1"/>
+              <a:t>cpl</a:t>
+            </a:r>
+            <a:r>
+              <a:rPr lang="de-DE" sz="2400" dirty="0"/>
+              <a:t> a</a:t>
+            </a:r>
+          </a:p>
+          <a:p>
+            <a:pPr marL="0" indent="0">
+              <a:buNone/>
+            </a:pPr>
+            <a:r>
+              <a:rPr lang="de-DE" sz="2400" dirty="0" err="1"/>
+              <a:t>cjne</a:t>
+            </a:r>
+            <a:r>
+              <a:rPr lang="de-DE" sz="2400" dirty="0"/>
+              <a:t> a, #10000001b, </a:t>
+            </a:r>
+            <a:r>
+              <a:rPr lang="de-DE" sz="2400" dirty="0" err="1"/>
+              <a:t>leerlauf</a:t>
+            </a:r>
+            <a:r>
+              <a:rPr lang="de-DE" sz="2400" dirty="0"/>
+              <a:t> ; wenn erste und letzter </a:t>
+            </a:r>
+            <a:r>
+              <a:rPr lang="de-DE" sz="2400" dirty="0" err="1"/>
+              <a:t>button</a:t>
+            </a:r>
+            <a:r>
+              <a:rPr lang="de-DE" sz="2400" dirty="0"/>
+              <a:t> gedrückt -&gt; </a:t>
+            </a:r>
+            <a:r>
+              <a:rPr lang="de-DE" sz="2400" dirty="0" err="1"/>
+              <a:t>neustart</a:t>
+            </a:r>
+            <a:endParaRPr lang="de-DE" sz="2400" dirty="0"/>
+          </a:p>
+          <a:p>
+            <a:pPr marL="0" indent="0">
+              <a:buNone/>
+            </a:pPr>
+            <a:r>
+              <a:rPr lang="de-DE" sz="2400" dirty="0" err="1"/>
+              <a:t>jmp</a:t>
             </a:r>
             <a:r>
               <a:rPr lang="de-DE" sz="2400" dirty="0"/>
               <a:t> </a:t>
             </a:r>
             <a:r>
-              <a:rPr lang="de-DE" sz="2400" dirty="0">
-                <a:solidFill>
-                  <a:schemeClr val="accent1">
-                    <a:lumMod val="75000"/>
-                  </a:schemeClr>
-                </a:solidFill>
-              </a:rPr>
-              <a:t>a</a:t>
-            </a:r>
-            <a:r>
-              <a:rPr lang="de-DE" sz="2400" dirty="0"/>
-              <a:t>, </a:t>
-            </a:r>
-            <a:r>
-              <a:rPr lang="de-DE" sz="2400" dirty="0">
-                <a:solidFill>
-                  <a:srgbClr val="FFC000"/>
-                </a:solidFill>
-              </a:rPr>
-              <a:t>#SPIELER1</a:t>
-            </a:r>
-          </a:p>
-          <a:p>
-            <a:pPr marL="0" indent="0">
-              <a:buNone/>
-            </a:pPr>
-            <a:r>
-              <a:rPr lang="de-DE" sz="2400" b="1" dirty="0">
-                <a:solidFill>
-                  <a:schemeClr val="accent1">
-                    <a:lumMod val="75000"/>
-                  </a:schemeClr>
-                </a:solidFill>
-              </a:rPr>
-              <a:t>CJNE</a:t>
-            </a:r>
-            <a:r>
-              <a:rPr lang="de-DE" sz="2400" dirty="0"/>
-              <a:t> </a:t>
-            </a:r>
-            <a:r>
-              <a:rPr lang="de-DE" sz="2400" dirty="0">
-                <a:solidFill>
-                  <a:schemeClr val="accent1">
-                    <a:lumMod val="75000"/>
-                  </a:schemeClr>
-                </a:solidFill>
-              </a:rPr>
-              <a:t>a</a:t>
-            </a:r>
-            <a:r>
-              <a:rPr lang="de-DE" sz="2400" dirty="0"/>
-              <a:t>, </a:t>
-            </a:r>
-            <a:r>
-              <a:rPr lang="de-DE" sz="2400" dirty="0">
-                <a:solidFill>
-                  <a:srgbClr val="00B050"/>
-                </a:solidFill>
-              </a:rPr>
-              <a:t>AKTIVERSPIELER, </a:t>
-            </a:r>
-            <a:r>
-              <a:rPr lang="de-DE" sz="2400" dirty="0" err="1">
-                <a:solidFill>
-                  <a:srgbClr val="00B050"/>
-                </a:solidFill>
-              </a:rPr>
-              <a:t>spieler_zwei</a:t>
-            </a:r>
-            <a:endParaRPr lang="de-DE" sz="2400" dirty="0">
-              <a:solidFill>
-                <a:srgbClr val="00B050"/>
-              </a:solidFill>
-            </a:endParaRPr>
-          </a:p>
-          <a:p>
-            <a:pPr marL="0" indent="0">
-              <a:buNone/>
-            </a:pPr>
-            <a:r>
-              <a:rPr lang="de-DE" sz="2400" b="1" dirty="0">
-                <a:solidFill>
-                  <a:schemeClr val="accent1">
-                    <a:lumMod val="75000"/>
-                  </a:schemeClr>
-                </a:solidFill>
-              </a:rPr>
-              <a:t>MOV</a:t>
-            </a:r>
-            <a:r>
-              <a:rPr lang="de-DE" sz="2400" dirty="0"/>
-              <a:t> </a:t>
-            </a:r>
-            <a:r>
-              <a:rPr lang="de-DE" sz="2400" dirty="0">
-                <a:solidFill>
-                  <a:srgbClr val="00B050"/>
-                </a:solidFill>
-              </a:rPr>
-              <a:t>AKTIVERSPIELER, </a:t>
-            </a:r>
-            <a:r>
-              <a:rPr lang="de-DE" sz="2400" dirty="0">
-                <a:solidFill>
-                  <a:srgbClr val="FFC000"/>
-                </a:solidFill>
-              </a:rPr>
-              <a:t>#SPIELER2</a:t>
-            </a:r>
-          </a:p>
-          <a:p>
-            <a:pPr marL="0" indent="0">
-              <a:buNone/>
-            </a:pPr>
-            <a:r>
-              <a:rPr lang="de-DE" sz="2400" b="1" dirty="0">
-                <a:solidFill>
-                  <a:schemeClr val="accent1">
-                    <a:lumMod val="75000"/>
-                  </a:schemeClr>
-                </a:solidFill>
-              </a:rPr>
-              <a:t>RET</a:t>
-            </a:r>
-          </a:p>
-          <a:p>
-            <a:pPr marL="0" indent="0">
-              <a:buNone/>
-            </a:pPr>
-            <a:r>
-              <a:rPr lang="de-DE" sz="2400" dirty="0" err="1">
-                <a:solidFill>
-                  <a:schemeClr val="accent4">
-                    <a:lumMod val="75000"/>
-                  </a:schemeClr>
-                </a:solidFill>
-              </a:rPr>
-              <a:t>spieler_zwei</a:t>
-            </a:r>
-            <a:r>
-              <a:rPr lang="de-DE" sz="2400" dirty="0">
-                <a:solidFill>
-                  <a:schemeClr val="accent4">
-                    <a:lumMod val="75000"/>
-                  </a:schemeClr>
-                </a:solidFill>
-              </a:rPr>
-              <a:t>:</a:t>
-            </a:r>
-          </a:p>
-          <a:p>
-            <a:pPr marL="0" indent="0">
-              <a:buNone/>
-            </a:pPr>
-            <a:r>
-              <a:rPr lang="de-DE" sz="2400" b="1" dirty="0">
-                <a:solidFill>
-                  <a:schemeClr val="accent1">
-                    <a:lumMod val="75000"/>
-                  </a:schemeClr>
-                </a:solidFill>
-              </a:rPr>
-              <a:t>MOV</a:t>
-            </a:r>
-            <a:r>
-              <a:rPr lang="de-DE" sz="2400" dirty="0"/>
-              <a:t> </a:t>
-            </a:r>
-            <a:r>
-              <a:rPr lang="de-DE" sz="2400" dirty="0">
-                <a:solidFill>
-                  <a:srgbClr val="00B050"/>
-                </a:solidFill>
-              </a:rPr>
-              <a:t>AKTIVERSPIELER</a:t>
-            </a:r>
-            <a:r>
-              <a:rPr lang="de-DE" sz="2400" dirty="0"/>
-              <a:t>, </a:t>
-            </a:r>
-            <a:r>
-              <a:rPr lang="de-DE" sz="2400" dirty="0">
-                <a:solidFill>
-                  <a:srgbClr val="FFC000"/>
-                </a:solidFill>
-              </a:rPr>
-              <a:t>#SPIELER1</a:t>
-            </a:r>
-          </a:p>
-          <a:p>
-            <a:pPr marL="0" indent="0">
-              <a:buNone/>
-            </a:pPr>
-            <a:r>
-              <a:rPr lang="de-DE" sz="2400" b="1" dirty="0">
-                <a:solidFill>
-                  <a:schemeClr val="accent1">
-                    <a:lumMod val="75000"/>
-                  </a:schemeClr>
-                </a:solidFill>
-              </a:rPr>
-              <a:t>RET</a:t>
-            </a:r>
+              <a:rPr lang="de-DE" sz="2400" dirty="0" err="1"/>
+              <a:t>neustart</a:t>
+            </a:r>
+            <a:endParaRPr lang="de-DE" sz="2400" dirty="0"/>
+          </a:p>
+          <a:p>
+            <a:pPr marL="0" indent="0">
+              <a:buNone/>
+            </a:pPr>
+            <a:endParaRPr lang="de-DE" sz="2400" dirty="0"/>
           </a:p>
         </p:txBody>
       </p:sp>
     </p:spTree>
     <p:extLst>
       <p:ext uri="{BB962C8B-B14F-4D97-AF65-F5344CB8AC3E}">
-        <p14:creationId xmlns:p14="http://schemas.microsoft.com/office/powerpoint/2010/main" val="3702486606"/>
+        <p14:creationId xmlns:p14="http://schemas.microsoft.com/office/powerpoint/2010/main" val="2813325783"/>
       </p:ext>
     </p:extLst>
   </p:cSld>
@@ -4496,7 +4167,7 @@
           <p:cNvPr id="2" name="Titel 1">
             <a:extLst>
               <a:ext uri="{FF2B5EF4-FFF2-40B4-BE49-F238E27FC236}">
-                <a16:creationId xmlns:a16="http://schemas.microsoft.com/office/drawing/2014/main" id="{D215DADA-2CD0-4CB5-8FB5-628F7C3FD518}"/>
+                <a16:creationId xmlns:a16="http://schemas.microsoft.com/office/drawing/2014/main" id="{9D44D46B-EA06-447C-AFB6-160680A203ED}"/>
               </a:ext>
             </a:extLst>
           </p:cNvPr>
@@ -4507,14 +4178,19 @@
             <p:ph type="title"/>
           </p:nvPr>
         </p:nvSpPr>
-        <p:spPr/>
+        <p:spPr>
+          <a:xfrm>
+            <a:off x="838200" y="18255"/>
+            <a:ext cx="10515600" cy="1325563"/>
+          </a:xfrm>
+        </p:spPr>
         <p:txBody>
           <a:bodyPr/>
           <a:lstStyle/>
           <a:p>
             <a:r>
               <a:rPr lang="de-DE" dirty="0"/>
-              <a:t>Spielende</a:t>
+              <a:t>Spieler wechseln</a:t>
             </a:r>
           </a:p>
         </p:txBody>
@@ -4524,7 +4200,7 @@
           <p:cNvPr id="3" name="Inhaltsplatzhalter 2">
             <a:extLst>
               <a:ext uri="{FF2B5EF4-FFF2-40B4-BE49-F238E27FC236}">
-                <a16:creationId xmlns:a16="http://schemas.microsoft.com/office/drawing/2014/main" id="{4539C5C4-ECCA-44B9-BE80-4998BDC224F4}"/>
+                <a16:creationId xmlns:a16="http://schemas.microsoft.com/office/drawing/2014/main" id="{6D7E88EE-7F8F-4FCE-B3A5-A60E4DA71967}"/>
               </a:ext>
             </a:extLst>
           </p:cNvPr>
@@ -4535,371 +4211,272 @@
             <p:ph idx="1"/>
           </p:nvPr>
         </p:nvSpPr>
-        <p:spPr/>
+        <p:spPr>
+          <a:xfrm>
+            <a:off x="838200" y="1514906"/>
+            <a:ext cx="5021062" cy="4351338"/>
+          </a:xfrm>
+        </p:spPr>
         <p:txBody>
           <a:bodyPr>
-            <a:normAutofit fontScale="25000" lnSpcReduction="20000"/>
+            <a:normAutofit/>
           </a:bodyPr>
           <a:lstStyle/>
           <a:p>
-            <a:r>
-              <a:rPr lang="de-DE" dirty="0" err="1"/>
-              <a:t>win</a:t>
-            </a:r>
-            <a:r>
-              <a:rPr lang="de-DE" dirty="0"/>
+            <a:pPr marL="0" indent="0">
+              <a:buNone/>
+            </a:pPr>
+            <a:r>
+              <a:rPr lang="de-DE" sz="2400" dirty="0" err="1">
+                <a:solidFill>
+                  <a:schemeClr val="accent4">
+                    <a:lumMod val="75000"/>
+                  </a:schemeClr>
+                </a:solidFill>
+              </a:rPr>
+              <a:t>spieler_wechseln</a:t>
+            </a:r>
+            <a:r>
+              <a:rPr lang="de-DE" sz="2400" dirty="0">
+                <a:solidFill>
+                  <a:schemeClr val="accent4">
+                    <a:lumMod val="75000"/>
+                  </a:schemeClr>
+                </a:solidFill>
+              </a:rPr>
               <a:t>:</a:t>
             </a:r>
           </a:p>
           <a:p>
-            <a:r>
-              <a:rPr lang="de-DE" dirty="0"/>
-              <a:t>; Spieler1 = Leer</a:t>
-            </a:r>
-          </a:p>
-          <a:p>
-            <a:r>
-              <a:rPr lang="de-DE" dirty="0"/>
-              <a:t>mov SPIELER1, #00h</a:t>
-            </a:r>
-          </a:p>
-          <a:p>
-            <a:r>
-              <a:rPr lang="de-DE" dirty="0"/>
-              <a:t>mov SPIELER1+1, #00h</a:t>
-            </a:r>
-          </a:p>
-          <a:p>
-            <a:r>
-              <a:rPr lang="de-DE" dirty="0"/>
-              <a:t>mov SPIELER1+2, #00h</a:t>
-            </a:r>
-          </a:p>
-          <a:p>
-            <a:r>
-              <a:rPr lang="de-DE" dirty="0"/>
-              <a:t>mov SPIELER1+3, #00h</a:t>
-            </a:r>
-          </a:p>
-          <a:p>
-            <a:r>
-              <a:rPr lang="de-DE" dirty="0"/>
-              <a:t>mov SPIELER1+4, #00h</a:t>
-            </a:r>
-          </a:p>
-          <a:p>
-            <a:r>
-              <a:rPr lang="de-DE" dirty="0"/>
-              <a:t>mov SPIELER1+5, #00h</a:t>
-            </a:r>
-          </a:p>
-          <a:p>
-            <a:r>
-              <a:rPr lang="de-DE" dirty="0"/>
-              <a:t>mov SPIELER1+6, #00h</a:t>
-            </a:r>
-          </a:p>
-          <a:p>
-            <a:r>
-              <a:rPr lang="de-DE" dirty="0"/>
-              <a:t>mov SPIELER1+7, #00h</a:t>
-            </a:r>
-          </a:p>
-          <a:p>
-            <a:r>
-              <a:rPr lang="de-DE" dirty="0"/>
-              <a:t>; Spieler2 = Darstellen einer '1' oder '2'</a:t>
-            </a:r>
-          </a:p>
-          <a:p>
-            <a:r>
-              <a:rPr lang="de-DE" dirty="0"/>
-              <a:t>mov a, #SPIELER1</a:t>
-            </a:r>
-          </a:p>
-          <a:p>
-            <a:r>
-              <a:rPr lang="de-DE" dirty="0" err="1"/>
-              <a:t>clr</a:t>
-            </a:r>
-            <a:r>
-              <a:rPr lang="de-DE" dirty="0"/>
-              <a:t> c</a:t>
-            </a:r>
-          </a:p>
-          <a:p>
-            <a:r>
-              <a:rPr lang="de-DE" dirty="0" err="1"/>
-              <a:t>subb</a:t>
-            </a:r>
-            <a:r>
-              <a:rPr lang="de-DE" dirty="0"/>
-              <a:t> a, AKTIVERSPIELER ; Wenn C = 1, dann hat Spieler 2 gewonnen und wir müssen eine 2 anzeigen</a:t>
-            </a:r>
-          </a:p>
-          <a:p>
-            <a:r>
-              <a:rPr lang="de-DE" dirty="0" err="1"/>
-              <a:t>jc</a:t>
-            </a:r>
-            <a:r>
-              <a:rPr lang="de-DE" dirty="0"/>
-              <a:t> win_spieler2</a:t>
-            </a:r>
-          </a:p>
-          <a:p>
-            <a:r>
-              <a:rPr lang="de-DE" dirty="0"/>
-              <a:t>; 1 ausgeben</a:t>
-            </a:r>
-          </a:p>
-          <a:p>
-            <a:r>
-              <a:rPr lang="de-DE" dirty="0"/>
-              <a:t>mov </a:t>
-            </a:r>
-            <a:r>
-              <a:rPr lang="de-DE" dirty="0" err="1"/>
-              <a:t>dptr</a:t>
-            </a:r>
-            <a:r>
-              <a:rPr lang="de-DE" dirty="0"/>
-              <a:t>, #display_1</a:t>
-            </a:r>
-          </a:p>
-          <a:p>
-            <a:r>
-              <a:rPr lang="de-DE" dirty="0"/>
-              <a:t>DISPLAY_DB 0</a:t>
-            </a:r>
-          </a:p>
-          <a:p>
-            <a:r>
-              <a:rPr lang="de-DE" dirty="0"/>
-              <a:t>DISPLAY_DB 1</a:t>
-            </a:r>
-          </a:p>
-          <a:p>
-            <a:r>
-              <a:rPr lang="de-DE" dirty="0"/>
-              <a:t>DISPLAY_DB 2</a:t>
-            </a:r>
-          </a:p>
-          <a:p>
-            <a:r>
-              <a:rPr lang="de-DE" dirty="0"/>
-              <a:t>DISPLAY_DB 3</a:t>
-            </a:r>
-          </a:p>
-          <a:p>
-            <a:r>
-              <a:rPr lang="de-DE" dirty="0"/>
-              <a:t>DISPLAY_DB 4</a:t>
-            </a:r>
-          </a:p>
-          <a:p>
-            <a:r>
-              <a:rPr lang="de-DE" dirty="0"/>
-              <a:t>DISPLAY_DB 5</a:t>
-            </a:r>
-          </a:p>
-          <a:p>
-            <a:r>
-              <a:rPr lang="de-DE" dirty="0"/>
-              <a:t>DISPLAY_DB 6</a:t>
-            </a:r>
-          </a:p>
-          <a:p>
-            <a:r>
-              <a:rPr lang="de-DE" dirty="0"/>
-              <a:t>DISPLAY_DB 7</a:t>
-            </a:r>
-          </a:p>
-          <a:p>
-            <a:r>
-              <a:rPr lang="de-DE" dirty="0" err="1"/>
-              <a:t>jmp</a:t>
-            </a:r>
-            <a:r>
-              <a:rPr lang="de-DE" dirty="0"/>
+            <a:pPr marL="0" indent="0">
+              <a:buNone/>
+            </a:pPr>
+            <a:r>
+              <a:rPr lang="de-DE" sz="2400" dirty="0">
+                <a:solidFill>
+                  <a:schemeClr val="accent1">
+                    <a:lumMod val="75000"/>
+                  </a:schemeClr>
+                </a:solidFill>
+              </a:rPr>
+              <a:t>MOV</a:t>
+            </a:r>
+            <a:r>
+              <a:rPr lang="de-DE" sz="2400" dirty="0"/>
               <a:t> </a:t>
             </a:r>
             <a:r>
-              <a:rPr lang="de-DE" dirty="0" err="1"/>
-              <a:t>leerlauf</a:t>
-            </a:r>
-            <a:endParaRPr lang="de-DE" dirty="0"/>
-          </a:p>
-          <a:p>
-            <a:r>
-              <a:rPr lang="de-DE" dirty="0"/>
-              <a:t>; 2 ausgeben</a:t>
-            </a:r>
-          </a:p>
-          <a:p>
-            <a:r>
-              <a:rPr lang="de-DE" dirty="0"/>
-              <a:t>win_spieler2:</a:t>
-            </a:r>
-          </a:p>
-          <a:p>
-            <a:r>
-              <a:rPr lang="de-DE" dirty="0"/>
-              <a:t>mov </a:t>
-            </a:r>
-            <a:r>
-              <a:rPr lang="de-DE" dirty="0" err="1"/>
-              <a:t>dptr</a:t>
-            </a:r>
-            <a:r>
-              <a:rPr lang="de-DE" dirty="0"/>
-              <a:t>, #display_2</a:t>
-            </a:r>
-          </a:p>
-          <a:p>
-            <a:r>
-              <a:rPr lang="de-DE" dirty="0"/>
-              <a:t>DISPLAY_DB 0</a:t>
-            </a:r>
-          </a:p>
-          <a:p>
-            <a:r>
-              <a:rPr lang="de-DE" dirty="0"/>
-              <a:t>DISPLAY_DB 1</a:t>
-            </a:r>
-          </a:p>
-          <a:p>
-            <a:r>
-              <a:rPr lang="de-DE" dirty="0"/>
-              <a:t>DISPLAY_DB 2</a:t>
-            </a:r>
-          </a:p>
-          <a:p>
-            <a:r>
-              <a:rPr lang="de-DE" dirty="0"/>
-              <a:t>DISPLAY_DB 3</a:t>
-            </a:r>
-          </a:p>
-          <a:p>
-            <a:r>
-              <a:rPr lang="de-DE" dirty="0"/>
-              <a:t>DISPLAY_DB 4</a:t>
-            </a:r>
-          </a:p>
-          <a:p>
-            <a:r>
-              <a:rPr lang="de-DE" dirty="0"/>
-              <a:t>DISPLAY_DB 5</a:t>
-            </a:r>
-          </a:p>
-          <a:p>
-            <a:r>
-              <a:rPr lang="de-DE" dirty="0"/>
-              <a:t>DISPLAY_DB 6</a:t>
-            </a:r>
-          </a:p>
-          <a:p>
-            <a:r>
-              <a:rPr lang="de-DE" dirty="0"/>
-              <a:t>DISPLAY_DB 7</a:t>
-            </a:r>
-          </a:p>
-          <a:p>
-            <a:r>
-              <a:rPr lang="de-DE" dirty="0" err="1"/>
-              <a:t>jmp</a:t>
-            </a:r>
-            <a:r>
-              <a:rPr lang="de-DE" dirty="0"/>
+              <a:rPr lang="de-DE" sz="2400" dirty="0">
+                <a:solidFill>
+                  <a:schemeClr val="accent1">
+                    <a:lumMod val="75000"/>
+                  </a:schemeClr>
+                </a:solidFill>
+              </a:rPr>
+              <a:t>a</a:t>
+            </a:r>
+            <a:r>
+              <a:rPr lang="de-DE" sz="2400" dirty="0"/>
+              <a:t>, </a:t>
+            </a:r>
+            <a:r>
+              <a:rPr lang="de-DE" sz="2400" dirty="0">
+                <a:solidFill>
+                  <a:srgbClr val="FFC000"/>
+                </a:solidFill>
+              </a:rPr>
+              <a:t>#SPIELER1</a:t>
+            </a:r>
+          </a:p>
+          <a:p>
+            <a:pPr marL="0" indent="0">
+              <a:buNone/>
+            </a:pPr>
+            <a:r>
+              <a:rPr lang="de-DE" sz="2400" dirty="0">
+                <a:solidFill>
+                  <a:schemeClr val="accent1">
+                    <a:lumMod val="75000"/>
+                  </a:schemeClr>
+                </a:solidFill>
+              </a:rPr>
+              <a:t>CJNE</a:t>
+            </a:r>
+            <a:r>
+              <a:rPr lang="de-DE" sz="2400" dirty="0"/>
               <a:t> </a:t>
             </a:r>
             <a:r>
-              <a:rPr lang="de-DE" dirty="0" err="1"/>
-              <a:t>leerlauf</a:t>
-            </a:r>
-            <a:endParaRPr lang="de-DE" dirty="0"/>
-          </a:p>
-          <a:p>
-            <a:endParaRPr lang="de-DE" dirty="0"/>
-          </a:p>
-          <a:p>
-            <a:r>
-              <a:rPr lang="de-DE" dirty="0" err="1"/>
-              <a:t>leerlauf</a:t>
-            </a:r>
-            <a:r>
-              <a:rPr lang="de-DE" dirty="0"/>
+              <a:rPr lang="de-DE" sz="2400" dirty="0">
+                <a:solidFill>
+                  <a:schemeClr val="accent1">
+                    <a:lumMod val="75000"/>
+                  </a:schemeClr>
+                </a:solidFill>
+              </a:rPr>
+              <a:t>a</a:t>
+            </a:r>
+            <a:r>
+              <a:rPr lang="de-DE" sz="2400" dirty="0"/>
+              <a:t>, </a:t>
+            </a:r>
+            <a:r>
+              <a:rPr lang="de-DE" sz="2400" dirty="0">
+                <a:solidFill>
+                  <a:srgbClr val="00B050"/>
+                </a:solidFill>
+              </a:rPr>
+              <a:t>AKTIVERSPIELER, </a:t>
+            </a:r>
+            <a:r>
+              <a:rPr lang="de-DE" sz="2400" dirty="0" err="1">
+                <a:solidFill>
+                  <a:srgbClr val="00B050"/>
+                </a:solidFill>
+              </a:rPr>
+              <a:t>spieler_zwei</a:t>
+            </a:r>
+            <a:endParaRPr lang="de-DE" sz="2400" dirty="0">
+              <a:solidFill>
+                <a:srgbClr val="00B050"/>
+              </a:solidFill>
+            </a:endParaRPr>
+          </a:p>
+          <a:p>
+            <a:pPr marL="0" indent="0">
+              <a:buNone/>
+            </a:pPr>
+            <a:r>
+              <a:rPr lang="de-DE" sz="2400" dirty="0">
+                <a:solidFill>
+                  <a:schemeClr val="accent1">
+                    <a:lumMod val="75000"/>
+                  </a:schemeClr>
+                </a:solidFill>
+              </a:rPr>
+              <a:t>MOV</a:t>
+            </a:r>
+            <a:r>
+              <a:rPr lang="de-DE" sz="2400" dirty="0"/>
+              <a:t> </a:t>
+            </a:r>
+            <a:r>
+              <a:rPr lang="de-DE" sz="2400" dirty="0">
+                <a:solidFill>
+                  <a:srgbClr val="00B050"/>
+                </a:solidFill>
+              </a:rPr>
+              <a:t>AKTIVERSPIELER, </a:t>
+            </a:r>
+            <a:r>
+              <a:rPr lang="de-DE" sz="2400" dirty="0">
+                <a:solidFill>
+                  <a:srgbClr val="FFC000"/>
+                </a:solidFill>
+              </a:rPr>
+              <a:t>#SPIELER2</a:t>
+            </a:r>
+          </a:p>
+          <a:p>
+            <a:pPr marL="0" indent="0">
+              <a:buNone/>
+            </a:pPr>
+            <a:r>
+              <a:rPr lang="de-DE" sz="2400" dirty="0">
+                <a:solidFill>
+                  <a:schemeClr val="accent1">
+                    <a:lumMod val="75000"/>
+                  </a:schemeClr>
+                </a:solidFill>
+              </a:rPr>
+              <a:t>RET</a:t>
+            </a:r>
+          </a:p>
+          <a:p>
+            <a:pPr marL="0" indent="0">
+              <a:buNone/>
+            </a:pPr>
+            <a:r>
+              <a:rPr lang="de-DE" sz="2400" dirty="0" err="1">
+                <a:solidFill>
+                  <a:schemeClr val="accent4">
+                    <a:lumMod val="75000"/>
+                  </a:schemeClr>
+                </a:solidFill>
+              </a:rPr>
+              <a:t>spieler_zwei</a:t>
+            </a:r>
+            <a:r>
+              <a:rPr lang="de-DE" sz="2400" dirty="0">
+                <a:solidFill>
+                  <a:schemeClr val="accent4">
+                    <a:lumMod val="75000"/>
+                  </a:schemeClr>
+                </a:solidFill>
+              </a:rPr>
               <a:t>:</a:t>
             </a:r>
           </a:p>
           <a:p>
-            <a:r>
-              <a:rPr lang="de-DE" dirty="0"/>
-              <a:t>mov a, p2</a:t>
-            </a:r>
-          </a:p>
-          <a:p>
-            <a:r>
-              <a:rPr lang="de-DE" dirty="0" err="1"/>
-              <a:t>cpl</a:t>
-            </a:r>
-            <a:r>
-              <a:rPr lang="de-DE" dirty="0"/>
-              <a:t> a</a:t>
-            </a:r>
-          </a:p>
-          <a:p>
-            <a:r>
-              <a:rPr lang="de-DE" dirty="0" err="1"/>
-              <a:t>cjne</a:t>
-            </a:r>
-            <a:r>
-              <a:rPr lang="de-DE" dirty="0"/>
-              <a:t> a, #10000001b, </a:t>
-            </a:r>
-            <a:r>
-              <a:rPr lang="de-DE" dirty="0" err="1"/>
-              <a:t>leerlauf</a:t>
-            </a:r>
-            <a:r>
-              <a:rPr lang="de-DE" dirty="0"/>
-              <a:t> ; wenn erste und letzter </a:t>
-            </a:r>
-            <a:r>
-              <a:rPr lang="de-DE" dirty="0" err="1"/>
-              <a:t>button</a:t>
-            </a:r>
-            <a:r>
-              <a:rPr lang="de-DE" dirty="0"/>
-              <a:t> gedrückt -&gt; </a:t>
-            </a:r>
-            <a:r>
-              <a:rPr lang="de-DE" dirty="0" err="1"/>
-              <a:t>neustart</a:t>
-            </a:r>
-            <a:endParaRPr lang="de-DE" dirty="0"/>
-          </a:p>
-          <a:p>
-            <a:r>
-              <a:rPr lang="de-DE" dirty="0" err="1"/>
-              <a:t>jmp</a:t>
-            </a:r>
-            <a:r>
-              <a:rPr lang="de-DE" dirty="0"/>
+            <a:pPr marL="0" indent="0">
+              <a:buNone/>
+            </a:pPr>
+            <a:r>
+              <a:rPr lang="de-DE" sz="2400" dirty="0">
+                <a:solidFill>
+                  <a:schemeClr val="accent1">
+                    <a:lumMod val="75000"/>
+                  </a:schemeClr>
+                </a:solidFill>
+              </a:rPr>
+              <a:t>MOV</a:t>
+            </a:r>
+            <a:r>
+              <a:rPr lang="de-DE" sz="2400" dirty="0"/>
               <a:t> </a:t>
             </a:r>
             <a:r>
-              <a:rPr lang="de-DE" dirty="0" err="1"/>
-              <a:t>neustart</a:t>
-            </a:r>
-            <a:endParaRPr lang="de-DE" dirty="0"/>
+              <a:rPr lang="de-DE" sz="2400" dirty="0">
+                <a:solidFill>
+                  <a:srgbClr val="00B050"/>
+                </a:solidFill>
+              </a:rPr>
+              <a:t>AKTIVERSPIELER</a:t>
+            </a:r>
+            <a:r>
+              <a:rPr lang="de-DE" sz="2400" dirty="0"/>
+              <a:t>, </a:t>
+            </a:r>
+            <a:r>
+              <a:rPr lang="de-DE" sz="2400" dirty="0">
+                <a:solidFill>
+                  <a:srgbClr val="FFC000"/>
+                </a:solidFill>
+              </a:rPr>
+              <a:t>#SPIELER1</a:t>
+            </a:r>
+          </a:p>
+          <a:p>
+            <a:pPr marL="0" indent="0">
+              <a:buNone/>
+            </a:pPr>
+            <a:r>
+              <a:rPr lang="de-DE" sz="2400" dirty="0">
+                <a:solidFill>
+                  <a:schemeClr val="accent1">
+                    <a:lumMod val="75000"/>
+                  </a:schemeClr>
+                </a:solidFill>
+              </a:rPr>
+              <a:t>RET</a:t>
+            </a:r>
           </a:p>
         </p:txBody>
       </p:sp>
     </p:spTree>
     <p:extLst>
       <p:ext uri="{BB962C8B-B14F-4D97-AF65-F5344CB8AC3E}">
-        <p14:creationId xmlns:p14="http://schemas.microsoft.com/office/powerpoint/2010/main" val="3602023725"/>
+        <p14:creationId xmlns:p14="http://schemas.microsoft.com/office/powerpoint/2010/main" val="3702486606"/>
       </p:ext>
     </p:extLst>
   </p:cSld>
@@ -6123,12 +5700,12 @@
           <a:p>
             <a:pPr marL="0" indent="0">
               <a:lnSpc>
-                <a:spcPct val="150000"/>
+                <a:spcPct val="100000"/>
               </a:lnSpc>
               <a:buNone/>
             </a:pPr>
             <a:r>
-              <a:rPr lang="de-DE" sz="2000" dirty="0">
+              <a:rPr lang="de-DE" sz="2400" dirty="0">
                 <a:solidFill>
                   <a:schemeClr val="bg2">
                     <a:lumMod val="50000"/>
@@ -6138,7 +5715,7 @@
               <a:t>; </a:t>
             </a:r>
             <a:r>
-              <a:rPr lang="de-DE" sz="2000" dirty="0" err="1">
+              <a:rPr lang="de-DE" sz="2400" dirty="0" err="1">
                 <a:solidFill>
                   <a:schemeClr val="bg2">
                     <a:lumMod val="50000"/>
@@ -6148,7 +5725,7 @@
               <a:t>Init</a:t>
             </a:r>
             <a:r>
-              <a:rPr lang="de-DE" sz="2000" dirty="0">
+              <a:rPr lang="de-DE" sz="2400" dirty="0">
                 <a:solidFill>
                   <a:schemeClr val="bg2">
                     <a:lumMod val="50000"/>
@@ -6158,7 +5735,7 @@
               <a:t> setzt Ausgänge und Speicherbereiche auf Initialwerte, aktiviert </a:t>
             </a:r>
             <a:r>
-              <a:rPr lang="de-DE" sz="2000" dirty="0" err="1">
+              <a:rPr lang="de-DE" sz="2400" dirty="0" err="1">
                 <a:solidFill>
                   <a:schemeClr val="bg2">
                     <a:lumMod val="50000"/>
@@ -6167,7 +5744,7 @@
               </a:rPr>
               <a:t>timer</a:t>
             </a:r>
-            <a:endParaRPr lang="de-DE" sz="2000" dirty="0">
+            <a:endParaRPr lang="de-DE" sz="2400" dirty="0">
               <a:solidFill>
                 <a:schemeClr val="bg2">
                   <a:lumMod val="50000"/>
@@ -6178,299 +5755,392 @@
           <a:p>
             <a:pPr marL="0" indent="0">
               <a:lnSpc>
-                <a:spcPct val="150000"/>
+                <a:spcPct val="100000"/>
               </a:lnSpc>
               <a:buNone/>
             </a:pPr>
             <a:r>
-              <a:rPr lang="de-DE" sz="2000" dirty="0" err="1">
+              <a:rPr lang="de-DE" sz="2400" dirty="0" err="1">
+                <a:solidFill>
+                  <a:schemeClr val="accent4">
+                    <a:lumMod val="75000"/>
+                  </a:schemeClr>
+                </a:solidFill>
+              </a:rPr>
+              <a:t>init</a:t>
+            </a:r>
+            <a:r>
+              <a:rPr lang="de-DE" sz="2400" dirty="0">
+                <a:solidFill>
+                  <a:schemeClr val="accent4">
+                    <a:lumMod val="75000"/>
+                  </a:schemeClr>
+                </a:solidFill>
+              </a:rPr>
+              <a:t>:</a:t>
+            </a:r>
+          </a:p>
+          <a:p>
+            <a:pPr marL="0" indent="0">
+              <a:lnSpc>
+                <a:spcPct val="100000"/>
+              </a:lnSpc>
+              <a:buNone/>
+            </a:pPr>
+            <a:r>
+              <a:rPr lang="de-DE" sz="2400" dirty="0">
+                <a:solidFill>
+                  <a:schemeClr val="accent1">
+                    <a:lumMod val="75000"/>
+                  </a:schemeClr>
+                </a:solidFill>
+              </a:rPr>
+              <a:t>MOV</a:t>
+            </a:r>
+            <a:r>
+              <a:rPr lang="de-DE" sz="2400" dirty="0">
                 <a:solidFill>
                   <a:schemeClr val="bg2">
                     <a:lumMod val="50000"/>
                   </a:schemeClr>
                 </a:solidFill>
               </a:rPr>
-              <a:t>init</a:t>
-            </a:r>
-            <a:r>
-              <a:rPr lang="de-DE" sz="2000" dirty="0">
+              <a:t> COLS, 000h</a:t>
+            </a:r>
+          </a:p>
+          <a:p>
+            <a:pPr marL="0" indent="0">
+              <a:lnSpc>
+                <a:spcPct val="100000"/>
+              </a:lnSpc>
+              <a:buNone/>
+            </a:pPr>
+            <a:r>
+              <a:rPr lang="de-DE" sz="2400" dirty="0">
+                <a:solidFill>
+                  <a:schemeClr val="accent1">
+                    <a:lumMod val="75000"/>
+                  </a:schemeClr>
+                </a:solidFill>
+              </a:rPr>
+              <a:t>MOV</a:t>
+            </a:r>
+            <a:r>
+              <a:rPr lang="de-DE" sz="2400" dirty="0">
                 <a:solidFill>
                   <a:schemeClr val="bg2">
                     <a:lumMod val="50000"/>
                   </a:schemeClr>
                 </a:solidFill>
               </a:rPr>
-              <a:t>:</a:t>
-            </a:r>
-          </a:p>
-          <a:p>
-            <a:pPr marL="0" indent="0">
+              <a:t> ROWS, 000h</a:t>
+            </a:r>
+          </a:p>
+          <a:p>
+            <a:pPr marL="0" indent="0">
+              <a:lnSpc>
+                <a:spcPct val="100000"/>
+              </a:lnSpc>
+              <a:buNone/>
+            </a:pPr>
+            <a:r>
+              <a:rPr lang="de-DE" sz="2400" dirty="0">
+                <a:solidFill>
+                  <a:schemeClr val="accent1">
+                    <a:lumMod val="75000"/>
+                  </a:schemeClr>
+                </a:solidFill>
+              </a:rPr>
+              <a:t>MOV</a:t>
+            </a:r>
+            <a:r>
+              <a:rPr lang="de-DE" sz="2400" dirty="0">
+                <a:solidFill>
+                  <a:schemeClr val="bg2">
+                    <a:lumMod val="50000"/>
+                  </a:schemeClr>
+                </a:solidFill>
+              </a:rPr>
+              <a:t> IE, #10010010b</a:t>
+            </a:r>
+          </a:p>
+          <a:p>
+            <a:pPr marL="0" indent="0">
+              <a:lnSpc>
+                <a:spcPct val="100000"/>
+              </a:lnSpc>
+              <a:buNone/>
+            </a:pPr>
+            <a:r>
+              <a:rPr lang="de-DE" sz="2400" dirty="0">
+                <a:solidFill>
+                  <a:schemeClr val="accent1">
+                    <a:lumMod val="75000"/>
+                  </a:schemeClr>
+                </a:solidFill>
+              </a:rPr>
+              <a:t>MOV</a:t>
+            </a:r>
+            <a:r>
+              <a:rPr lang="de-DE" sz="2400" dirty="0">
+                <a:solidFill>
+                  <a:schemeClr val="bg2">
+                    <a:lumMod val="50000"/>
+                  </a:schemeClr>
+                </a:solidFill>
+              </a:rPr>
+              <a:t> </a:t>
+            </a:r>
+            <a:r>
+              <a:rPr lang="de-DE" sz="2400" dirty="0" err="1">
+                <a:solidFill>
+                  <a:schemeClr val="bg2">
+                    <a:lumMod val="50000"/>
+                  </a:schemeClr>
+                </a:solidFill>
+              </a:rPr>
+              <a:t>tmod</a:t>
+            </a:r>
+            <a:r>
+              <a:rPr lang="de-DE" sz="2400" dirty="0">
+                <a:solidFill>
+                  <a:schemeClr val="bg2">
+                    <a:lumMod val="50000"/>
+                  </a:schemeClr>
+                </a:solidFill>
+              </a:rPr>
+              <a:t>, #00000010b</a:t>
+            </a:r>
+          </a:p>
+          <a:p>
+            <a:pPr marL="0" indent="0">
+              <a:lnSpc>
+                <a:spcPct val="100000"/>
+              </a:lnSpc>
+              <a:buNone/>
+            </a:pPr>
+            <a:r>
+              <a:rPr lang="de-DE" sz="2400" dirty="0">
+                <a:solidFill>
+                  <a:schemeClr val="accent1">
+                    <a:lumMod val="75000"/>
+                  </a:schemeClr>
+                </a:solidFill>
+              </a:rPr>
+              <a:t>MOV</a:t>
+            </a:r>
+            <a:r>
+              <a:rPr lang="de-DE" sz="2400" dirty="0">
+                <a:solidFill>
+                  <a:schemeClr val="bg2">
+                    <a:lumMod val="50000"/>
+                  </a:schemeClr>
+                </a:solidFill>
+              </a:rPr>
+              <a:t> r6, #00h</a:t>
+            </a:r>
+          </a:p>
+        </p:txBody>
+      </p:sp>
+      <p:sp>
+        <p:nvSpPr>
+          <p:cNvPr id="4" name="Textfeld 3">
+            <a:extLst>
+              <a:ext uri="{FF2B5EF4-FFF2-40B4-BE49-F238E27FC236}">
+                <a16:creationId xmlns:a16="http://schemas.microsoft.com/office/drawing/2014/main" id="{945B08C3-C81E-4B53-BBED-946FA0D830B5}"/>
+              </a:ext>
+            </a:extLst>
+          </p:cNvPr>
+          <p:cNvSpPr txBox="1"/>
+          <p:nvPr/>
+        </p:nvSpPr>
+        <p:spPr>
+          <a:xfrm>
+            <a:off x="6294268" y="1325563"/>
+            <a:ext cx="5264458" cy="4467057"/>
+          </a:xfrm>
+          <a:prstGeom prst="rect">
+            <a:avLst/>
+          </a:prstGeom>
+          <a:noFill/>
+        </p:spPr>
+        <p:txBody>
+          <a:bodyPr wrap="square" rtlCol="0">
+            <a:spAutoFit/>
+          </a:bodyPr>
+          <a:lstStyle/>
+          <a:p>
+            <a:pPr>
               <a:lnSpc>
                 <a:spcPct val="150000"/>
               </a:lnSpc>
-              <a:buNone/>
-            </a:pPr>
-            <a:r>
-              <a:rPr lang="de-DE" sz="2000" dirty="0">
+            </a:pPr>
+            <a:r>
+              <a:rPr lang="de-DE" sz="2400" dirty="0">
+                <a:solidFill>
+                  <a:schemeClr val="accent1">
+                    <a:lumMod val="75000"/>
+                  </a:schemeClr>
+                </a:solidFill>
+              </a:rPr>
+              <a:t>MOV</a:t>
+            </a:r>
+            <a:r>
+              <a:rPr lang="de-DE" sz="2400" dirty="0">
                 <a:solidFill>
                   <a:schemeClr val="bg2">
                     <a:lumMod val="50000"/>
                   </a:schemeClr>
                 </a:solidFill>
               </a:rPr>
-              <a:t>MOV COLS, 000h</a:t>
-            </a:r>
-          </a:p>
-          <a:p>
-            <a:pPr marL="0" indent="0">
+              <a:t> R7, #00h</a:t>
+            </a:r>
+          </a:p>
+          <a:p>
+            <a:pPr>
               <a:lnSpc>
                 <a:spcPct val="150000"/>
               </a:lnSpc>
-              <a:buNone/>
-            </a:pPr>
-            <a:r>
-              <a:rPr lang="de-DE" sz="2000" dirty="0">
+            </a:pPr>
+            <a:r>
+              <a:rPr lang="de-DE" sz="2400" dirty="0">
+                <a:solidFill>
+                  <a:schemeClr val="accent1">
+                    <a:lumMod val="75000"/>
+                  </a:schemeClr>
+                </a:solidFill>
+              </a:rPr>
+              <a:t>MOV</a:t>
+            </a:r>
+            <a:r>
+              <a:rPr lang="de-DE" sz="2400" dirty="0">
                 <a:solidFill>
                   <a:schemeClr val="bg2">
                     <a:lumMod val="50000"/>
                   </a:schemeClr>
                 </a:solidFill>
               </a:rPr>
-              <a:t>MOV ROWS, 000h</a:t>
-            </a:r>
-          </a:p>
-          <a:p>
-            <a:pPr marL="0" indent="0">
+              <a:t> tl0, #0c0h</a:t>
+            </a:r>
+          </a:p>
+          <a:p>
+            <a:pPr>
               <a:lnSpc>
                 <a:spcPct val="150000"/>
               </a:lnSpc>
-              <a:buNone/>
-            </a:pPr>
-            <a:r>
-              <a:rPr lang="de-DE" sz="2000" dirty="0">
+            </a:pPr>
+            <a:r>
+              <a:rPr lang="de-DE" sz="2400" dirty="0">
+                <a:solidFill>
+                  <a:schemeClr val="accent1">
+                    <a:lumMod val="75000"/>
+                  </a:schemeClr>
+                </a:solidFill>
+              </a:rPr>
+              <a:t>MOV</a:t>
+            </a:r>
+            <a:r>
+              <a:rPr lang="de-DE" sz="2400" dirty="0">
                 <a:solidFill>
                   <a:schemeClr val="bg2">
                     <a:lumMod val="50000"/>
                   </a:schemeClr>
                 </a:solidFill>
               </a:rPr>
-              <a:t>mov IE, #10010010b</a:t>
-            </a:r>
-          </a:p>
-          <a:p>
-            <a:pPr marL="0" indent="0">
+              <a:t> th0, #0c0h</a:t>
+            </a:r>
+          </a:p>
+          <a:p>
+            <a:pPr>
               <a:lnSpc>
                 <a:spcPct val="150000"/>
               </a:lnSpc>
-              <a:buNone/>
-            </a:pPr>
-            <a:r>
-              <a:rPr lang="de-DE" sz="2000" dirty="0">
+            </a:pPr>
+            <a:r>
+              <a:rPr lang="de-DE" sz="2400" dirty="0">
                 <a:solidFill>
                   <a:schemeClr val="bg2">
                     <a:lumMod val="50000"/>
                   </a:schemeClr>
                 </a:solidFill>
               </a:rPr>
-              <a:t>mov </a:t>
-            </a:r>
-            <a:r>
-              <a:rPr lang="de-DE" sz="2000" dirty="0" err="1">
-                <a:solidFill>
-                  <a:schemeClr val="bg2">
-                    <a:lumMod val="50000"/>
-                  </a:schemeClr>
-                </a:solidFill>
-              </a:rPr>
-              <a:t>tmod</a:t>
-            </a:r>
-            <a:r>
-              <a:rPr lang="de-DE" sz="2000" dirty="0">
-                <a:solidFill>
-                  <a:schemeClr val="bg2">
-                    <a:lumMod val="50000"/>
-                  </a:schemeClr>
-                </a:solidFill>
-              </a:rPr>
-              <a:t>, #00000010b</a:t>
-            </a:r>
-          </a:p>
-          <a:p>
-            <a:pPr marL="0" indent="0">
+              <a:t>SETB tr0</a:t>
+            </a:r>
+          </a:p>
+          <a:p>
+            <a:pPr>
               <a:lnSpc>
                 <a:spcPct val="150000"/>
               </a:lnSpc>
-              <a:buNone/>
-            </a:pPr>
-            <a:r>
-              <a:rPr lang="de-DE" sz="2000" dirty="0">
+            </a:pPr>
+            <a:r>
+              <a:rPr lang="de-DE" sz="2400" dirty="0">
+                <a:solidFill>
+                  <a:schemeClr val="accent1">
+                    <a:lumMod val="75000"/>
+                  </a:schemeClr>
+                </a:solidFill>
+              </a:rPr>
+              <a:t>MOV</a:t>
+            </a:r>
+            <a:r>
+              <a:rPr lang="de-DE" sz="2400" dirty="0">
                 <a:solidFill>
                   <a:schemeClr val="bg2">
                     <a:lumMod val="50000"/>
                   </a:schemeClr>
                 </a:solidFill>
               </a:rPr>
-              <a:t>mov r6, #00h</a:t>
-            </a:r>
-          </a:p>
-          <a:p>
-            <a:pPr marL="0" indent="0">
+              <a:t> </a:t>
+            </a:r>
+            <a:r>
+              <a:rPr lang="de-DE" sz="2400" dirty="0" err="1">
+                <a:solidFill>
+                  <a:schemeClr val="bg2">
+                    <a:lumMod val="50000"/>
+                  </a:schemeClr>
+                </a:solidFill>
+              </a:rPr>
+              <a:t>aktiverspieler</a:t>
+            </a:r>
+            <a:r>
+              <a:rPr lang="de-DE" sz="2400" dirty="0">
+                <a:solidFill>
+                  <a:schemeClr val="bg2">
+                    <a:lumMod val="50000"/>
+                  </a:schemeClr>
+                </a:solidFill>
+              </a:rPr>
+              <a:t>, #spieler1</a:t>
+            </a:r>
+          </a:p>
+          <a:p>
+            <a:pPr>
               <a:lnSpc>
                 <a:spcPct val="150000"/>
               </a:lnSpc>
-              <a:buNone/>
-            </a:pPr>
-            <a:r>
-              <a:rPr lang="de-DE" sz="2000" dirty="0">
+            </a:pPr>
+            <a:r>
+              <a:rPr lang="de-DE" sz="2400" dirty="0">
                 <a:solidFill>
                   <a:schemeClr val="bg2">
                     <a:lumMod val="50000"/>
                   </a:schemeClr>
                 </a:solidFill>
               </a:rPr>
-              <a:t>mov R7, #00h</a:t>
-            </a:r>
-          </a:p>
-          <a:p>
-            <a:pPr marL="0" indent="0">
-              <a:lnSpc>
-                <a:spcPct val="150000"/>
-              </a:lnSpc>
-              <a:buNone/>
-            </a:pPr>
-            <a:r>
-              <a:rPr lang="de-DE" sz="2000" dirty="0">
+              <a:t>CALL </a:t>
+            </a:r>
+            <a:r>
+              <a:rPr lang="de-DE" sz="2400" dirty="0" err="1">
                 <a:solidFill>
                   <a:schemeClr val="bg2">
                     <a:lumMod val="50000"/>
                   </a:schemeClr>
                 </a:solidFill>
               </a:rPr>
-              <a:t>mov tl0, #0c0h</a:t>
-            </a:r>
-          </a:p>
-          <a:p>
-            <a:pPr marL="0" indent="0">
-              <a:lnSpc>
-                <a:spcPct val="150000"/>
-              </a:lnSpc>
-              <a:buNone/>
-            </a:pPr>
-            <a:r>
-              <a:rPr lang="de-DE" sz="2000" dirty="0">
-                <a:solidFill>
-                  <a:schemeClr val="bg2">
-                    <a:lumMod val="50000"/>
-                  </a:schemeClr>
-                </a:solidFill>
-              </a:rPr>
-              <a:t>mov th0, #0c0h</a:t>
-            </a:r>
-          </a:p>
-          <a:p>
-            <a:pPr marL="0" indent="0">
-              <a:lnSpc>
-                <a:spcPct val="150000"/>
-              </a:lnSpc>
-              <a:buNone/>
-            </a:pPr>
-            <a:r>
-              <a:rPr lang="de-DE" sz="2000" dirty="0" err="1">
-                <a:solidFill>
-                  <a:schemeClr val="bg2">
-                    <a:lumMod val="50000"/>
-                  </a:schemeClr>
-                </a:solidFill>
-              </a:rPr>
-              <a:t>setb</a:t>
-            </a:r>
-            <a:r>
-              <a:rPr lang="de-DE" sz="2000" dirty="0">
-                <a:solidFill>
-                  <a:schemeClr val="bg2">
-                    <a:lumMod val="50000"/>
-                  </a:schemeClr>
-                </a:solidFill>
-              </a:rPr>
-              <a:t> tr0</a:t>
-            </a:r>
-          </a:p>
-          <a:p>
-            <a:pPr marL="0" indent="0">
-              <a:lnSpc>
-                <a:spcPct val="150000"/>
-              </a:lnSpc>
-              <a:buNone/>
-            </a:pPr>
-            <a:r>
-              <a:rPr lang="de-DE" sz="2000" dirty="0">
-                <a:solidFill>
-                  <a:schemeClr val="bg2">
-                    <a:lumMod val="50000"/>
-                  </a:schemeClr>
-                </a:solidFill>
-              </a:rPr>
-              <a:t>mov </a:t>
-            </a:r>
-            <a:r>
-              <a:rPr lang="de-DE" sz="2000" dirty="0" err="1">
-                <a:solidFill>
-                  <a:schemeClr val="bg2">
-                    <a:lumMod val="50000"/>
-                  </a:schemeClr>
-                </a:solidFill>
-              </a:rPr>
-              <a:t>aktiverspieler</a:t>
-            </a:r>
-            <a:r>
-              <a:rPr lang="de-DE" sz="2000" dirty="0">
-                <a:solidFill>
-                  <a:schemeClr val="bg2">
-                    <a:lumMod val="50000"/>
-                  </a:schemeClr>
-                </a:solidFill>
-              </a:rPr>
-              <a:t>, #spieler1</a:t>
-            </a:r>
-          </a:p>
-          <a:p>
-            <a:pPr marL="0" indent="0">
-              <a:lnSpc>
-                <a:spcPct val="150000"/>
-              </a:lnSpc>
-              <a:buNone/>
-            </a:pPr>
-            <a:r>
-              <a:rPr lang="de-DE" sz="2000" dirty="0" err="1">
-                <a:solidFill>
-                  <a:schemeClr val="bg2">
-                    <a:lumMod val="50000"/>
-                  </a:schemeClr>
-                </a:solidFill>
-              </a:rPr>
-              <a:t>call</a:t>
-            </a:r>
-            <a:r>
-              <a:rPr lang="de-DE" sz="2000" dirty="0">
-                <a:solidFill>
-                  <a:schemeClr val="bg2">
-                    <a:lumMod val="50000"/>
-                  </a:schemeClr>
-                </a:solidFill>
-              </a:rPr>
-              <a:t> </a:t>
-            </a:r>
-            <a:r>
-              <a:rPr lang="de-DE" sz="2000" dirty="0" err="1">
-                <a:solidFill>
-                  <a:schemeClr val="bg2">
-                    <a:lumMod val="50000"/>
-                  </a:schemeClr>
-                </a:solidFill>
-              </a:rPr>
               <a:t>display</a:t>
             </a:r>
-            <a:endParaRPr lang="de-DE" sz="2000" dirty="0">
+            <a:endParaRPr lang="de-DE" sz="2400" dirty="0">
               <a:solidFill>
                 <a:schemeClr val="bg2">
                   <a:lumMod val="50000"/>
@@ -6479,61 +6149,39 @@
             </a:endParaRPr>
           </a:p>
           <a:p>
-            <a:pPr marL="0" indent="0">
+            <a:pPr>
               <a:lnSpc>
                 <a:spcPct val="150000"/>
               </a:lnSpc>
-              <a:buNone/>
-            </a:pPr>
-            <a:r>
-              <a:rPr lang="de-DE" sz="2000" dirty="0" err="1">
+            </a:pPr>
+            <a:r>
+              <a:rPr lang="de-DE" sz="2400" dirty="0">
                 <a:solidFill>
                   <a:schemeClr val="bg2">
                     <a:lumMod val="50000"/>
                   </a:schemeClr>
                 </a:solidFill>
               </a:rPr>
-              <a:t>clr</a:t>
-            </a:r>
-            <a:r>
-              <a:rPr lang="de-DE" sz="2000" dirty="0">
-                <a:solidFill>
-                  <a:schemeClr val="bg2">
-                    <a:lumMod val="50000"/>
-                  </a:schemeClr>
-                </a:solidFill>
-              </a:rPr>
-              <a:t> EINGABEBEREIT</a:t>
-            </a:r>
-          </a:p>
-          <a:p>
-            <a:pPr marL="0" indent="0">
+              <a:t>CLR EINGABEBEREIT</a:t>
+            </a:r>
+          </a:p>
+          <a:p>
+            <a:pPr>
               <a:lnSpc>
                 <a:spcPct val="150000"/>
               </a:lnSpc>
-              <a:buNone/>
-            </a:pPr>
-            <a:r>
-              <a:rPr lang="de-DE" sz="2000" dirty="0" err="1">
+            </a:pPr>
+            <a:r>
+              <a:rPr lang="de-DE" sz="2400" dirty="0">
                 <a:solidFill>
                   <a:schemeClr val="bg2">
                     <a:lumMod val="50000"/>
                   </a:schemeClr>
                 </a:solidFill>
               </a:rPr>
-              <a:t>clr</a:t>
-            </a:r>
-            <a:r>
-              <a:rPr lang="de-DE" sz="2000" dirty="0">
-                <a:solidFill>
-                  <a:schemeClr val="bg2">
-                    <a:lumMod val="50000"/>
-                  </a:schemeClr>
-                </a:solidFill>
-              </a:rPr>
-              <a:t> C</a:t>
-            </a:r>
-            <a:endParaRPr lang="de-DE" sz="2000" dirty="0">
+              <a:t>CLR C</a:t>
+            </a:r>
+            <a:endParaRPr lang="de-DE" sz="2400" dirty="0">
               <a:solidFill>
                 <a:srgbClr val="CC0099"/>
               </a:solidFill>
@@ -6622,7 +6270,7 @@
         </p:nvSpPr>
         <p:spPr>
           <a:xfrm>
-            <a:off x="4004510" y="1921878"/>
+            <a:off x="838199" y="1699936"/>
             <a:ext cx="4182979" cy="4351338"/>
           </a:xfrm>
         </p:spPr>
@@ -6663,22 +6311,102 @@
             <a:r>
               <a:rPr lang="de-DE" sz="2400" dirty="0">
                 <a:solidFill>
+                  <a:schemeClr val="bg2">
+                    <a:lumMod val="50000"/>
+                  </a:schemeClr>
+                </a:solidFill>
+              </a:rPr>
+              <a:t>; Lesen, welcher Button auf dem </a:t>
+            </a:r>
+            <a:r>
+              <a:rPr lang="de-DE" sz="2400" dirty="0" err="1">
+                <a:solidFill>
+                  <a:schemeClr val="bg2">
+                    <a:lumMod val="50000"/>
+                  </a:schemeClr>
+                </a:solidFill>
+              </a:rPr>
+              <a:t>Keypad</a:t>
+            </a:r>
+            <a:r>
+              <a:rPr lang="de-DE" sz="2400" dirty="0">
+                <a:solidFill>
+                  <a:schemeClr val="bg2">
+                    <a:lumMod val="50000"/>
+                  </a:schemeClr>
+                </a:solidFill>
+              </a:rPr>
+              <a:t> gedrückt wurde</a:t>
+            </a:r>
+          </a:p>
+          <a:p>
+            <a:pPr marL="0" indent="0">
+              <a:buNone/>
+            </a:pPr>
+            <a:r>
+              <a:rPr lang="de-DE" sz="2400" dirty="0">
+                <a:solidFill>
+                  <a:schemeClr val="bg2">
+                    <a:lumMod val="50000"/>
+                  </a:schemeClr>
+                </a:solidFill>
+              </a:rPr>
+              <a:t>; R3 = Eingabe</a:t>
+            </a:r>
+          </a:p>
+          <a:p>
+            <a:pPr marL="0" indent="0">
+              <a:buNone/>
+            </a:pPr>
+            <a:r>
+              <a:rPr lang="de-DE" sz="2400" dirty="0">
+                <a:solidFill>
+                  <a:schemeClr val="accent1">
+                    <a:lumMod val="75000"/>
+                  </a:schemeClr>
+                </a:solidFill>
+              </a:rPr>
+              <a:t>MOV</a:t>
+            </a:r>
+            <a:r>
+              <a:rPr lang="de-DE" sz="2400" dirty="0">
+                <a:solidFill>
                   <a:schemeClr val="accent4">
                     <a:lumMod val="75000"/>
                   </a:schemeClr>
                 </a:solidFill>
               </a:rPr>
-              <a:t>; Lesen, welcher Button auf dem </a:t>
-            </a:r>
-            <a:r>
-              <a:rPr lang="de-DE" sz="2400" dirty="0" err="1">
+              <a:t> a, p2</a:t>
+            </a:r>
+          </a:p>
+          <a:p>
+            <a:pPr marL="0" indent="0">
+              <a:buNone/>
+            </a:pPr>
+            <a:r>
+              <a:rPr lang="de-DE" sz="2400" dirty="0">
                 <a:solidFill>
                   <a:schemeClr val="accent4">
                     <a:lumMod val="75000"/>
                   </a:schemeClr>
                 </a:solidFill>
               </a:rPr>
-              <a:t>Keypad</a:t>
+              <a:t>CPL a</a:t>
+            </a:r>
+          </a:p>
+          <a:p>
+            <a:pPr marL="0" indent="0">
+              <a:buNone/>
+            </a:pPr>
+            <a:r>
+              <a:rPr lang="de-DE" sz="2400" dirty="0">
+                <a:solidFill>
+                  <a:schemeClr val="accent1">
+                    <a:lumMod val="75000"/>
+                  </a:schemeClr>
+                </a:solidFill>
+              </a:rPr>
+              <a:t>MOV</a:t>
             </a:r>
             <a:r>
               <a:rPr lang="de-DE" sz="2400" dirty="0">
@@ -6688,7 +6416,7 @@
                   </a:schemeClr>
                 </a:solidFill>
               </a:rPr>
-              <a:t> gedrückt wurde</a:t>
+              <a:t> r3, a</a:t>
             </a:r>
           </a:p>
           <a:p>
@@ -6703,87 +6431,7 @@
                   </a:schemeClr>
                 </a:solidFill>
               </a:rPr>
-              <a:t>; R3 = Eingabe</a:t>
-            </a:r>
-          </a:p>
-          <a:p>
-            <a:pPr marL="0" indent="0">
-              <a:buNone/>
-            </a:pPr>
-            <a:r>
-              <a:rPr lang="de-DE" sz="2400" dirty="0">
-                <a:solidFill>
-                  <a:schemeClr val="accent4">
-                    <a:lumMod val="75000"/>
-                  </a:schemeClr>
-                </a:solidFill>
-              </a:rPr>
-              <a:t>mov a, p2</a:t>
-            </a:r>
-          </a:p>
-          <a:p>
-            <a:pPr marL="0" indent="0">
-              <a:buNone/>
-            </a:pPr>
-            <a:r>
-              <a:rPr lang="de-DE" sz="2400" dirty="0" err="1">
-                <a:solidFill>
-                  <a:schemeClr val="accent4">
-                    <a:lumMod val="75000"/>
-                  </a:schemeClr>
-                </a:solidFill>
-              </a:rPr>
-              <a:t>cpl</a:t>
-            </a:r>
-            <a:r>
-              <a:rPr lang="de-DE" sz="2400" dirty="0">
-                <a:solidFill>
-                  <a:schemeClr val="accent4">
-                    <a:lumMod val="75000"/>
-                  </a:schemeClr>
-                </a:solidFill>
-              </a:rPr>
-              <a:t> a</a:t>
-            </a:r>
-          </a:p>
-          <a:p>
-            <a:pPr marL="0" indent="0">
-              <a:buNone/>
-            </a:pPr>
-            <a:r>
-              <a:rPr lang="de-DE" sz="2400" dirty="0">
-                <a:solidFill>
-                  <a:schemeClr val="accent4">
-                    <a:lumMod val="75000"/>
-                  </a:schemeClr>
-                </a:solidFill>
-              </a:rPr>
-              <a:t>mov r3, a</a:t>
-            </a:r>
-          </a:p>
-          <a:p>
-            <a:pPr marL="0" indent="0">
-              <a:buNone/>
-            </a:pPr>
-            <a:r>
-              <a:rPr lang="de-DE" sz="2400" dirty="0" err="1">
-                <a:solidFill>
-                  <a:schemeClr val="accent4">
-                    <a:lumMod val="75000"/>
-                  </a:schemeClr>
-                </a:solidFill>
-              </a:rPr>
-              <a:t>jz</a:t>
-            </a:r>
-            <a:r>
-              <a:rPr lang="de-DE" sz="2400" dirty="0">
-                <a:solidFill>
-                  <a:schemeClr val="accent4">
-                    <a:lumMod val="75000"/>
-                  </a:schemeClr>
-                </a:solidFill>
-              </a:rPr>
-              <a:t> </a:t>
+              <a:t>JZ </a:t>
             </a:r>
             <a:r>
               <a:rPr lang="de-DE" sz="2400" dirty="0" err="1">
@@ -6835,89 +6483,6 @@
       </p:grpSpPr>
       <p:sp>
         <p:nvSpPr>
-          <p:cNvPr id="2" name="Titel 1">
-            <a:extLst>
-              <a:ext uri="{FF2B5EF4-FFF2-40B4-BE49-F238E27FC236}">
-                <a16:creationId xmlns:a16="http://schemas.microsoft.com/office/drawing/2014/main" id="{6F68F59A-B259-4AA8-8633-05C323F51141}"/>
-              </a:ext>
-            </a:extLst>
-          </p:cNvPr>
-          <p:cNvSpPr>
-            <a:spLocks noGrp="1"/>
-          </p:cNvSpPr>
-          <p:nvPr>
-            <p:ph type="title"/>
-          </p:nvPr>
-        </p:nvSpPr>
-        <p:spPr/>
-        <p:txBody>
-          <a:bodyPr/>
-          <a:lstStyle/>
-          <a:p>
-            <a:r>
-              <a:rPr lang="de-DE" dirty="0"/>
-              <a:t>Eingabe zurückgesetzt?</a:t>
-            </a:r>
-          </a:p>
-        </p:txBody>
-      </p:sp>
-      <p:sp>
-        <p:nvSpPr>
-          <p:cNvPr id="3" name="Inhaltsplatzhalter 2">
-            <a:extLst>
-              <a:ext uri="{FF2B5EF4-FFF2-40B4-BE49-F238E27FC236}">
-                <a16:creationId xmlns:a16="http://schemas.microsoft.com/office/drawing/2014/main" id="{1628B728-3814-47B8-838C-5AB42DD104DB}"/>
-              </a:ext>
-            </a:extLst>
-          </p:cNvPr>
-          <p:cNvSpPr>
-            <a:spLocks noGrp="1"/>
-          </p:cNvSpPr>
-          <p:nvPr>
-            <p:ph idx="1"/>
-          </p:nvPr>
-        </p:nvSpPr>
-        <p:spPr/>
-        <p:txBody>
-          <a:bodyPr/>
-          <a:lstStyle/>
-          <a:p>
-            <a:endParaRPr lang="de-DE"/>
-          </a:p>
-        </p:txBody>
-      </p:sp>
-    </p:spTree>
-    <p:extLst>
-      <p:ext uri="{BB962C8B-B14F-4D97-AF65-F5344CB8AC3E}">
-        <p14:creationId xmlns:p14="http://schemas.microsoft.com/office/powerpoint/2010/main" val="4206787290"/>
-      </p:ext>
-    </p:extLst>
-  </p:cSld>
-  <p:clrMapOvr>
-    <a:masterClrMapping/>
-  </p:clrMapOvr>
-</p:sld>
-</file>
-
-<file path=ppt/slides/slide8.xml><?xml version="1.0" encoding="utf-8"?>
-<p:sld xmlns:a="http://schemas.openxmlformats.org/drawingml/2006/main" xmlns:r="http://schemas.openxmlformats.org/officeDocument/2006/relationships" xmlns:p="http://schemas.openxmlformats.org/presentationml/2006/main">
-  <p:cSld>
-    <p:spTree>
-      <p:nvGrpSpPr>
-        <p:cNvPr id="1" name=""/>
-        <p:cNvGrpSpPr/>
-        <p:nvPr/>
-      </p:nvGrpSpPr>
-      <p:grpSpPr>
-        <a:xfrm>
-          <a:off x="0" y="0"/>
-          <a:ext cx="0" cy="0"/>
-          <a:chOff x="0" y="0"/>
-          <a:chExt cx="0" cy="0"/>
-        </a:xfrm>
-      </p:grpSpPr>
-      <p:sp>
-        <p:nvSpPr>
           <p:cNvPr id="4" name="Rechteck 3">
             <a:extLst>
               <a:ext uri="{FF2B5EF4-FFF2-40B4-BE49-F238E27FC236}">
@@ -6960,65 +6525,6 @@
             <a:r>
               <a:rPr lang="de-DE" dirty="0"/>
               <a:t>Eingabepad auslesen</a:t>
-            </a:r>
-          </a:p>
-        </p:txBody>
-      </p:sp>
-      <p:sp>
-        <p:nvSpPr>
-          <p:cNvPr id="10" name="Rechteck: abgerundete Ecken 9">
-            <a:extLst>
-              <a:ext uri="{FF2B5EF4-FFF2-40B4-BE49-F238E27FC236}">
-                <a16:creationId xmlns:a16="http://schemas.microsoft.com/office/drawing/2014/main" id="{4B0E2089-5AC5-4C4A-BB34-FADF925924E6}"/>
-              </a:ext>
-            </a:extLst>
-          </p:cNvPr>
-          <p:cNvSpPr/>
-          <p:nvPr/>
-        </p:nvSpPr>
-        <p:spPr>
-          <a:xfrm>
-            <a:off x="3716313" y="5820374"/>
-            <a:ext cx="3575308" cy="797018"/>
-          </a:xfrm>
-          <a:prstGeom prst="roundRect">
-            <a:avLst/>
-          </a:prstGeom>
-          <a:noFill/>
-          <a:ln w="41275">
-            <a:solidFill>
-              <a:schemeClr val="tx1"/>
-            </a:solidFill>
-          </a:ln>
-        </p:spPr>
-        <p:style>
-          <a:lnRef idx="2">
-            <a:schemeClr val="accent1">
-              <a:shade val="50000"/>
-            </a:schemeClr>
-          </a:lnRef>
-          <a:fillRef idx="1">
-            <a:schemeClr val="accent1"/>
-          </a:fillRef>
-          <a:effectRef idx="0">
-            <a:schemeClr val="accent1"/>
-          </a:effectRef>
-          <a:fontRef idx="minor">
-            <a:schemeClr val="lt1"/>
-          </a:fontRef>
-        </p:style>
-        <p:txBody>
-          <a:bodyPr rtlCol="0" anchor="ctr"/>
-          <a:lstStyle/>
-          <a:p>
-            <a:pPr algn="ctr"/>
-            <a:r>
-              <a:rPr lang="de-DE" dirty="0">
-                <a:solidFill>
-                  <a:schemeClr val="tx1"/>
-                </a:solidFill>
-              </a:rPr>
-              <a:t>Spielende</a:t>
             </a:r>
           </a:p>
         </p:txBody>
@@ -7360,7 +6866,6 @@
           </p:cNvPr>
           <p:cNvCxnSpPr>
             <a:cxnSpLocks/>
-            <a:stCxn id="10" idx="3"/>
           </p:cNvCxnSpPr>
           <p:nvPr/>
         </p:nvCxnSpPr>
@@ -7824,8 +7329,8 @@
           </p:pic>
         </mc:Fallback>
       </mc:AlternateContent>
-      <mc:AlternateContent xmlns:mc="http://schemas.openxmlformats.org/markup-compatibility/2006">
-        <mc:Choice xmlns:pslz="http://schemas.microsoft.com/office/powerpoint/2016/slidezoom" Requires="pslz">
+      <mc:AlternateContent xmlns:mc="http://schemas.openxmlformats.org/markup-compatibility/2006" xmlns:pslz="http://schemas.microsoft.com/office/powerpoint/2016/slidezoom">
+        <mc:Choice Requires="pslz">
           <p:graphicFrame>
             <p:nvGraphicFramePr>
               <p:cNvPr id="28" name="Folienzoom 27">
@@ -7888,7 +7393,7 @@
             </a:graphic>
           </p:graphicFrame>
         </mc:Choice>
-        <mc:Fallback>
+        <mc:Fallback xmlns="">
           <p:pic>
             <p:nvPicPr>
               <p:cNvPr id="28" name="Folienzoom 27">
@@ -7905,7 +7410,7 @@
               <p:nvPr/>
             </p:nvPicPr>
             <p:blipFill>
-              <a:blip r:embed="rId5">
+              <a:blip r:embed="rId6">
                 <a:extLst>
                   <a:ext uri="{28A0092B-C50C-407E-A947-70E740481C1C}">
                     <a14:useLocalDpi xmlns:a14="http://schemas.microsoft.com/office/drawing/2010/main" val="0"/>
@@ -7933,8 +7438,8 @@
           </p:pic>
         </mc:Fallback>
       </mc:AlternateContent>
-      <mc:AlternateContent xmlns:mc="http://schemas.openxmlformats.org/markup-compatibility/2006" xmlns:pslz="http://schemas.microsoft.com/office/powerpoint/2016/slidezoom">
-        <mc:Choice Requires="pslz">
+      <mc:AlternateContent xmlns:mc="http://schemas.openxmlformats.org/markup-compatibility/2006">
+        <mc:Choice xmlns:pslz="http://schemas.microsoft.com/office/powerpoint/2016/slidezoom" Requires="pslz">
           <p:graphicFrame>
             <p:nvGraphicFramePr>
               <p:cNvPr id="30" name="Folienzoom 29">
@@ -7950,7 +7455,7 @@
               <p:nvPr>
                 <p:extLst>
                   <p:ext uri="{D42A27DB-BD31-4B8C-83A1-F6EECF244321}">
-                    <p14:modId xmlns:p14="http://schemas.microsoft.com/office/powerpoint/2010/main" val="1839018699"/>
+                    <p14:modId xmlns:p14="http://schemas.microsoft.com/office/powerpoint/2010/main" val="2429685940"/>
                   </p:ext>
                 </p:extLst>
               </p:nvPr>
@@ -7965,7 +7470,7 @@
                   <pslz:sldZmObj sldId="266" cId="3161684329">
                     <pslz:zmPr id="{689D5438-9EC5-400E-8145-DD4051D47EB2}" imageType="cover" transitionDur="1000">
                       <p166:blipFill xmlns:p166="http://schemas.microsoft.com/office/powerpoint/2016/6/main">
-                        <a:blip r:embed="rId6">
+                        <a:blip r:embed="rId7">
                           <a:extLst>
                             <a:ext uri="{28A0092B-C50C-407E-A947-70E740481C1C}">
                               <a14:useLocalDpi xmlns:a14="http://schemas.microsoft.com/office/drawing/2010/main" val="0"/>
@@ -7995,11 +7500,11 @@
             </a:graphic>
           </p:graphicFrame>
         </mc:Choice>
-        <mc:Fallback xmlns="">
+        <mc:Fallback>
           <p:pic>
             <p:nvPicPr>
               <p:cNvPr id="30" name="Folienzoom 29">
-                <a:hlinkClick r:id="rId7" action="ppaction://hlinksldjump"/>
+                <a:hlinkClick r:id="rId8" action="ppaction://hlinksldjump"/>
                 <a:extLst>
                   <a:ext uri="{FF2B5EF4-FFF2-40B4-BE49-F238E27FC236}">
                     <a16:creationId xmlns:a16="http://schemas.microsoft.com/office/drawing/2014/main" id="{26EAD05B-FCE7-4E84-B197-C62261E347FB}"/>
@@ -8012,7 +7517,7 @@
               <p:nvPr/>
             </p:nvPicPr>
             <p:blipFill>
-              <a:blip r:embed="rId8">
+              <a:blip r:embed="rId7">
                 <a:extLst>
                   <a:ext uri="{28A0092B-C50C-407E-A947-70E740481C1C}">
                     <a14:useLocalDpi xmlns:a14="http://schemas.microsoft.com/office/drawing/2010/main" val="0"/>
@@ -8147,10 +7652,775 @@
           </p:pic>
         </mc:Fallback>
       </mc:AlternateContent>
+      <mc:AlternateContent xmlns:mc="http://schemas.openxmlformats.org/markup-compatibility/2006">
+        <mc:Choice xmlns:pslz="http://schemas.microsoft.com/office/powerpoint/2016/slidezoom" Requires="pslz">
+          <p:graphicFrame>
+            <p:nvGraphicFramePr>
+              <p:cNvPr id="3" name="Folienzoom 2">
+                <a:extLst>
+                  <a:ext uri="{FF2B5EF4-FFF2-40B4-BE49-F238E27FC236}">
+                    <a16:creationId xmlns:a16="http://schemas.microsoft.com/office/drawing/2014/main" id="{E53F6158-3336-494A-B5C6-310712D0F135}"/>
+                  </a:ext>
+                </a:extLst>
+              </p:cNvPr>
+              <p:cNvGraphicFramePr>
+                <a:graphicFrameLocks noChangeAspect="1"/>
+              </p:cNvGraphicFramePr>
+              <p:nvPr>
+                <p:extLst>
+                  <p:ext uri="{D42A27DB-BD31-4B8C-83A1-F6EECF244321}">
+                    <p14:modId xmlns:p14="http://schemas.microsoft.com/office/powerpoint/2010/main" val="850606658"/>
+                  </p:ext>
+                </p:extLst>
+              </p:nvPr>
+            </p:nvGraphicFramePr>
+            <p:xfrm>
+              <a:off x="3618418" y="5819061"/>
+              <a:ext cx="3673203" cy="854809"/>
+            </p:xfrm>
+            <a:graphic>
+              <a:graphicData uri="http://schemas.microsoft.com/office/powerpoint/2016/slidezoom">
+                <pslz:sldZm>
+                  <pslz:sldZmObj sldId="268" cId="3602023725">
+                    <pslz:zmPr id="{7B256FF1-5160-418B-B807-FEA176A2CD6E}" imageType="cover" transitionDur="1000">
+                      <p166:blipFill xmlns:p166="http://schemas.microsoft.com/office/powerpoint/2016/6/main">
+                        <a:blip r:embed="rId12">
+                          <a:extLst>
+                            <a:ext uri="{28A0092B-C50C-407E-A947-70E740481C1C}">
+                              <a14:useLocalDpi xmlns:a14="http://schemas.microsoft.com/office/drawing/2010/main" val="0"/>
+                            </a:ext>
+                          </a:extLst>
+                        </a:blip>
+                        <a:stretch>
+                          <a:fillRect/>
+                        </a:stretch>
+                      </p166:blipFill>
+                      <p166:spPr xmlns:p166="http://schemas.microsoft.com/office/powerpoint/2016/6/main">
+                        <a:xfrm>
+                          <a:off x="0" y="0"/>
+                          <a:ext cx="3673203" cy="854809"/>
+                        </a:xfrm>
+                        <a:prstGeom prst="rect">
+                          <a:avLst/>
+                        </a:prstGeom>
+                        <a:ln w="3175">
+                          <a:noFill/>
+                        </a:ln>
+                      </p166:spPr>
+                    </pslz:zmPr>
+                  </pslz:sldZmObj>
+                </pslz:sldZm>
+              </a:graphicData>
+            </a:graphic>
+          </p:graphicFrame>
+        </mc:Choice>
+        <mc:Fallback>
+          <p:pic>
+            <p:nvPicPr>
+              <p:cNvPr id="3" name="Folienzoom 2">
+                <a:hlinkClick r:id="rId13" action="ppaction://hlinksldjump"/>
+                <a:extLst>
+                  <a:ext uri="{FF2B5EF4-FFF2-40B4-BE49-F238E27FC236}">
+                    <a16:creationId xmlns:a16="http://schemas.microsoft.com/office/drawing/2014/main" id="{E53F6158-3336-494A-B5C6-310712D0F135}"/>
+                  </a:ext>
+                </a:extLst>
+              </p:cNvPr>
+              <p:cNvPicPr>
+                <a:picLocks noGrp="1" noRot="1" noChangeAspect="1" noMove="1" noResize="1" noEditPoints="1" noAdjustHandles="1" noChangeArrowheads="1" noChangeShapeType="1"/>
+              </p:cNvPicPr>
+              <p:nvPr/>
+            </p:nvPicPr>
+            <p:blipFill>
+              <a:blip r:embed="rId12">
+                <a:extLst>
+                  <a:ext uri="{28A0092B-C50C-407E-A947-70E740481C1C}">
+                    <a14:useLocalDpi xmlns:a14="http://schemas.microsoft.com/office/drawing/2010/main" val="0"/>
+                  </a:ext>
+                </a:extLst>
+              </a:blip>
+              <a:stretch>
+                <a:fillRect/>
+              </a:stretch>
+            </p:blipFill>
+            <p:spPr>
+              <a:xfrm>
+                <a:off x="3618418" y="5819061"/>
+                <a:ext cx="3673203" cy="854809"/>
+              </a:xfrm>
+              <a:prstGeom prst="rect">
+                <a:avLst/>
+              </a:prstGeom>
+              <a:ln w="3175">
+                <a:noFill/>
+              </a:ln>
+            </p:spPr>
+          </p:pic>
+        </mc:Fallback>
+      </mc:AlternateContent>
     </p:spTree>
     <p:extLst>
       <p:ext uri="{BB962C8B-B14F-4D97-AF65-F5344CB8AC3E}">
         <p14:creationId xmlns:p14="http://schemas.microsoft.com/office/powerpoint/2010/main" val="2952799758"/>
+      </p:ext>
+    </p:extLst>
+  </p:cSld>
+  <p:clrMapOvr>
+    <a:masterClrMapping/>
+  </p:clrMapOvr>
+</p:sld>
+</file>
+
+<file path=ppt/slides/slide70.xml><?xml version="1.0" encoding="utf-8"?>
+<p:sld xmlns:a="http://schemas.openxmlformats.org/drawingml/2006/main" xmlns:r="http://schemas.openxmlformats.org/officeDocument/2006/relationships" xmlns:p="http://schemas.openxmlformats.org/presentationml/2006/main">
+  <p:cSld>
+    <p:spTree>
+      <p:nvGrpSpPr>
+        <p:cNvPr id="1" name=""/>
+        <p:cNvGrpSpPr/>
+        <p:nvPr/>
+      </p:nvGrpSpPr>
+      <p:grpSpPr>
+        <a:xfrm>
+          <a:off x="0" y="0"/>
+          <a:ext cx="0" cy="0"/>
+          <a:chOff x="0" y="0"/>
+          <a:chExt cx="0" cy="0"/>
+        </a:xfrm>
+      </p:grpSpPr>
+      <p:sp>
+        <p:nvSpPr>
+          <p:cNvPr id="2" name="Titel 1">
+            <a:extLst>
+              <a:ext uri="{FF2B5EF4-FFF2-40B4-BE49-F238E27FC236}">
+                <a16:creationId xmlns:a16="http://schemas.microsoft.com/office/drawing/2014/main" id="{6F68F59A-B259-4AA8-8633-05C323F51141}"/>
+              </a:ext>
+            </a:extLst>
+          </p:cNvPr>
+          <p:cNvSpPr>
+            <a:spLocks noGrp="1"/>
+          </p:cNvSpPr>
+          <p:nvPr>
+            <p:ph type="title"/>
+          </p:nvPr>
+        </p:nvSpPr>
+        <p:spPr/>
+        <p:txBody>
+          <a:bodyPr/>
+          <a:lstStyle/>
+          <a:p>
+            <a:r>
+              <a:rPr lang="de-DE" dirty="0"/>
+              <a:t>Eingabe zurückgesetzt?</a:t>
+            </a:r>
+          </a:p>
+        </p:txBody>
+      </p:sp>
+      <p:sp>
+        <p:nvSpPr>
+          <p:cNvPr id="3" name="Inhaltsplatzhalter 2">
+            <a:extLst>
+              <a:ext uri="{FF2B5EF4-FFF2-40B4-BE49-F238E27FC236}">
+                <a16:creationId xmlns:a16="http://schemas.microsoft.com/office/drawing/2014/main" id="{1628B728-3814-47B8-838C-5AB42DD104DB}"/>
+              </a:ext>
+            </a:extLst>
+          </p:cNvPr>
+          <p:cNvSpPr>
+            <a:spLocks noGrp="1"/>
+          </p:cNvSpPr>
+          <p:nvPr>
+            <p:ph idx="1"/>
+          </p:nvPr>
+        </p:nvSpPr>
+        <p:spPr/>
+        <p:txBody>
+          <a:bodyPr/>
+          <a:lstStyle/>
+          <a:p>
+            <a:endParaRPr lang="de-DE"/>
+          </a:p>
+        </p:txBody>
+      </p:sp>
+    </p:spTree>
+    <p:extLst>
+      <p:ext uri="{BB962C8B-B14F-4D97-AF65-F5344CB8AC3E}">
+        <p14:creationId xmlns:p14="http://schemas.microsoft.com/office/powerpoint/2010/main" val="4206787290"/>
+      </p:ext>
+    </p:extLst>
+  </p:cSld>
+  <p:clrMapOvr>
+    <a:masterClrMapping/>
+  </p:clrMapOvr>
+</p:sld>
+</file>
+
+<file path=ppt/slides/slide8.xml><?xml version="1.0" encoding="utf-8"?>
+<p:sld xmlns:a="http://schemas.openxmlformats.org/drawingml/2006/main" xmlns:r="http://schemas.openxmlformats.org/officeDocument/2006/relationships" xmlns:p="http://schemas.openxmlformats.org/presentationml/2006/main">
+  <p:cSld>
+    <p:spTree>
+      <p:nvGrpSpPr>
+        <p:cNvPr id="1" name=""/>
+        <p:cNvGrpSpPr/>
+        <p:nvPr/>
+      </p:nvGrpSpPr>
+      <p:grpSpPr>
+        <a:xfrm>
+          <a:off x="0" y="0"/>
+          <a:ext cx="0" cy="0"/>
+          <a:chOff x="0" y="0"/>
+          <a:chExt cx="0" cy="0"/>
+        </a:xfrm>
+      </p:grpSpPr>
+      <p:sp>
+        <p:nvSpPr>
+          <p:cNvPr id="2" name="Titel 1">
+            <a:extLst>
+              <a:ext uri="{FF2B5EF4-FFF2-40B4-BE49-F238E27FC236}">
+                <a16:creationId xmlns:a16="http://schemas.microsoft.com/office/drawing/2014/main" id="{9D44D46B-EA06-447C-AFB6-160680A203ED}"/>
+              </a:ext>
+            </a:extLst>
+          </p:cNvPr>
+          <p:cNvSpPr>
+            <a:spLocks noGrp="1"/>
+          </p:cNvSpPr>
+          <p:nvPr>
+            <p:ph type="title"/>
+          </p:nvPr>
+        </p:nvSpPr>
+        <p:spPr>
+          <a:xfrm>
+            <a:off x="838200" y="18255"/>
+            <a:ext cx="10515600" cy="1325563"/>
+          </a:xfrm>
+        </p:spPr>
+        <p:txBody>
+          <a:bodyPr/>
+          <a:lstStyle/>
+          <a:p>
+            <a:r>
+              <a:rPr lang="de-DE" dirty="0"/>
+              <a:t>Eingabe auswerten</a:t>
+            </a:r>
+          </a:p>
+        </p:txBody>
+      </p:sp>
+      <p:sp>
+        <p:nvSpPr>
+          <p:cNvPr id="3" name="Inhaltsplatzhalter 2">
+            <a:extLst>
+              <a:ext uri="{FF2B5EF4-FFF2-40B4-BE49-F238E27FC236}">
+                <a16:creationId xmlns:a16="http://schemas.microsoft.com/office/drawing/2014/main" id="{6D7E88EE-7F8F-4FCE-B3A5-A60E4DA71967}"/>
+              </a:ext>
+            </a:extLst>
+          </p:cNvPr>
+          <p:cNvSpPr>
+            <a:spLocks noGrp="1"/>
+          </p:cNvSpPr>
+          <p:nvPr>
+            <p:ph idx="1"/>
+          </p:nvPr>
+        </p:nvSpPr>
+        <p:spPr>
+          <a:xfrm>
+            <a:off x="838201" y="1825625"/>
+            <a:ext cx="3254406" cy="4351338"/>
+          </a:xfrm>
+        </p:spPr>
+        <p:txBody>
+          <a:bodyPr>
+            <a:noAutofit/>
+          </a:bodyPr>
+          <a:lstStyle/>
+          <a:p>
+            <a:pPr marL="0" indent="0">
+              <a:buNone/>
+            </a:pPr>
+            <a:r>
+              <a:rPr lang="de-DE" sz="2400" dirty="0">
+                <a:solidFill>
+                  <a:schemeClr val="bg2">
+                    <a:lumMod val="50000"/>
+                  </a:schemeClr>
+                </a:solidFill>
+              </a:rPr>
+              <a:t>; R2 = Schleifenzähler</a:t>
+            </a:r>
+          </a:p>
+          <a:p>
+            <a:pPr marL="0" indent="0">
+              <a:buNone/>
+            </a:pPr>
+            <a:r>
+              <a:rPr lang="de-DE" sz="2400" dirty="0">
+                <a:solidFill>
+                  <a:schemeClr val="accent1">
+                    <a:lumMod val="75000"/>
+                  </a:schemeClr>
+                </a:solidFill>
+              </a:rPr>
+              <a:t>MOV</a:t>
+            </a:r>
+            <a:r>
+              <a:rPr lang="de-DE" sz="2400" dirty="0"/>
+              <a:t> r2, #07h</a:t>
+            </a:r>
+          </a:p>
+          <a:p>
+            <a:pPr marL="0" indent="0">
+              <a:buNone/>
+            </a:pPr>
+            <a:endParaRPr lang="de-DE" sz="2400" dirty="0"/>
+          </a:p>
+          <a:p>
+            <a:pPr marL="0" indent="0">
+              <a:buNone/>
+            </a:pPr>
+            <a:r>
+              <a:rPr lang="de-DE" sz="2400" dirty="0">
+                <a:solidFill>
+                  <a:schemeClr val="accent4">
+                    <a:lumMod val="75000"/>
+                  </a:schemeClr>
+                </a:solidFill>
+              </a:rPr>
+              <a:t>vergleich:</a:t>
+            </a:r>
+          </a:p>
+          <a:p>
+            <a:pPr marL="0" indent="0">
+              <a:buNone/>
+            </a:pPr>
+            <a:r>
+              <a:rPr lang="de-DE" sz="2400" dirty="0">
+                <a:solidFill>
+                  <a:schemeClr val="accent1">
+                    <a:lumMod val="75000"/>
+                  </a:schemeClr>
+                </a:solidFill>
+              </a:rPr>
+              <a:t>MOV</a:t>
+            </a:r>
+            <a:r>
+              <a:rPr lang="de-DE" sz="2400" dirty="0"/>
+              <a:t> a, </a:t>
+            </a:r>
+            <a:r>
+              <a:rPr lang="de-DE" sz="2400" dirty="0">
+                <a:solidFill>
+                  <a:srgbClr val="FFC000"/>
+                </a:solidFill>
+              </a:rPr>
+              <a:t>#SPIELER1</a:t>
+            </a:r>
+          </a:p>
+          <a:p>
+            <a:pPr marL="0" indent="0">
+              <a:buNone/>
+            </a:pPr>
+            <a:r>
+              <a:rPr lang="de-DE" sz="2400" dirty="0"/>
+              <a:t>ADD a, r2</a:t>
+            </a:r>
+          </a:p>
+          <a:p>
+            <a:pPr marL="0" indent="0">
+              <a:buNone/>
+            </a:pPr>
+            <a:r>
+              <a:rPr lang="de-DE" sz="2400" dirty="0">
+                <a:solidFill>
+                  <a:schemeClr val="accent1">
+                    <a:lumMod val="75000"/>
+                  </a:schemeClr>
+                </a:solidFill>
+              </a:rPr>
+              <a:t>MOV</a:t>
+            </a:r>
+            <a:r>
+              <a:rPr lang="de-DE" sz="2400" dirty="0"/>
+              <a:t> r0, a</a:t>
+            </a:r>
+          </a:p>
+          <a:p>
+            <a:pPr marL="0" indent="0">
+              <a:buNone/>
+            </a:pPr>
+            <a:r>
+              <a:rPr lang="de-DE" sz="2400" dirty="0">
+                <a:solidFill>
+                  <a:schemeClr val="accent1">
+                    <a:lumMod val="75000"/>
+                  </a:schemeClr>
+                </a:solidFill>
+              </a:rPr>
+              <a:t>MOV</a:t>
+            </a:r>
+            <a:r>
+              <a:rPr lang="de-DE" sz="2400" dirty="0"/>
+              <a:t> a, @R0</a:t>
+            </a:r>
+          </a:p>
+          <a:p>
+            <a:pPr marL="0" indent="0">
+              <a:buNone/>
+            </a:pPr>
+            <a:r>
+              <a:rPr lang="de-DE" sz="2400" dirty="0"/>
+              <a:t>ANL a, r3</a:t>
+            </a:r>
+          </a:p>
+          <a:p>
+            <a:pPr marL="0" indent="0">
+              <a:buNone/>
+            </a:pPr>
+            <a:r>
+              <a:rPr lang="de-DE" sz="2400" dirty="0">
+                <a:solidFill>
+                  <a:schemeClr val="accent1">
+                    <a:lumMod val="75000"/>
+                  </a:schemeClr>
+                </a:solidFill>
+              </a:rPr>
+              <a:t>MOV</a:t>
+            </a:r>
+            <a:r>
+              <a:rPr lang="de-DE" sz="2400" dirty="0"/>
+              <a:t> r1, a</a:t>
+            </a:r>
+          </a:p>
+          <a:p>
+            <a:pPr marL="0" indent="0">
+              <a:buNone/>
+            </a:pPr>
+            <a:endParaRPr lang="de-DE" sz="2400" dirty="0"/>
+          </a:p>
+          <a:p>
+            <a:pPr marL="0" indent="0">
+              <a:buNone/>
+            </a:pPr>
+            <a:endParaRPr lang="de-DE" sz="2400" dirty="0"/>
+          </a:p>
+          <a:p>
+            <a:endParaRPr lang="de-DE" sz="2400" dirty="0"/>
+          </a:p>
+        </p:txBody>
+      </p:sp>
+      <p:sp>
+        <p:nvSpPr>
+          <p:cNvPr id="4" name="Textfeld 3">
+            <a:extLst>
+              <a:ext uri="{FF2B5EF4-FFF2-40B4-BE49-F238E27FC236}">
+                <a16:creationId xmlns:a16="http://schemas.microsoft.com/office/drawing/2014/main" id="{4B9B6400-B3C2-4204-8EE5-77772B1F7191}"/>
+              </a:ext>
+            </a:extLst>
+          </p:cNvPr>
+          <p:cNvSpPr txBox="1"/>
+          <p:nvPr/>
+        </p:nvSpPr>
+        <p:spPr>
+          <a:xfrm>
+            <a:off x="4643022" y="1786939"/>
+            <a:ext cx="3456373" cy="4893647"/>
+          </a:xfrm>
+          <a:prstGeom prst="rect">
+            <a:avLst/>
+          </a:prstGeom>
+          <a:noFill/>
+        </p:spPr>
+        <p:txBody>
+          <a:bodyPr wrap="square" rtlCol="0">
+            <a:spAutoFit/>
+          </a:bodyPr>
+          <a:lstStyle/>
+          <a:p>
+            <a:r>
+              <a:rPr lang="de-DE" sz="2400" dirty="0">
+                <a:solidFill>
+                  <a:schemeClr val="accent1">
+                    <a:lumMod val="75000"/>
+                  </a:schemeClr>
+                </a:solidFill>
+              </a:rPr>
+              <a:t>MOV</a:t>
+            </a:r>
+            <a:r>
+              <a:rPr lang="de-DE" sz="2400" dirty="0"/>
+              <a:t> a, </a:t>
+            </a:r>
+            <a:r>
+              <a:rPr lang="de-DE" sz="2400" dirty="0">
+                <a:solidFill>
+                  <a:srgbClr val="FFC000"/>
+                </a:solidFill>
+              </a:rPr>
+              <a:t>#SPIELER2</a:t>
+            </a:r>
+          </a:p>
+          <a:p>
+            <a:r>
+              <a:rPr lang="de-DE" sz="2400" dirty="0"/>
+              <a:t>ADD a, r2</a:t>
+            </a:r>
+          </a:p>
+          <a:p>
+            <a:r>
+              <a:rPr lang="de-DE" sz="2400" dirty="0">
+                <a:solidFill>
+                  <a:schemeClr val="accent1">
+                    <a:lumMod val="75000"/>
+                  </a:schemeClr>
+                </a:solidFill>
+              </a:rPr>
+              <a:t>MOV</a:t>
+            </a:r>
+            <a:r>
+              <a:rPr lang="de-DE" sz="2400" dirty="0"/>
+              <a:t> r0, a</a:t>
+            </a:r>
+          </a:p>
+          <a:p>
+            <a:r>
+              <a:rPr lang="de-DE" sz="2400" dirty="0">
+                <a:solidFill>
+                  <a:schemeClr val="accent1">
+                    <a:lumMod val="75000"/>
+                  </a:schemeClr>
+                </a:solidFill>
+              </a:rPr>
+              <a:t>MOV</a:t>
+            </a:r>
+            <a:r>
+              <a:rPr lang="de-DE" sz="2400" dirty="0"/>
+              <a:t> a, @R0</a:t>
+            </a:r>
+          </a:p>
+          <a:p>
+            <a:r>
+              <a:rPr lang="de-DE" sz="2400" dirty="0"/>
+              <a:t>ANL a, r3</a:t>
+            </a:r>
+          </a:p>
+          <a:p>
+            <a:endParaRPr lang="de-DE" sz="2400" dirty="0"/>
+          </a:p>
+          <a:p>
+            <a:r>
+              <a:rPr lang="de-DE" sz="2400" dirty="0"/>
+              <a:t>ORL a, r1</a:t>
+            </a:r>
+          </a:p>
+          <a:p>
+            <a:r>
+              <a:rPr lang="de-DE" sz="2400" dirty="0">
+                <a:solidFill>
+                  <a:schemeClr val="bg2">
+                    <a:lumMod val="50000"/>
+                  </a:schemeClr>
+                </a:solidFill>
+              </a:rPr>
+              <a:t>; Wir können einfügen</a:t>
+            </a:r>
+          </a:p>
+          <a:p>
+            <a:r>
+              <a:rPr lang="de-DE" sz="2400" dirty="0"/>
+              <a:t>JZ </a:t>
+            </a:r>
+            <a:r>
+              <a:rPr lang="de-DE" sz="2400" dirty="0" err="1"/>
+              <a:t>einfuegen</a:t>
+            </a:r>
+            <a:endParaRPr lang="de-DE" sz="2400" dirty="0"/>
+          </a:p>
+          <a:p>
+            <a:r>
+              <a:rPr lang="de-DE" sz="2400" dirty="0">
+                <a:solidFill>
+                  <a:schemeClr val="bg2">
+                    <a:lumMod val="50000"/>
+                  </a:schemeClr>
+                </a:solidFill>
+              </a:rPr>
+              <a:t>; Schleifenabbruch</a:t>
+            </a:r>
+          </a:p>
+          <a:p>
+            <a:r>
+              <a:rPr lang="de-DE" sz="2400" dirty="0">
+                <a:solidFill>
+                  <a:schemeClr val="accent1">
+                    <a:lumMod val="75000"/>
+                  </a:schemeClr>
+                </a:solidFill>
+              </a:rPr>
+              <a:t>MOV</a:t>
+            </a:r>
+            <a:r>
+              <a:rPr lang="de-DE" sz="2400" dirty="0"/>
+              <a:t> a, r2</a:t>
+            </a:r>
+          </a:p>
+          <a:p>
+            <a:r>
+              <a:rPr lang="de-DE" sz="2400" dirty="0"/>
+              <a:t>JZ </a:t>
+            </a:r>
+            <a:r>
+              <a:rPr lang="de-DE" sz="2400" dirty="0" err="1"/>
+              <a:t>eingabe_fertig</a:t>
+            </a:r>
+            <a:endParaRPr lang="de-DE" sz="2400" dirty="0"/>
+          </a:p>
+          <a:p>
+            <a:endParaRPr lang="de-DE" sz="2400" dirty="0"/>
+          </a:p>
+        </p:txBody>
+      </p:sp>
+      <p:sp>
+        <p:nvSpPr>
+          <p:cNvPr id="5" name="Textfeld 4">
+            <a:extLst>
+              <a:ext uri="{FF2B5EF4-FFF2-40B4-BE49-F238E27FC236}">
+                <a16:creationId xmlns:a16="http://schemas.microsoft.com/office/drawing/2014/main" id="{F1273E93-ADBB-405F-A76D-1E11EAFFC0BF}"/>
+              </a:ext>
+            </a:extLst>
+          </p:cNvPr>
+          <p:cNvSpPr txBox="1"/>
+          <p:nvPr/>
+        </p:nvSpPr>
+        <p:spPr>
+          <a:xfrm>
+            <a:off x="8487052" y="1825625"/>
+            <a:ext cx="3542190" cy="3785652"/>
+          </a:xfrm>
+          <a:prstGeom prst="rect">
+            <a:avLst/>
+          </a:prstGeom>
+          <a:noFill/>
+        </p:spPr>
+        <p:txBody>
+          <a:bodyPr wrap="square" rtlCol="0">
+            <a:spAutoFit/>
+          </a:bodyPr>
+          <a:lstStyle/>
+          <a:p>
+            <a:r>
+              <a:rPr lang="de-DE" sz="2400" dirty="0"/>
+              <a:t>DEC r2</a:t>
+            </a:r>
+          </a:p>
+          <a:p>
+            <a:r>
+              <a:rPr lang="de-DE" sz="2400" dirty="0"/>
+              <a:t>JMP vergleich</a:t>
+            </a:r>
+          </a:p>
+          <a:p>
+            <a:endParaRPr lang="de-DE" sz="2400" dirty="0"/>
+          </a:p>
+          <a:p>
+            <a:r>
+              <a:rPr lang="de-DE" sz="2400" dirty="0" err="1">
+                <a:solidFill>
+                  <a:schemeClr val="accent4">
+                    <a:lumMod val="75000"/>
+                  </a:schemeClr>
+                </a:solidFill>
+              </a:rPr>
+              <a:t>einfuegen</a:t>
+            </a:r>
+            <a:r>
+              <a:rPr lang="de-DE" sz="2400" dirty="0">
+                <a:solidFill>
+                  <a:schemeClr val="accent4">
+                    <a:lumMod val="75000"/>
+                  </a:schemeClr>
+                </a:solidFill>
+              </a:rPr>
+              <a:t>:</a:t>
+            </a:r>
+          </a:p>
+          <a:p>
+            <a:r>
+              <a:rPr lang="de-DE" sz="2400" dirty="0">
+                <a:solidFill>
+                  <a:schemeClr val="accent1">
+                    <a:lumMod val="75000"/>
+                  </a:schemeClr>
+                </a:solidFill>
+              </a:rPr>
+              <a:t>MOV</a:t>
+            </a:r>
+            <a:r>
+              <a:rPr lang="de-DE" sz="2400" dirty="0"/>
+              <a:t> a, AKTIVERSPIELER</a:t>
+            </a:r>
+          </a:p>
+          <a:p>
+            <a:r>
+              <a:rPr lang="de-DE" sz="2400" dirty="0"/>
+              <a:t>ADD a, r2</a:t>
+            </a:r>
+          </a:p>
+          <a:p>
+            <a:r>
+              <a:rPr lang="de-DE" sz="2400" dirty="0">
+                <a:solidFill>
+                  <a:schemeClr val="accent1">
+                    <a:lumMod val="75000"/>
+                  </a:schemeClr>
+                </a:solidFill>
+              </a:rPr>
+              <a:t>MOV</a:t>
+            </a:r>
+            <a:r>
+              <a:rPr lang="de-DE" sz="2400" dirty="0"/>
+              <a:t> r0, a</a:t>
+            </a:r>
+          </a:p>
+          <a:p>
+            <a:r>
+              <a:rPr lang="de-DE" sz="2400" dirty="0">
+                <a:solidFill>
+                  <a:schemeClr val="accent1">
+                    <a:lumMod val="75000"/>
+                  </a:schemeClr>
+                </a:solidFill>
+              </a:rPr>
+              <a:t>MOV</a:t>
+            </a:r>
+            <a:r>
+              <a:rPr lang="de-DE" sz="2400" dirty="0"/>
+              <a:t> a, @r0</a:t>
+            </a:r>
+          </a:p>
+          <a:p>
+            <a:r>
+              <a:rPr lang="de-DE" sz="2400" dirty="0"/>
+              <a:t>ORL a, r3</a:t>
+            </a:r>
+          </a:p>
+          <a:p>
+            <a:r>
+              <a:rPr lang="de-DE" sz="2400" dirty="0">
+                <a:solidFill>
+                  <a:schemeClr val="accent1">
+                    <a:lumMod val="75000"/>
+                  </a:schemeClr>
+                </a:solidFill>
+              </a:rPr>
+              <a:t>MOV</a:t>
+            </a:r>
+            <a:r>
+              <a:rPr lang="de-DE" sz="2400" dirty="0"/>
+              <a:t> @r0, a</a:t>
+            </a:r>
+          </a:p>
+        </p:txBody>
+      </p:sp>
+    </p:spTree>
+    <p:extLst>
+      <p:ext uri="{BB962C8B-B14F-4D97-AF65-F5344CB8AC3E}">
+        <p14:creationId xmlns:p14="http://schemas.microsoft.com/office/powerpoint/2010/main" val="754373753"/>
       </p:ext>
     </p:extLst>
   </p:cSld>
@@ -8205,7 +8475,7 @@
           <a:p>
             <a:r>
               <a:rPr lang="de-DE" dirty="0"/>
-              <a:t>Eingabe auswerten</a:t>
+              <a:t>Gewonnen?</a:t>
             </a:r>
           </a:p>
         </p:txBody>
@@ -8226,10 +8496,15 @@
             <p:ph idx="1"/>
           </p:nvPr>
         </p:nvSpPr>
-        <p:spPr/>
+        <p:spPr>
+          <a:xfrm>
+            <a:off x="838200" y="1825625"/>
+            <a:ext cx="10515600" cy="4442010"/>
+          </a:xfrm>
+        </p:spPr>
         <p:txBody>
           <a:bodyPr>
-            <a:normAutofit fontScale="25000" lnSpcReduction="20000"/>
+            <a:noAutofit/>
           </a:bodyPr>
           <a:lstStyle/>
           <a:p>
@@ -8237,71 +8512,151 @@
               <a:buNone/>
             </a:pPr>
             <a:r>
-              <a:rPr lang="de-DE" dirty="0"/>
-              <a:t>; R2 = Schleifenzähler</a:t>
-            </a:r>
-          </a:p>
-          <a:p>
-            <a:pPr marL="0" indent="0">
-              <a:buNone/>
-            </a:pPr>
-            <a:r>
-              <a:rPr lang="de-DE" dirty="0"/>
-              <a:t>mov r2, #07h</a:t>
-            </a:r>
-          </a:p>
-          <a:p>
-            <a:pPr marL="0" indent="0">
-              <a:buNone/>
-            </a:pPr>
-            <a:endParaRPr lang="de-DE" dirty="0"/>
-          </a:p>
-          <a:p>
-            <a:pPr marL="0" indent="0">
-              <a:buNone/>
-            </a:pPr>
-            <a:r>
-              <a:rPr lang="de-DE" dirty="0"/>
-              <a:t>vergleich:</a:t>
-            </a:r>
-          </a:p>
-          <a:p>
-            <a:pPr marL="0" indent="0">
-              <a:buNone/>
-            </a:pPr>
-            <a:r>
-              <a:rPr lang="de-DE" dirty="0"/>
-              <a:t>mov a, #SPIELER1</a:t>
-            </a:r>
-          </a:p>
-          <a:p>
-            <a:pPr marL="0" indent="0">
-              <a:buNone/>
-            </a:pPr>
-            <a:r>
-              <a:rPr lang="de-DE" dirty="0" err="1"/>
+              <a:rPr lang="de-DE" sz="2400" dirty="0">
+                <a:solidFill>
+                  <a:schemeClr val="bg2">
+                    <a:lumMod val="50000"/>
+                  </a:schemeClr>
+                </a:solidFill>
+              </a:rPr>
+              <a:t>; R2 =&gt; eingefügte Reihe</a:t>
+            </a:r>
+          </a:p>
+          <a:p>
+            <a:pPr marL="0" indent="0">
+              <a:buNone/>
+            </a:pPr>
+            <a:r>
+              <a:rPr lang="de-DE" sz="2400" dirty="0" err="1">
+                <a:solidFill>
+                  <a:schemeClr val="accent4">
+                    <a:lumMod val="75000"/>
+                  </a:schemeClr>
+                </a:solidFill>
+              </a:rPr>
+              <a:t>spielstand_horiz</a:t>
+            </a:r>
+            <a:r>
+              <a:rPr lang="de-DE" sz="2400" dirty="0">
+                <a:solidFill>
+                  <a:schemeClr val="accent4">
+                    <a:lumMod val="75000"/>
+                  </a:schemeClr>
+                </a:solidFill>
+              </a:rPr>
+              <a:t>:</a:t>
+            </a:r>
+          </a:p>
+          <a:p>
+            <a:pPr marL="0" indent="0">
+              <a:buNone/>
+            </a:pPr>
+            <a:r>
+              <a:rPr lang="de-DE" sz="2400" dirty="0">
+                <a:solidFill>
+                  <a:schemeClr val="bg2">
+                    <a:lumMod val="50000"/>
+                  </a:schemeClr>
+                </a:solidFill>
+              </a:rPr>
+              <a:t>; Wenn aktueller Spieler 4 horizontal nebeneinander hat</a:t>
+            </a:r>
+          </a:p>
+          <a:p>
+            <a:pPr marL="0" indent="0">
+              <a:buNone/>
+            </a:pPr>
+            <a:r>
+              <a:rPr lang="de-DE" sz="2400" dirty="0">
+                <a:solidFill>
+                  <a:schemeClr val="bg2">
+                    <a:lumMod val="50000"/>
+                  </a:schemeClr>
+                </a:solidFill>
+              </a:rPr>
+              <a:t>; Für jede Zeile &gt;= 127 auf = 127 testen und dann bis 4 mal nach rechts shiften</a:t>
+            </a:r>
+          </a:p>
+          <a:p>
+            <a:pPr marL="0" indent="0">
+              <a:buNone/>
+            </a:pPr>
+            <a:r>
+              <a:rPr lang="de-DE" sz="2400" dirty="0">
+                <a:solidFill>
+                  <a:schemeClr val="bg2">
+                    <a:lumMod val="50000"/>
+                  </a:schemeClr>
+                </a:solidFill>
+              </a:rPr>
+              <a:t>; Ist die Zeile 127, dann sind 4 Steine nebeneinander =&gt; </a:t>
+            </a:r>
+            <a:r>
+              <a:rPr lang="de-DE" sz="2400" dirty="0" err="1">
+                <a:solidFill>
+                  <a:schemeClr val="bg2">
+                    <a:lumMod val="50000"/>
+                  </a:schemeClr>
+                </a:solidFill>
+              </a:rPr>
+              <a:t>Win</a:t>
+            </a:r>
+            <a:endParaRPr lang="de-DE" sz="2400" dirty="0">
+              <a:solidFill>
+                <a:schemeClr val="bg2">
+                  <a:lumMod val="50000"/>
+                </a:schemeClr>
+              </a:solidFill>
+            </a:endParaRPr>
+          </a:p>
+          <a:p>
+            <a:pPr marL="0" indent="0">
+              <a:buNone/>
+            </a:pPr>
+            <a:endParaRPr lang="de-DE" sz="2400" dirty="0"/>
+          </a:p>
+          <a:p>
+            <a:pPr marL="0" indent="0">
+              <a:buNone/>
+            </a:pPr>
+            <a:r>
+              <a:rPr lang="de-DE" sz="2400" dirty="0"/>
+              <a:t>mov a, </a:t>
+            </a:r>
+            <a:r>
+              <a:rPr lang="de-DE" sz="2400" dirty="0" err="1"/>
+              <a:t>aktiverspieler</a:t>
+            </a:r>
+            <a:endParaRPr lang="de-DE" sz="2400" dirty="0"/>
+          </a:p>
+          <a:p>
+            <a:pPr marL="0" indent="0">
+              <a:buNone/>
+            </a:pPr>
+            <a:r>
+              <a:rPr lang="de-DE" sz="2400" dirty="0" err="1"/>
               <a:t>add</a:t>
             </a:r>
             <a:r>
-              <a:rPr lang="de-DE" dirty="0"/>
-              <a:t> a, r2</a:t>
-            </a:r>
-          </a:p>
-          <a:p>
-            <a:pPr marL="0" indent="0">
-              <a:buNone/>
-            </a:pPr>
-            <a:r>
-              <a:rPr lang="de-DE" dirty="0"/>
-              <a:t>mov r0, a</a:t>
-            </a:r>
-          </a:p>
-          <a:p>
-            <a:pPr marL="0" indent="0">
-              <a:buNone/>
-            </a:pPr>
-            <a:r>
-              <a:rPr lang="de-DE" dirty="0"/>
+              <a:rPr lang="de-DE" sz="2400" dirty="0"/>
+              <a:t> a, R2</a:t>
+            </a:r>
+          </a:p>
+          <a:p>
+            <a:pPr marL="0" indent="0">
+              <a:buNone/>
+            </a:pPr>
+            <a:r>
+              <a:rPr lang="de-DE" sz="2400" dirty="0"/>
+              <a:t>mov R0, a</a:t>
+            </a:r>
+          </a:p>
+          <a:p>
+            <a:pPr marL="0" indent="0">
+              <a:buNone/>
+            </a:pPr>
+            <a:r>
+              <a:rPr lang="de-DE" sz="2400" dirty="0"/>
               <a:t>mov a, @R0</a:t>
             </a:r>
           </a:p>
@@ -8310,212 +8665,420 @@
               <a:buNone/>
             </a:pPr>
             <a:r>
-              <a:rPr lang="de-DE" dirty="0" err="1"/>
+              <a:rPr lang="de-DE" sz="2400" dirty="0"/>
+              <a:t>mov R1, a</a:t>
+            </a:r>
+          </a:p>
+          <a:p>
+            <a:pPr marL="0" indent="0">
+              <a:buNone/>
+            </a:pPr>
+            <a:endParaRPr lang="de-DE" sz="2400" dirty="0"/>
+          </a:p>
+          <a:p>
+            <a:pPr marL="0" indent="0">
+              <a:buNone/>
+            </a:pPr>
+            <a:r>
+              <a:rPr lang="de-DE" sz="2400" dirty="0"/>
+              <a:t>CMP_HORIZ #15d</a:t>
+            </a:r>
+          </a:p>
+          <a:p>
+            <a:pPr marL="0" indent="0">
+              <a:buNone/>
+            </a:pPr>
+            <a:r>
+              <a:rPr lang="de-DE" sz="2400" dirty="0"/>
+              <a:t>CMP_HORIZ #30d</a:t>
+            </a:r>
+          </a:p>
+          <a:p>
+            <a:pPr marL="0" indent="0">
+              <a:buNone/>
+            </a:pPr>
+            <a:r>
+              <a:rPr lang="de-DE" sz="2400" dirty="0"/>
+              <a:t>CMP_HORIZ #60d</a:t>
+            </a:r>
+          </a:p>
+          <a:p>
+            <a:pPr marL="0" indent="0">
+              <a:buNone/>
+            </a:pPr>
+            <a:r>
+              <a:rPr lang="de-DE" sz="2400" dirty="0"/>
+              <a:t>CMP_HORIZ #120d</a:t>
+            </a:r>
+          </a:p>
+          <a:p>
+            <a:pPr marL="0" indent="0">
+              <a:buNone/>
+            </a:pPr>
+            <a:r>
+              <a:rPr lang="de-DE" sz="2400" dirty="0"/>
+              <a:t>CMP_HORIZ #240d</a:t>
+            </a:r>
+          </a:p>
+          <a:p>
+            <a:pPr marL="0" indent="0">
+              <a:buNone/>
+            </a:pPr>
+            <a:endParaRPr lang="de-DE" sz="2400" dirty="0"/>
+          </a:p>
+          <a:p>
+            <a:pPr marL="0" indent="0">
+              <a:buNone/>
+            </a:pPr>
+            <a:r>
+              <a:rPr lang="de-DE" sz="2400" dirty="0" err="1"/>
+              <a:t>spielstand_horiz_exit</a:t>
+            </a:r>
+            <a:r>
+              <a:rPr lang="de-DE" sz="2400" dirty="0"/>
+              <a:t>:</a:t>
+            </a:r>
+          </a:p>
+          <a:p>
+            <a:pPr marL="0" indent="0">
+              <a:buNone/>
+            </a:pPr>
+            <a:r>
+              <a:rPr lang="de-DE" sz="2400" dirty="0" err="1"/>
+              <a:t>ret</a:t>
+            </a:r>
+            <a:endParaRPr lang="de-DE" sz="2400" dirty="0"/>
+          </a:p>
+          <a:p>
+            <a:pPr marL="0" indent="0">
+              <a:buNone/>
+            </a:pPr>
+            <a:endParaRPr lang="de-DE" sz="2400" dirty="0"/>
+          </a:p>
+          <a:p>
+            <a:pPr marL="0" indent="0">
+              <a:buNone/>
+            </a:pPr>
+            <a:r>
+              <a:rPr lang="de-DE" sz="2400" dirty="0"/>
+              <a:t>; R2 =&gt; eingefügte Reihe</a:t>
+            </a:r>
+          </a:p>
+          <a:p>
+            <a:pPr marL="0" indent="0">
+              <a:buNone/>
+            </a:pPr>
+            <a:r>
+              <a:rPr lang="de-DE" sz="2400" dirty="0" err="1"/>
+              <a:t>spielstand_vert</a:t>
+            </a:r>
+            <a:r>
+              <a:rPr lang="de-DE" sz="2400" dirty="0"/>
+              <a:t>:</a:t>
+            </a:r>
+          </a:p>
+          <a:p>
+            <a:pPr marL="0" indent="0">
+              <a:buNone/>
+            </a:pPr>
+            <a:r>
+              <a:rPr lang="de-DE" sz="2400" dirty="0"/>
+              <a:t>; Wenn aktueller Spieler 4 vertikal übereinander hat</a:t>
+            </a:r>
+          </a:p>
+          <a:p>
+            <a:pPr marL="0" indent="0">
+              <a:buNone/>
+            </a:pPr>
+            <a:r>
+              <a:rPr lang="de-DE" sz="2400" dirty="0"/>
+              <a:t>; Wenn eingefügte Reihe &lt; 4 dann eingefügte Reihe bis +3 </a:t>
+            </a:r>
+            <a:r>
+              <a:rPr lang="de-DE" sz="2400" dirty="0" err="1"/>
+              <a:t>verunden</a:t>
+            </a:r>
+            <a:endParaRPr lang="de-DE" sz="2400" dirty="0"/>
+          </a:p>
+          <a:p>
+            <a:pPr marL="0" indent="0">
+              <a:buNone/>
+            </a:pPr>
+            <a:r>
+              <a:rPr lang="de-DE" sz="2400" dirty="0"/>
+              <a:t>; Ergebnis &gt; 0 =&gt; 4 Steine übereinander</a:t>
+            </a:r>
+          </a:p>
+          <a:p>
+            <a:pPr marL="0" indent="0">
+              <a:buNone/>
+            </a:pPr>
+            <a:endParaRPr lang="de-DE" sz="2400" dirty="0"/>
+          </a:p>
+          <a:p>
+            <a:pPr marL="0" indent="0">
+              <a:buNone/>
+            </a:pPr>
+            <a:r>
+              <a:rPr lang="de-DE" sz="2400" dirty="0"/>
+              <a:t>mov a, R2</a:t>
+            </a:r>
+          </a:p>
+          <a:p>
+            <a:pPr marL="0" indent="0">
+              <a:buNone/>
+            </a:pPr>
+            <a:r>
+              <a:rPr lang="de-DE" sz="2400" dirty="0" err="1"/>
+              <a:t>clr</a:t>
+            </a:r>
+            <a:r>
+              <a:rPr lang="de-DE" sz="2400" dirty="0"/>
+              <a:t> c</a:t>
+            </a:r>
+          </a:p>
+          <a:p>
+            <a:pPr marL="0" indent="0">
+              <a:buNone/>
+            </a:pPr>
+            <a:r>
+              <a:rPr lang="de-DE" sz="2400" dirty="0" err="1"/>
+              <a:t>subb</a:t>
+            </a:r>
+            <a:r>
+              <a:rPr lang="de-DE" sz="2400" dirty="0"/>
+              <a:t> a, #5d</a:t>
+            </a:r>
+          </a:p>
+          <a:p>
+            <a:pPr marL="0" indent="0">
+              <a:buNone/>
+            </a:pPr>
+            <a:r>
+              <a:rPr lang="de-DE" sz="2400" dirty="0" err="1"/>
+              <a:t>jnc</a:t>
+            </a:r>
+            <a:r>
+              <a:rPr lang="de-DE" sz="2400" dirty="0"/>
+              <a:t> </a:t>
+            </a:r>
+            <a:r>
+              <a:rPr lang="de-DE" sz="2400" dirty="0" err="1"/>
+              <a:t>spielstand_vert_exit</a:t>
+            </a:r>
+            <a:endParaRPr lang="de-DE" sz="2400" dirty="0"/>
+          </a:p>
+          <a:p>
+            <a:pPr marL="0" indent="0">
+              <a:buNone/>
+            </a:pPr>
+            <a:endParaRPr lang="de-DE" sz="2400" dirty="0"/>
+          </a:p>
+          <a:p>
+            <a:pPr marL="0" indent="0">
+              <a:buNone/>
+            </a:pPr>
+            <a:r>
+              <a:rPr lang="de-DE" sz="2400" dirty="0"/>
+              <a:t>mov a, </a:t>
+            </a:r>
+            <a:r>
+              <a:rPr lang="de-DE" sz="2400" dirty="0" err="1"/>
+              <a:t>aktiverspieler</a:t>
+            </a:r>
+            <a:endParaRPr lang="de-DE" sz="2400" dirty="0"/>
+          </a:p>
+          <a:p>
+            <a:pPr marL="0" indent="0">
+              <a:buNone/>
+            </a:pPr>
+            <a:r>
+              <a:rPr lang="de-DE" sz="2400" dirty="0" err="1"/>
+              <a:t>add</a:t>
+            </a:r>
+            <a:r>
+              <a:rPr lang="de-DE" sz="2400" dirty="0"/>
+              <a:t> a, R2</a:t>
+            </a:r>
+          </a:p>
+          <a:p>
+            <a:pPr marL="0" indent="0">
+              <a:buNone/>
+            </a:pPr>
+            <a:r>
+              <a:rPr lang="de-DE" sz="2400" dirty="0"/>
+              <a:t>mov R0, a</a:t>
+            </a:r>
+          </a:p>
+          <a:p>
+            <a:pPr marL="0" indent="0">
+              <a:buNone/>
+            </a:pPr>
+            <a:r>
+              <a:rPr lang="de-DE" sz="2400" dirty="0"/>
+              <a:t>mov a, @R0</a:t>
+            </a:r>
+          </a:p>
+          <a:p>
+            <a:pPr marL="0" indent="0">
+              <a:buNone/>
+            </a:pPr>
+            <a:endParaRPr lang="de-DE" sz="2400" dirty="0"/>
+          </a:p>
+          <a:p>
+            <a:pPr marL="0" indent="0">
+              <a:buNone/>
+            </a:pPr>
+            <a:r>
+              <a:rPr lang="de-DE" sz="2400" dirty="0" err="1"/>
+              <a:t>inc</a:t>
+            </a:r>
+            <a:r>
+              <a:rPr lang="de-DE" sz="2400" dirty="0"/>
+              <a:t> R0</a:t>
+            </a:r>
+          </a:p>
+          <a:p>
+            <a:pPr marL="0" indent="0">
+              <a:buNone/>
+            </a:pPr>
+            <a:r>
+              <a:rPr lang="de-DE" sz="2400" dirty="0" err="1"/>
               <a:t>anl</a:t>
             </a:r>
             <a:r>
-              <a:rPr lang="de-DE" dirty="0"/>
-              <a:t> a, r3</a:t>
-            </a:r>
-          </a:p>
-          <a:p>
-            <a:pPr marL="0" indent="0">
-              <a:buNone/>
-            </a:pPr>
-            <a:r>
-              <a:rPr lang="de-DE" dirty="0"/>
-              <a:t>mov r1, a</a:t>
-            </a:r>
-          </a:p>
-          <a:p>
-            <a:pPr marL="0" indent="0">
-              <a:buNone/>
-            </a:pPr>
-            <a:endParaRPr lang="de-DE" dirty="0"/>
-          </a:p>
-          <a:p>
-            <a:pPr marL="0" indent="0">
-              <a:buNone/>
-            </a:pPr>
-            <a:r>
-              <a:rPr lang="de-DE" dirty="0"/>
-              <a:t>mov a, #SPIELER2</a:t>
-            </a:r>
-          </a:p>
-          <a:p>
-            <a:pPr marL="0" indent="0">
-              <a:buNone/>
-            </a:pPr>
-            <a:r>
-              <a:rPr lang="de-DE" dirty="0" err="1"/>
-              <a:t>add</a:t>
-            </a:r>
-            <a:r>
-              <a:rPr lang="de-DE" dirty="0"/>
-              <a:t> a, r2</a:t>
-            </a:r>
-          </a:p>
-          <a:p>
-            <a:pPr marL="0" indent="0">
-              <a:buNone/>
-            </a:pPr>
-            <a:r>
-              <a:rPr lang="de-DE" dirty="0"/>
-              <a:t>mov r0, a</a:t>
-            </a:r>
-          </a:p>
-          <a:p>
-            <a:pPr marL="0" indent="0">
-              <a:buNone/>
-            </a:pPr>
-            <a:r>
-              <a:rPr lang="de-DE" dirty="0"/>
-              <a:t>mov a, @R0</a:t>
-            </a:r>
-          </a:p>
-          <a:p>
-            <a:pPr marL="0" indent="0">
-              <a:buNone/>
-            </a:pPr>
-            <a:r>
-              <a:rPr lang="de-DE" dirty="0" err="1"/>
+              <a:rPr lang="de-DE" sz="2400" dirty="0"/>
+              <a:t> a, @R0</a:t>
+            </a:r>
+          </a:p>
+          <a:p>
+            <a:pPr marL="0" indent="0">
+              <a:buNone/>
+            </a:pPr>
+            <a:endParaRPr lang="de-DE" sz="2400" dirty="0"/>
+          </a:p>
+          <a:p>
+            <a:pPr marL="0" indent="0">
+              <a:buNone/>
+            </a:pPr>
+            <a:r>
+              <a:rPr lang="de-DE" sz="2400" dirty="0" err="1"/>
+              <a:t>inc</a:t>
+            </a:r>
+            <a:r>
+              <a:rPr lang="de-DE" sz="2400" dirty="0"/>
+              <a:t> R0</a:t>
+            </a:r>
+          </a:p>
+          <a:p>
+            <a:pPr marL="0" indent="0">
+              <a:buNone/>
+            </a:pPr>
+            <a:r>
+              <a:rPr lang="de-DE" sz="2400" dirty="0" err="1"/>
               <a:t>anl</a:t>
             </a:r>
             <a:r>
-              <a:rPr lang="de-DE" dirty="0"/>
-              <a:t> a, r3</a:t>
-            </a:r>
-          </a:p>
-          <a:p>
-            <a:pPr marL="0" indent="0">
-              <a:buNone/>
-            </a:pPr>
-            <a:endParaRPr lang="de-DE" dirty="0"/>
-          </a:p>
-          <a:p>
-            <a:pPr marL="0" indent="0">
-              <a:buNone/>
-            </a:pPr>
-            <a:r>
-              <a:rPr lang="de-DE" dirty="0" err="1"/>
-              <a:t>orl</a:t>
-            </a:r>
-            <a:r>
-              <a:rPr lang="de-DE" dirty="0"/>
-              <a:t> a, r1</a:t>
-            </a:r>
-          </a:p>
-          <a:p>
-            <a:pPr marL="0" indent="0">
-              <a:buNone/>
-            </a:pPr>
-            <a:r>
-              <a:rPr lang="de-DE" dirty="0"/>
-              <a:t>; Wir können einfügen</a:t>
-            </a:r>
-          </a:p>
-          <a:p>
-            <a:pPr marL="0" indent="0">
-              <a:buNone/>
-            </a:pPr>
-            <a:r>
-              <a:rPr lang="de-DE" dirty="0" err="1"/>
+              <a:rPr lang="de-DE" sz="2400" dirty="0"/>
+              <a:t> a, @R0</a:t>
+            </a:r>
+          </a:p>
+          <a:p>
+            <a:pPr marL="0" indent="0">
+              <a:buNone/>
+            </a:pPr>
+            <a:endParaRPr lang="de-DE" sz="2400" dirty="0"/>
+          </a:p>
+          <a:p>
+            <a:pPr marL="0" indent="0">
+              <a:buNone/>
+            </a:pPr>
+            <a:r>
+              <a:rPr lang="de-DE" sz="2400" dirty="0" err="1"/>
+              <a:t>inc</a:t>
+            </a:r>
+            <a:r>
+              <a:rPr lang="de-DE" sz="2400" dirty="0"/>
+              <a:t> R0</a:t>
+            </a:r>
+          </a:p>
+          <a:p>
+            <a:pPr marL="0" indent="0">
+              <a:buNone/>
+            </a:pPr>
+            <a:r>
+              <a:rPr lang="de-DE" sz="2400" dirty="0" err="1"/>
+              <a:t>anl</a:t>
+            </a:r>
+            <a:r>
+              <a:rPr lang="de-DE" sz="2400" dirty="0"/>
+              <a:t> a, @R0</a:t>
+            </a:r>
+          </a:p>
+          <a:p>
+            <a:pPr marL="0" indent="0">
+              <a:buNone/>
+            </a:pPr>
+            <a:endParaRPr lang="de-DE" sz="2400" dirty="0"/>
+          </a:p>
+          <a:p>
+            <a:pPr marL="0" indent="0">
+              <a:buNone/>
+            </a:pPr>
+            <a:r>
+              <a:rPr lang="de-DE" sz="2400" dirty="0" err="1"/>
               <a:t>jz</a:t>
             </a:r>
             <a:r>
-              <a:rPr lang="de-DE" dirty="0"/>
+              <a:rPr lang="de-DE" sz="2400" dirty="0"/>
               <a:t> </a:t>
             </a:r>
             <a:r>
-              <a:rPr lang="de-DE" dirty="0" err="1"/>
-              <a:t>einfuegen</a:t>
-            </a:r>
-            <a:endParaRPr lang="de-DE" dirty="0"/>
-          </a:p>
-          <a:p>
-            <a:pPr marL="0" indent="0">
-              <a:buNone/>
-            </a:pPr>
-            <a:r>
-              <a:rPr lang="de-DE" dirty="0"/>
-              <a:t>; Schleifenabbruch</a:t>
-            </a:r>
-          </a:p>
-          <a:p>
-            <a:pPr marL="0" indent="0">
-              <a:buNone/>
-            </a:pPr>
-            <a:r>
-              <a:rPr lang="de-DE" dirty="0"/>
-              <a:t>mov a, r2</a:t>
-            </a:r>
-          </a:p>
-          <a:p>
-            <a:pPr marL="0" indent="0">
-              <a:buNone/>
-            </a:pPr>
-            <a:r>
-              <a:rPr lang="de-DE" dirty="0" err="1"/>
-              <a:t>jz</a:t>
-            </a:r>
-            <a:r>
-              <a:rPr lang="de-DE" dirty="0"/>
+              <a:rPr lang="de-DE" sz="2400" dirty="0" err="1"/>
+              <a:t>spielstand_vert_exit</a:t>
+            </a:r>
+            <a:endParaRPr lang="de-DE" sz="2400" dirty="0"/>
+          </a:p>
+          <a:p>
+            <a:pPr marL="0" indent="0">
+              <a:buNone/>
+            </a:pPr>
+            <a:endParaRPr lang="de-DE" sz="2400" dirty="0"/>
+          </a:p>
+          <a:p>
+            <a:pPr marL="0" indent="0">
+              <a:buNone/>
+            </a:pPr>
+            <a:r>
+              <a:rPr lang="de-DE" sz="2400" dirty="0" err="1"/>
+              <a:t>jmp</a:t>
+            </a:r>
+            <a:r>
+              <a:rPr lang="de-DE" sz="2400" dirty="0"/>
               <a:t> </a:t>
             </a:r>
             <a:r>
-              <a:rPr lang="de-DE" dirty="0" err="1"/>
-              <a:t>eingabe_fertig</a:t>
-            </a:r>
-            <a:endParaRPr lang="de-DE" dirty="0"/>
-          </a:p>
-          <a:p>
-            <a:pPr marL="0" indent="0">
-              <a:buNone/>
-            </a:pPr>
-            <a:endParaRPr lang="de-DE" dirty="0"/>
-          </a:p>
-          <a:p>
-            <a:pPr marL="0" indent="0">
-              <a:buNone/>
-            </a:pPr>
-            <a:r>
-              <a:rPr lang="de-DE" dirty="0" err="1"/>
-              <a:t>dec</a:t>
-            </a:r>
-            <a:r>
-              <a:rPr lang="de-DE" dirty="0"/>
-              <a:t> r2</a:t>
-            </a:r>
-          </a:p>
-          <a:p>
-            <a:pPr marL="0" indent="0">
-              <a:buNone/>
-            </a:pPr>
-            <a:r>
-              <a:rPr lang="de-DE" dirty="0" err="1"/>
-              <a:t>jmp</a:t>
-            </a:r>
-            <a:r>
-              <a:rPr lang="de-DE" dirty="0"/>
-              <a:t> vergleich</a:t>
-            </a:r>
-          </a:p>
-          <a:p>
-            <a:pPr marL="0" indent="0">
-              <a:buNone/>
-            </a:pPr>
-            <a:endParaRPr lang="de-DE" dirty="0"/>
-          </a:p>
-          <a:p>
-            <a:pPr marL="0" indent="0">
-              <a:buNone/>
-            </a:pPr>
-            <a:r>
-              <a:rPr lang="de-DE" dirty="0" err="1"/>
-              <a:t>einfuegen</a:t>
-            </a:r>
-            <a:r>
-              <a:rPr lang="de-DE" dirty="0"/>
+              <a:rPr lang="de-DE" sz="2400" dirty="0" err="1"/>
+              <a:t>win</a:t>
+            </a:r>
+            <a:endParaRPr lang="de-DE" sz="2400" dirty="0"/>
+          </a:p>
+          <a:p>
+            <a:pPr marL="0" indent="0">
+              <a:buNone/>
+            </a:pPr>
+            <a:endParaRPr lang="de-DE" sz="2400" dirty="0"/>
+          </a:p>
+          <a:p>
+            <a:pPr marL="0" indent="0">
+              <a:buNone/>
+            </a:pPr>
+            <a:r>
+              <a:rPr lang="de-DE" sz="2400" dirty="0" err="1"/>
+              <a:t>spielstand_vert_exit</a:t>
+            </a:r>
+            <a:r>
+              <a:rPr lang="de-DE" sz="2400" dirty="0"/>
               <a:t>:</a:t>
             </a:r>
           </a:p>
@@ -8524,78 +9087,17 @@
               <a:buNone/>
             </a:pPr>
             <a:r>
-              <a:rPr lang="de-DE" dirty="0"/>
-              <a:t>mov a, AKTIVERSPIELER</a:t>
-            </a:r>
-          </a:p>
-          <a:p>
-            <a:pPr marL="0" indent="0">
-              <a:buNone/>
-            </a:pPr>
-            <a:r>
-              <a:rPr lang="de-DE" dirty="0" err="1"/>
-              <a:t>add</a:t>
-            </a:r>
-            <a:r>
-              <a:rPr lang="de-DE" dirty="0"/>
-              <a:t> a, r2</a:t>
-            </a:r>
-          </a:p>
-          <a:p>
-            <a:pPr marL="0" indent="0">
-              <a:buNone/>
-            </a:pPr>
-            <a:r>
-              <a:rPr lang="de-DE" dirty="0"/>
-              <a:t>mov r0, a</a:t>
-            </a:r>
-          </a:p>
-          <a:p>
-            <a:pPr marL="0" indent="0">
-              <a:buNone/>
-            </a:pPr>
-            <a:r>
-              <a:rPr lang="de-DE" dirty="0"/>
-              <a:t>mov a, @r0</a:t>
-            </a:r>
-          </a:p>
-          <a:p>
-            <a:pPr marL="0" indent="0">
-              <a:buNone/>
-            </a:pPr>
-            <a:r>
-              <a:rPr lang="de-DE" dirty="0" err="1"/>
-              <a:t>orl</a:t>
-            </a:r>
-            <a:r>
-              <a:rPr lang="de-DE" dirty="0"/>
-              <a:t> a, r3</a:t>
-            </a:r>
-          </a:p>
-          <a:p>
-            <a:pPr marL="0" indent="0">
-              <a:buNone/>
-            </a:pPr>
-            <a:r>
-              <a:rPr lang="de-DE" dirty="0"/>
-              <a:t>mov @r0, a</a:t>
-            </a:r>
-          </a:p>
-          <a:p>
-            <a:pPr marL="0" indent="0">
-              <a:buNone/>
-            </a:pPr>
-            <a:endParaRPr lang="de-DE" dirty="0"/>
-          </a:p>
-          <a:p>
-            <a:endParaRPr lang="de-DE" dirty="0"/>
+              <a:rPr lang="de-DE" sz="2400" dirty="0" err="1"/>
+              <a:t>ret</a:t>
+            </a:r>
+            <a:endParaRPr lang="de-DE" sz="2400" dirty="0"/>
           </a:p>
         </p:txBody>
       </p:sp>
     </p:spTree>
     <p:extLst>
       <p:ext uri="{BB962C8B-B14F-4D97-AF65-F5344CB8AC3E}">
-        <p14:creationId xmlns:p14="http://schemas.microsoft.com/office/powerpoint/2010/main" val="754373753"/>
+        <p14:creationId xmlns:p14="http://schemas.microsoft.com/office/powerpoint/2010/main" val="3161684329"/>
       </p:ext>
     </p:extLst>
   </p:cSld>

--- a/VierGewinnt.pptx
+++ b/VierGewinnt.pptx
@@ -4,6 +4,9 @@
   <p:sldMasterIdLst>
     <p:sldMasterId id="2147483648" r:id="rId1"/>
   </p:sldMasterIdLst>
+  <p:notesMasterIdLst>
+    <p:notesMasterId r:id="rId14"/>
+  </p:notesMasterIdLst>
   <p:sldIdLst>
     <p:sldId id="256" r:id="rId2"/>
     <p:sldId id="257" r:id="rId3"/>
@@ -121,6 +124,439 @@
     </p:ext>
   </p:extLst>
 </p:presentation>
+</file>
+
+<file path=ppt/notesMasters/notesMaster1.xml><?xml version="1.0" encoding="utf-8"?>
+<p:notesMaster xmlns:a="http://schemas.openxmlformats.org/drawingml/2006/main" xmlns:r="http://schemas.openxmlformats.org/officeDocument/2006/relationships" xmlns:p="http://schemas.openxmlformats.org/presentationml/2006/main">
+  <p:cSld>
+    <p:bg>
+      <p:bgRef idx="1001">
+        <a:schemeClr val="bg1"/>
+      </p:bgRef>
+    </p:bg>
+    <p:spTree>
+      <p:nvGrpSpPr>
+        <p:cNvPr id="1" name=""/>
+        <p:cNvGrpSpPr/>
+        <p:nvPr/>
+      </p:nvGrpSpPr>
+      <p:grpSpPr>
+        <a:xfrm>
+          <a:off x="0" y="0"/>
+          <a:ext cx="0" cy="0"/>
+          <a:chOff x="0" y="0"/>
+          <a:chExt cx="0" cy="0"/>
+        </a:xfrm>
+      </p:grpSpPr>
+      <p:sp>
+        <p:nvSpPr>
+          <p:cNvPr id="2" name="Kopfzeilenplatzhalter 1"/>
+          <p:cNvSpPr>
+            <a:spLocks noGrp="1"/>
+          </p:cNvSpPr>
+          <p:nvPr>
+            <p:ph type="hdr" sz="quarter"/>
+          </p:nvPr>
+        </p:nvSpPr>
+        <p:spPr>
+          <a:xfrm>
+            <a:off x="0" y="0"/>
+            <a:ext cx="2971800" cy="458788"/>
+          </a:xfrm>
+          <a:prstGeom prst="rect">
+            <a:avLst/>
+          </a:prstGeom>
+        </p:spPr>
+        <p:txBody>
+          <a:bodyPr vert="horz" lIns="91440" tIns="45720" rIns="91440" bIns="45720" rtlCol="0"/>
+          <a:lstStyle>
+            <a:lvl1pPr algn="l">
+              <a:defRPr sz="1200"/>
+            </a:lvl1pPr>
+          </a:lstStyle>
+          <a:p>
+            <a:endParaRPr lang="de-DE"/>
+          </a:p>
+        </p:txBody>
+      </p:sp>
+      <p:sp>
+        <p:nvSpPr>
+          <p:cNvPr id="3" name="Datumsplatzhalter 2"/>
+          <p:cNvSpPr>
+            <a:spLocks noGrp="1"/>
+          </p:cNvSpPr>
+          <p:nvPr>
+            <p:ph type="dt" idx="1"/>
+          </p:nvPr>
+        </p:nvSpPr>
+        <p:spPr>
+          <a:xfrm>
+            <a:off x="3884613" y="0"/>
+            <a:ext cx="2971800" cy="458788"/>
+          </a:xfrm>
+          <a:prstGeom prst="rect">
+            <a:avLst/>
+          </a:prstGeom>
+        </p:spPr>
+        <p:txBody>
+          <a:bodyPr vert="horz" lIns="91440" tIns="45720" rIns="91440" bIns="45720" rtlCol="0"/>
+          <a:lstStyle>
+            <a:lvl1pPr algn="r">
+              <a:defRPr sz="1200"/>
+            </a:lvl1pPr>
+          </a:lstStyle>
+          <a:p>
+            <a:fld id="{61DDA1E3-3876-4C1F-96B2-3E43399C967B}" type="datetimeFigureOut">
+              <a:rPr lang="de-DE" smtClean="0"/>
+              <a:t>06.12.2018</a:t>
+            </a:fld>
+            <a:endParaRPr lang="de-DE"/>
+          </a:p>
+        </p:txBody>
+      </p:sp>
+      <p:sp>
+        <p:nvSpPr>
+          <p:cNvPr id="4" name="Folienbildplatzhalter 3"/>
+          <p:cNvSpPr>
+            <a:spLocks noGrp="1" noRot="1" noChangeAspect="1"/>
+          </p:cNvSpPr>
+          <p:nvPr>
+            <p:ph type="sldImg" idx="2"/>
+          </p:nvPr>
+        </p:nvSpPr>
+        <p:spPr>
+          <a:xfrm>
+            <a:off x="685800" y="1143000"/>
+            <a:ext cx="5486400" cy="3086100"/>
+          </a:xfrm>
+          <a:prstGeom prst="rect">
+            <a:avLst/>
+          </a:prstGeom>
+          <a:noFill/>
+          <a:ln w="12700">
+            <a:solidFill>
+              <a:prstClr val="black"/>
+            </a:solidFill>
+          </a:ln>
+        </p:spPr>
+        <p:txBody>
+          <a:bodyPr vert="horz" lIns="91440" tIns="45720" rIns="91440" bIns="45720" rtlCol="0" anchor="ctr"/>
+          <a:lstStyle/>
+          <a:p>
+            <a:endParaRPr lang="de-DE"/>
+          </a:p>
+        </p:txBody>
+      </p:sp>
+      <p:sp>
+        <p:nvSpPr>
+          <p:cNvPr id="5" name="Notizenplatzhalter 4"/>
+          <p:cNvSpPr>
+            <a:spLocks noGrp="1"/>
+          </p:cNvSpPr>
+          <p:nvPr>
+            <p:ph type="body" sz="quarter" idx="3"/>
+          </p:nvPr>
+        </p:nvSpPr>
+        <p:spPr>
+          <a:xfrm>
+            <a:off x="685800" y="4400550"/>
+            <a:ext cx="5486400" cy="3600450"/>
+          </a:xfrm>
+          <a:prstGeom prst="rect">
+            <a:avLst/>
+          </a:prstGeom>
+        </p:spPr>
+        <p:txBody>
+          <a:bodyPr vert="horz" lIns="91440" tIns="45720" rIns="91440" bIns="45720" rtlCol="0"/>
+          <a:lstStyle/>
+          <a:p>
+            <a:pPr lvl="0"/>
+            <a:r>
+              <a:rPr lang="de-DE"/>
+              <a:t>Mastertextformat bearbeiten</a:t>
+            </a:r>
+          </a:p>
+          <a:p>
+            <a:pPr lvl="1"/>
+            <a:r>
+              <a:rPr lang="de-DE"/>
+              <a:t>Zweite Ebene</a:t>
+            </a:r>
+          </a:p>
+          <a:p>
+            <a:pPr lvl="2"/>
+            <a:r>
+              <a:rPr lang="de-DE"/>
+              <a:t>Dritte Ebene</a:t>
+            </a:r>
+          </a:p>
+          <a:p>
+            <a:pPr lvl="3"/>
+            <a:r>
+              <a:rPr lang="de-DE"/>
+              <a:t>Vierte Ebene</a:t>
+            </a:r>
+          </a:p>
+          <a:p>
+            <a:pPr lvl="4"/>
+            <a:r>
+              <a:rPr lang="de-DE"/>
+              <a:t>Fünfte Ebene</a:t>
+            </a:r>
+          </a:p>
+        </p:txBody>
+      </p:sp>
+      <p:sp>
+        <p:nvSpPr>
+          <p:cNvPr id="6" name="Fußzeilenplatzhalter 5"/>
+          <p:cNvSpPr>
+            <a:spLocks noGrp="1"/>
+          </p:cNvSpPr>
+          <p:nvPr>
+            <p:ph type="ftr" sz="quarter" idx="4"/>
+          </p:nvPr>
+        </p:nvSpPr>
+        <p:spPr>
+          <a:xfrm>
+            <a:off x="0" y="8685213"/>
+            <a:ext cx="2971800" cy="458787"/>
+          </a:xfrm>
+          <a:prstGeom prst="rect">
+            <a:avLst/>
+          </a:prstGeom>
+        </p:spPr>
+        <p:txBody>
+          <a:bodyPr vert="horz" lIns="91440" tIns="45720" rIns="91440" bIns="45720" rtlCol="0" anchor="b"/>
+          <a:lstStyle>
+            <a:lvl1pPr algn="l">
+              <a:defRPr sz="1200"/>
+            </a:lvl1pPr>
+          </a:lstStyle>
+          <a:p>
+            <a:endParaRPr lang="de-DE"/>
+          </a:p>
+        </p:txBody>
+      </p:sp>
+      <p:sp>
+        <p:nvSpPr>
+          <p:cNvPr id="7" name="Foliennummernplatzhalter 6"/>
+          <p:cNvSpPr>
+            <a:spLocks noGrp="1"/>
+          </p:cNvSpPr>
+          <p:nvPr>
+            <p:ph type="sldNum" sz="quarter" idx="5"/>
+          </p:nvPr>
+        </p:nvSpPr>
+        <p:spPr>
+          <a:xfrm>
+            <a:off x="3884613" y="8685213"/>
+            <a:ext cx="2971800" cy="458787"/>
+          </a:xfrm>
+          <a:prstGeom prst="rect">
+            <a:avLst/>
+          </a:prstGeom>
+        </p:spPr>
+        <p:txBody>
+          <a:bodyPr vert="horz" lIns="91440" tIns="45720" rIns="91440" bIns="45720" rtlCol="0" anchor="b"/>
+          <a:lstStyle>
+            <a:lvl1pPr algn="r">
+              <a:defRPr sz="1200"/>
+            </a:lvl1pPr>
+          </a:lstStyle>
+          <a:p>
+            <a:fld id="{0CDA9607-FCE4-497D-AD75-D71330362BE7}" type="slidenum">
+              <a:rPr lang="de-DE" smtClean="0"/>
+              <a:t>‹Nr.›</a:t>
+            </a:fld>
+            <a:endParaRPr lang="de-DE"/>
+          </a:p>
+        </p:txBody>
+      </p:sp>
+    </p:spTree>
+    <p:extLst>
+      <p:ext uri="{BB962C8B-B14F-4D97-AF65-F5344CB8AC3E}">
+        <p14:creationId xmlns:p14="http://schemas.microsoft.com/office/powerpoint/2010/main" val="3601976777"/>
+      </p:ext>
+    </p:extLst>
+  </p:cSld>
+  <p:clrMap bg1="lt1" tx1="dk1" bg2="lt2" tx2="dk2" accent1="accent1" accent2="accent2" accent3="accent3" accent4="accent4" accent5="accent5" accent6="accent6" hlink="hlink" folHlink="folHlink"/>
+  <p:notesStyle>
+    <a:lvl1pPr marL="0" algn="l" defTabSz="914400" rtl="0" eaLnBrk="1" latinLnBrk="0" hangingPunct="1">
+      <a:defRPr sz="1200" kern="1200">
+        <a:solidFill>
+          <a:schemeClr val="tx1"/>
+        </a:solidFill>
+        <a:latin typeface="+mn-lt"/>
+        <a:ea typeface="+mn-ea"/>
+        <a:cs typeface="+mn-cs"/>
+      </a:defRPr>
+    </a:lvl1pPr>
+    <a:lvl2pPr marL="457200" algn="l" defTabSz="914400" rtl="0" eaLnBrk="1" latinLnBrk="0" hangingPunct="1">
+      <a:defRPr sz="1200" kern="1200">
+        <a:solidFill>
+          <a:schemeClr val="tx1"/>
+        </a:solidFill>
+        <a:latin typeface="+mn-lt"/>
+        <a:ea typeface="+mn-ea"/>
+        <a:cs typeface="+mn-cs"/>
+      </a:defRPr>
+    </a:lvl2pPr>
+    <a:lvl3pPr marL="914400" algn="l" defTabSz="914400" rtl="0" eaLnBrk="1" latinLnBrk="0" hangingPunct="1">
+      <a:defRPr sz="1200" kern="1200">
+        <a:solidFill>
+          <a:schemeClr val="tx1"/>
+        </a:solidFill>
+        <a:latin typeface="+mn-lt"/>
+        <a:ea typeface="+mn-ea"/>
+        <a:cs typeface="+mn-cs"/>
+      </a:defRPr>
+    </a:lvl3pPr>
+    <a:lvl4pPr marL="1371600" algn="l" defTabSz="914400" rtl="0" eaLnBrk="1" latinLnBrk="0" hangingPunct="1">
+      <a:defRPr sz="1200" kern="1200">
+        <a:solidFill>
+          <a:schemeClr val="tx1"/>
+        </a:solidFill>
+        <a:latin typeface="+mn-lt"/>
+        <a:ea typeface="+mn-ea"/>
+        <a:cs typeface="+mn-cs"/>
+      </a:defRPr>
+    </a:lvl4pPr>
+    <a:lvl5pPr marL="1828800" algn="l" defTabSz="914400" rtl="0" eaLnBrk="1" latinLnBrk="0" hangingPunct="1">
+      <a:defRPr sz="1200" kern="1200">
+        <a:solidFill>
+          <a:schemeClr val="tx1"/>
+        </a:solidFill>
+        <a:latin typeface="+mn-lt"/>
+        <a:ea typeface="+mn-ea"/>
+        <a:cs typeface="+mn-cs"/>
+      </a:defRPr>
+    </a:lvl5pPr>
+    <a:lvl6pPr marL="2286000" algn="l" defTabSz="914400" rtl="0" eaLnBrk="1" latinLnBrk="0" hangingPunct="1">
+      <a:defRPr sz="1200" kern="1200">
+        <a:solidFill>
+          <a:schemeClr val="tx1"/>
+        </a:solidFill>
+        <a:latin typeface="+mn-lt"/>
+        <a:ea typeface="+mn-ea"/>
+        <a:cs typeface="+mn-cs"/>
+      </a:defRPr>
+    </a:lvl6pPr>
+    <a:lvl7pPr marL="2743200" algn="l" defTabSz="914400" rtl="0" eaLnBrk="1" latinLnBrk="0" hangingPunct="1">
+      <a:defRPr sz="1200" kern="1200">
+        <a:solidFill>
+          <a:schemeClr val="tx1"/>
+        </a:solidFill>
+        <a:latin typeface="+mn-lt"/>
+        <a:ea typeface="+mn-ea"/>
+        <a:cs typeface="+mn-cs"/>
+      </a:defRPr>
+    </a:lvl7pPr>
+    <a:lvl8pPr marL="3200400" algn="l" defTabSz="914400" rtl="0" eaLnBrk="1" latinLnBrk="0" hangingPunct="1">
+      <a:defRPr sz="1200" kern="1200">
+        <a:solidFill>
+          <a:schemeClr val="tx1"/>
+        </a:solidFill>
+        <a:latin typeface="+mn-lt"/>
+        <a:ea typeface="+mn-ea"/>
+        <a:cs typeface="+mn-cs"/>
+      </a:defRPr>
+    </a:lvl8pPr>
+    <a:lvl9pPr marL="3657600" algn="l" defTabSz="914400" rtl="0" eaLnBrk="1" latinLnBrk="0" hangingPunct="1">
+      <a:defRPr sz="1200" kern="1200">
+        <a:solidFill>
+          <a:schemeClr val="tx1"/>
+        </a:solidFill>
+        <a:latin typeface="+mn-lt"/>
+        <a:ea typeface="+mn-ea"/>
+        <a:cs typeface="+mn-cs"/>
+      </a:defRPr>
+    </a:lvl9pPr>
+  </p:notesStyle>
+</p:notesMaster>
+</file>
+
+<file path=ppt/notesSlides/notesSlide1.xml><?xml version="1.0" encoding="utf-8"?>
+<p:notes xmlns:a="http://schemas.openxmlformats.org/drawingml/2006/main" xmlns:r="http://schemas.openxmlformats.org/officeDocument/2006/relationships" xmlns:p="http://schemas.openxmlformats.org/presentationml/2006/main">
+  <p:cSld>
+    <p:spTree>
+      <p:nvGrpSpPr>
+        <p:cNvPr id="1" name=""/>
+        <p:cNvGrpSpPr/>
+        <p:nvPr/>
+      </p:nvGrpSpPr>
+      <p:grpSpPr>
+        <a:xfrm>
+          <a:off x="0" y="0"/>
+          <a:ext cx="0" cy="0"/>
+          <a:chOff x="0" y="0"/>
+          <a:chExt cx="0" cy="0"/>
+        </a:xfrm>
+      </p:grpSpPr>
+      <p:sp>
+        <p:nvSpPr>
+          <p:cNvPr id="2" name="Folienbildplatzhalter 1"/>
+          <p:cNvSpPr>
+            <a:spLocks noGrp="1" noRot="1" noChangeAspect="1"/>
+          </p:cNvSpPr>
+          <p:nvPr>
+            <p:ph type="sldImg"/>
+          </p:nvPr>
+        </p:nvSpPr>
+        <p:spPr/>
+      </p:sp>
+      <p:sp>
+        <p:nvSpPr>
+          <p:cNvPr id="3" name="Notizenplatzhalter 2"/>
+          <p:cNvSpPr>
+            <a:spLocks noGrp="1"/>
+          </p:cNvSpPr>
+          <p:nvPr>
+            <p:ph type="body" idx="1"/>
+          </p:nvPr>
+        </p:nvSpPr>
+        <p:spPr/>
+        <p:txBody>
+          <a:bodyPr/>
+          <a:lstStyle/>
+          <a:p>
+            <a:endParaRPr lang="de-DE" dirty="0"/>
+          </a:p>
+        </p:txBody>
+      </p:sp>
+      <p:sp>
+        <p:nvSpPr>
+          <p:cNvPr id="4" name="Foliennummernplatzhalter 3"/>
+          <p:cNvSpPr>
+            <a:spLocks noGrp="1"/>
+          </p:cNvSpPr>
+          <p:nvPr>
+            <p:ph type="sldNum" sz="quarter" idx="5"/>
+          </p:nvPr>
+        </p:nvSpPr>
+        <p:spPr/>
+        <p:txBody>
+          <a:bodyPr/>
+          <a:lstStyle/>
+          <a:p>
+            <a:fld id="{0CDA9607-FCE4-497D-AD75-D71330362BE7}" type="slidenum">
+              <a:rPr lang="de-DE" smtClean="0"/>
+              <a:t>4</a:t>
+            </a:fld>
+            <a:endParaRPr lang="de-DE"/>
+          </a:p>
+        </p:txBody>
+      </p:sp>
+    </p:spTree>
+    <p:extLst>
+      <p:ext uri="{BB962C8B-B14F-4D97-AF65-F5344CB8AC3E}">
+        <p14:creationId xmlns:p14="http://schemas.microsoft.com/office/powerpoint/2010/main" val="3142411823"/>
+      </p:ext>
+    </p:extLst>
+  </p:cSld>
+  <p:clrMapOvr>
+    <a:masterClrMapping/>
+  </p:clrMapOvr>
+</p:notes>
 </file>
 
 <file path=ppt/slideLayouts/slideLayout1.xml><?xml version="1.0" encoding="utf-8"?>
@@ -3599,35 +4035,107 @@
               <a:buNone/>
             </a:pPr>
             <a:r>
+              <a:rPr lang="de-DE" sz="2400" dirty="0">
+                <a:solidFill>
+                  <a:schemeClr val="bg2">
+                    <a:lumMod val="50000"/>
+                  </a:schemeClr>
+                </a:solidFill>
+              </a:rPr>
+              <a:t>; Spieler1 = Leer</a:t>
+            </a:r>
+          </a:p>
+          <a:p>
+            <a:pPr marL="0" indent="0">
+              <a:buNone/>
+            </a:pPr>
+            <a:r>
+              <a:rPr lang="de-DE" sz="2400" dirty="0">
+                <a:solidFill>
+                  <a:schemeClr val="accent1">
+                    <a:lumMod val="75000"/>
+                  </a:schemeClr>
+                </a:solidFill>
+              </a:rPr>
+              <a:t>MOV</a:t>
+            </a:r>
+            <a:r>
               <a:rPr lang="de-DE" sz="2400" dirty="0"/>
-              <a:t>; Spieler1 = Leer</a:t>
-            </a:r>
-          </a:p>
-          <a:p>
-            <a:pPr marL="0" indent="0">
-              <a:buNone/>
-            </a:pPr>
+              <a:t> </a:t>
+            </a:r>
+            <a:r>
+              <a:rPr lang="de-DE" sz="2400" dirty="0">
+                <a:solidFill>
+                  <a:schemeClr val="accent1">
+                    <a:lumMod val="75000"/>
+                  </a:schemeClr>
+                </a:solidFill>
+              </a:rPr>
+              <a:t>SPIELER1, #00h</a:t>
+            </a:r>
+          </a:p>
+          <a:p>
+            <a:pPr marL="0" indent="0">
+              <a:buNone/>
+            </a:pPr>
+            <a:r>
+              <a:rPr lang="de-DE" sz="2400" dirty="0">
+                <a:solidFill>
+                  <a:schemeClr val="accent1">
+                    <a:lumMod val="75000"/>
+                  </a:schemeClr>
+                </a:solidFill>
+              </a:rPr>
+              <a:t>MOV SPIELER1+1</a:t>
+            </a:r>
             <a:r>
               <a:rPr lang="de-DE" sz="2400" dirty="0"/>
-              <a:t>mov SPIELER1, #00h</a:t>
-            </a:r>
-          </a:p>
-          <a:p>
-            <a:pPr marL="0" indent="0">
-              <a:buNone/>
-            </a:pPr>
+              <a:t>, </a:t>
+            </a:r>
+            <a:r>
+              <a:rPr lang="de-DE" sz="2400" dirty="0">
+                <a:solidFill>
+                  <a:srgbClr val="FFC000"/>
+                </a:solidFill>
+              </a:rPr>
+              <a:t>#00h</a:t>
+            </a:r>
+          </a:p>
+          <a:p>
+            <a:pPr marL="0" indent="0">
+              <a:buNone/>
+            </a:pPr>
+            <a:r>
+              <a:rPr lang="de-DE" sz="2400" dirty="0">
+                <a:solidFill>
+                  <a:schemeClr val="accent1">
+                    <a:lumMod val="75000"/>
+                  </a:schemeClr>
+                </a:solidFill>
+              </a:rPr>
+              <a:t>MOV</a:t>
+            </a:r>
             <a:r>
               <a:rPr lang="de-DE" sz="2400" dirty="0"/>
-              <a:t>mov SPIELER1+1, #00h</a:t>
-            </a:r>
-          </a:p>
-          <a:p>
-            <a:pPr marL="0" indent="0">
-              <a:buNone/>
-            </a:pPr>
-            <a:r>
-              <a:rPr lang="de-DE" sz="2400" dirty="0"/>
-              <a:t>mov SPIELER1+2, #00h</a:t>
+              <a:t> </a:t>
+            </a:r>
+            <a:r>
+              <a:rPr lang="de-DE" sz="2400" dirty="0">
+                <a:solidFill>
+                  <a:schemeClr val="accent1">
+                    <a:lumMod val="75000"/>
+                  </a:schemeClr>
+                </a:solidFill>
+              </a:rPr>
+              <a:t>SPIELER1+2, </a:t>
+            </a:r>
+            <a:r>
+              <a:rPr lang="de-DE" sz="2400" dirty="0">
+                <a:solidFill>
+                  <a:srgbClr val="FFC000"/>
+                </a:solidFill>
+              </a:rPr>
+              <a:t>#00h</a:t>
             </a:r>
           </a:p>
           <a:p>
@@ -3644,39 +4152,107 @@
               <a:buNone/>
             </a:pPr>
             <a:r>
+              <a:rPr lang="de-DE" sz="2400" dirty="0">
+                <a:solidFill>
+                  <a:schemeClr val="accent1">
+                    <a:lumMod val="75000"/>
+                  </a:schemeClr>
+                </a:solidFill>
+              </a:rPr>
+              <a:t>MOV</a:t>
+            </a:r>
+            <a:r>
               <a:rPr lang="de-DE" sz="2400" dirty="0"/>
-              <a:t>mov SPIELER1+7, #00h</a:t>
-            </a:r>
-          </a:p>
-          <a:p>
-            <a:pPr marL="0" indent="0">
-              <a:buNone/>
-            </a:pPr>
+              <a:t> </a:t>
+            </a:r>
+            <a:r>
+              <a:rPr lang="de-DE" sz="2400" dirty="0">
+                <a:solidFill>
+                  <a:schemeClr val="accent1">
+                    <a:lumMod val="75000"/>
+                  </a:schemeClr>
+                </a:solidFill>
+              </a:rPr>
+              <a:t>SPIELER1+7, </a:t>
+            </a:r>
+            <a:r>
+              <a:rPr lang="de-DE" sz="2400" dirty="0">
+                <a:solidFill>
+                  <a:srgbClr val="FFC000"/>
+                </a:solidFill>
+              </a:rPr>
+              <a:t>#00h</a:t>
+            </a:r>
+          </a:p>
+          <a:p>
+            <a:pPr marL="0" indent="0">
+              <a:buNone/>
+            </a:pPr>
+            <a:r>
+              <a:rPr lang="de-DE" sz="2400" dirty="0">
+                <a:solidFill>
+                  <a:schemeClr val="bg2">
+                    <a:lumMod val="50000"/>
+                  </a:schemeClr>
+                </a:solidFill>
+              </a:rPr>
+              <a:t>; Spieler2 = Darstellen einer '1' oder '2'</a:t>
+            </a:r>
+          </a:p>
+          <a:p>
+            <a:pPr marL="0" indent="0">
+              <a:buNone/>
+            </a:pPr>
+            <a:r>
+              <a:rPr lang="de-DE" sz="2400" dirty="0">
+                <a:solidFill>
+                  <a:schemeClr val="accent1">
+                    <a:lumMod val="75000"/>
+                  </a:schemeClr>
+                </a:solidFill>
+              </a:rPr>
+              <a:t>MOV</a:t>
+            </a:r>
             <a:r>
               <a:rPr lang="de-DE" sz="2400" dirty="0"/>
-              <a:t>; Spieler2 = Darstellen einer '1' oder '2'</a:t>
-            </a:r>
-          </a:p>
-          <a:p>
-            <a:pPr marL="0" indent="0">
-              <a:buNone/>
-            </a:pPr>
+              <a:t> </a:t>
+            </a:r>
+            <a:r>
+              <a:rPr lang="de-DE" sz="2400" dirty="0">
+                <a:solidFill>
+                  <a:schemeClr val="accent1">
+                    <a:lumMod val="75000"/>
+                  </a:schemeClr>
+                </a:solidFill>
+              </a:rPr>
+              <a:t>a,</a:t>
+            </a:r>
             <a:r>
               <a:rPr lang="de-DE" sz="2400" dirty="0"/>
-              <a:t>mov a, #SPIELER1</a:t>
-            </a:r>
-          </a:p>
-          <a:p>
-            <a:pPr marL="0" indent="0">
-              <a:buNone/>
-            </a:pPr>
-            <a:r>
-              <a:rPr lang="de-DE" sz="2400" dirty="0" err="1"/>
-              <a:t>clr</a:t>
-            </a:r>
-            <a:r>
-              <a:rPr lang="de-DE" sz="2400" dirty="0"/>
-              <a:t> c</a:t>
+              <a:t> </a:t>
+            </a:r>
+            <a:r>
+              <a:rPr lang="de-DE" sz="2400" dirty="0">
+                <a:solidFill>
+                  <a:srgbClr val="FFC000"/>
+                </a:solidFill>
+              </a:rPr>
+              <a:t>#SPIELER1</a:t>
+            </a:r>
+          </a:p>
+          <a:p>
+            <a:pPr marL="0" indent="0">
+              <a:buNone/>
+            </a:pPr>
+            <a:r>
+              <a:rPr lang="de-DE" sz="2400" dirty="0">
+                <a:solidFill>
+                  <a:schemeClr val="accent1">
+                    <a:lumMod val="75000"/>
+                  </a:schemeClr>
+                </a:solidFill>
+              </a:rPr>
+              <a:t>CLR c</a:t>
             </a:r>
           </a:p>
         </p:txBody>
@@ -3710,87 +4286,181 @@
           <a:lstStyle/>
           <a:p>
             <a:r>
-              <a:rPr lang="de-DE" sz="2400" dirty="0" err="1"/>
-              <a:t>subb</a:t>
-            </a:r>
-            <a:r>
-              <a:rPr lang="de-DE" sz="2400" dirty="0"/>
-              <a:t> a, AKTIVERSPIELER </a:t>
-            </a:r>
-          </a:p>
-          <a:p>
-            <a:r>
-              <a:rPr lang="de-DE" sz="2400" dirty="0"/>
+              <a:rPr lang="de-DE" sz="2400" dirty="0">
+                <a:solidFill>
+                  <a:schemeClr val="accent1">
+                    <a:lumMod val="75000"/>
+                  </a:schemeClr>
+                </a:solidFill>
+              </a:rPr>
+              <a:t>SUBB a, </a:t>
+            </a:r>
+            <a:r>
+              <a:rPr lang="de-DE" sz="2400" dirty="0">
+                <a:solidFill>
+                  <a:srgbClr val="00B050"/>
+                </a:solidFill>
+              </a:rPr>
+              <a:t>AKTIVERSPIELER</a:t>
+            </a:r>
+            <a:r>
+              <a:rPr lang="de-DE" sz="2400" dirty="0">
+                <a:solidFill>
+                  <a:schemeClr val="accent1">
+                    <a:lumMod val="75000"/>
+                  </a:schemeClr>
+                </a:solidFill>
+              </a:rPr>
+              <a:t> </a:t>
+            </a:r>
+          </a:p>
+          <a:p>
+            <a:r>
+              <a:rPr lang="de-DE" sz="2400" dirty="0">
+                <a:solidFill>
+                  <a:schemeClr val="bg2">
+                    <a:lumMod val="50000"/>
+                  </a:schemeClr>
+                </a:solidFill>
+              </a:rPr>
               <a:t>; Wenn C = 1, dann hat Spieler 2 gewonnen und wir müssen eine 2 anzeigen</a:t>
             </a:r>
           </a:p>
           <a:p>
             <a:r>
-              <a:rPr lang="de-DE" sz="2400" dirty="0" err="1"/>
-              <a:t>jc</a:t>
-            </a:r>
-            <a:r>
-              <a:rPr lang="de-DE" sz="2400" dirty="0"/>
-              <a:t> win_spieler2</a:t>
-            </a:r>
-          </a:p>
-          <a:p>
-            <a:r>
-              <a:rPr lang="de-DE" sz="2400" dirty="0"/>
+              <a:rPr lang="de-DE" sz="2400" dirty="0">
+                <a:solidFill>
+                  <a:schemeClr val="accent1">
+                    <a:lumMod val="75000"/>
+                  </a:schemeClr>
+                </a:solidFill>
+              </a:rPr>
+              <a:t>JC </a:t>
+            </a:r>
+            <a:r>
+              <a:rPr lang="de-DE" sz="2400" dirty="0">
+                <a:solidFill>
+                  <a:srgbClr val="00B050"/>
+                </a:solidFill>
+              </a:rPr>
+              <a:t>win_spieler2</a:t>
+            </a:r>
+          </a:p>
+          <a:p>
+            <a:r>
+              <a:rPr lang="de-DE" sz="2400" dirty="0">
+                <a:solidFill>
+                  <a:schemeClr val="bg2">
+                    <a:lumMod val="50000"/>
+                  </a:schemeClr>
+                </a:solidFill>
+              </a:rPr>
               <a:t>; 1 ausgeben</a:t>
             </a:r>
           </a:p>
           <a:p>
             <a:r>
-              <a:rPr lang="de-DE" sz="2400" dirty="0"/>
-              <a:t>mov </a:t>
-            </a:r>
-            <a:r>
-              <a:rPr lang="de-DE" sz="2400" dirty="0" err="1"/>
-              <a:t>dptr</a:t>
-            </a:r>
-            <a:r>
-              <a:rPr lang="de-DE" sz="2400" dirty="0"/>
-              <a:t>, #display_1</a:t>
-            </a:r>
-          </a:p>
-          <a:p>
-            <a:r>
-              <a:rPr lang="de-DE" sz="2400" dirty="0"/>
-              <a:t>DISPLAY_DB 0</a:t>
-            </a:r>
-          </a:p>
-          <a:p>
-            <a:r>
-              <a:rPr lang="de-DE" sz="2400" dirty="0"/>
-              <a:t>…</a:t>
-            </a:r>
-          </a:p>
-          <a:p>
-            <a:r>
-              <a:rPr lang="de-DE" sz="2400" dirty="0"/>
-              <a:t>DISPLAY_DB 7</a:t>
-            </a:r>
-          </a:p>
-          <a:p>
-            <a:r>
-              <a:rPr lang="de-DE" sz="2400" dirty="0" err="1"/>
-              <a:t>jmp</a:t>
+              <a:rPr lang="de-DE" sz="2400" dirty="0">
+                <a:solidFill>
+                  <a:schemeClr val="accent1">
+                    <a:lumMod val="75000"/>
+                  </a:schemeClr>
+                </a:solidFill>
+              </a:rPr>
+              <a:t>MOV</a:t>
             </a:r>
             <a:r>
               <a:rPr lang="de-DE" sz="2400" dirty="0"/>
               <a:t> </a:t>
             </a:r>
             <a:r>
-              <a:rPr lang="de-DE" sz="2400" dirty="0" err="1"/>
+              <a:rPr lang="de-DE" sz="2400" dirty="0" err="1">
+                <a:solidFill>
+                  <a:schemeClr val="accent1">
+                    <a:lumMod val="75000"/>
+                  </a:schemeClr>
+                </a:solidFill>
+              </a:rPr>
+              <a:t>dptr</a:t>
+            </a:r>
+            <a:r>
+              <a:rPr lang="de-DE" sz="2400" dirty="0"/>
+              <a:t>, </a:t>
+            </a:r>
+            <a:r>
+              <a:rPr lang="de-DE" sz="2400" dirty="0">
+                <a:solidFill>
+                  <a:srgbClr val="FFC000"/>
+                </a:solidFill>
+              </a:rPr>
+              <a:t>#display_1</a:t>
+            </a:r>
+          </a:p>
+          <a:p>
+            <a:r>
+              <a:rPr lang="de-DE" sz="2400" dirty="0">
+                <a:solidFill>
+                  <a:schemeClr val="accent1">
+                    <a:lumMod val="75000"/>
+                  </a:schemeClr>
+                </a:solidFill>
+              </a:rPr>
+              <a:t>DISPLAY_DB 0</a:t>
+            </a:r>
+          </a:p>
+          <a:p>
+            <a:r>
+              <a:rPr lang="de-DE" sz="2400" dirty="0">
+                <a:solidFill>
+                  <a:schemeClr val="accent1">
+                    <a:lumMod val="75000"/>
+                  </a:schemeClr>
+                </a:solidFill>
+              </a:rPr>
+              <a:t>…</a:t>
+            </a:r>
+          </a:p>
+          <a:p>
+            <a:r>
+              <a:rPr lang="de-DE" sz="2400" dirty="0">
+                <a:solidFill>
+                  <a:schemeClr val="accent1">
+                    <a:lumMod val="75000"/>
+                  </a:schemeClr>
+                </a:solidFill>
+              </a:rPr>
+              <a:t>DISPLAY_DB 7</a:t>
+            </a:r>
+          </a:p>
+          <a:p>
+            <a:r>
+              <a:rPr lang="de-DE" sz="2400" dirty="0">
+                <a:solidFill>
+                  <a:schemeClr val="accent1">
+                    <a:lumMod val="75000"/>
+                  </a:schemeClr>
+                </a:solidFill>
+              </a:rPr>
+              <a:t>JMP </a:t>
+            </a:r>
+            <a:r>
+              <a:rPr lang="de-DE" sz="2400" dirty="0" err="1">
+                <a:solidFill>
+                  <a:srgbClr val="00B050"/>
+                </a:solidFill>
+              </a:rPr>
               <a:t>leerlauf</a:t>
             </a:r>
-            <a:endParaRPr lang="de-DE" sz="2400" dirty="0"/>
-          </a:p>
-        </p:txBody>
-      </p:sp>
-      <mc:AlternateContent xmlns:mc="http://schemas.openxmlformats.org/markup-compatibility/2006">
-        <mc:Choice xmlns:pslz="http://schemas.microsoft.com/office/powerpoint/2016/slidezoom" Requires="pslz">
+            <a:endParaRPr lang="de-DE" sz="2400" dirty="0">
+              <a:solidFill>
+                <a:srgbClr val="00B050"/>
+              </a:solidFill>
+            </a:endParaRPr>
+          </a:p>
+        </p:txBody>
+      </p:sp>
+      <mc:AlternateContent xmlns:mc="http://schemas.openxmlformats.org/markup-compatibility/2006" xmlns:pslz="http://schemas.microsoft.com/office/powerpoint/2016/slidezoom">
+        <mc:Choice Requires="pslz">
           <p:graphicFrame>
             <p:nvGraphicFramePr>
               <p:cNvPr id="6" name="Folienzoom 5">
@@ -3851,7 +4521,7 @@
             </a:graphic>
           </p:graphicFrame>
         </mc:Choice>
-        <mc:Fallback>
+        <mc:Fallback xmlns="">
           <p:pic>
             <p:nvPicPr>
               <p:cNvPr id="6" name="Folienzoom 5">
@@ -3868,7 +4538,7 @@
               <p:nvPr/>
             </p:nvPicPr>
             <p:blipFill>
-              <a:blip r:embed="rId2">
+              <a:blip r:embed="rId4">
                 <a:extLst>
                   <a:ext uri="{28A0092B-C50C-407E-A947-70E740481C1C}">
                     <a14:useLocalDpi xmlns:a14="http://schemas.microsoft.com/office/drawing/2010/main" val="0"/>
@@ -3943,7 +4613,7 @@
         <p:spPr>
           <a:xfrm>
             <a:off x="838200" y="568171"/>
-            <a:ext cx="10515600" cy="5608792"/>
+            <a:ext cx="10515600" cy="6072326"/>
           </a:xfrm>
         </p:spPr>
         <p:txBody>
@@ -3956,7 +4626,13 @@
               <a:buNone/>
             </a:pPr>
             <a:r>
-              <a:rPr lang="de-DE" sz="2400" dirty="0"/>
+              <a:rPr lang="de-DE" sz="2400" dirty="0">
+                <a:solidFill>
+                  <a:schemeClr val="bg2">
+                    <a:lumMod val="50000"/>
+                  </a:schemeClr>
+                </a:solidFill>
+              </a:rPr>
               <a:t>; 2 ausgeben</a:t>
             </a:r>
           </a:p>
@@ -3965,7 +4641,13 @@
               <a:buNone/>
             </a:pPr>
             <a:r>
-              <a:rPr lang="de-DE" sz="2400" dirty="0"/>
+              <a:rPr lang="de-DE" sz="2400" dirty="0">
+                <a:solidFill>
+                  <a:schemeClr val="accent4">
+                    <a:lumMod val="75000"/>
+                  </a:schemeClr>
+                </a:solidFill>
+              </a:rPr>
               <a:t>win_spieler2:</a:t>
             </a:r>
           </a:p>
@@ -3974,79 +4656,143 @@
               <a:buNone/>
             </a:pPr>
             <a:r>
-              <a:rPr lang="de-DE" sz="2400" dirty="0"/>
-              <a:t>mov </a:t>
-            </a:r>
-            <a:r>
-              <a:rPr lang="de-DE" sz="2400" dirty="0" err="1"/>
-              <a:t>dptr</a:t>
-            </a:r>
-            <a:r>
-              <a:rPr lang="de-DE" sz="2400" dirty="0"/>
-              <a:t>, #display_2</a:t>
-            </a:r>
-          </a:p>
-          <a:p>
-            <a:pPr marL="0" indent="0">
-              <a:buNone/>
-            </a:pPr>
-            <a:r>
-              <a:rPr lang="de-DE" sz="2400" dirty="0"/>
-              <a:t>DISPLAY_DB 0</a:t>
-            </a:r>
-          </a:p>
-          <a:p>
-            <a:pPr marL="0" indent="0">
-              <a:buNone/>
-            </a:pPr>
-            <a:r>
-              <a:rPr lang="de-DE" sz="2400" dirty="0"/>
-              <a:t>…</a:t>
-            </a:r>
-          </a:p>
-          <a:p>
-            <a:pPr marL="0" indent="0">
-              <a:buNone/>
-            </a:pPr>
-            <a:r>
-              <a:rPr lang="de-DE" sz="2400" dirty="0"/>
-              <a:t>DISPLAY_DB 7</a:t>
-            </a:r>
-          </a:p>
-          <a:p>
-            <a:pPr marL="0" indent="0">
-              <a:buNone/>
-            </a:pPr>
-            <a:r>
-              <a:rPr lang="de-DE" sz="2400" dirty="0" err="1"/>
-              <a:t>jmp</a:t>
+              <a:rPr lang="de-DE" sz="2400" dirty="0">
+                <a:solidFill>
+                  <a:schemeClr val="accent1">
+                    <a:lumMod val="75000"/>
+                  </a:schemeClr>
+                </a:solidFill>
+              </a:rPr>
+              <a:t>MOV</a:t>
             </a:r>
             <a:r>
               <a:rPr lang="de-DE" sz="2400" dirty="0"/>
               <a:t> </a:t>
             </a:r>
             <a:r>
-              <a:rPr lang="de-DE" sz="2400" dirty="0" err="1"/>
+              <a:rPr lang="de-DE" sz="2400" dirty="0" err="1">
+                <a:solidFill>
+                  <a:schemeClr val="accent1">
+                    <a:lumMod val="75000"/>
+                  </a:schemeClr>
+                </a:solidFill>
+              </a:rPr>
+              <a:t>dptr</a:t>
+            </a:r>
+            <a:r>
+              <a:rPr lang="de-DE" sz="2400" dirty="0"/>
+              <a:t>, </a:t>
+            </a:r>
+            <a:r>
+              <a:rPr lang="de-DE" sz="2400" dirty="0">
+                <a:solidFill>
+                  <a:srgbClr val="FFC000"/>
+                </a:solidFill>
+              </a:rPr>
+              <a:t>#display_2</a:t>
+            </a:r>
+          </a:p>
+          <a:p>
+            <a:pPr marL="0" indent="0">
+              <a:buNone/>
+            </a:pPr>
+            <a:r>
+              <a:rPr lang="de-DE" sz="2400" dirty="0">
+                <a:solidFill>
+                  <a:schemeClr val="accent1">
+                    <a:lumMod val="75000"/>
+                  </a:schemeClr>
+                </a:solidFill>
+              </a:rPr>
+              <a:t>DISPLAY_DB 0</a:t>
+            </a:r>
+          </a:p>
+          <a:p>
+            <a:pPr marL="0" indent="0">
+              <a:buNone/>
+            </a:pPr>
+            <a:r>
+              <a:rPr lang="de-DE" sz="2400" dirty="0">
+                <a:solidFill>
+                  <a:schemeClr val="accent1">
+                    <a:lumMod val="75000"/>
+                  </a:schemeClr>
+                </a:solidFill>
+              </a:rPr>
+              <a:t>…</a:t>
+            </a:r>
+          </a:p>
+          <a:p>
+            <a:pPr marL="0" indent="0">
+              <a:buNone/>
+            </a:pPr>
+            <a:r>
+              <a:rPr lang="de-DE" sz="2400" dirty="0">
+                <a:solidFill>
+                  <a:schemeClr val="accent1">
+                    <a:lumMod val="75000"/>
+                  </a:schemeClr>
+                </a:solidFill>
+              </a:rPr>
+              <a:t>DISPLAY_DB 7</a:t>
+            </a:r>
+          </a:p>
+          <a:p>
+            <a:pPr marL="0" indent="0">
+              <a:buNone/>
+            </a:pPr>
+            <a:r>
+              <a:rPr lang="de-DE" sz="2400" dirty="0">
+                <a:solidFill>
+                  <a:schemeClr val="accent1">
+                    <a:lumMod val="75000"/>
+                  </a:schemeClr>
+                </a:solidFill>
+              </a:rPr>
+              <a:t>JMP </a:t>
+            </a:r>
+            <a:r>
+              <a:rPr lang="de-DE" sz="2400" dirty="0" err="1">
+                <a:solidFill>
+                  <a:srgbClr val="00B050"/>
+                </a:solidFill>
+              </a:rPr>
               <a:t>leerlauf</a:t>
             </a:r>
+            <a:endParaRPr lang="de-DE" sz="2400" dirty="0">
+              <a:solidFill>
+                <a:srgbClr val="00B050"/>
+              </a:solidFill>
+            </a:endParaRPr>
+          </a:p>
+          <a:p>
+            <a:pPr marL="0" indent="0">
+              <a:buNone/>
+            </a:pPr>
             <a:endParaRPr lang="de-DE" sz="2400" dirty="0"/>
           </a:p>
           <a:p>
             <a:pPr marL="0" indent="0">
               <a:buNone/>
             </a:pPr>
-            <a:endParaRPr lang="de-DE" sz="2400" dirty="0"/>
-          </a:p>
-          <a:p>
-            <a:pPr marL="0" indent="0">
-              <a:buNone/>
-            </a:pPr>
-            <a:r>
-              <a:rPr lang="de-DE" sz="2400" dirty="0" err="1"/>
+            <a:r>
+              <a:rPr lang="de-DE" sz="2400" dirty="0" err="1">
+                <a:solidFill>
+                  <a:schemeClr val="accent4">
+                    <a:lumMod val="75000"/>
+                  </a:schemeClr>
+                </a:solidFill>
+              </a:rPr>
               <a:t>leerlauf</a:t>
             </a:r>
             <a:r>
-              <a:rPr lang="de-DE" sz="2400" dirty="0"/>
+              <a:rPr lang="de-DE" sz="2400" dirty="0">
+                <a:solidFill>
+                  <a:schemeClr val="accent4">
+                    <a:lumMod val="75000"/>
+                  </a:schemeClr>
+                </a:solidFill>
+              </a:rPr>
               <a:t>:</a:t>
             </a:r>
           </a:p>
@@ -4055,74 +4801,138 @@
               <a:buNone/>
             </a:pPr>
             <a:r>
-              <a:rPr lang="de-DE" sz="2400" dirty="0"/>
-              <a:t>mov a, p2</a:t>
-            </a:r>
-          </a:p>
-          <a:p>
-            <a:pPr marL="0" indent="0">
-              <a:buNone/>
-            </a:pPr>
-            <a:r>
-              <a:rPr lang="de-DE" sz="2400" dirty="0" err="1"/>
-              <a:t>cpl</a:t>
-            </a:r>
-            <a:r>
-              <a:rPr lang="de-DE" sz="2400" dirty="0"/>
-              <a:t> a</a:t>
-            </a:r>
-          </a:p>
-          <a:p>
-            <a:pPr marL="0" indent="0">
-              <a:buNone/>
-            </a:pPr>
-            <a:r>
-              <a:rPr lang="de-DE" sz="2400" dirty="0" err="1"/>
-              <a:t>cjne</a:t>
-            </a:r>
-            <a:r>
-              <a:rPr lang="de-DE" sz="2400" dirty="0"/>
-              <a:t> a, #10000001b, </a:t>
-            </a:r>
-            <a:r>
-              <a:rPr lang="de-DE" sz="2400" dirty="0" err="1"/>
+              <a:rPr lang="de-DE" sz="2400" dirty="0">
+                <a:solidFill>
+                  <a:schemeClr val="accent1">
+                    <a:lumMod val="75000"/>
+                  </a:schemeClr>
+                </a:solidFill>
+              </a:rPr>
+              <a:t>MOV a, p2</a:t>
+            </a:r>
+          </a:p>
+          <a:p>
+            <a:pPr marL="0" indent="0">
+              <a:buNone/>
+            </a:pPr>
+            <a:r>
+              <a:rPr lang="de-DE" sz="2400" dirty="0">
+                <a:solidFill>
+                  <a:schemeClr val="accent1">
+                    <a:lumMod val="75000"/>
+                  </a:schemeClr>
+                </a:solidFill>
+              </a:rPr>
+              <a:t>CPL a</a:t>
+            </a:r>
+          </a:p>
+          <a:p>
+            <a:pPr marL="0" indent="0">
+              <a:buNone/>
+            </a:pPr>
+            <a:r>
+              <a:rPr lang="de-DE" sz="2400" dirty="0">
+                <a:solidFill>
+                  <a:schemeClr val="accent1">
+                    <a:lumMod val="75000"/>
+                  </a:schemeClr>
+                </a:solidFill>
+              </a:rPr>
+              <a:t>CJNE a, #10000001b, </a:t>
+            </a:r>
+            <a:r>
+              <a:rPr lang="de-DE" sz="2400" dirty="0" err="1">
+                <a:solidFill>
+                  <a:srgbClr val="00B050"/>
+                </a:solidFill>
+              </a:rPr>
               <a:t>leerlauf</a:t>
             </a:r>
             <a:r>
-              <a:rPr lang="de-DE" sz="2400" dirty="0"/>
-              <a:t> ; wenn erste und letzter </a:t>
-            </a:r>
-            <a:r>
-              <a:rPr lang="de-DE" sz="2400" dirty="0" err="1"/>
+              <a:rPr lang="de-DE" sz="2400" dirty="0">
+                <a:solidFill>
+                  <a:schemeClr val="accent1">
+                    <a:lumMod val="75000"/>
+                  </a:schemeClr>
+                </a:solidFill>
+              </a:rPr>
+              <a:t> </a:t>
+            </a:r>
+            <a:r>
+              <a:rPr lang="de-DE" sz="2400" dirty="0">
+                <a:solidFill>
+                  <a:schemeClr val="bg2">
+                    <a:lumMod val="50000"/>
+                  </a:schemeClr>
+                </a:solidFill>
+              </a:rPr>
+              <a:t>; wenn erste und letzter </a:t>
+            </a:r>
+            <a:r>
+              <a:rPr lang="de-DE" sz="2400" dirty="0" err="1">
+                <a:solidFill>
+                  <a:schemeClr val="bg2">
+                    <a:lumMod val="50000"/>
+                  </a:schemeClr>
+                </a:solidFill>
+              </a:rPr>
               <a:t>button</a:t>
             </a:r>
             <a:r>
-              <a:rPr lang="de-DE" sz="2400" dirty="0"/>
+              <a:rPr lang="de-DE" sz="2400" dirty="0">
+                <a:solidFill>
+                  <a:schemeClr val="bg2">
+                    <a:lumMod val="50000"/>
+                  </a:schemeClr>
+                </a:solidFill>
+              </a:rPr>
               <a:t> gedrückt -&gt; </a:t>
             </a:r>
             <a:r>
-              <a:rPr lang="de-DE" sz="2400" dirty="0" err="1"/>
+              <a:rPr lang="de-DE" sz="2400" dirty="0" err="1">
+                <a:solidFill>
+                  <a:schemeClr val="bg2">
+                    <a:lumMod val="50000"/>
+                  </a:schemeClr>
+                </a:solidFill>
+              </a:rPr>
               <a:t>neustart</a:t>
             </a:r>
-            <a:endParaRPr lang="de-DE" sz="2400" dirty="0"/>
-          </a:p>
-          <a:p>
-            <a:pPr marL="0" indent="0">
-              <a:buNone/>
-            </a:pPr>
-            <a:r>
-              <a:rPr lang="de-DE" sz="2400" dirty="0" err="1"/>
-              <a:t>jmp</a:t>
-            </a:r>
-            <a:r>
-              <a:rPr lang="de-DE" sz="2400" dirty="0"/>
-              <a:t> </a:t>
-            </a:r>
-            <a:r>
-              <a:rPr lang="de-DE" sz="2400" dirty="0" err="1"/>
+            <a:endParaRPr lang="de-DE" sz="2400" dirty="0">
+              <a:solidFill>
+                <a:schemeClr val="bg2">
+                  <a:lumMod val="50000"/>
+                </a:schemeClr>
+              </a:solidFill>
+            </a:endParaRPr>
+          </a:p>
+          <a:p>
+            <a:pPr marL="0" indent="0">
+              <a:buNone/>
+            </a:pPr>
+            <a:r>
+              <a:rPr lang="de-DE" sz="2400" dirty="0">
+                <a:solidFill>
+                  <a:schemeClr val="accent1">
+                    <a:lumMod val="75000"/>
+                  </a:schemeClr>
+                </a:solidFill>
+              </a:rPr>
+              <a:t>JMP </a:t>
+            </a:r>
+            <a:r>
+              <a:rPr lang="de-DE" sz="2400" dirty="0" err="1">
+                <a:solidFill>
+                  <a:srgbClr val="00B050"/>
+                </a:solidFill>
+              </a:rPr>
               <a:t>neustart</a:t>
             </a:r>
-            <a:endParaRPr lang="de-DE" sz="2400" dirty="0"/>
+            <a:endParaRPr lang="de-DE" sz="2400" dirty="0">
+              <a:solidFill>
+                <a:srgbClr val="00B050"/>
+              </a:solidFill>
+            </a:endParaRPr>
           </a:p>
           <a:p>
             <a:pPr marL="0" indent="0">
@@ -5054,7 +5864,6 @@
           </p:cNvPr>
           <p:cNvCxnSpPr>
             <a:cxnSpLocks/>
-            <a:stCxn id="39" idx="3"/>
             <a:endCxn id="10" idx="3"/>
           </p:cNvCxnSpPr>
           <p:nvPr/>
@@ -5320,7 +6129,7 @@
                   <pslz:sldZmObj sldId="260" cId="2736260268">
                     <pslz:zmPr id="{EE69F5D1-9BB0-4C12-B176-02FD64B70A20}" imageType="cover" transitionDur="1000" showBg="0">
                       <p166:blipFill xmlns:p166="http://schemas.microsoft.com/office/powerpoint/2016/6/main">
-                        <a:blip r:embed="rId2">
+                        <a:blip r:embed="rId3">
                           <a:extLst>
                             <a:ext uri="{28A0092B-C50C-407E-A947-70E740481C1C}">
                               <a14:useLocalDpi xmlns:a14="http://schemas.microsoft.com/office/drawing/2010/main" val="0"/>
@@ -5354,7 +6163,7 @@
           <p:pic>
             <p:nvPicPr>
               <p:cNvPr id="37" name="Folienzoom 36">
-                <a:hlinkClick r:id="rId3" action="ppaction://hlinksldjump"/>
+                <a:hlinkClick r:id="rId4" action="ppaction://hlinksldjump"/>
                 <a:extLst>
                   <a:ext uri="{FF2B5EF4-FFF2-40B4-BE49-F238E27FC236}">
                     <a16:creationId xmlns:a16="http://schemas.microsoft.com/office/drawing/2014/main" id="{80873303-E8ED-49BA-BCC9-26CADDE2B46A}"/>
@@ -5367,7 +6176,7 @@
               <p:nvPr/>
             </p:nvPicPr>
             <p:blipFill>
-              <a:blip r:embed="rId4">
+              <a:blip r:embed="rId5">
                 <a:extLst>
                   <a:ext uri="{28A0092B-C50C-407E-A947-70E740481C1C}">
                     <a14:useLocalDpi xmlns:a14="http://schemas.microsoft.com/office/drawing/2010/main" val="0"/>
@@ -5382,111 +6191,6 @@
               <a:xfrm>
                 <a:off x="3968115" y="2425575"/>
                 <a:ext cx="3588008" cy="808741"/>
-              </a:xfrm>
-              <a:prstGeom prst="rect">
-                <a:avLst/>
-              </a:prstGeom>
-              <a:ln w="3175">
-                <a:noFill/>
-              </a:ln>
-            </p:spPr>
-          </p:pic>
-        </mc:Fallback>
-      </mc:AlternateContent>
-      <mc:AlternateContent xmlns:mc="http://schemas.openxmlformats.org/markup-compatibility/2006" xmlns:pslz="http://schemas.microsoft.com/office/powerpoint/2016/slidezoom">
-        <mc:Choice Requires="pslz">
-          <p:graphicFrame>
-            <p:nvGraphicFramePr>
-              <p:cNvPr id="39" name="Folienzoom 38">
-                <a:extLst>
-                  <a:ext uri="{FF2B5EF4-FFF2-40B4-BE49-F238E27FC236}">
-                    <a16:creationId xmlns:a16="http://schemas.microsoft.com/office/drawing/2014/main" id="{52D1BEFC-B4DF-452D-9CCA-D3385D81EE2B}"/>
-                  </a:ext>
-                </a:extLst>
-              </p:cNvPr>
-              <p:cNvGraphicFramePr>
-                <a:graphicFrameLocks noChangeAspect="1"/>
-              </p:cNvGraphicFramePr>
-              <p:nvPr>
-                <p:extLst>
-                  <p:ext uri="{D42A27DB-BD31-4B8C-83A1-F6EECF244321}">
-                    <p14:modId xmlns:p14="http://schemas.microsoft.com/office/powerpoint/2010/main" val="287573525"/>
-                  </p:ext>
-                </p:extLst>
-              </p:nvPr>
-            </p:nvGraphicFramePr>
-            <p:xfrm>
-              <a:off x="3957398" y="4702370"/>
-              <a:ext cx="3602737" cy="1187064"/>
-            </p:xfrm>
-            <a:graphic>
-              <a:graphicData uri="http://schemas.microsoft.com/office/powerpoint/2016/slidezoom">
-                <pslz:sldZm>
-                  <pslz:sldZmObj sldId="261" cId="4206787290">
-                    <pslz:zmPr id="{7370ECD7-2CDB-45DC-A59E-070413BF9634}" imageType="cover" transitionDur="1000">
-                      <p166:blipFill xmlns:p166="http://schemas.microsoft.com/office/powerpoint/2016/6/main">
-                        <a:blip r:embed="rId5">
-                          <a:extLst>
-                            <a:ext uri="{28A0092B-C50C-407E-A947-70E740481C1C}">
-                              <a14:useLocalDpi xmlns:a14="http://schemas.microsoft.com/office/drawing/2010/main" val="0"/>
-                            </a:ext>
-                          </a:extLst>
-                        </a:blip>
-                        <a:stretch>
-                          <a:fillRect/>
-                        </a:stretch>
-                      </p166:blipFill>
-                      <p166:spPr xmlns:p166="http://schemas.microsoft.com/office/powerpoint/2016/6/main">
-                        <a:xfrm>
-                          <a:off x="0" y="0"/>
-                          <a:ext cx="3602737" cy="1187064"/>
-                        </a:xfrm>
-                        <a:prstGeom prst="rect">
-                          <a:avLst/>
-                        </a:prstGeom>
-                        <a:ln w="3175">
-                          <a:noFill/>
-                        </a:ln>
-                      </p166:spPr>
-                    </pslz:zmPr>
-                  </pslz:sldZmObj>
-                </pslz:sldZm>
-              </a:graphicData>
-            </a:graphic>
-          </p:graphicFrame>
-        </mc:Choice>
-        <mc:Fallback xmlns="">
-          <p:pic>
-            <p:nvPicPr>
-              <p:cNvPr id="39" name="Folienzoom 38">
-                <a:hlinkClick r:id="rId6" action="ppaction://hlinksldjump"/>
-                <a:extLst>
-                  <a:ext uri="{FF2B5EF4-FFF2-40B4-BE49-F238E27FC236}">
-                    <a16:creationId xmlns:a16="http://schemas.microsoft.com/office/drawing/2014/main" id="{52D1BEFC-B4DF-452D-9CCA-D3385D81EE2B}"/>
-                  </a:ext>
-                </a:extLst>
-              </p:cNvPr>
-              <p:cNvPicPr>
-                <a:picLocks noGrp="1" noRot="1" noChangeAspect="1" noMove="1" noResize="1" noEditPoints="1" noAdjustHandles="1" noChangeArrowheads="1" noChangeShapeType="1"/>
-              </p:cNvPicPr>
-              <p:nvPr/>
-            </p:nvPicPr>
-            <p:blipFill>
-              <a:blip r:embed="rId7">
-                <a:extLst>
-                  <a:ext uri="{28A0092B-C50C-407E-A947-70E740481C1C}">
-                    <a14:useLocalDpi xmlns:a14="http://schemas.microsoft.com/office/drawing/2010/main" val="0"/>
-                  </a:ext>
-                </a:extLst>
-              </a:blip>
-              <a:stretch>
-                <a:fillRect/>
-              </a:stretch>
-            </p:blipFill>
-            <p:spPr>
-              <a:xfrm>
-                <a:off x="3957398" y="4702370"/>
-                <a:ext cx="3602737" cy="1187064"/>
               </a:xfrm>
               <a:prstGeom prst="rect">
                 <a:avLst/>
@@ -5530,7 +6234,7 @@
                   <pslz:sldZmObj sldId="263" cId="566164889">
                     <pslz:zmPr id="{2F6B6AE8-4D8C-4D39-8CA7-B4E3BC07D4BF}" imageType="cover" transitionDur="1000">
                       <p166:blipFill xmlns:p166="http://schemas.microsoft.com/office/powerpoint/2016/6/main">
-                        <a:blip r:embed="rId8">
+                        <a:blip r:embed="rId6">
                           <a:extLst>
                             <a:ext uri="{28A0092B-C50C-407E-A947-70E740481C1C}">
                               <a14:useLocalDpi xmlns:a14="http://schemas.microsoft.com/office/drawing/2010/main" val="0"/>
@@ -5607,6 +6311,54 @@
           </p:pic>
         </mc:Fallback>
       </mc:AlternateContent>
+      <p:sp>
+        <p:nvSpPr>
+          <p:cNvPr id="3" name="Flussdiagramm: Verzweigung 2">
+            <a:extLst>
+              <a:ext uri="{FF2B5EF4-FFF2-40B4-BE49-F238E27FC236}">
+                <a16:creationId xmlns:a16="http://schemas.microsoft.com/office/drawing/2014/main" id="{1700E5E7-B74A-404A-919C-6C182448F6F3}"/>
+              </a:ext>
+            </a:extLst>
+          </p:cNvPr>
+          <p:cNvSpPr/>
+          <p:nvPr/>
+        </p:nvSpPr>
+        <p:spPr>
+          <a:xfrm>
+            <a:off x="3997793" y="4720492"/>
+            <a:ext cx="3528652" cy="1166357"/>
+          </a:xfrm>
+          <a:prstGeom prst="flowChartDecision">
+            <a:avLst/>
+          </a:prstGeom>
+          <a:ln w="38100"/>
+        </p:spPr>
+        <p:style>
+          <a:lnRef idx="2">
+            <a:schemeClr val="dk1"/>
+          </a:lnRef>
+          <a:fillRef idx="1">
+            <a:schemeClr val="lt1"/>
+          </a:fillRef>
+          <a:effectRef idx="0">
+            <a:schemeClr val="dk1"/>
+          </a:effectRef>
+          <a:fontRef idx="minor">
+            <a:schemeClr val="dk1"/>
+          </a:fontRef>
+        </p:style>
+        <p:txBody>
+          <a:bodyPr rtlCol="0" anchor="ctr"/>
+          <a:lstStyle/>
+          <a:p>
+            <a:pPr algn="ctr"/>
+            <a:r>
+              <a:rPr lang="de-DE" dirty="0"/>
+              <a:t>Eingabe zurückgesetzt?</a:t>
+            </a:r>
+          </a:p>
+        </p:txBody>
+      </p:sp>
     </p:spTree>
     <p:extLst>
       <p:ext uri="{BB962C8B-B14F-4D97-AF65-F5344CB8AC3E}">
@@ -5805,7 +6557,35 @@
                   </a:schemeClr>
                 </a:solidFill>
               </a:rPr>
-              <a:t> COLS, 000h</a:t>
+              <a:t> </a:t>
+            </a:r>
+            <a:r>
+              <a:rPr lang="de-DE" sz="2400" dirty="0">
+                <a:solidFill>
+                  <a:srgbClr val="00B050"/>
+                </a:solidFill>
+              </a:rPr>
+              <a:t>COLS</a:t>
+            </a:r>
+            <a:r>
+              <a:rPr lang="de-DE" sz="2400" dirty="0">
+                <a:solidFill>
+                  <a:schemeClr val="bg2">
+                    <a:lumMod val="50000"/>
+                  </a:schemeClr>
+                </a:solidFill>
+              </a:rPr>
+              <a:t>, </a:t>
+            </a:r>
+            <a:r>
+              <a:rPr lang="de-DE" sz="2400" dirty="0">
+                <a:solidFill>
+                  <a:schemeClr val="accent1">
+                    <a:lumMod val="75000"/>
+                  </a:schemeClr>
+                </a:solidFill>
+              </a:rPr>
+              <a:t>000h</a:t>
             </a:r>
           </a:p>
           <a:p>
@@ -5833,7 +6613,35 @@
                   </a:schemeClr>
                 </a:solidFill>
               </a:rPr>
-              <a:t> ROWS, 000h</a:t>
+              <a:t> </a:t>
+            </a:r>
+            <a:r>
+              <a:rPr lang="de-DE" sz="2400" dirty="0">
+                <a:solidFill>
+                  <a:srgbClr val="00B050"/>
+                </a:solidFill>
+              </a:rPr>
+              <a:t>ROWS</a:t>
+            </a:r>
+            <a:r>
+              <a:rPr lang="de-DE" sz="2400" dirty="0">
+                <a:solidFill>
+                  <a:schemeClr val="bg2">
+                    <a:lumMod val="50000"/>
+                  </a:schemeClr>
+                </a:solidFill>
+              </a:rPr>
+              <a:t>, </a:t>
+            </a:r>
+            <a:r>
+              <a:rPr lang="de-DE" sz="2400" dirty="0">
+                <a:solidFill>
+                  <a:schemeClr val="accent1">
+                    <a:lumMod val="75000"/>
+                  </a:schemeClr>
+                </a:solidFill>
+              </a:rPr>
+              <a:t>000h</a:t>
             </a:r>
           </a:p>
           <a:p>
@@ -5861,7 +6669,25 @@
                   </a:schemeClr>
                 </a:solidFill>
               </a:rPr>
-              <a:t> IE, #10010010b</a:t>
+              <a:t> </a:t>
+            </a:r>
+            <a:r>
+              <a:rPr lang="de-DE" sz="2400" dirty="0">
+                <a:solidFill>
+                  <a:schemeClr val="accent1">
+                    <a:lumMod val="75000"/>
+                  </a:schemeClr>
+                </a:solidFill>
+              </a:rPr>
+              <a:t>IE, </a:t>
+            </a:r>
+            <a:r>
+              <a:rPr lang="de-DE" sz="2400" dirty="0">
+                <a:solidFill>
+                  <a:srgbClr val="CC0099"/>
+                </a:solidFill>
+              </a:rPr>
+              <a:t>#10010010b</a:t>
             </a:r>
           </a:p>
           <a:p>
@@ -5894,22 +6720,30 @@
             <a:r>
               <a:rPr lang="de-DE" sz="2400" dirty="0" err="1">
                 <a:solidFill>
+                  <a:schemeClr val="accent1">
+                    <a:lumMod val="75000"/>
+                  </a:schemeClr>
+                </a:solidFill>
+              </a:rPr>
+              <a:t>tmod</a:t>
+            </a:r>
+            <a:r>
+              <a:rPr lang="de-DE" sz="2400" dirty="0">
+                <a:solidFill>
                   <a:schemeClr val="bg2">
                     <a:lumMod val="50000"/>
                   </a:schemeClr>
                 </a:solidFill>
               </a:rPr>
-              <a:t>tmod</a:t>
-            </a:r>
-            <a:r>
-              <a:rPr lang="de-DE" sz="2400" dirty="0">
-                <a:solidFill>
-                  <a:schemeClr val="bg2">
-                    <a:lumMod val="50000"/>
-                  </a:schemeClr>
-                </a:solidFill>
-              </a:rPr>
-              <a:t>, #00000010b</a:t>
+              <a:t>, </a:t>
+            </a:r>
+            <a:r>
+              <a:rPr lang="de-DE" sz="2400" dirty="0">
+                <a:solidFill>
+                  <a:srgbClr val="CC0099"/>
+                </a:solidFill>
+              </a:rPr>
+              <a:t>#00000010b</a:t>
             </a:r>
           </a:p>
           <a:p>
@@ -5937,7 +6771,17 @@
                   </a:schemeClr>
                 </a:solidFill>
               </a:rPr>
-              <a:t> r6, #00h</a:t>
+              <a:t> </a:t>
+            </a:r>
+            <a:r>
+              <a:rPr lang="de-DE" sz="2400" dirty="0">
+                <a:solidFill>
+                  <a:schemeClr val="accent1">
+                    <a:lumMod val="75000"/>
+                  </a:schemeClr>
+                </a:solidFill>
+              </a:rPr>
+              <a:t>r6, #00h</a:t>
             </a:r>
           </a:p>
         </p:txBody>
@@ -5993,7 +6837,17 @@
                   </a:schemeClr>
                 </a:solidFill>
               </a:rPr>
-              <a:t> R7, #00h</a:t>
+              <a:t> </a:t>
+            </a:r>
+            <a:r>
+              <a:rPr lang="de-DE" sz="2400" dirty="0">
+                <a:solidFill>
+                  <a:schemeClr val="accent1">
+                    <a:lumMod val="75000"/>
+                  </a:schemeClr>
+                </a:solidFill>
+              </a:rPr>
+              <a:t>R7, #00h</a:t>
             </a:r>
           </a:p>
           <a:p>
@@ -6010,17 +6864,7 @@
                   </a:schemeClr>
                 </a:solidFill>
               </a:rPr>
-              <a:t>MOV</a:t>
-            </a:r>
-            <a:r>
-              <a:rPr lang="de-DE" sz="2400" dirty="0">
-                <a:solidFill>
-                  <a:schemeClr val="bg2">
-                    <a:lumMod val="50000"/>
-                  </a:schemeClr>
-                </a:solidFill>
-              </a:rPr>
-              <a:t> tl0, #0c0h</a:t>
+              <a:t>MOV tl0, #0c0h</a:t>
             </a:r>
           </a:p>
           <a:p>
@@ -6037,17 +6881,7 @@
                   </a:schemeClr>
                 </a:solidFill>
               </a:rPr>
-              <a:t>MOV</a:t>
-            </a:r>
-            <a:r>
-              <a:rPr lang="de-DE" sz="2400" dirty="0">
-                <a:solidFill>
-                  <a:schemeClr val="bg2">
-                    <a:lumMod val="50000"/>
-                  </a:schemeClr>
-                </a:solidFill>
-              </a:rPr>
-              <a:t> th0, #0c0h</a:t>
+              <a:t>MOV th0, #0c0h</a:t>
             </a:r>
           </a:p>
           <a:p>
@@ -6059,12 +6893,32 @@
             <a:r>
               <a:rPr lang="de-DE" sz="2400" dirty="0">
                 <a:solidFill>
+                  <a:schemeClr val="accent1">
+                    <a:lumMod val="75000"/>
+                  </a:schemeClr>
+                </a:solidFill>
+              </a:rPr>
+              <a:t>SETB</a:t>
+            </a:r>
+            <a:r>
+              <a:rPr lang="de-DE" sz="2400" dirty="0">
+                <a:solidFill>
                   <a:schemeClr val="bg2">
                     <a:lumMod val="50000"/>
                   </a:schemeClr>
                 </a:solidFill>
               </a:rPr>
-              <a:t>SETB tr0</a:t>
+              <a:t> </a:t>
+            </a:r>
+            <a:r>
+              <a:rPr lang="de-DE" sz="2400" dirty="0">
+                <a:solidFill>
+                  <a:schemeClr val="accent1">
+                    <a:lumMod val="75000"/>
+                  </a:schemeClr>
+                </a:solidFill>
+              </a:rPr>
+              <a:t>tr0</a:t>
             </a:r>
           </a:p>
           <a:p>
@@ -6096,9 +6950,7 @@
             <a:r>
               <a:rPr lang="de-DE" sz="2400" dirty="0" err="1">
                 <a:solidFill>
-                  <a:schemeClr val="bg2">
-                    <a:lumMod val="50000"/>
-                  </a:schemeClr>
+                  <a:srgbClr val="00B050"/>
                 </a:solidFill>
               </a:rPr>
               <a:t>aktiverspieler</a:t>
@@ -6106,12 +6958,18 @@
             <a:r>
               <a:rPr lang="de-DE" sz="2400" dirty="0">
                 <a:solidFill>
-                  <a:schemeClr val="bg2">
-                    <a:lumMod val="50000"/>
-                  </a:schemeClr>
-                </a:solidFill>
-              </a:rPr>
-              <a:t>, #spieler1</a:t>
+                  <a:srgbClr val="00B050"/>
+                </a:solidFill>
+              </a:rPr>
+              <a:t>, </a:t>
+            </a:r>
+            <a:r>
+              <a:rPr lang="de-DE" sz="2400" dirty="0">
+                <a:solidFill>
+                  <a:srgbClr val="FFC000"/>
+                </a:solidFill>
+              </a:rPr>
+              <a:t>#spieler1</a:t>
             </a:r>
           </a:p>
           <a:p>
@@ -6123,28 +6981,34 @@
             <a:r>
               <a:rPr lang="de-DE" sz="2400" dirty="0">
                 <a:solidFill>
+                  <a:schemeClr val="accent1">
+                    <a:lumMod val="75000"/>
+                  </a:schemeClr>
+                </a:solidFill>
+              </a:rPr>
+              <a:t>CALL</a:t>
+            </a:r>
+            <a:r>
+              <a:rPr lang="de-DE" sz="2400" dirty="0">
+                <a:solidFill>
                   <a:schemeClr val="bg2">
                     <a:lumMod val="50000"/>
                   </a:schemeClr>
                 </a:solidFill>
               </a:rPr>
-              <a:t>CALL </a:t>
+              <a:t> </a:t>
             </a:r>
             <a:r>
               <a:rPr lang="de-DE" sz="2400" dirty="0" err="1">
                 <a:solidFill>
-                  <a:schemeClr val="bg2">
-                    <a:lumMod val="50000"/>
-                  </a:schemeClr>
+                  <a:srgbClr val="00B050"/>
                 </a:solidFill>
               </a:rPr>
               <a:t>display</a:t>
             </a:r>
             <a:endParaRPr lang="de-DE" sz="2400" dirty="0">
               <a:solidFill>
-                <a:schemeClr val="bg2">
-                  <a:lumMod val="50000"/>
-                </a:schemeClr>
+                <a:srgbClr val="00B050"/>
               </a:solidFill>
             </a:endParaRPr>
           </a:p>
@@ -6157,12 +7021,30 @@
             <a:r>
               <a:rPr lang="de-DE" sz="2400" dirty="0">
                 <a:solidFill>
+                  <a:schemeClr val="accent1">
+                    <a:lumMod val="75000"/>
+                  </a:schemeClr>
+                </a:solidFill>
+              </a:rPr>
+              <a:t>CLR</a:t>
+            </a:r>
+            <a:r>
+              <a:rPr lang="de-DE" sz="2400" dirty="0">
+                <a:solidFill>
                   <a:schemeClr val="bg2">
                     <a:lumMod val="50000"/>
                   </a:schemeClr>
                 </a:solidFill>
               </a:rPr>
-              <a:t>CLR EINGABEBEREIT</a:t>
+              <a:t> </a:t>
+            </a:r>
+            <a:r>
+              <a:rPr lang="de-DE" sz="2400" dirty="0">
+                <a:solidFill>
+                  <a:srgbClr val="00B050"/>
+                </a:solidFill>
+              </a:rPr>
+              <a:t>EINGABEBEREIT</a:t>
             </a:r>
           </a:p>
           <a:p>
@@ -6174,18 +7056,13 @@
             <a:r>
               <a:rPr lang="de-DE" sz="2400" dirty="0">
                 <a:solidFill>
-                  <a:schemeClr val="bg2">
-                    <a:lumMod val="50000"/>
+                  <a:schemeClr val="accent1">
+                    <a:lumMod val="75000"/>
                   </a:schemeClr>
                 </a:solidFill>
               </a:rPr>
               <a:t>CLR C</a:t>
             </a:r>
-            <a:endParaRPr lang="de-DE" sz="2400" dirty="0">
-              <a:solidFill>
-                <a:srgbClr val="CC0099"/>
-              </a:solidFill>
-            </a:endParaRPr>
           </a:p>
         </p:txBody>
       </p:sp>
@@ -6366,27 +7243,17 @@
                   </a:schemeClr>
                 </a:solidFill>
               </a:rPr>
-              <a:t>MOV</a:t>
-            </a:r>
-            <a:r>
-              <a:rPr lang="de-DE" sz="2400" dirty="0">
-                <a:solidFill>
-                  <a:schemeClr val="accent4">
-                    <a:lumMod val="75000"/>
-                  </a:schemeClr>
-                </a:solidFill>
-              </a:rPr>
-              <a:t> a, p2</a:t>
-            </a:r>
-          </a:p>
-          <a:p>
-            <a:pPr marL="0" indent="0">
-              <a:buNone/>
-            </a:pPr>
-            <a:r>
-              <a:rPr lang="de-DE" sz="2400" dirty="0">
-                <a:solidFill>
-                  <a:schemeClr val="accent4">
+              <a:t>MOV a, p2</a:t>
+            </a:r>
+          </a:p>
+          <a:p>
+            <a:pPr marL="0" indent="0">
+              <a:buNone/>
+            </a:pPr>
+            <a:r>
+              <a:rPr lang="de-DE" sz="2400" dirty="0">
+                <a:solidFill>
+                  <a:schemeClr val="accent1">
                     <a:lumMod val="75000"/>
                   </a:schemeClr>
                 </a:solidFill>
@@ -6406,27 +7273,17 @@
                   </a:schemeClr>
                 </a:solidFill>
               </a:rPr>
-              <a:t>MOV</a:t>
-            </a:r>
-            <a:r>
-              <a:rPr lang="de-DE" sz="2400" dirty="0">
-                <a:solidFill>
-                  <a:schemeClr val="accent4">
-                    <a:lumMod val="75000"/>
-                  </a:schemeClr>
-                </a:solidFill>
-              </a:rPr>
-              <a:t> r3, a</a:t>
-            </a:r>
-          </a:p>
-          <a:p>
-            <a:pPr marL="0" indent="0">
-              <a:buNone/>
-            </a:pPr>
-            <a:r>
-              <a:rPr lang="de-DE" sz="2400" dirty="0">
-                <a:solidFill>
-                  <a:schemeClr val="accent4">
+              <a:t>MOV r3, a</a:t>
+            </a:r>
+          </a:p>
+          <a:p>
+            <a:pPr marL="0" indent="0">
+              <a:buNone/>
+            </a:pPr>
+            <a:r>
+              <a:rPr lang="de-DE" sz="2400" dirty="0">
+                <a:solidFill>
+                  <a:schemeClr val="accent1">
                     <a:lumMod val="75000"/>
                   </a:schemeClr>
                 </a:solidFill>
@@ -6436,9 +7293,7 @@
             <a:r>
               <a:rPr lang="de-DE" sz="2400" dirty="0" err="1">
                 <a:solidFill>
-                  <a:schemeClr val="accent4">
-                    <a:lumMod val="75000"/>
-                  </a:schemeClr>
+                  <a:srgbClr val="00B050"/>
                 </a:solidFill>
               </a:rPr>
               <a:t>eingabe_null</a:t>
@@ -7228,111 +8083,6 @@
         <mc:Choice Requires="pslz">
           <p:graphicFrame>
             <p:nvGraphicFramePr>
-              <p:cNvPr id="11" name="Folienzoom 10">
-                <a:extLst>
-                  <a:ext uri="{FF2B5EF4-FFF2-40B4-BE49-F238E27FC236}">
-                    <a16:creationId xmlns:a16="http://schemas.microsoft.com/office/drawing/2014/main" id="{0079BC32-3164-4029-AECA-332EFF7EAF25}"/>
-                  </a:ext>
-                </a:extLst>
-              </p:cNvPr>
-              <p:cNvGraphicFramePr>
-                <a:graphicFrameLocks noChangeAspect="1"/>
-              </p:cNvGraphicFramePr>
-              <p:nvPr>
-                <p:extLst>
-                  <p:ext uri="{D42A27DB-BD31-4B8C-83A1-F6EECF244321}">
-                    <p14:modId xmlns:p14="http://schemas.microsoft.com/office/powerpoint/2010/main" val="3227284251"/>
-                  </p:ext>
-                </p:extLst>
-              </p:nvPr>
-            </p:nvGraphicFramePr>
-            <p:xfrm>
-              <a:off x="3665990" y="1931834"/>
-              <a:ext cx="3652525" cy="1042103"/>
-            </p:xfrm>
-            <a:graphic>
-              <a:graphicData uri="http://schemas.microsoft.com/office/powerpoint/2016/slidezoom">
-                <pslz:sldZm>
-                  <pslz:sldZmObj sldId="264" cId="1103233468">
-                    <pslz:zmPr id="{0A4B60BA-FDB6-4E9D-950B-275E4D7877D9}" imageType="cover" transitionDur="1000">
-                      <p166:blipFill xmlns:p166="http://schemas.microsoft.com/office/powerpoint/2016/6/main">
-                        <a:blip r:embed="rId2">
-                          <a:extLst>
-                            <a:ext uri="{28A0092B-C50C-407E-A947-70E740481C1C}">
-                              <a14:useLocalDpi xmlns:a14="http://schemas.microsoft.com/office/drawing/2010/main" val="0"/>
-                            </a:ext>
-                          </a:extLst>
-                        </a:blip>
-                        <a:stretch>
-                          <a:fillRect/>
-                        </a:stretch>
-                      </p166:blipFill>
-                      <p166:spPr xmlns:p166="http://schemas.microsoft.com/office/powerpoint/2016/6/main">
-                        <a:xfrm>
-                          <a:off x="0" y="0"/>
-                          <a:ext cx="3652525" cy="1042103"/>
-                        </a:xfrm>
-                        <a:prstGeom prst="rect">
-                          <a:avLst/>
-                        </a:prstGeom>
-                        <a:ln w="3175">
-                          <a:noFill/>
-                        </a:ln>
-                      </p166:spPr>
-                    </pslz:zmPr>
-                  </pslz:sldZmObj>
-                </pslz:sldZm>
-              </a:graphicData>
-            </a:graphic>
-          </p:graphicFrame>
-        </mc:Choice>
-        <mc:Fallback xmlns="">
-          <p:pic>
-            <p:nvPicPr>
-              <p:cNvPr id="11" name="Folienzoom 10">
-                <a:hlinkClick r:id="rId3" action="ppaction://hlinksldjump"/>
-                <a:extLst>
-                  <a:ext uri="{FF2B5EF4-FFF2-40B4-BE49-F238E27FC236}">
-                    <a16:creationId xmlns:a16="http://schemas.microsoft.com/office/drawing/2014/main" id="{0079BC32-3164-4029-AECA-332EFF7EAF25}"/>
-                  </a:ext>
-                </a:extLst>
-              </p:cNvPr>
-              <p:cNvPicPr>
-                <a:picLocks noGrp="1" noRot="1" noChangeAspect="1" noMove="1" noResize="1" noEditPoints="1" noAdjustHandles="1" noChangeArrowheads="1" noChangeShapeType="1"/>
-              </p:cNvPicPr>
-              <p:nvPr/>
-            </p:nvPicPr>
-            <p:blipFill>
-              <a:blip r:embed="rId4">
-                <a:extLst>
-                  <a:ext uri="{28A0092B-C50C-407E-A947-70E740481C1C}">
-                    <a14:useLocalDpi xmlns:a14="http://schemas.microsoft.com/office/drawing/2010/main" val="0"/>
-                  </a:ext>
-                </a:extLst>
-              </a:blip>
-              <a:stretch>
-                <a:fillRect/>
-              </a:stretch>
-            </p:blipFill>
-            <p:spPr>
-              <a:xfrm>
-                <a:off x="3665990" y="1931834"/>
-                <a:ext cx="3652525" cy="1042103"/>
-              </a:xfrm>
-              <a:prstGeom prst="rect">
-                <a:avLst/>
-              </a:prstGeom>
-              <a:ln w="3175">
-                <a:noFill/>
-              </a:ln>
-            </p:spPr>
-          </p:pic>
-        </mc:Fallback>
-      </mc:AlternateContent>
-      <mc:AlternateContent xmlns:mc="http://schemas.openxmlformats.org/markup-compatibility/2006" xmlns:pslz="http://schemas.microsoft.com/office/powerpoint/2016/slidezoom">
-        <mc:Choice Requires="pslz">
-          <p:graphicFrame>
-            <p:nvGraphicFramePr>
               <p:cNvPr id="28" name="Folienzoom 27">
                 <a:extLst>
                   <a:ext uri="{FF2B5EF4-FFF2-40B4-BE49-F238E27FC236}">
@@ -7361,7 +8111,7 @@
                   <pslz:sldZmObj sldId="265" cId="754373753">
                     <pslz:zmPr id="{68D6DA47-4D26-4922-BA76-918F096EFEA8}" imageType="cover" transitionDur="1000">
                       <p166:blipFill xmlns:p166="http://schemas.microsoft.com/office/powerpoint/2016/6/main">
-                        <a:blip r:embed="rId5">
+                        <a:blip r:embed="rId2">
                           <a:extLst>
                             <a:ext uri="{28A0092B-C50C-407E-A947-70E740481C1C}">
                               <a14:useLocalDpi xmlns:a14="http://schemas.microsoft.com/office/drawing/2010/main" val="0"/>
@@ -7438,8 +8188,8 @@
           </p:pic>
         </mc:Fallback>
       </mc:AlternateContent>
-      <mc:AlternateContent xmlns:mc="http://schemas.openxmlformats.org/markup-compatibility/2006">
-        <mc:Choice xmlns:pslz="http://schemas.microsoft.com/office/powerpoint/2016/slidezoom" Requires="pslz">
+      <mc:AlternateContent xmlns:mc="http://schemas.openxmlformats.org/markup-compatibility/2006" xmlns:pslz="http://schemas.microsoft.com/office/powerpoint/2016/slidezoom">
+        <mc:Choice Requires="pslz">
           <p:graphicFrame>
             <p:nvGraphicFramePr>
               <p:cNvPr id="30" name="Folienzoom 29">
@@ -7500,7 +8250,7 @@
             </a:graphic>
           </p:graphicFrame>
         </mc:Choice>
-        <mc:Fallback>
+        <mc:Fallback xmlns="">
           <p:pic>
             <p:nvPicPr>
               <p:cNvPr id="30" name="Folienzoom 29">
@@ -7517,7 +8267,7 @@
               <p:nvPr/>
             </p:nvPicPr>
             <p:blipFill>
-              <a:blip r:embed="rId7">
+              <a:blip r:embed="rId9">
                 <a:extLst>
                   <a:ext uri="{28A0092B-C50C-407E-A947-70E740481C1C}">
                     <a14:useLocalDpi xmlns:a14="http://schemas.microsoft.com/office/drawing/2010/main" val="0"/>
@@ -7575,7 +8325,7 @@
                   <pslz:sldZmObj sldId="267" cId="3702486606">
                     <pslz:zmPr id="{77BE859F-7A89-4393-BCA5-9476199BD9D4}" imageType="cover" transitionDur="1000">
                       <p166:blipFill xmlns:p166="http://schemas.microsoft.com/office/powerpoint/2016/6/main">
-                        <a:blip r:embed="rId9">
+                        <a:blip r:embed="rId10">
                           <a:extLst>
                             <a:ext uri="{28A0092B-C50C-407E-A947-70E740481C1C}">
                               <a14:useLocalDpi xmlns:a14="http://schemas.microsoft.com/office/drawing/2010/main" val="0"/>
@@ -7611,7 +8361,7 @@
           <p:pic>
             <p:nvPicPr>
               <p:cNvPr id="33" name="Folienzoom 32">
-                <a:hlinkClick r:id="rId10" action="ppaction://hlinksldjump"/>
+                <a:hlinkClick r:id="rId11" action="ppaction://hlinksldjump"/>
                 <a:extLst>
                   <a:ext uri="{FF2B5EF4-FFF2-40B4-BE49-F238E27FC236}">
                     <a16:creationId xmlns:a16="http://schemas.microsoft.com/office/drawing/2014/main" id="{2B449081-D422-4261-B65E-19CB802A225B}"/>
@@ -7624,7 +8374,7 @@
               <p:nvPr/>
             </p:nvPicPr>
             <p:blipFill>
-              <a:blip r:embed="rId11">
+              <a:blip r:embed="rId12">
                 <a:extLst>
                   <a:ext uri="{28A0092B-C50C-407E-A947-70E740481C1C}">
                     <a14:useLocalDpi xmlns:a14="http://schemas.microsoft.com/office/drawing/2010/main" val="0"/>
@@ -7652,8 +8402,8 @@
           </p:pic>
         </mc:Fallback>
       </mc:AlternateContent>
-      <mc:AlternateContent xmlns:mc="http://schemas.openxmlformats.org/markup-compatibility/2006">
-        <mc:Choice xmlns:pslz="http://schemas.microsoft.com/office/powerpoint/2016/slidezoom" Requires="pslz">
+      <mc:AlternateContent xmlns:mc="http://schemas.openxmlformats.org/markup-compatibility/2006" xmlns:pslz="http://schemas.microsoft.com/office/powerpoint/2016/slidezoom">
+        <mc:Choice Requires="pslz">
           <p:graphicFrame>
             <p:nvGraphicFramePr>
               <p:cNvPr id="3" name="Folienzoom 2">
@@ -7684,7 +8434,7 @@
                   <pslz:sldZmObj sldId="268" cId="3602023725">
                     <pslz:zmPr id="{7B256FF1-5160-418B-B807-FEA176A2CD6E}" imageType="cover" transitionDur="1000">
                       <p166:blipFill xmlns:p166="http://schemas.microsoft.com/office/powerpoint/2016/6/main">
-                        <a:blip r:embed="rId12">
+                        <a:blip r:embed="rId13">
                           <a:extLst>
                             <a:ext uri="{28A0092B-C50C-407E-A947-70E740481C1C}">
                               <a14:useLocalDpi xmlns:a14="http://schemas.microsoft.com/office/drawing/2010/main" val="0"/>
@@ -7714,11 +8464,11 @@
             </a:graphic>
           </p:graphicFrame>
         </mc:Choice>
-        <mc:Fallback>
+        <mc:Fallback xmlns="">
           <p:pic>
             <p:nvPicPr>
               <p:cNvPr id="3" name="Folienzoom 2">
-                <a:hlinkClick r:id="rId13" action="ppaction://hlinksldjump"/>
+                <a:hlinkClick r:id="rId14" action="ppaction://hlinksldjump"/>
                 <a:extLst>
                   <a:ext uri="{FF2B5EF4-FFF2-40B4-BE49-F238E27FC236}">
                     <a16:creationId xmlns:a16="http://schemas.microsoft.com/office/drawing/2014/main" id="{E53F6158-3336-494A-B5C6-310712D0F135}"/>
@@ -7731,7 +8481,7 @@
               <p:nvPr/>
             </p:nvPicPr>
             <p:blipFill>
-              <a:blip r:embed="rId12">
+              <a:blip r:embed="rId15">
                 <a:extLst>
                   <a:ext uri="{28A0092B-C50C-407E-A947-70E740481C1C}">
                     <a14:useLocalDpi xmlns:a14="http://schemas.microsoft.com/office/drawing/2010/main" val="0"/>
@@ -7757,93 +8507,58 @@
           </p:pic>
         </mc:Fallback>
       </mc:AlternateContent>
+      <p:sp>
+        <p:nvSpPr>
+          <p:cNvPr id="25" name="Flussdiagramm: Verzweigung 24">
+            <a:extLst>
+              <a:ext uri="{FF2B5EF4-FFF2-40B4-BE49-F238E27FC236}">
+                <a16:creationId xmlns:a16="http://schemas.microsoft.com/office/drawing/2014/main" id="{95F9FA9F-ED50-45F2-B38E-9D59D57DDCB3}"/>
+              </a:ext>
+            </a:extLst>
+          </p:cNvPr>
+          <p:cNvSpPr/>
+          <p:nvPr/>
+        </p:nvSpPr>
+        <p:spPr>
+          <a:xfrm>
+            <a:off x="3734069" y="1956015"/>
+            <a:ext cx="3528652" cy="988377"/>
+          </a:xfrm>
+          <a:prstGeom prst="flowChartDecision">
+            <a:avLst/>
+          </a:prstGeom>
+          <a:ln w="38100"/>
+        </p:spPr>
+        <p:style>
+          <a:lnRef idx="2">
+            <a:schemeClr val="dk1"/>
+          </a:lnRef>
+          <a:fillRef idx="1">
+            <a:schemeClr val="lt1"/>
+          </a:fillRef>
+          <a:effectRef idx="0">
+            <a:schemeClr val="dk1"/>
+          </a:effectRef>
+          <a:fontRef idx="minor">
+            <a:schemeClr val="dk1"/>
+          </a:fontRef>
+        </p:style>
+        <p:txBody>
+          <a:bodyPr rtlCol="0" anchor="ctr"/>
+          <a:lstStyle/>
+          <a:p>
+            <a:pPr algn="ctr"/>
+            <a:r>
+              <a:rPr lang="de-DE" dirty="0"/>
+              <a:t>Eingabe gesetzt?</a:t>
+            </a:r>
+          </a:p>
+        </p:txBody>
+      </p:sp>
     </p:spTree>
     <p:extLst>
       <p:ext uri="{BB962C8B-B14F-4D97-AF65-F5344CB8AC3E}">
         <p14:creationId xmlns:p14="http://schemas.microsoft.com/office/powerpoint/2010/main" val="2952799758"/>
-      </p:ext>
-    </p:extLst>
-  </p:cSld>
-  <p:clrMapOvr>
-    <a:masterClrMapping/>
-  </p:clrMapOvr>
-</p:sld>
-</file>
-
-<file path=ppt/slides/slide70.xml><?xml version="1.0" encoding="utf-8"?>
-<p:sld xmlns:a="http://schemas.openxmlformats.org/drawingml/2006/main" xmlns:r="http://schemas.openxmlformats.org/officeDocument/2006/relationships" xmlns:p="http://schemas.openxmlformats.org/presentationml/2006/main">
-  <p:cSld>
-    <p:spTree>
-      <p:nvGrpSpPr>
-        <p:cNvPr id="1" name=""/>
-        <p:cNvGrpSpPr/>
-        <p:nvPr/>
-      </p:nvGrpSpPr>
-      <p:grpSpPr>
-        <a:xfrm>
-          <a:off x="0" y="0"/>
-          <a:ext cx="0" cy="0"/>
-          <a:chOff x="0" y="0"/>
-          <a:chExt cx="0" cy="0"/>
-        </a:xfrm>
-      </p:grpSpPr>
-      <p:sp>
-        <p:nvSpPr>
-          <p:cNvPr id="2" name="Titel 1">
-            <a:extLst>
-              <a:ext uri="{FF2B5EF4-FFF2-40B4-BE49-F238E27FC236}">
-                <a16:creationId xmlns:a16="http://schemas.microsoft.com/office/drawing/2014/main" id="{6F68F59A-B259-4AA8-8633-05C323F51141}"/>
-              </a:ext>
-            </a:extLst>
-          </p:cNvPr>
-          <p:cNvSpPr>
-            <a:spLocks noGrp="1"/>
-          </p:cNvSpPr>
-          <p:nvPr>
-            <p:ph type="title"/>
-          </p:nvPr>
-        </p:nvSpPr>
-        <p:spPr/>
-        <p:txBody>
-          <a:bodyPr/>
-          <a:lstStyle/>
-          <a:p>
-            <a:r>
-              <a:rPr lang="de-DE" dirty="0"/>
-              <a:t>Eingabe zurückgesetzt?</a:t>
-            </a:r>
-          </a:p>
-        </p:txBody>
-      </p:sp>
-      <p:sp>
-        <p:nvSpPr>
-          <p:cNvPr id="3" name="Inhaltsplatzhalter 2">
-            <a:extLst>
-              <a:ext uri="{FF2B5EF4-FFF2-40B4-BE49-F238E27FC236}">
-                <a16:creationId xmlns:a16="http://schemas.microsoft.com/office/drawing/2014/main" id="{1628B728-3814-47B8-838C-5AB42DD104DB}"/>
-              </a:ext>
-            </a:extLst>
-          </p:cNvPr>
-          <p:cNvSpPr>
-            <a:spLocks noGrp="1"/>
-          </p:cNvSpPr>
-          <p:nvPr>
-            <p:ph idx="1"/>
-          </p:nvPr>
-        </p:nvSpPr>
-        <p:spPr/>
-        <p:txBody>
-          <a:bodyPr/>
-          <a:lstStyle/>
-          <a:p>
-            <a:endParaRPr lang="de-DE"/>
-          </a:p>
-        </p:txBody>
-      </p:sp>
-    </p:spTree>
-    <p:extLst>
-      <p:ext uri="{BB962C8B-B14F-4D97-AF65-F5344CB8AC3E}">
-        <p14:creationId xmlns:p14="http://schemas.microsoft.com/office/powerpoint/2010/main" val="4206787290"/>
       </p:ext>
     </p:extLst>
   </p:cSld>
@@ -7997,11 +8712,7 @@
                   </a:schemeClr>
                 </a:solidFill>
               </a:rPr>
-              <a:t>MOV</a:t>
-            </a:r>
-            <a:r>
-              <a:rPr lang="de-DE" sz="2400" dirty="0"/>
-              <a:t> a, </a:t>
+              <a:t>MOV a, </a:t>
             </a:r>
             <a:r>
               <a:rPr lang="de-DE" sz="2400" dirty="0">
@@ -8017,7 +8728,13 @@
               <a:buNone/>
             </a:pPr>
             <a:r>
-              <a:rPr lang="de-DE" sz="2400" dirty="0"/>
+              <a:rPr lang="de-DE" sz="2400" dirty="0">
+                <a:solidFill>
+                  <a:schemeClr val="accent1">
+                    <a:lumMod val="75000"/>
+                  </a:schemeClr>
+                </a:solidFill>
+              </a:rPr>
               <a:t>ADD a, r2</a:t>
             </a:r>
           </a:p>
@@ -8033,11 +8750,7 @@
                   </a:schemeClr>
                 </a:solidFill>
               </a:rPr>
-              <a:t>MOV</a:t>
-            </a:r>
-            <a:r>
-              <a:rPr lang="de-DE" sz="2400" dirty="0"/>
-              <a:t> r0, a</a:t>
+              <a:t>MOV r0, a</a:t>
             </a:r>
           </a:p>
           <a:p>
@@ -8052,19 +8765,21 @@
                   </a:schemeClr>
                 </a:solidFill>
               </a:rPr>
-              <a:t>MOV</a:t>
-            </a:r>
-            <a:r>
-              <a:rPr lang="de-DE" sz="2400" dirty="0"/>
-              <a:t> a, @R0</a:t>
-            </a:r>
-          </a:p>
-          <a:p>
-            <a:pPr marL="0" indent="0">
-              <a:buNone/>
-            </a:pPr>
-            <a:r>
-              <a:rPr lang="de-DE" sz="2400" dirty="0"/>
+              <a:t>MOV a, @R0</a:t>
+            </a:r>
+          </a:p>
+          <a:p>
+            <a:pPr marL="0" indent="0">
+              <a:buNone/>
+            </a:pPr>
+            <a:r>
+              <a:rPr lang="de-DE" sz="2400" dirty="0">
+                <a:solidFill>
+                  <a:schemeClr val="accent1">
+                    <a:lumMod val="75000"/>
+                  </a:schemeClr>
+                </a:solidFill>
+              </a:rPr>
               <a:t>ANL a, r3</a:t>
             </a:r>
           </a:p>
@@ -8080,11 +8795,7 @@
                   </a:schemeClr>
                 </a:solidFill>
               </a:rPr>
-              <a:t>MOV</a:t>
-            </a:r>
-            <a:r>
-              <a:rPr lang="de-DE" sz="2400" dirty="0"/>
-              <a:t> r1, a</a:t>
+              <a:t>MOV r1, a</a:t>
             </a:r>
           </a:p>
           <a:p>
@@ -8144,7 +8855,21 @@
             </a:r>
             <a:r>
               <a:rPr lang="de-DE" sz="2400" dirty="0"/>
-              <a:t> a, </a:t>
+              <a:t> </a:t>
+            </a:r>
+            <a:r>
+              <a:rPr lang="de-DE" sz="2400" dirty="0">
+                <a:solidFill>
+                  <a:schemeClr val="accent1">
+                    <a:lumMod val="75000"/>
+                  </a:schemeClr>
+                </a:solidFill>
+              </a:rPr>
+              <a:t>a</a:t>
+            </a:r>
+            <a:r>
+              <a:rPr lang="de-DE" sz="2400" dirty="0"/>
+              <a:t>, </a:t>
             </a:r>
             <a:r>
               <a:rPr lang="de-DE" sz="2400" dirty="0">
@@ -8157,7 +8882,13 @@
           </a:p>
           <a:p>
             <a:r>
-              <a:rPr lang="de-DE" sz="2400" dirty="0"/>
+              <a:rPr lang="de-DE" sz="2400" dirty="0">
+                <a:solidFill>
+                  <a:schemeClr val="accent1">
+                    <a:lumMod val="75000"/>
+                  </a:schemeClr>
+                </a:solidFill>
+              </a:rPr>
               <a:t>ADD a, r2</a:t>
             </a:r>
           </a:p>
@@ -8170,11 +8901,7 @@
                   </a:schemeClr>
                 </a:solidFill>
               </a:rPr>
-              <a:t>MOV</a:t>
-            </a:r>
-            <a:r>
-              <a:rPr lang="de-DE" sz="2400" dirty="0"/>
-              <a:t> r0, a</a:t>
+              <a:t>MOV r0, a</a:t>
             </a:r>
           </a:p>
           <a:p>
@@ -8186,16 +8913,18 @@
                   </a:schemeClr>
                 </a:solidFill>
               </a:rPr>
-              <a:t>MOV</a:t>
-            </a:r>
-            <a:r>
-              <a:rPr lang="de-DE" sz="2400" dirty="0"/>
-              <a:t> a, @R0</a:t>
-            </a:r>
-          </a:p>
-          <a:p>
-            <a:r>
-              <a:rPr lang="de-DE" sz="2400" dirty="0"/>
+              <a:t>MOV a, @R0</a:t>
+            </a:r>
+          </a:p>
+          <a:p>
+            <a:r>
+              <a:rPr lang="de-DE" sz="2400" dirty="0">
+                <a:solidFill>
+                  <a:schemeClr val="accent1">
+                    <a:lumMod val="75000"/>
+                  </a:schemeClr>
+                </a:solidFill>
+              </a:rPr>
               <a:t>ANL a, r3</a:t>
             </a:r>
           </a:p>
@@ -8204,7 +8933,13 @@
           </a:p>
           <a:p>
             <a:r>
-              <a:rPr lang="de-DE" sz="2400" dirty="0"/>
+              <a:rPr lang="de-DE" sz="2400" dirty="0">
+                <a:solidFill>
+                  <a:schemeClr val="accent1">
+                    <a:lumMod val="75000"/>
+                  </a:schemeClr>
+                </a:solidFill>
+              </a:rPr>
               <a:t>ORL a, r1</a:t>
             </a:r>
           </a:p>
@@ -8222,14 +8957,28 @@
           </a:p>
           <a:p>
             <a:r>
-              <a:rPr lang="de-DE" sz="2400" dirty="0"/>
+              <a:rPr lang="de-DE" sz="2400" dirty="0">
+                <a:solidFill>
+                  <a:schemeClr val="accent1">
+                    <a:lumMod val="75000"/>
+                  </a:schemeClr>
+                </a:solidFill>
+              </a:rPr>
               <a:t>JZ </a:t>
             </a:r>
             <a:r>
-              <a:rPr lang="de-DE" sz="2400" dirty="0" err="1"/>
+              <a:rPr lang="de-DE" sz="2400" dirty="0" err="1">
+                <a:solidFill>
+                  <a:srgbClr val="00B050"/>
+                </a:solidFill>
+              </a:rPr>
               <a:t>einfuegen</a:t>
             </a:r>
-            <a:endParaRPr lang="de-DE" sz="2400" dirty="0"/>
+            <a:endParaRPr lang="de-DE" sz="2400" dirty="0">
+              <a:solidFill>
+                <a:srgbClr val="00B050"/>
+              </a:solidFill>
+            </a:endParaRPr>
           </a:p>
           <a:p>
             <a:r>
@@ -8256,19 +9005,43 @@
             </a:r>
             <a:r>
               <a:rPr lang="de-DE" sz="2400" dirty="0"/>
-              <a:t> a, r2</a:t>
-            </a:r>
-          </a:p>
-          <a:p>
-            <a:r>
-              <a:rPr lang="de-DE" sz="2400" dirty="0"/>
+              <a:t> </a:t>
+            </a:r>
+            <a:r>
+              <a:rPr lang="de-DE" sz="2400" dirty="0">
+                <a:solidFill>
+                  <a:schemeClr val="accent1">
+                    <a:lumMod val="75000"/>
+                  </a:schemeClr>
+                </a:solidFill>
+              </a:rPr>
+              <a:t>a, r2</a:t>
+            </a:r>
+          </a:p>
+          <a:p>
+            <a:r>
+              <a:rPr lang="de-DE" sz="2400" dirty="0">
+                <a:solidFill>
+                  <a:schemeClr val="accent1">
+                    <a:lumMod val="75000"/>
+                  </a:schemeClr>
+                </a:solidFill>
+              </a:rPr>
               <a:t>JZ </a:t>
             </a:r>
             <a:r>
-              <a:rPr lang="de-DE" sz="2400" dirty="0" err="1"/>
+              <a:rPr lang="de-DE" sz="2400" dirty="0" err="1">
+                <a:solidFill>
+                  <a:srgbClr val="00B050"/>
+                </a:solidFill>
+              </a:rPr>
               <a:t>eingabe_fertig</a:t>
             </a:r>
-            <a:endParaRPr lang="de-DE" sz="2400" dirty="0"/>
+            <a:endParaRPr lang="de-DE" sz="2400" dirty="0">
+              <a:solidFill>
+                <a:srgbClr val="00B050"/>
+              </a:solidFill>
+            </a:endParaRPr>
           </a:p>
           <a:p>
             <a:endParaRPr lang="de-DE" sz="2400" dirty="0"/>
@@ -8304,14 +9077,34 @@
           <a:lstStyle/>
           <a:p>
             <a:r>
-              <a:rPr lang="de-DE" sz="2400" dirty="0"/>
+              <a:rPr lang="de-DE" sz="2400" dirty="0">
+                <a:solidFill>
+                  <a:schemeClr val="accent1">
+                    <a:lumMod val="75000"/>
+                  </a:schemeClr>
+                </a:solidFill>
+              </a:rPr>
               <a:t>DEC r2</a:t>
             </a:r>
           </a:p>
           <a:p>
             <a:r>
-              <a:rPr lang="de-DE" sz="2400" dirty="0"/>
-              <a:t>JMP vergleich</a:t>
+              <a:rPr lang="de-DE" sz="2400" dirty="0">
+                <a:solidFill>
+                  <a:schemeClr val="accent1">
+                    <a:lumMod val="75000"/>
+                  </a:schemeClr>
+                </a:solidFill>
+              </a:rPr>
+              <a:t>JMP </a:t>
+            </a:r>
+            <a:r>
+              <a:rPr lang="de-DE" sz="2400" dirty="0">
+                <a:solidFill>
+                  <a:srgbClr val="00B050"/>
+                </a:solidFill>
+              </a:rPr>
+              <a:t>vergleich</a:t>
             </a:r>
           </a:p>
           <a:p>
@@ -8348,16 +9141,26 @@
                   </a:schemeClr>
                 </a:solidFill>
               </a:rPr>
-              <a:t>MOV</a:t>
-            </a:r>
-            <a:r>
-              <a:rPr lang="de-DE" sz="2400" dirty="0"/>
-              <a:t> a, AKTIVERSPIELER</a:t>
-            </a:r>
-          </a:p>
-          <a:p>
-            <a:r>
-              <a:rPr lang="de-DE" sz="2400" dirty="0"/>
+              <a:t>MOV a, </a:t>
+            </a:r>
+            <a:r>
+              <a:rPr lang="de-DE" sz="2400" dirty="0">
+                <a:solidFill>
+                  <a:srgbClr val="00B050"/>
+                </a:solidFill>
+              </a:rPr>
+              <a:t>AKTIVERSPIELER</a:t>
+            </a:r>
+          </a:p>
+          <a:p>
+            <a:r>
+              <a:rPr lang="de-DE" sz="2400" dirty="0">
+                <a:solidFill>
+                  <a:schemeClr val="accent1">
+                    <a:lumMod val="75000"/>
+                  </a:schemeClr>
+                </a:solidFill>
+              </a:rPr>
               <a:t>ADD a, r2</a:t>
             </a:r>
           </a:p>
@@ -8370,11 +9173,7 @@
                   </a:schemeClr>
                 </a:solidFill>
               </a:rPr>
-              <a:t>MOV</a:t>
-            </a:r>
-            <a:r>
-              <a:rPr lang="de-DE" sz="2400" dirty="0"/>
-              <a:t> r0, a</a:t>
+              <a:t>MOV r0, a</a:t>
             </a:r>
           </a:p>
           <a:p>
@@ -8386,16 +9185,18 @@
                   </a:schemeClr>
                 </a:solidFill>
               </a:rPr>
-              <a:t>MOV</a:t>
-            </a:r>
-            <a:r>
-              <a:rPr lang="de-DE" sz="2400" dirty="0"/>
-              <a:t> a, @r0</a:t>
-            </a:r>
-          </a:p>
-          <a:p>
-            <a:r>
-              <a:rPr lang="de-DE" sz="2400" dirty="0"/>
+              <a:t>MOV a, @r0</a:t>
+            </a:r>
+          </a:p>
+          <a:p>
+            <a:r>
+              <a:rPr lang="de-DE" sz="2400" dirty="0">
+                <a:solidFill>
+                  <a:schemeClr val="accent1">
+                    <a:lumMod val="75000"/>
+                  </a:schemeClr>
+                </a:solidFill>
+              </a:rPr>
               <a:t>ORL a, r3</a:t>
             </a:r>
           </a:p>
@@ -8408,11 +9209,7 @@
                   </a:schemeClr>
                 </a:solidFill>
               </a:rPr>
-              <a:t>MOV</a:t>
-            </a:r>
-            <a:r>
-              <a:rPr lang="de-DE" sz="2400" dirty="0"/>
-              <a:t> @r0, a</a:t>
+              <a:t>MOV @r0, a</a:t>
             </a:r>
           </a:p>
         </p:txBody>
@@ -8498,8 +9295,8 @@
         </p:nvSpPr>
         <p:spPr>
           <a:xfrm>
-            <a:off x="838200" y="1825625"/>
-            <a:ext cx="10515600" cy="4442010"/>
+            <a:off x="838200" y="1825624"/>
+            <a:ext cx="10515600" cy="5032375"/>
           </a:xfrm>
         </p:spPr>
         <p:txBody>
@@ -8620,53 +9417,87 @@
               <a:buNone/>
             </a:pPr>
             <a:r>
-              <a:rPr lang="de-DE" sz="2400" dirty="0"/>
-              <a:t>mov a, </a:t>
-            </a:r>
-            <a:r>
-              <a:rPr lang="de-DE" sz="2400" dirty="0" err="1"/>
+              <a:rPr lang="de-DE" sz="2400" dirty="0">
+                <a:solidFill>
+                  <a:schemeClr val="accent1">
+                    <a:lumMod val="75000"/>
+                  </a:schemeClr>
+                </a:solidFill>
+              </a:rPr>
+              <a:t>MOV a, </a:t>
+            </a:r>
+            <a:r>
+              <a:rPr lang="de-DE" sz="2400" dirty="0" err="1">
+                <a:solidFill>
+                  <a:srgbClr val="00B050"/>
+                </a:solidFill>
+              </a:rPr>
               <a:t>aktiverspieler</a:t>
             </a:r>
-            <a:endParaRPr lang="de-DE" sz="2400" dirty="0"/>
-          </a:p>
-          <a:p>
-            <a:pPr marL="0" indent="0">
-              <a:buNone/>
-            </a:pPr>
-            <a:r>
-              <a:rPr lang="de-DE" sz="2400" dirty="0" err="1"/>
-              <a:t>add</a:t>
-            </a:r>
-            <a:r>
-              <a:rPr lang="de-DE" sz="2400" dirty="0"/>
-              <a:t> a, R2</a:t>
-            </a:r>
-          </a:p>
-          <a:p>
-            <a:pPr marL="0" indent="0">
-              <a:buNone/>
-            </a:pPr>
-            <a:r>
-              <a:rPr lang="de-DE" sz="2400" dirty="0"/>
-              <a:t>mov R0, a</a:t>
-            </a:r>
-          </a:p>
-          <a:p>
-            <a:pPr marL="0" indent="0">
-              <a:buNone/>
-            </a:pPr>
-            <a:r>
-              <a:rPr lang="de-DE" sz="2400" dirty="0"/>
-              <a:t>mov a, @R0</a:t>
-            </a:r>
-          </a:p>
-          <a:p>
-            <a:pPr marL="0" indent="0">
-              <a:buNone/>
-            </a:pPr>
-            <a:r>
-              <a:rPr lang="de-DE" sz="2400" dirty="0"/>
-              <a:t>mov R1, a</a:t>
+            <a:endParaRPr lang="de-DE" sz="2400" dirty="0">
+              <a:solidFill>
+                <a:srgbClr val="00B050"/>
+              </a:solidFill>
+            </a:endParaRPr>
+          </a:p>
+          <a:p>
+            <a:pPr marL="0" indent="0">
+              <a:buNone/>
+            </a:pPr>
+            <a:r>
+              <a:rPr lang="de-DE" sz="2400" dirty="0">
+                <a:solidFill>
+                  <a:schemeClr val="accent1">
+                    <a:lumMod val="75000"/>
+                  </a:schemeClr>
+                </a:solidFill>
+              </a:rPr>
+              <a:t>ADD a, R2</a:t>
+            </a:r>
+          </a:p>
+          <a:p>
+            <a:pPr marL="0" indent="0">
+              <a:buNone/>
+            </a:pPr>
+            <a:r>
+              <a:rPr lang="de-DE" sz="2400" dirty="0">
+                <a:solidFill>
+                  <a:schemeClr val="accent1">
+                    <a:lumMod val="75000"/>
+                  </a:schemeClr>
+                </a:solidFill>
+              </a:rPr>
+              <a:t>MOV R0, a</a:t>
+            </a:r>
+          </a:p>
+          <a:p>
+            <a:pPr marL="0" indent="0">
+              <a:buNone/>
+            </a:pPr>
+            <a:r>
+              <a:rPr lang="de-DE" sz="2400" dirty="0">
+                <a:solidFill>
+                  <a:schemeClr val="accent1">
+                    <a:lumMod val="75000"/>
+                  </a:schemeClr>
+                </a:solidFill>
+              </a:rPr>
+              <a:t>MOV a, @R0</a:t>
+            </a:r>
+          </a:p>
+          <a:p>
+            <a:pPr marL="0" indent="0">
+              <a:buNone/>
+            </a:pPr>
+            <a:r>
+              <a:rPr lang="de-DE" sz="2400" dirty="0">
+                <a:solidFill>
+                  <a:schemeClr val="accent1">
+                    <a:lumMod val="75000"/>
+                  </a:schemeClr>
+                </a:solidFill>
+              </a:rPr>
+              <a:t>MOV R1, a</a:t>
             </a:r>
           </a:p>
           <a:p>
@@ -9488,4 +10319,299 @@
     </a:ext>
   </a:extLst>
 </a:theme>
+</file>
+
+<file path=ppt/theme/theme2.xml><?xml version="1.0" encoding="utf-8"?>
+<a:theme xmlns:a="http://schemas.openxmlformats.org/drawingml/2006/main" name="Office">
+  <a:themeElements>
+    <a:clrScheme name="Office">
+      <a:dk1>
+        <a:sysClr val="windowText" lastClr="000000"/>
+      </a:dk1>
+      <a:lt1>
+        <a:sysClr val="window" lastClr="FFFFFF"/>
+      </a:lt1>
+      <a:dk2>
+        <a:srgbClr val="44546A"/>
+      </a:dk2>
+      <a:lt2>
+        <a:srgbClr val="E7E6E6"/>
+      </a:lt2>
+      <a:accent1>
+        <a:srgbClr val="4472C4"/>
+      </a:accent1>
+      <a:accent2>
+        <a:srgbClr val="ED7D31"/>
+      </a:accent2>
+      <a:accent3>
+        <a:srgbClr val="A5A5A5"/>
+      </a:accent3>
+      <a:accent4>
+        <a:srgbClr val="FFC000"/>
+      </a:accent4>
+      <a:accent5>
+        <a:srgbClr val="5B9BD5"/>
+      </a:accent5>
+      <a:accent6>
+        <a:srgbClr val="70AD47"/>
+      </a:accent6>
+      <a:hlink>
+        <a:srgbClr val="0563C1"/>
+      </a:hlink>
+      <a:folHlink>
+        <a:srgbClr val="954F72"/>
+      </a:folHlink>
+    </a:clrScheme>
+    <a:fontScheme name="Office">
+      <a:majorFont>
+        <a:latin typeface="Calibri Light" panose="020F0302020204030204"/>
+        <a:ea typeface=""/>
+        <a:cs typeface=""/>
+        <a:font script="Jpan" typeface="游ゴシック Light"/>
+        <a:font script="Hang" typeface="맑은 고딕"/>
+        <a:font script="Hans" typeface="等线 Light"/>
+        <a:font script="Hant" typeface="新細明體"/>
+        <a:font script="Arab" typeface="Times New Roman"/>
+        <a:font script="Hebr" typeface="Times New Roman"/>
+        <a:font script="Thai" typeface="Angsana New"/>
+        <a:font script="Ethi" typeface="Nyala"/>
+        <a:font script="Beng" typeface="Vrinda"/>
+        <a:font script="Gujr" typeface="Shruti"/>
+        <a:font script="Khmr" typeface="MoolBoran"/>
+        <a:font script="Knda" typeface="Tunga"/>
+        <a:font script="Guru" typeface="Raavi"/>
+        <a:font script="Cans" typeface="Euphemia"/>
+        <a:font script="Cher" typeface="Plantagenet Cherokee"/>
+        <a:font script="Yiii" typeface="Microsoft Yi Baiti"/>
+        <a:font script="Tibt" typeface="Microsoft Himalaya"/>
+        <a:font script="Thaa" typeface="MV Boli"/>
+        <a:font script="Deva" typeface="Mangal"/>
+        <a:font script="Telu" typeface="Gautami"/>
+        <a:font script="Taml" typeface="Latha"/>
+        <a:font script="Syrc" typeface="Estrangelo Edessa"/>
+        <a:font script="Orya" typeface="Kalinga"/>
+        <a:font script="Mlym" typeface="Kartika"/>
+        <a:font script="Laoo" typeface="DokChampa"/>
+        <a:font script="Sinh" typeface="Iskoola Pota"/>
+        <a:font script="Mong" typeface="Mongolian Baiti"/>
+        <a:font script="Viet" typeface="Times New Roman"/>
+        <a:font script="Uigh" typeface="Microsoft Uighur"/>
+        <a:font script="Geor" typeface="Sylfaen"/>
+        <a:font script="Armn" typeface="Arial"/>
+        <a:font script="Bugi" typeface="Leelawadee UI"/>
+        <a:font script="Bopo" typeface="Microsoft JhengHei"/>
+        <a:font script="Java" typeface="Javanese Text"/>
+        <a:font script="Lisu" typeface="Segoe UI"/>
+        <a:font script="Mymr" typeface="Myanmar Text"/>
+        <a:font script="Nkoo" typeface="Ebrima"/>
+        <a:font script="Olck" typeface="Nirmala UI"/>
+        <a:font script="Osma" typeface="Ebrima"/>
+        <a:font script="Phag" typeface="Phagspa"/>
+        <a:font script="Syrn" typeface="Estrangelo Edessa"/>
+        <a:font script="Syrj" typeface="Estrangelo Edessa"/>
+        <a:font script="Syre" typeface="Estrangelo Edessa"/>
+        <a:font script="Sora" typeface="Nirmala UI"/>
+        <a:font script="Tale" typeface="Microsoft Tai Le"/>
+        <a:font script="Talu" typeface="Microsoft New Tai Lue"/>
+        <a:font script="Tfng" typeface="Ebrima"/>
+      </a:majorFont>
+      <a:minorFont>
+        <a:latin typeface="Calibri" panose="020F0502020204030204"/>
+        <a:ea typeface=""/>
+        <a:cs typeface=""/>
+        <a:font script="Jpan" typeface="游ゴシック"/>
+        <a:font script="Hang" typeface="맑은 고딕"/>
+        <a:font script="Hans" typeface="等线"/>
+        <a:font script="Hant" typeface="新細明體"/>
+        <a:font script="Arab" typeface="Arial"/>
+        <a:font script="Hebr" typeface="Arial"/>
+        <a:font script="Thai" typeface="Cordia New"/>
+        <a:font script="Ethi" typeface="Nyala"/>
+        <a:font script="Beng" typeface="Vrinda"/>
+        <a:font script="Gujr" typeface="Shruti"/>
+        <a:font script="Khmr" typeface="DaunPenh"/>
+        <a:font script="Knda" typeface="Tunga"/>
+        <a:font script="Guru" typeface="Raavi"/>
+        <a:font script="Cans" typeface="Euphemia"/>
+        <a:font script="Cher" typeface="Plantagenet Cherokee"/>
+        <a:font script="Yiii" typeface="Microsoft Yi Baiti"/>
+        <a:font script="Tibt" typeface="Microsoft Himalaya"/>
+        <a:font script="Thaa" typeface="MV Boli"/>
+        <a:font script="Deva" typeface="Mangal"/>
+        <a:font script="Telu" typeface="Gautami"/>
+        <a:font script="Taml" typeface="Latha"/>
+        <a:font script="Syrc" typeface="Estrangelo Edessa"/>
+        <a:font script="Orya" typeface="Kalinga"/>
+        <a:font script="Mlym" typeface="Kartika"/>
+        <a:font script="Laoo" typeface="DokChampa"/>
+        <a:font script="Sinh" typeface="Iskoola Pota"/>
+        <a:font script="Mong" typeface="Mongolian Baiti"/>
+        <a:font script="Viet" typeface="Arial"/>
+        <a:font script="Uigh" typeface="Microsoft Uighur"/>
+        <a:font script="Geor" typeface="Sylfaen"/>
+        <a:font script="Armn" typeface="Arial"/>
+        <a:font script="Bugi" typeface="Leelawadee UI"/>
+        <a:font script="Bopo" typeface="Microsoft JhengHei"/>
+        <a:font script="Java" typeface="Javanese Text"/>
+        <a:font script="Lisu" typeface="Segoe UI"/>
+        <a:font script="Mymr" typeface="Myanmar Text"/>
+        <a:font script="Nkoo" typeface="Ebrima"/>
+        <a:font script="Olck" typeface="Nirmala UI"/>
+        <a:font script="Osma" typeface="Ebrima"/>
+        <a:font script="Phag" typeface="Phagspa"/>
+        <a:font script="Syrn" typeface="Estrangelo Edessa"/>
+        <a:font script="Syrj" typeface="Estrangelo Edessa"/>
+        <a:font script="Syre" typeface="Estrangelo Edessa"/>
+        <a:font script="Sora" typeface="Nirmala UI"/>
+        <a:font script="Tale" typeface="Microsoft Tai Le"/>
+        <a:font script="Talu" typeface="Microsoft New Tai Lue"/>
+        <a:font script="Tfng" typeface="Ebrima"/>
+      </a:minorFont>
+    </a:fontScheme>
+    <a:fmtScheme name="Office">
+      <a:fillStyleLst>
+        <a:solidFill>
+          <a:schemeClr val="phClr"/>
+        </a:solidFill>
+        <a:gradFill rotWithShape="1">
+          <a:gsLst>
+            <a:gs pos="0">
+              <a:schemeClr val="phClr">
+                <a:lumMod val="110000"/>
+                <a:satMod val="105000"/>
+                <a:tint val="67000"/>
+              </a:schemeClr>
+            </a:gs>
+            <a:gs pos="50000">
+              <a:schemeClr val="phClr">
+                <a:lumMod val="105000"/>
+                <a:satMod val="103000"/>
+                <a:tint val="73000"/>
+              </a:schemeClr>
+            </a:gs>
+            <a:gs pos="100000">
+              <a:schemeClr val="phClr">
+                <a:lumMod val="105000"/>
+                <a:satMod val="109000"/>
+                <a:tint val="81000"/>
+              </a:schemeClr>
+            </a:gs>
+          </a:gsLst>
+          <a:lin ang="5400000" scaled="0"/>
+        </a:gradFill>
+        <a:gradFill rotWithShape="1">
+          <a:gsLst>
+            <a:gs pos="0">
+              <a:schemeClr val="phClr">
+                <a:satMod val="103000"/>
+                <a:lumMod val="102000"/>
+                <a:tint val="94000"/>
+              </a:schemeClr>
+            </a:gs>
+            <a:gs pos="50000">
+              <a:schemeClr val="phClr">
+                <a:satMod val="110000"/>
+                <a:lumMod val="100000"/>
+                <a:shade val="100000"/>
+              </a:schemeClr>
+            </a:gs>
+            <a:gs pos="100000">
+              <a:schemeClr val="phClr">
+                <a:lumMod val="99000"/>
+                <a:satMod val="120000"/>
+                <a:shade val="78000"/>
+              </a:schemeClr>
+            </a:gs>
+          </a:gsLst>
+          <a:lin ang="5400000" scaled="0"/>
+        </a:gradFill>
+      </a:fillStyleLst>
+      <a:lnStyleLst>
+        <a:ln w="6350" cap="flat" cmpd="sng" algn="ctr">
+          <a:solidFill>
+            <a:schemeClr val="phClr"/>
+          </a:solidFill>
+          <a:prstDash val="solid"/>
+          <a:miter lim="800000"/>
+        </a:ln>
+        <a:ln w="12700" cap="flat" cmpd="sng" algn="ctr">
+          <a:solidFill>
+            <a:schemeClr val="phClr"/>
+          </a:solidFill>
+          <a:prstDash val="solid"/>
+          <a:miter lim="800000"/>
+        </a:ln>
+        <a:ln w="19050" cap="flat" cmpd="sng" algn="ctr">
+          <a:solidFill>
+            <a:schemeClr val="phClr"/>
+          </a:solidFill>
+          <a:prstDash val="solid"/>
+          <a:miter lim="800000"/>
+        </a:ln>
+      </a:lnStyleLst>
+      <a:effectStyleLst>
+        <a:effectStyle>
+          <a:effectLst/>
+        </a:effectStyle>
+        <a:effectStyle>
+          <a:effectLst/>
+        </a:effectStyle>
+        <a:effectStyle>
+          <a:effectLst>
+            <a:outerShdw blurRad="57150" dist="19050" dir="5400000" algn="ctr" rotWithShape="0">
+              <a:srgbClr val="000000">
+                <a:alpha val="63000"/>
+              </a:srgbClr>
+            </a:outerShdw>
+          </a:effectLst>
+        </a:effectStyle>
+      </a:effectStyleLst>
+      <a:bgFillStyleLst>
+        <a:solidFill>
+          <a:schemeClr val="phClr"/>
+        </a:solidFill>
+        <a:solidFill>
+          <a:schemeClr val="phClr">
+            <a:tint val="95000"/>
+            <a:satMod val="170000"/>
+          </a:schemeClr>
+        </a:solidFill>
+        <a:gradFill rotWithShape="1">
+          <a:gsLst>
+            <a:gs pos="0">
+              <a:schemeClr val="phClr">
+                <a:tint val="93000"/>
+                <a:satMod val="150000"/>
+                <a:shade val="98000"/>
+                <a:lumMod val="102000"/>
+              </a:schemeClr>
+            </a:gs>
+            <a:gs pos="50000">
+              <a:schemeClr val="phClr">
+                <a:tint val="98000"/>
+                <a:satMod val="130000"/>
+                <a:shade val="90000"/>
+                <a:lumMod val="103000"/>
+              </a:schemeClr>
+            </a:gs>
+            <a:gs pos="100000">
+              <a:schemeClr val="phClr">
+                <a:shade val="63000"/>
+                <a:satMod val="120000"/>
+              </a:schemeClr>
+            </a:gs>
+          </a:gsLst>
+          <a:lin ang="5400000" scaled="0"/>
+        </a:gradFill>
+      </a:bgFillStyleLst>
+    </a:fmtScheme>
+  </a:themeElements>
+  <a:objectDefaults/>
+  <a:extraClrSchemeLst/>
+  <a:extLst>
+    <a:ext uri="{05A4C25C-085E-4340-85A3-A5531E510DB2}">
+      <thm15:themeFamily xmlns:thm15="http://schemas.microsoft.com/office/thememl/2012/main" name="Office Theme" id="{62F939B6-93AF-4DB8-9C6B-D6C7DFDC589F}" vid="{4A3C46E8-61CC-4603-A589-7422A47A8E4A}"/>
+    </a:ext>
+  </a:extLst>
+</a:theme>
 </file>
--- a/VierGewinnt.pptx
+++ b/VierGewinnt.pptx
@@ -5,21 +5,23 @@
     <p:sldMasterId id="2147483648" r:id="rId1"/>
   </p:sldMasterIdLst>
   <p:notesMasterIdLst>
-    <p:notesMasterId r:id="rId14"/>
+    <p:notesMasterId r:id="rId16"/>
   </p:notesMasterIdLst>
   <p:sldIdLst>
     <p:sldId id="256" r:id="rId2"/>
     <p:sldId id="257" r:id="rId3"/>
     <p:sldId id="258" r:id="rId4"/>
-    <p:sldId id="259" r:id="rId5"/>
-    <p:sldId id="260" r:id="rId6"/>
-    <p:sldId id="263" r:id="rId7"/>
-    <p:sldId id="262" r:id="rId8"/>
-    <p:sldId id="265" r:id="rId9"/>
-    <p:sldId id="266" r:id="rId10"/>
-    <p:sldId id="268" r:id="rId11"/>
-    <p:sldId id="269" r:id="rId12"/>
-    <p:sldId id="267" r:id="rId13"/>
+    <p:sldId id="270" r:id="rId5"/>
+    <p:sldId id="271" r:id="rId6"/>
+    <p:sldId id="259" r:id="rId7"/>
+    <p:sldId id="260" r:id="rId8"/>
+    <p:sldId id="263" r:id="rId9"/>
+    <p:sldId id="262" r:id="rId10"/>
+    <p:sldId id="265" r:id="rId11"/>
+    <p:sldId id="266" r:id="rId12"/>
+    <p:sldId id="268" r:id="rId13"/>
+    <p:sldId id="269" r:id="rId14"/>
+    <p:sldId id="267" r:id="rId15"/>
   </p:sldIdLst>
   <p:sldSz cx="12192000" cy="6858000"/>
   <p:notesSz cx="6858000" cy="9144000"/>
@@ -208,7 +210,7 @@
           <a:p>
             <a:fld id="{61DDA1E3-3876-4C1F-96B2-3E43399C967B}" type="datetimeFigureOut">
               <a:rPr lang="de-DE" smtClean="0"/>
-              <a:t>06.12.2018</a:t>
+              <a:t>10.12.2018</a:t>
             </a:fld>
             <a:endParaRPr lang="de-DE"/>
           </a:p>
@@ -366,7 +368,7 @@
           <a:p>
             <a:fld id="{0CDA9607-FCE4-497D-AD75-D71330362BE7}" type="slidenum">
               <a:rPr lang="de-DE" smtClean="0"/>
-              <a:t>‹Nr.›</a:t>
+              <a:t>‹#›</a:t>
             </a:fld>
             <a:endParaRPr lang="de-DE"/>
           </a:p>
@@ -540,7 +542,7 @@
           <a:p>
             <a:fld id="{0CDA9607-FCE4-497D-AD75-D71330362BE7}" type="slidenum">
               <a:rPr lang="de-DE" smtClean="0"/>
-              <a:t>4</a:t>
+              <a:t>6</a:t>
             </a:fld>
             <a:endParaRPr lang="de-DE"/>
           </a:p>
@@ -706,7 +708,7 @@
           <a:p>
             <a:fld id="{C0B7EBB8-4147-43FD-9509-4BE2F59CD7E9}" type="datetimeFigureOut">
               <a:rPr lang="de-DE" smtClean="0"/>
-              <a:t>06.12.2018</a:t>
+              <a:t>10.12.2018</a:t>
             </a:fld>
             <a:endParaRPr lang="de-DE"/>
           </a:p>
@@ -760,7 +762,7 @@
           <a:p>
             <a:fld id="{BD53F27A-5BF1-40F9-A240-2C738F6BA072}" type="slidenum">
               <a:rPr lang="de-DE" smtClean="0"/>
-              <a:t>‹Nr.›</a:t>
+              <a:t>‹#›</a:t>
             </a:fld>
             <a:endParaRPr lang="de-DE"/>
           </a:p>
@@ -904,7 +906,7 @@
           <a:p>
             <a:fld id="{C0B7EBB8-4147-43FD-9509-4BE2F59CD7E9}" type="datetimeFigureOut">
               <a:rPr lang="de-DE" smtClean="0"/>
-              <a:t>06.12.2018</a:t>
+              <a:t>10.12.2018</a:t>
             </a:fld>
             <a:endParaRPr lang="de-DE"/>
           </a:p>
@@ -958,7 +960,7 @@
           <a:p>
             <a:fld id="{BD53F27A-5BF1-40F9-A240-2C738F6BA072}" type="slidenum">
               <a:rPr lang="de-DE" smtClean="0"/>
-              <a:t>‹Nr.›</a:t>
+              <a:t>‹#›</a:t>
             </a:fld>
             <a:endParaRPr lang="de-DE"/>
           </a:p>
@@ -1112,7 +1114,7 @@
           <a:p>
             <a:fld id="{C0B7EBB8-4147-43FD-9509-4BE2F59CD7E9}" type="datetimeFigureOut">
               <a:rPr lang="de-DE" smtClean="0"/>
-              <a:t>06.12.2018</a:t>
+              <a:t>10.12.2018</a:t>
             </a:fld>
             <a:endParaRPr lang="de-DE"/>
           </a:p>
@@ -1166,7 +1168,7 @@
           <a:p>
             <a:fld id="{BD53F27A-5BF1-40F9-A240-2C738F6BA072}" type="slidenum">
               <a:rPr lang="de-DE" smtClean="0"/>
-              <a:t>‹Nr.›</a:t>
+              <a:t>‹#›</a:t>
             </a:fld>
             <a:endParaRPr lang="de-DE"/>
           </a:p>
@@ -1310,7 +1312,7 @@
           <a:p>
             <a:fld id="{C0B7EBB8-4147-43FD-9509-4BE2F59CD7E9}" type="datetimeFigureOut">
               <a:rPr lang="de-DE" smtClean="0"/>
-              <a:t>06.12.2018</a:t>
+              <a:t>10.12.2018</a:t>
             </a:fld>
             <a:endParaRPr lang="de-DE"/>
           </a:p>
@@ -1364,7 +1366,7 @@
           <a:p>
             <a:fld id="{BD53F27A-5BF1-40F9-A240-2C738F6BA072}" type="slidenum">
               <a:rPr lang="de-DE" smtClean="0"/>
-              <a:t>‹Nr.›</a:t>
+              <a:t>‹#›</a:t>
             </a:fld>
             <a:endParaRPr lang="de-DE"/>
           </a:p>
@@ -1585,7 +1587,7 @@
           <a:p>
             <a:fld id="{C0B7EBB8-4147-43FD-9509-4BE2F59CD7E9}" type="datetimeFigureOut">
               <a:rPr lang="de-DE" smtClean="0"/>
-              <a:t>06.12.2018</a:t>
+              <a:t>10.12.2018</a:t>
             </a:fld>
             <a:endParaRPr lang="de-DE"/>
           </a:p>
@@ -1639,7 +1641,7 @@
           <a:p>
             <a:fld id="{BD53F27A-5BF1-40F9-A240-2C738F6BA072}" type="slidenum">
               <a:rPr lang="de-DE" smtClean="0"/>
-              <a:t>‹Nr.›</a:t>
+              <a:t>‹#›</a:t>
             </a:fld>
             <a:endParaRPr lang="de-DE"/>
           </a:p>
@@ -1850,7 +1852,7 @@
           <a:p>
             <a:fld id="{C0B7EBB8-4147-43FD-9509-4BE2F59CD7E9}" type="datetimeFigureOut">
               <a:rPr lang="de-DE" smtClean="0"/>
-              <a:t>06.12.2018</a:t>
+              <a:t>10.12.2018</a:t>
             </a:fld>
             <a:endParaRPr lang="de-DE"/>
           </a:p>
@@ -1904,7 +1906,7 @@
           <a:p>
             <a:fld id="{BD53F27A-5BF1-40F9-A240-2C738F6BA072}" type="slidenum">
               <a:rPr lang="de-DE" smtClean="0"/>
-              <a:t>‹Nr.›</a:t>
+              <a:t>‹#›</a:t>
             </a:fld>
             <a:endParaRPr lang="de-DE"/>
           </a:p>
@@ -2262,7 +2264,7 @@
           <a:p>
             <a:fld id="{C0B7EBB8-4147-43FD-9509-4BE2F59CD7E9}" type="datetimeFigureOut">
               <a:rPr lang="de-DE" smtClean="0"/>
-              <a:t>06.12.2018</a:t>
+              <a:t>10.12.2018</a:t>
             </a:fld>
             <a:endParaRPr lang="de-DE"/>
           </a:p>
@@ -2316,7 +2318,7 @@
           <a:p>
             <a:fld id="{BD53F27A-5BF1-40F9-A240-2C738F6BA072}" type="slidenum">
               <a:rPr lang="de-DE" smtClean="0"/>
-              <a:t>‹Nr.›</a:t>
+              <a:t>‹#›</a:t>
             </a:fld>
             <a:endParaRPr lang="de-DE"/>
           </a:p>
@@ -2403,7 +2405,7 @@
           <a:p>
             <a:fld id="{C0B7EBB8-4147-43FD-9509-4BE2F59CD7E9}" type="datetimeFigureOut">
               <a:rPr lang="de-DE" smtClean="0"/>
-              <a:t>06.12.2018</a:t>
+              <a:t>10.12.2018</a:t>
             </a:fld>
             <a:endParaRPr lang="de-DE"/>
           </a:p>
@@ -2457,7 +2459,7 @@
           <a:p>
             <a:fld id="{BD53F27A-5BF1-40F9-A240-2C738F6BA072}" type="slidenum">
               <a:rPr lang="de-DE" smtClean="0"/>
-              <a:t>‹Nr.›</a:t>
+              <a:t>‹#›</a:t>
             </a:fld>
             <a:endParaRPr lang="de-DE"/>
           </a:p>
@@ -2516,7 +2518,7 @@
           <a:p>
             <a:fld id="{C0B7EBB8-4147-43FD-9509-4BE2F59CD7E9}" type="datetimeFigureOut">
               <a:rPr lang="de-DE" smtClean="0"/>
-              <a:t>06.12.2018</a:t>
+              <a:t>10.12.2018</a:t>
             </a:fld>
             <a:endParaRPr lang="de-DE"/>
           </a:p>
@@ -2570,7 +2572,7 @@
           <a:p>
             <a:fld id="{BD53F27A-5BF1-40F9-A240-2C738F6BA072}" type="slidenum">
               <a:rPr lang="de-DE" smtClean="0"/>
-              <a:t>‹Nr.›</a:t>
+              <a:t>‹#›</a:t>
             </a:fld>
             <a:endParaRPr lang="de-DE"/>
           </a:p>
@@ -2827,7 +2829,7 @@
           <a:p>
             <a:fld id="{C0B7EBB8-4147-43FD-9509-4BE2F59CD7E9}" type="datetimeFigureOut">
               <a:rPr lang="de-DE" smtClean="0"/>
-              <a:t>06.12.2018</a:t>
+              <a:t>10.12.2018</a:t>
             </a:fld>
             <a:endParaRPr lang="de-DE"/>
           </a:p>
@@ -2881,7 +2883,7 @@
           <a:p>
             <a:fld id="{BD53F27A-5BF1-40F9-A240-2C738F6BA072}" type="slidenum">
               <a:rPr lang="de-DE" smtClean="0"/>
-              <a:t>‹Nr.›</a:t>
+              <a:t>‹#›</a:t>
             </a:fld>
             <a:endParaRPr lang="de-DE"/>
           </a:p>
@@ -3115,7 +3117,7 @@
           <a:p>
             <a:fld id="{C0B7EBB8-4147-43FD-9509-4BE2F59CD7E9}" type="datetimeFigureOut">
               <a:rPr lang="de-DE" smtClean="0"/>
-              <a:t>06.12.2018</a:t>
+              <a:t>10.12.2018</a:t>
             </a:fld>
             <a:endParaRPr lang="de-DE"/>
           </a:p>
@@ -3169,7 +3171,7 @@
           <a:p>
             <a:fld id="{BD53F27A-5BF1-40F9-A240-2C738F6BA072}" type="slidenum">
               <a:rPr lang="de-DE" smtClean="0"/>
-              <a:t>‹Nr.›</a:t>
+              <a:t>‹#›</a:t>
             </a:fld>
             <a:endParaRPr lang="de-DE"/>
           </a:p>
@@ -3356,7 +3358,7 @@
           <a:p>
             <a:fld id="{C0B7EBB8-4147-43FD-9509-4BE2F59CD7E9}" type="datetimeFigureOut">
               <a:rPr lang="de-DE" smtClean="0"/>
-              <a:t>06.12.2018</a:t>
+              <a:t>10.12.2018</a:t>
             </a:fld>
             <a:endParaRPr lang="de-DE"/>
           </a:p>
@@ -3446,7 +3448,7 @@
           <a:p>
             <a:fld id="{BD53F27A-5BF1-40F9-A240-2C738F6BA072}" type="slidenum">
               <a:rPr lang="de-DE" smtClean="0"/>
-              <a:t>‹Nr.›</a:t>
+              <a:t>‹#›</a:t>
             </a:fld>
             <a:endParaRPr lang="de-DE"/>
           </a:p>
@@ -3967,6 +3969,1755 @@
           <p:cNvPr id="2" name="Titel 1">
             <a:extLst>
               <a:ext uri="{FF2B5EF4-FFF2-40B4-BE49-F238E27FC236}">
+                <a16:creationId xmlns:a16="http://schemas.microsoft.com/office/drawing/2014/main" id="{9D44D46B-EA06-447C-AFB6-160680A203ED}"/>
+              </a:ext>
+            </a:extLst>
+          </p:cNvPr>
+          <p:cNvSpPr>
+            <a:spLocks noGrp="1"/>
+          </p:cNvSpPr>
+          <p:nvPr>
+            <p:ph type="title"/>
+          </p:nvPr>
+        </p:nvSpPr>
+        <p:spPr>
+          <a:xfrm>
+            <a:off x="838200" y="18255"/>
+            <a:ext cx="10515600" cy="1325563"/>
+          </a:xfrm>
+        </p:spPr>
+        <p:txBody>
+          <a:bodyPr/>
+          <a:lstStyle/>
+          <a:p>
+            <a:r>
+              <a:rPr lang="de-DE" dirty="0"/>
+              <a:t>Eingabe auswerten</a:t>
+            </a:r>
+          </a:p>
+        </p:txBody>
+      </p:sp>
+      <p:sp>
+        <p:nvSpPr>
+          <p:cNvPr id="3" name="Inhaltsplatzhalter 2">
+            <a:extLst>
+              <a:ext uri="{FF2B5EF4-FFF2-40B4-BE49-F238E27FC236}">
+                <a16:creationId xmlns:a16="http://schemas.microsoft.com/office/drawing/2014/main" id="{6D7E88EE-7F8F-4FCE-B3A5-A60E4DA71967}"/>
+              </a:ext>
+            </a:extLst>
+          </p:cNvPr>
+          <p:cNvSpPr>
+            <a:spLocks noGrp="1"/>
+          </p:cNvSpPr>
+          <p:nvPr>
+            <p:ph idx="1"/>
+          </p:nvPr>
+        </p:nvSpPr>
+        <p:spPr>
+          <a:xfrm>
+            <a:off x="838201" y="1825625"/>
+            <a:ext cx="3254406" cy="4351338"/>
+          </a:xfrm>
+        </p:spPr>
+        <p:txBody>
+          <a:bodyPr>
+            <a:noAutofit/>
+          </a:bodyPr>
+          <a:lstStyle/>
+          <a:p>
+            <a:pPr marL="0" indent="0">
+              <a:buNone/>
+            </a:pPr>
+            <a:r>
+              <a:rPr lang="de-DE" sz="2400" dirty="0">
+                <a:solidFill>
+                  <a:schemeClr val="bg2">
+                    <a:lumMod val="50000"/>
+                  </a:schemeClr>
+                </a:solidFill>
+              </a:rPr>
+              <a:t>; R2 = Schleifenzähler</a:t>
+            </a:r>
+          </a:p>
+          <a:p>
+            <a:pPr marL="0" indent="0">
+              <a:buNone/>
+            </a:pPr>
+            <a:r>
+              <a:rPr lang="de-DE" sz="2400" dirty="0">
+                <a:solidFill>
+                  <a:schemeClr val="accent1">
+                    <a:lumMod val="75000"/>
+                  </a:schemeClr>
+                </a:solidFill>
+              </a:rPr>
+              <a:t>MOV</a:t>
+            </a:r>
+            <a:r>
+              <a:rPr lang="de-DE" sz="2400" dirty="0"/>
+              <a:t> r2, #07h</a:t>
+            </a:r>
+          </a:p>
+          <a:p>
+            <a:pPr marL="0" indent="0">
+              <a:buNone/>
+            </a:pPr>
+            <a:endParaRPr lang="de-DE" sz="2400" dirty="0"/>
+          </a:p>
+          <a:p>
+            <a:pPr marL="0" indent="0">
+              <a:buNone/>
+            </a:pPr>
+            <a:r>
+              <a:rPr lang="de-DE" sz="2400" dirty="0">
+                <a:solidFill>
+                  <a:schemeClr val="accent4">
+                    <a:lumMod val="75000"/>
+                  </a:schemeClr>
+                </a:solidFill>
+              </a:rPr>
+              <a:t>vergleich:</a:t>
+            </a:r>
+          </a:p>
+          <a:p>
+            <a:pPr marL="0" indent="0">
+              <a:buNone/>
+            </a:pPr>
+            <a:r>
+              <a:rPr lang="de-DE" sz="2400" dirty="0">
+                <a:solidFill>
+                  <a:schemeClr val="accent1">
+                    <a:lumMod val="75000"/>
+                  </a:schemeClr>
+                </a:solidFill>
+              </a:rPr>
+              <a:t>MOV a, </a:t>
+            </a:r>
+            <a:r>
+              <a:rPr lang="de-DE" sz="2400" dirty="0">
+                <a:solidFill>
+                  <a:srgbClr val="FFC000"/>
+                </a:solidFill>
+              </a:rPr>
+              <a:t>#SPIELER1</a:t>
+            </a:r>
+          </a:p>
+          <a:p>
+            <a:pPr marL="0" indent="0">
+              <a:buNone/>
+            </a:pPr>
+            <a:r>
+              <a:rPr lang="de-DE" sz="2400" dirty="0">
+                <a:solidFill>
+                  <a:schemeClr val="accent1">
+                    <a:lumMod val="75000"/>
+                  </a:schemeClr>
+                </a:solidFill>
+              </a:rPr>
+              <a:t>ADD a, r2</a:t>
+            </a:r>
+          </a:p>
+          <a:p>
+            <a:pPr marL="0" indent="0">
+              <a:buNone/>
+            </a:pPr>
+            <a:r>
+              <a:rPr lang="de-DE" sz="2400" dirty="0">
+                <a:solidFill>
+                  <a:schemeClr val="accent1">
+                    <a:lumMod val="75000"/>
+                  </a:schemeClr>
+                </a:solidFill>
+              </a:rPr>
+              <a:t>MOV r0, a</a:t>
+            </a:r>
+          </a:p>
+          <a:p>
+            <a:pPr marL="0" indent="0">
+              <a:buNone/>
+            </a:pPr>
+            <a:r>
+              <a:rPr lang="de-DE" sz="2400" dirty="0">
+                <a:solidFill>
+                  <a:schemeClr val="accent1">
+                    <a:lumMod val="75000"/>
+                  </a:schemeClr>
+                </a:solidFill>
+              </a:rPr>
+              <a:t>MOV a, @R0</a:t>
+            </a:r>
+          </a:p>
+          <a:p>
+            <a:pPr marL="0" indent="0">
+              <a:buNone/>
+            </a:pPr>
+            <a:r>
+              <a:rPr lang="de-DE" sz="2400" dirty="0">
+                <a:solidFill>
+                  <a:schemeClr val="accent1">
+                    <a:lumMod val="75000"/>
+                  </a:schemeClr>
+                </a:solidFill>
+              </a:rPr>
+              <a:t>ANL a, r3</a:t>
+            </a:r>
+          </a:p>
+          <a:p>
+            <a:pPr marL="0" indent="0">
+              <a:buNone/>
+            </a:pPr>
+            <a:r>
+              <a:rPr lang="de-DE" sz="2400" dirty="0">
+                <a:solidFill>
+                  <a:schemeClr val="accent1">
+                    <a:lumMod val="75000"/>
+                  </a:schemeClr>
+                </a:solidFill>
+              </a:rPr>
+              <a:t>MOV r1, a</a:t>
+            </a:r>
+          </a:p>
+          <a:p>
+            <a:pPr marL="0" indent="0">
+              <a:buNone/>
+            </a:pPr>
+            <a:endParaRPr lang="de-DE" sz="2400" dirty="0"/>
+          </a:p>
+          <a:p>
+            <a:pPr marL="0" indent="0">
+              <a:buNone/>
+            </a:pPr>
+            <a:endParaRPr lang="de-DE" sz="2400" dirty="0"/>
+          </a:p>
+          <a:p>
+            <a:endParaRPr lang="de-DE" sz="2400" dirty="0"/>
+          </a:p>
+        </p:txBody>
+      </p:sp>
+      <p:sp>
+        <p:nvSpPr>
+          <p:cNvPr id="4" name="Textfeld 3">
+            <a:extLst>
+              <a:ext uri="{FF2B5EF4-FFF2-40B4-BE49-F238E27FC236}">
+                <a16:creationId xmlns:a16="http://schemas.microsoft.com/office/drawing/2014/main" id="{4B9B6400-B3C2-4204-8EE5-77772B1F7191}"/>
+              </a:ext>
+            </a:extLst>
+          </p:cNvPr>
+          <p:cNvSpPr txBox="1"/>
+          <p:nvPr/>
+        </p:nvSpPr>
+        <p:spPr>
+          <a:xfrm>
+            <a:off x="4643022" y="1786939"/>
+            <a:ext cx="3456373" cy="4893647"/>
+          </a:xfrm>
+          <a:prstGeom prst="rect">
+            <a:avLst/>
+          </a:prstGeom>
+          <a:noFill/>
+        </p:spPr>
+        <p:txBody>
+          <a:bodyPr wrap="square" rtlCol="0">
+            <a:spAutoFit/>
+          </a:bodyPr>
+          <a:lstStyle/>
+          <a:p>
+            <a:r>
+              <a:rPr lang="de-DE" sz="2400" dirty="0">
+                <a:solidFill>
+                  <a:schemeClr val="accent1">
+                    <a:lumMod val="75000"/>
+                  </a:schemeClr>
+                </a:solidFill>
+              </a:rPr>
+              <a:t>MOV</a:t>
+            </a:r>
+            <a:r>
+              <a:rPr lang="de-DE" sz="2400" dirty="0"/>
+              <a:t> </a:t>
+            </a:r>
+            <a:r>
+              <a:rPr lang="de-DE" sz="2400" dirty="0">
+                <a:solidFill>
+                  <a:schemeClr val="accent1">
+                    <a:lumMod val="75000"/>
+                  </a:schemeClr>
+                </a:solidFill>
+              </a:rPr>
+              <a:t>a</a:t>
+            </a:r>
+            <a:r>
+              <a:rPr lang="de-DE" sz="2400" dirty="0"/>
+              <a:t>, </a:t>
+            </a:r>
+            <a:r>
+              <a:rPr lang="de-DE" sz="2400" dirty="0">
+                <a:solidFill>
+                  <a:srgbClr val="FFC000"/>
+                </a:solidFill>
+              </a:rPr>
+              <a:t>#SPIELER2</a:t>
+            </a:r>
+          </a:p>
+          <a:p>
+            <a:r>
+              <a:rPr lang="de-DE" sz="2400" dirty="0">
+                <a:solidFill>
+                  <a:schemeClr val="accent1">
+                    <a:lumMod val="75000"/>
+                  </a:schemeClr>
+                </a:solidFill>
+              </a:rPr>
+              <a:t>ADD a, r2</a:t>
+            </a:r>
+          </a:p>
+          <a:p>
+            <a:r>
+              <a:rPr lang="de-DE" sz="2400" dirty="0">
+                <a:solidFill>
+                  <a:schemeClr val="accent1">
+                    <a:lumMod val="75000"/>
+                  </a:schemeClr>
+                </a:solidFill>
+              </a:rPr>
+              <a:t>MOV r0, a</a:t>
+            </a:r>
+          </a:p>
+          <a:p>
+            <a:r>
+              <a:rPr lang="de-DE" sz="2400" dirty="0">
+                <a:solidFill>
+                  <a:schemeClr val="accent1">
+                    <a:lumMod val="75000"/>
+                  </a:schemeClr>
+                </a:solidFill>
+              </a:rPr>
+              <a:t>MOV a, @R0</a:t>
+            </a:r>
+          </a:p>
+          <a:p>
+            <a:r>
+              <a:rPr lang="de-DE" sz="2400" dirty="0">
+                <a:solidFill>
+                  <a:schemeClr val="accent1">
+                    <a:lumMod val="75000"/>
+                  </a:schemeClr>
+                </a:solidFill>
+              </a:rPr>
+              <a:t>ANL a, r3</a:t>
+            </a:r>
+          </a:p>
+          <a:p>
+            <a:endParaRPr lang="de-DE" sz="2400" dirty="0"/>
+          </a:p>
+          <a:p>
+            <a:r>
+              <a:rPr lang="de-DE" sz="2400" dirty="0">
+                <a:solidFill>
+                  <a:schemeClr val="accent1">
+                    <a:lumMod val="75000"/>
+                  </a:schemeClr>
+                </a:solidFill>
+              </a:rPr>
+              <a:t>ORL a, r1</a:t>
+            </a:r>
+          </a:p>
+          <a:p>
+            <a:r>
+              <a:rPr lang="de-DE" sz="2400" dirty="0">
+                <a:solidFill>
+                  <a:schemeClr val="bg2">
+                    <a:lumMod val="50000"/>
+                  </a:schemeClr>
+                </a:solidFill>
+              </a:rPr>
+              <a:t>; Wir können einfügen</a:t>
+            </a:r>
+          </a:p>
+          <a:p>
+            <a:r>
+              <a:rPr lang="de-DE" sz="2400" dirty="0">
+                <a:solidFill>
+                  <a:schemeClr val="accent1">
+                    <a:lumMod val="75000"/>
+                  </a:schemeClr>
+                </a:solidFill>
+              </a:rPr>
+              <a:t>JZ </a:t>
+            </a:r>
+            <a:r>
+              <a:rPr lang="de-DE" sz="2400" dirty="0" err="1">
+                <a:solidFill>
+                  <a:srgbClr val="00B050"/>
+                </a:solidFill>
+              </a:rPr>
+              <a:t>einfuegen</a:t>
+            </a:r>
+            <a:endParaRPr lang="de-DE" sz="2400" dirty="0">
+              <a:solidFill>
+                <a:srgbClr val="00B050"/>
+              </a:solidFill>
+            </a:endParaRPr>
+          </a:p>
+          <a:p>
+            <a:r>
+              <a:rPr lang="de-DE" sz="2400" dirty="0">
+                <a:solidFill>
+                  <a:schemeClr val="bg2">
+                    <a:lumMod val="50000"/>
+                  </a:schemeClr>
+                </a:solidFill>
+              </a:rPr>
+              <a:t>; Schleifenabbruch</a:t>
+            </a:r>
+          </a:p>
+          <a:p>
+            <a:r>
+              <a:rPr lang="de-DE" sz="2400" dirty="0">
+                <a:solidFill>
+                  <a:schemeClr val="accent1">
+                    <a:lumMod val="75000"/>
+                  </a:schemeClr>
+                </a:solidFill>
+              </a:rPr>
+              <a:t>MOV</a:t>
+            </a:r>
+            <a:r>
+              <a:rPr lang="de-DE" sz="2400" dirty="0"/>
+              <a:t> </a:t>
+            </a:r>
+            <a:r>
+              <a:rPr lang="de-DE" sz="2400" dirty="0">
+                <a:solidFill>
+                  <a:schemeClr val="accent1">
+                    <a:lumMod val="75000"/>
+                  </a:schemeClr>
+                </a:solidFill>
+              </a:rPr>
+              <a:t>a, r2</a:t>
+            </a:r>
+          </a:p>
+          <a:p>
+            <a:r>
+              <a:rPr lang="de-DE" sz="2400" dirty="0">
+                <a:solidFill>
+                  <a:schemeClr val="accent1">
+                    <a:lumMod val="75000"/>
+                  </a:schemeClr>
+                </a:solidFill>
+              </a:rPr>
+              <a:t>JZ </a:t>
+            </a:r>
+            <a:r>
+              <a:rPr lang="de-DE" sz="2400" dirty="0" err="1">
+                <a:solidFill>
+                  <a:srgbClr val="00B050"/>
+                </a:solidFill>
+              </a:rPr>
+              <a:t>eingabe_fertig</a:t>
+            </a:r>
+            <a:endParaRPr lang="de-DE" sz="2400" dirty="0">
+              <a:solidFill>
+                <a:srgbClr val="00B050"/>
+              </a:solidFill>
+            </a:endParaRPr>
+          </a:p>
+          <a:p>
+            <a:endParaRPr lang="de-DE" sz="2400" dirty="0"/>
+          </a:p>
+        </p:txBody>
+      </p:sp>
+      <p:sp>
+        <p:nvSpPr>
+          <p:cNvPr id="5" name="Textfeld 4">
+            <a:extLst>
+              <a:ext uri="{FF2B5EF4-FFF2-40B4-BE49-F238E27FC236}">
+                <a16:creationId xmlns:a16="http://schemas.microsoft.com/office/drawing/2014/main" id="{F1273E93-ADBB-405F-A76D-1E11EAFFC0BF}"/>
+              </a:ext>
+            </a:extLst>
+          </p:cNvPr>
+          <p:cNvSpPr txBox="1"/>
+          <p:nvPr/>
+        </p:nvSpPr>
+        <p:spPr>
+          <a:xfrm>
+            <a:off x="8487052" y="1825625"/>
+            <a:ext cx="3542190" cy="3785652"/>
+          </a:xfrm>
+          <a:prstGeom prst="rect">
+            <a:avLst/>
+          </a:prstGeom>
+          <a:noFill/>
+        </p:spPr>
+        <p:txBody>
+          <a:bodyPr wrap="square" rtlCol="0">
+            <a:spAutoFit/>
+          </a:bodyPr>
+          <a:lstStyle/>
+          <a:p>
+            <a:r>
+              <a:rPr lang="de-DE" sz="2400" dirty="0">
+                <a:solidFill>
+                  <a:schemeClr val="accent1">
+                    <a:lumMod val="75000"/>
+                  </a:schemeClr>
+                </a:solidFill>
+              </a:rPr>
+              <a:t>DEC r2</a:t>
+            </a:r>
+          </a:p>
+          <a:p>
+            <a:r>
+              <a:rPr lang="de-DE" sz="2400" dirty="0">
+                <a:solidFill>
+                  <a:schemeClr val="accent1">
+                    <a:lumMod val="75000"/>
+                  </a:schemeClr>
+                </a:solidFill>
+              </a:rPr>
+              <a:t>JMP </a:t>
+            </a:r>
+            <a:r>
+              <a:rPr lang="de-DE" sz="2400" dirty="0">
+                <a:solidFill>
+                  <a:srgbClr val="00B050"/>
+                </a:solidFill>
+              </a:rPr>
+              <a:t>vergleich</a:t>
+            </a:r>
+          </a:p>
+          <a:p>
+            <a:endParaRPr lang="de-DE" sz="2400" dirty="0"/>
+          </a:p>
+          <a:p>
+            <a:r>
+              <a:rPr lang="de-DE" sz="2400" dirty="0" err="1">
+                <a:solidFill>
+                  <a:schemeClr val="accent4">
+                    <a:lumMod val="75000"/>
+                  </a:schemeClr>
+                </a:solidFill>
+              </a:rPr>
+              <a:t>einfuegen</a:t>
+            </a:r>
+            <a:r>
+              <a:rPr lang="de-DE" sz="2400" dirty="0">
+                <a:solidFill>
+                  <a:schemeClr val="accent4">
+                    <a:lumMod val="75000"/>
+                  </a:schemeClr>
+                </a:solidFill>
+              </a:rPr>
+              <a:t>:</a:t>
+            </a:r>
+          </a:p>
+          <a:p>
+            <a:r>
+              <a:rPr lang="de-DE" sz="2400" dirty="0">
+                <a:solidFill>
+                  <a:schemeClr val="accent1">
+                    <a:lumMod val="75000"/>
+                  </a:schemeClr>
+                </a:solidFill>
+              </a:rPr>
+              <a:t>MOV a, </a:t>
+            </a:r>
+            <a:r>
+              <a:rPr lang="de-DE" sz="2400" dirty="0">
+                <a:solidFill>
+                  <a:srgbClr val="00B050"/>
+                </a:solidFill>
+              </a:rPr>
+              <a:t>AKTIVERSPIELER</a:t>
+            </a:r>
+          </a:p>
+          <a:p>
+            <a:r>
+              <a:rPr lang="de-DE" sz="2400" dirty="0">
+                <a:solidFill>
+                  <a:schemeClr val="accent1">
+                    <a:lumMod val="75000"/>
+                  </a:schemeClr>
+                </a:solidFill>
+              </a:rPr>
+              <a:t>ADD a, r2</a:t>
+            </a:r>
+          </a:p>
+          <a:p>
+            <a:r>
+              <a:rPr lang="de-DE" sz="2400" dirty="0">
+                <a:solidFill>
+                  <a:schemeClr val="accent1">
+                    <a:lumMod val="75000"/>
+                  </a:schemeClr>
+                </a:solidFill>
+              </a:rPr>
+              <a:t>MOV r0, a</a:t>
+            </a:r>
+          </a:p>
+          <a:p>
+            <a:r>
+              <a:rPr lang="de-DE" sz="2400" dirty="0">
+                <a:solidFill>
+                  <a:schemeClr val="accent1">
+                    <a:lumMod val="75000"/>
+                  </a:schemeClr>
+                </a:solidFill>
+              </a:rPr>
+              <a:t>MOV a, @r0</a:t>
+            </a:r>
+          </a:p>
+          <a:p>
+            <a:r>
+              <a:rPr lang="de-DE" sz="2400" dirty="0">
+                <a:solidFill>
+                  <a:schemeClr val="accent1">
+                    <a:lumMod val="75000"/>
+                  </a:schemeClr>
+                </a:solidFill>
+              </a:rPr>
+              <a:t>ORL a, r3</a:t>
+            </a:r>
+          </a:p>
+          <a:p>
+            <a:r>
+              <a:rPr lang="de-DE" sz="2400" dirty="0">
+                <a:solidFill>
+                  <a:schemeClr val="accent1">
+                    <a:lumMod val="75000"/>
+                  </a:schemeClr>
+                </a:solidFill>
+              </a:rPr>
+              <a:t>MOV @r0, a</a:t>
+            </a:r>
+          </a:p>
+        </p:txBody>
+      </p:sp>
+    </p:spTree>
+    <p:extLst>
+      <p:ext uri="{BB962C8B-B14F-4D97-AF65-F5344CB8AC3E}">
+        <p14:creationId xmlns:p14="http://schemas.microsoft.com/office/powerpoint/2010/main" val="754373753"/>
+      </p:ext>
+    </p:extLst>
+  </p:cSld>
+  <p:clrMapOvr>
+    <a:masterClrMapping/>
+  </p:clrMapOvr>
+</p:sld>
+</file>
+
+<file path=ppt/slides/slide11.xml><?xml version="1.0" encoding="utf-8"?>
+<p:sld xmlns:a="http://schemas.openxmlformats.org/drawingml/2006/main" xmlns:r="http://schemas.openxmlformats.org/officeDocument/2006/relationships" xmlns:p="http://schemas.openxmlformats.org/presentationml/2006/main">
+  <p:cSld>
+    <p:spTree>
+      <p:nvGrpSpPr>
+        <p:cNvPr id="1" name=""/>
+        <p:cNvGrpSpPr/>
+        <p:nvPr/>
+      </p:nvGrpSpPr>
+      <p:grpSpPr>
+        <a:xfrm>
+          <a:off x="0" y="0"/>
+          <a:ext cx="0" cy="0"/>
+          <a:chOff x="0" y="0"/>
+          <a:chExt cx="0" cy="0"/>
+        </a:xfrm>
+      </p:grpSpPr>
+      <p:sp>
+        <p:nvSpPr>
+          <p:cNvPr id="2" name="Titel 1">
+            <a:extLst>
+              <a:ext uri="{FF2B5EF4-FFF2-40B4-BE49-F238E27FC236}">
+                <a16:creationId xmlns:a16="http://schemas.microsoft.com/office/drawing/2014/main" id="{9D44D46B-EA06-447C-AFB6-160680A203ED}"/>
+              </a:ext>
+            </a:extLst>
+          </p:cNvPr>
+          <p:cNvSpPr>
+            <a:spLocks noGrp="1"/>
+          </p:cNvSpPr>
+          <p:nvPr>
+            <p:ph type="title"/>
+          </p:nvPr>
+        </p:nvSpPr>
+        <p:spPr>
+          <a:xfrm>
+            <a:off x="838200" y="18255"/>
+            <a:ext cx="10515600" cy="1325563"/>
+          </a:xfrm>
+        </p:spPr>
+        <p:txBody>
+          <a:bodyPr/>
+          <a:lstStyle/>
+          <a:p>
+            <a:r>
+              <a:rPr lang="de-DE"/>
+              <a:t>Gewonnen?</a:t>
+            </a:r>
+            <a:endParaRPr lang="de-DE" dirty="0"/>
+          </a:p>
+        </p:txBody>
+      </p:sp>
+      <p:sp>
+        <p:nvSpPr>
+          <p:cNvPr id="3" name="Inhaltsplatzhalter 2">
+            <a:extLst>
+              <a:ext uri="{FF2B5EF4-FFF2-40B4-BE49-F238E27FC236}">
+                <a16:creationId xmlns:a16="http://schemas.microsoft.com/office/drawing/2014/main" id="{6D7E88EE-7F8F-4FCE-B3A5-A60E4DA71967}"/>
+              </a:ext>
+            </a:extLst>
+          </p:cNvPr>
+          <p:cNvSpPr>
+            <a:spLocks noGrp="1"/>
+          </p:cNvSpPr>
+          <p:nvPr>
+            <p:ph idx="1"/>
+          </p:nvPr>
+        </p:nvSpPr>
+        <p:spPr>
+          <a:xfrm>
+            <a:off x="684291" y="976186"/>
+            <a:ext cx="3679479" cy="5863559"/>
+          </a:xfrm>
+        </p:spPr>
+        <p:txBody>
+          <a:bodyPr>
+            <a:noAutofit/>
+          </a:bodyPr>
+          <a:lstStyle/>
+          <a:p>
+            <a:pPr marL="0" indent="0">
+              <a:buNone/>
+            </a:pPr>
+            <a:r>
+              <a:rPr lang="de-DE" sz="2400" dirty="0">
+                <a:solidFill>
+                  <a:schemeClr val="bg2">
+                    <a:lumMod val="50000"/>
+                  </a:schemeClr>
+                </a:solidFill>
+              </a:rPr>
+              <a:t>; R2 =&gt; eingefügte Reihe</a:t>
+            </a:r>
+          </a:p>
+          <a:p>
+            <a:pPr marL="0" indent="0">
+              <a:buNone/>
+            </a:pPr>
+            <a:r>
+              <a:rPr lang="de-DE" sz="2400" dirty="0" err="1">
+                <a:solidFill>
+                  <a:schemeClr val="accent4">
+                    <a:lumMod val="75000"/>
+                  </a:schemeClr>
+                </a:solidFill>
+              </a:rPr>
+              <a:t>spielstand_horiz</a:t>
+            </a:r>
+            <a:r>
+              <a:rPr lang="de-DE" sz="2400" dirty="0">
+                <a:solidFill>
+                  <a:schemeClr val="accent4">
+                    <a:lumMod val="75000"/>
+                  </a:schemeClr>
+                </a:solidFill>
+              </a:rPr>
+              <a:t>:</a:t>
+            </a:r>
+            <a:endParaRPr lang="de-DE" sz="2400" dirty="0"/>
+          </a:p>
+          <a:p>
+            <a:pPr marL="0" indent="0">
+              <a:buNone/>
+            </a:pPr>
+            <a:r>
+              <a:rPr lang="de-DE" sz="2400" dirty="0">
+                <a:solidFill>
+                  <a:schemeClr val="accent1">
+                    <a:lumMod val="75000"/>
+                  </a:schemeClr>
+                </a:solidFill>
+              </a:rPr>
+              <a:t>MOV a, </a:t>
+            </a:r>
+            <a:r>
+              <a:rPr lang="de-DE" sz="2400" dirty="0" err="1">
+                <a:solidFill>
+                  <a:srgbClr val="00B050"/>
+                </a:solidFill>
+              </a:rPr>
+              <a:t>aktiverspieler</a:t>
+            </a:r>
+            <a:endParaRPr lang="de-DE" sz="2400" dirty="0">
+              <a:solidFill>
+                <a:srgbClr val="00B050"/>
+              </a:solidFill>
+            </a:endParaRPr>
+          </a:p>
+          <a:p>
+            <a:pPr marL="0" indent="0">
+              <a:buNone/>
+            </a:pPr>
+            <a:r>
+              <a:rPr lang="de-DE" sz="2400" dirty="0">
+                <a:solidFill>
+                  <a:schemeClr val="accent1">
+                    <a:lumMod val="75000"/>
+                  </a:schemeClr>
+                </a:solidFill>
+              </a:rPr>
+              <a:t>ADD a, R2</a:t>
+            </a:r>
+          </a:p>
+          <a:p>
+            <a:pPr marL="0" indent="0">
+              <a:buNone/>
+            </a:pPr>
+            <a:r>
+              <a:rPr lang="de-DE" sz="2400" dirty="0">
+                <a:solidFill>
+                  <a:schemeClr val="accent1">
+                    <a:lumMod val="75000"/>
+                  </a:schemeClr>
+                </a:solidFill>
+              </a:rPr>
+              <a:t>MOV R0, a</a:t>
+            </a:r>
+          </a:p>
+          <a:p>
+            <a:pPr marL="0" indent="0">
+              <a:buNone/>
+            </a:pPr>
+            <a:r>
+              <a:rPr lang="de-DE" sz="2400" dirty="0">
+                <a:solidFill>
+                  <a:schemeClr val="accent1">
+                    <a:lumMod val="75000"/>
+                  </a:schemeClr>
+                </a:solidFill>
+              </a:rPr>
+              <a:t>MOV a, @R0</a:t>
+            </a:r>
+          </a:p>
+          <a:p>
+            <a:pPr marL="0" indent="0">
+              <a:buNone/>
+            </a:pPr>
+            <a:r>
+              <a:rPr lang="de-DE" sz="2400" dirty="0">
+                <a:solidFill>
+                  <a:schemeClr val="accent1">
+                    <a:lumMod val="75000"/>
+                  </a:schemeClr>
+                </a:solidFill>
+              </a:rPr>
+              <a:t>MOV R1, a</a:t>
+            </a:r>
+          </a:p>
+          <a:p>
+            <a:pPr marL="0" indent="0">
+              <a:buNone/>
+            </a:pPr>
+            <a:endParaRPr lang="de-DE" sz="2400" dirty="0"/>
+          </a:p>
+          <a:p>
+            <a:pPr marL="0" indent="0">
+              <a:buNone/>
+            </a:pPr>
+            <a:r>
+              <a:rPr lang="de-DE" sz="2400" dirty="0">
+                <a:solidFill>
+                  <a:schemeClr val="accent1">
+                    <a:lumMod val="75000"/>
+                  </a:schemeClr>
+                </a:solidFill>
+              </a:rPr>
+              <a:t>MOV a, R1</a:t>
+            </a:r>
+          </a:p>
+          <a:p>
+            <a:pPr marL="0" indent="0">
+              <a:buNone/>
+            </a:pPr>
+            <a:r>
+              <a:rPr lang="de-DE" sz="2400" dirty="0">
+                <a:solidFill>
+                  <a:schemeClr val="accent1">
+                    <a:lumMod val="75000"/>
+                  </a:schemeClr>
+                </a:solidFill>
+              </a:rPr>
+              <a:t>ANL a,</a:t>
+            </a:r>
+            <a:r>
+              <a:rPr lang="de-DE" sz="2400" dirty="0"/>
+              <a:t> </a:t>
+            </a:r>
+            <a:r>
+              <a:rPr lang="de-DE" sz="2400" dirty="0">
+                <a:solidFill>
+                  <a:schemeClr val="accent1">
+                    <a:lumMod val="60000"/>
+                    <a:lumOff val="40000"/>
+                  </a:schemeClr>
+                </a:solidFill>
+              </a:rPr>
+              <a:t>#15d [ - #240d] </a:t>
+            </a:r>
+          </a:p>
+          <a:p>
+            <a:pPr marL="0" indent="0">
+              <a:buNone/>
+            </a:pPr>
+            <a:r>
+              <a:rPr lang="de-DE" sz="2400" dirty="0">
+                <a:solidFill>
+                  <a:schemeClr val="accent1">
+                    <a:lumMod val="75000"/>
+                  </a:schemeClr>
+                </a:solidFill>
+              </a:rPr>
+              <a:t>CLR c</a:t>
+            </a:r>
+          </a:p>
+          <a:p>
+            <a:pPr marL="0" indent="0">
+              <a:buNone/>
+            </a:pPr>
+            <a:r>
+              <a:rPr lang="de-DE" sz="2400" dirty="0">
+                <a:solidFill>
+                  <a:schemeClr val="accent1">
+                    <a:lumMod val="75000"/>
+                  </a:schemeClr>
+                </a:solidFill>
+              </a:rPr>
+              <a:t>SUBB a, </a:t>
+            </a:r>
+            <a:r>
+              <a:rPr lang="de-DE" sz="2400" dirty="0">
+                <a:solidFill>
+                  <a:schemeClr val="accent1">
+                    <a:lumMod val="60000"/>
+                    <a:lumOff val="40000"/>
+                  </a:schemeClr>
+                </a:solidFill>
+              </a:rPr>
+              <a:t>#15d [ - #240d] </a:t>
+            </a:r>
+          </a:p>
+          <a:p>
+            <a:pPr marL="0" indent="0">
+              <a:buNone/>
+            </a:pPr>
+            <a:r>
+              <a:rPr lang="de-DE" sz="2400" dirty="0">
+                <a:solidFill>
+                  <a:schemeClr val="accent1">
+                    <a:lumMod val="75000"/>
+                  </a:schemeClr>
+                </a:solidFill>
+              </a:rPr>
+              <a:t>JZ </a:t>
+            </a:r>
+            <a:r>
+              <a:rPr lang="de-DE" sz="2400" dirty="0" err="1">
+                <a:solidFill>
+                  <a:schemeClr val="accent1">
+                    <a:lumMod val="75000"/>
+                  </a:schemeClr>
+                </a:solidFill>
+              </a:rPr>
+              <a:t>win</a:t>
+            </a:r>
+            <a:endParaRPr lang="de-DE" sz="2400" dirty="0">
+              <a:solidFill>
+                <a:schemeClr val="accent1">
+                  <a:lumMod val="75000"/>
+                </a:schemeClr>
+              </a:solidFill>
+            </a:endParaRPr>
+          </a:p>
+        </p:txBody>
+      </p:sp>
+      <p:sp>
+        <p:nvSpPr>
+          <p:cNvPr id="4" name="TextBox 3">
+            <a:extLst>
+              <a:ext uri="{FF2B5EF4-FFF2-40B4-BE49-F238E27FC236}">
+                <a16:creationId xmlns:a16="http://schemas.microsoft.com/office/drawing/2014/main" id="{8A16E753-75C3-43F7-B7B8-2419B2D31775}"/>
+              </a:ext>
+            </a:extLst>
+          </p:cNvPr>
+          <p:cNvSpPr txBox="1"/>
+          <p:nvPr/>
+        </p:nvSpPr>
+        <p:spPr>
+          <a:xfrm>
+            <a:off x="4517679" y="994441"/>
+            <a:ext cx="3194685" cy="5863559"/>
+          </a:xfrm>
+          <a:prstGeom prst="rect">
+            <a:avLst/>
+          </a:prstGeom>
+        </p:spPr>
+        <p:txBody>
+          <a:bodyPr vert="horz" lIns="91440" tIns="45720" rIns="91440" bIns="45720" rtlCol="0">
+            <a:noAutofit/>
+          </a:bodyPr>
+          <a:lstStyle>
+            <a:lvl1pPr indent="0">
+              <a:lnSpc>
+                <a:spcPct val="90000"/>
+              </a:lnSpc>
+              <a:spcBef>
+                <a:spcPts val="1000"/>
+              </a:spcBef>
+              <a:buFont typeface="Arial" panose="020B0604020202020204" pitchFamily="34" charset="0"/>
+              <a:buNone/>
+              <a:defRPr sz="2400">
+                <a:solidFill>
+                  <a:schemeClr val="bg2">
+                    <a:lumMod val="50000"/>
+                  </a:schemeClr>
+                </a:solidFill>
+              </a:defRPr>
+            </a:lvl1pPr>
+            <a:lvl2pPr marL="685800" indent="-228600">
+              <a:lnSpc>
+                <a:spcPct val="90000"/>
+              </a:lnSpc>
+              <a:spcBef>
+                <a:spcPts val="500"/>
+              </a:spcBef>
+              <a:buFont typeface="Arial" panose="020B0604020202020204" pitchFamily="34" charset="0"/>
+              <a:buChar char="•"/>
+              <a:defRPr sz="2400"/>
+            </a:lvl2pPr>
+            <a:lvl3pPr marL="1143000" indent="-228600">
+              <a:lnSpc>
+                <a:spcPct val="90000"/>
+              </a:lnSpc>
+              <a:spcBef>
+                <a:spcPts val="500"/>
+              </a:spcBef>
+              <a:buFont typeface="Arial" panose="020B0604020202020204" pitchFamily="34" charset="0"/>
+              <a:buChar char="•"/>
+              <a:defRPr sz="2000"/>
+            </a:lvl3pPr>
+            <a:lvl4pPr marL="1600200" indent="-228600">
+              <a:lnSpc>
+                <a:spcPct val="90000"/>
+              </a:lnSpc>
+              <a:spcBef>
+                <a:spcPts val="500"/>
+              </a:spcBef>
+              <a:buFont typeface="Arial" panose="020B0604020202020204" pitchFamily="34" charset="0"/>
+              <a:buChar char="•"/>
+            </a:lvl4pPr>
+            <a:lvl5pPr marL="2057400" indent="-228600">
+              <a:lnSpc>
+                <a:spcPct val="90000"/>
+              </a:lnSpc>
+              <a:spcBef>
+                <a:spcPts val="500"/>
+              </a:spcBef>
+              <a:buFont typeface="Arial" panose="020B0604020202020204" pitchFamily="34" charset="0"/>
+              <a:buChar char="•"/>
+            </a:lvl5pPr>
+            <a:lvl6pPr marL="2514600" indent="-228600">
+              <a:lnSpc>
+                <a:spcPct val="90000"/>
+              </a:lnSpc>
+              <a:spcBef>
+                <a:spcPts val="500"/>
+              </a:spcBef>
+              <a:buFont typeface="Arial" panose="020B0604020202020204" pitchFamily="34" charset="0"/>
+              <a:buChar char="•"/>
+            </a:lvl6pPr>
+            <a:lvl7pPr marL="2971800" indent="-228600">
+              <a:lnSpc>
+                <a:spcPct val="90000"/>
+              </a:lnSpc>
+              <a:spcBef>
+                <a:spcPts val="500"/>
+              </a:spcBef>
+              <a:buFont typeface="Arial" panose="020B0604020202020204" pitchFamily="34" charset="0"/>
+              <a:buChar char="•"/>
+            </a:lvl7pPr>
+            <a:lvl8pPr marL="3429000" indent="-228600">
+              <a:lnSpc>
+                <a:spcPct val="90000"/>
+              </a:lnSpc>
+              <a:spcBef>
+                <a:spcPts val="500"/>
+              </a:spcBef>
+              <a:buFont typeface="Arial" panose="020B0604020202020204" pitchFamily="34" charset="0"/>
+              <a:buChar char="•"/>
+            </a:lvl8pPr>
+            <a:lvl9pPr marL="3886200" indent="-228600">
+              <a:lnSpc>
+                <a:spcPct val="90000"/>
+              </a:lnSpc>
+              <a:spcBef>
+                <a:spcPts val="500"/>
+              </a:spcBef>
+              <a:buFont typeface="Arial" panose="020B0604020202020204" pitchFamily="34" charset="0"/>
+              <a:buChar char="•"/>
+            </a:lvl9pPr>
+          </a:lstStyle>
+          <a:p>
+            <a:r>
+              <a:rPr lang="de-DE" dirty="0"/>
+              <a:t>; R2 =&gt; eingefügte Reihe</a:t>
+            </a:r>
+          </a:p>
+          <a:p>
+            <a:r>
+              <a:rPr lang="de-DE" dirty="0" err="1">
+                <a:solidFill>
+                  <a:schemeClr val="accent4">
+                    <a:lumMod val="75000"/>
+                  </a:schemeClr>
+                </a:solidFill>
+              </a:rPr>
+              <a:t>spielstand_vert</a:t>
+            </a:r>
+            <a:r>
+              <a:rPr lang="de-DE" dirty="0">
+                <a:solidFill>
+                  <a:schemeClr val="accent4">
+                    <a:lumMod val="75000"/>
+                  </a:schemeClr>
+                </a:solidFill>
+              </a:rPr>
+              <a:t>:</a:t>
+            </a:r>
+            <a:endParaRPr lang="de-DE" dirty="0"/>
+          </a:p>
+          <a:p>
+            <a:r>
+              <a:rPr lang="de-DE" dirty="0" err="1">
+                <a:solidFill>
+                  <a:schemeClr val="accent1">
+                    <a:lumMod val="75000"/>
+                  </a:schemeClr>
+                </a:solidFill>
+              </a:rPr>
+              <a:t>mov</a:t>
+            </a:r>
+            <a:r>
+              <a:rPr lang="de-DE" dirty="0">
+                <a:solidFill>
+                  <a:schemeClr val="accent1">
+                    <a:lumMod val="75000"/>
+                  </a:schemeClr>
+                </a:solidFill>
+              </a:rPr>
+              <a:t> a, R2</a:t>
+            </a:r>
+          </a:p>
+          <a:p>
+            <a:r>
+              <a:rPr lang="de-DE" dirty="0" err="1">
+                <a:solidFill>
+                  <a:schemeClr val="accent1">
+                    <a:lumMod val="75000"/>
+                  </a:schemeClr>
+                </a:solidFill>
+              </a:rPr>
+              <a:t>clr</a:t>
+            </a:r>
+            <a:r>
+              <a:rPr lang="de-DE" dirty="0">
+                <a:solidFill>
+                  <a:schemeClr val="accent1">
+                    <a:lumMod val="75000"/>
+                  </a:schemeClr>
+                </a:solidFill>
+              </a:rPr>
+              <a:t> c</a:t>
+            </a:r>
+          </a:p>
+          <a:p>
+            <a:r>
+              <a:rPr lang="de-DE" dirty="0" err="1">
+                <a:solidFill>
+                  <a:schemeClr val="accent1">
+                    <a:lumMod val="75000"/>
+                  </a:schemeClr>
+                </a:solidFill>
+              </a:rPr>
+              <a:t>subb</a:t>
+            </a:r>
+            <a:r>
+              <a:rPr lang="de-DE" dirty="0">
+                <a:solidFill>
+                  <a:schemeClr val="accent1">
+                    <a:lumMod val="75000"/>
+                  </a:schemeClr>
+                </a:solidFill>
+              </a:rPr>
+              <a:t> a, </a:t>
+            </a:r>
+            <a:r>
+              <a:rPr lang="de-DE" dirty="0">
+                <a:solidFill>
+                  <a:schemeClr val="accent1">
+                    <a:lumMod val="60000"/>
+                    <a:lumOff val="40000"/>
+                  </a:schemeClr>
+                </a:solidFill>
+              </a:rPr>
+              <a:t>#5d</a:t>
+            </a:r>
+          </a:p>
+          <a:p>
+            <a:r>
+              <a:rPr lang="de-DE" dirty="0" err="1">
+                <a:solidFill>
+                  <a:schemeClr val="accent1">
+                    <a:lumMod val="75000"/>
+                  </a:schemeClr>
+                </a:solidFill>
+              </a:rPr>
+              <a:t>jnc</a:t>
+            </a:r>
+            <a:r>
+              <a:rPr lang="de-DE" dirty="0">
+                <a:solidFill>
+                  <a:schemeClr val="accent1">
+                    <a:lumMod val="75000"/>
+                  </a:schemeClr>
+                </a:solidFill>
+              </a:rPr>
+              <a:t> </a:t>
+            </a:r>
+            <a:r>
+              <a:rPr lang="de-DE" dirty="0" err="1">
+                <a:solidFill>
+                  <a:schemeClr val="accent1">
+                    <a:lumMod val="75000"/>
+                  </a:schemeClr>
+                </a:solidFill>
+              </a:rPr>
+              <a:t>spielstand_vert_exit</a:t>
+            </a:r>
+            <a:endParaRPr lang="de-DE" dirty="0">
+              <a:solidFill>
+                <a:schemeClr val="accent1">
+                  <a:lumMod val="75000"/>
+                </a:schemeClr>
+              </a:solidFill>
+            </a:endParaRPr>
+          </a:p>
+          <a:p>
+            <a:endParaRPr lang="de-DE" dirty="0">
+              <a:solidFill>
+                <a:schemeClr val="accent1">
+                  <a:lumMod val="75000"/>
+                </a:schemeClr>
+              </a:solidFill>
+            </a:endParaRPr>
+          </a:p>
+          <a:p>
+            <a:r>
+              <a:rPr lang="de-DE" dirty="0" err="1">
+                <a:solidFill>
+                  <a:schemeClr val="accent1">
+                    <a:lumMod val="75000"/>
+                  </a:schemeClr>
+                </a:solidFill>
+              </a:rPr>
+              <a:t>mov</a:t>
+            </a:r>
+            <a:r>
+              <a:rPr lang="de-DE" dirty="0">
+                <a:solidFill>
+                  <a:schemeClr val="accent1">
+                    <a:lumMod val="75000"/>
+                  </a:schemeClr>
+                </a:solidFill>
+              </a:rPr>
+              <a:t> a, </a:t>
+            </a:r>
+            <a:r>
+              <a:rPr lang="de-DE" dirty="0" err="1">
+                <a:solidFill>
+                  <a:srgbClr val="00B050"/>
+                </a:solidFill>
+              </a:rPr>
+              <a:t>aktiverspieler</a:t>
+            </a:r>
+            <a:endParaRPr lang="de-DE" dirty="0">
+              <a:solidFill>
+                <a:srgbClr val="00B050"/>
+              </a:solidFill>
+            </a:endParaRPr>
+          </a:p>
+          <a:p>
+            <a:r>
+              <a:rPr lang="de-DE" dirty="0" err="1">
+                <a:solidFill>
+                  <a:schemeClr val="accent1">
+                    <a:lumMod val="75000"/>
+                  </a:schemeClr>
+                </a:solidFill>
+              </a:rPr>
+              <a:t>add</a:t>
+            </a:r>
+            <a:r>
+              <a:rPr lang="de-DE" dirty="0">
+                <a:solidFill>
+                  <a:schemeClr val="accent1">
+                    <a:lumMod val="75000"/>
+                  </a:schemeClr>
+                </a:solidFill>
+              </a:rPr>
+              <a:t> a, R2</a:t>
+            </a:r>
+          </a:p>
+          <a:p>
+            <a:r>
+              <a:rPr lang="de-DE" dirty="0" err="1">
+                <a:solidFill>
+                  <a:schemeClr val="accent1">
+                    <a:lumMod val="75000"/>
+                  </a:schemeClr>
+                </a:solidFill>
+              </a:rPr>
+              <a:t>mov</a:t>
+            </a:r>
+            <a:r>
+              <a:rPr lang="de-DE" dirty="0">
+                <a:solidFill>
+                  <a:schemeClr val="accent1">
+                    <a:lumMod val="75000"/>
+                  </a:schemeClr>
+                </a:solidFill>
+              </a:rPr>
+              <a:t> R0, a</a:t>
+            </a:r>
+          </a:p>
+          <a:p>
+            <a:r>
+              <a:rPr lang="de-DE" dirty="0" err="1">
+                <a:solidFill>
+                  <a:schemeClr val="accent1">
+                    <a:lumMod val="75000"/>
+                  </a:schemeClr>
+                </a:solidFill>
+              </a:rPr>
+              <a:t>mov</a:t>
+            </a:r>
+            <a:r>
+              <a:rPr lang="de-DE" dirty="0">
+                <a:solidFill>
+                  <a:schemeClr val="accent1">
+                    <a:lumMod val="75000"/>
+                  </a:schemeClr>
+                </a:solidFill>
+              </a:rPr>
+              <a:t> a, @R0</a:t>
+            </a:r>
+          </a:p>
+        </p:txBody>
+      </p:sp>
+      <p:sp>
+        <p:nvSpPr>
+          <p:cNvPr id="6" name="TextBox 5">
+            <a:extLst>
+              <a:ext uri="{FF2B5EF4-FFF2-40B4-BE49-F238E27FC236}">
+                <a16:creationId xmlns:a16="http://schemas.microsoft.com/office/drawing/2014/main" id="{20642F0C-7E15-496B-B5EF-580063247BCD}"/>
+              </a:ext>
+            </a:extLst>
+          </p:cNvPr>
+          <p:cNvSpPr txBox="1"/>
+          <p:nvPr/>
+        </p:nvSpPr>
+        <p:spPr>
+          <a:xfrm>
+            <a:off x="8709891" y="1431636"/>
+            <a:ext cx="2976584" cy="5033819"/>
+          </a:xfrm>
+          <a:prstGeom prst="rect">
+            <a:avLst/>
+          </a:prstGeom>
+        </p:spPr>
+        <p:txBody>
+          <a:bodyPr vert="horz" lIns="91440" tIns="45720" rIns="91440" bIns="45720" rtlCol="0">
+            <a:noAutofit/>
+          </a:bodyPr>
+          <a:lstStyle>
+            <a:defPPr>
+              <a:defRPr lang="de-DE"/>
+            </a:defPPr>
+            <a:lvl1pPr indent="0">
+              <a:lnSpc>
+                <a:spcPct val="90000"/>
+              </a:lnSpc>
+              <a:spcBef>
+                <a:spcPts val="1000"/>
+              </a:spcBef>
+              <a:buFont typeface="Arial" panose="020B0604020202020204" pitchFamily="34" charset="0"/>
+              <a:buNone/>
+              <a:defRPr sz="2400">
+                <a:solidFill>
+                  <a:schemeClr val="bg2">
+                    <a:lumMod val="50000"/>
+                  </a:schemeClr>
+                </a:solidFill>
+              </a:defRPr>
+            </a:lvl1pPr>
+            <a:lvl2pPr marL="685800" indent="-228600">
+              <a:lnSpc>
+                <a:spcPct val="90000"/>
+              </a:lnSpc>
+              <a:spcBef>
+                <a:spcPts val="500"/>
+              </a:spcBef>
+              <a:buFont typeface="Arial" panose="020B0604020202020204" pitchFamily="34" charset="0"/>
+              <a:buChar char="•"/>
+              <a:defRPr sz="2400"/>
+            </a:lvl2pPr>
+            <a:lvl3pPr marL="1143000" indent="-228600">
+              <a:lnSpc>
+                <a:spcPct val="90000"/>
+              </a:lnSpc>
+              <a:spcBef>
+                <a:spcPts val="500"/>
+              </a:spcBef>
+              <a:buFont typeface="Arial" panose="020B0604020202020204" pitchFamily="34" charset="0"/>
+              <a:buChar char="•"/>
+              <a:defRPr sz="2000"/>
+            </a:lvl3pPr>
+            <a:lvl4pPr marL="1600200" indent="-228600">
+              <a:lnSpc>
+                <a:spcPct val="90000"/>
+              </a:lnSpc>
+              <a:spcBef>
+                <a:spcPts val="500"/>
+              </a:spcBef>
+              <a:buFont typeface="Arial" panose="020B0604020202020204" pitchFamily="34" charset="0"/>
+              <a:buChar char="•"/>
+            </a:lvl4pPr>
+            <a:lvl5pPr marL="2057400" indent="-228600">
+              <a:lnSpc>
+                <a:spcPct val="90000"/>
+              </a:lnSpc>
+              <a:spcBef>
+                <a:spcPts val="500"/>
+              </a:spcBef>
+              <a:buFont typeface="Arial" panose="020B0604020202020204" pitchFamily="34" charset="0"/>
+              <a:buChar char="•"/>
+            </a:lvl5pPr>
+            <a:lvl6pPr marL="2514600" indent="-228600">
+              <a:lnSpc>
+                <a:spcPct val="90000"/>
+              </a:lnSpc>
+              <a:spcBef>
+                <a:spcPts val="500"/>
+              </a:spcBef>
+              <a:buFont typeface="Arial" panose="020B0604020202020204" pitchFamily="34" charset="0"/>
+              <a:buChar char="•"/>
+            </a:lvl6pPr>
+            <a:lvl7pPr marL="2971800" indent="-228600">
+              <a:lnSpc>
+                <a:spcPct val="90000"/>
+              </a:lnSpc>
+              <a:spcBef>
+                <a:spcPts val="500"/>
+              </a:spcBef>
+              <a:buFont typeface="Arial" panose="020B0604020202020204" pitchFamily="34" charset="0"/>
+              <a:buChar char="•"/>
+            </a:lvl7pPr>
+            <a:lvl8pPr marL="3429000" indent="-228600">
+              <a:lnSpc>
+                <a:spcPct val="90000"/>
+              </a:lnSpc>
+              <a:spcBef>
+                <a:spcPts val="500"/>
+              </a:spcBef>
+              <a:buFont typeface="Arial" panose="020B0604020202020204" pitchFamily="34" charset="0"/>
+              <a:buChar char="•"/>
+            </a:lvl8pPr>
+            <a:lvl9pPr marL="3886200" indent="-228600">
+              <a:lnSpc>
+                <a:spcPct val="90000"/>
+              </a:lnSpc>
+              <a:spcBef>
+                <a:spcPts val="500"/>
+              </a:spcBef>
+              <a:buFont typeface="Arial" panose="020B0604020202020204" pitchFamily="34" charset="0"/>
+              <a:buChar char="•"/>
+            </a:lvl9pPr>
+          </a:lstStyle>
+          <a:p>
+            <a:r>
+              <a:rPr lang="pt-BR" dirty="0">
+                <a:solidFill>
+                  <a:schemeClr val="accent1">
+                    <a:lumMod val="75000"/>
+                  </a:schemeClr>
+                </a:solidFill>
+              </a:rPr>
+              <a:t>inc R0</a:t>
+            </a:r>
+          </a:p>
+          <a:p>
+            <a:r>
+              <a:rPr lang="pt-BR" dirty="0">
+                <a:solidFill>
+                  <a:schemeClr val="accent1">
+                    <a:lumMod val="75000"/>
+                  </a:schemeClr>
+                </a:solidFill>
+              </a:rPr>
+              <a:t>anl a, @R0</a:t>
+            </a:r>
+          </a:p>
+          <a:p>
+            <a:endParaRPr lang="pt-BR" dirty="0">
+              <a:solidFill>
+                <a:schemeClr val="accent1">
+                  <a:lumMod val="75000"/>
+                </a:schemeClr>
+              </a:solidFill>
+            </a:endParaRPr>
+          </a:p>
+          <a:p>
+            <a:r>
+              <a:rPr lang="pt-BR" dirty="0">
+                <a:solidFill>
+                  <a:schemeClr val="accent1">
+                    <a:lumMod val="75000"/>
+                  </a:schemeClr>
+                </a:solidFill>
+              </a:rPr>
+              <a:t>inc R0</a:t>
+            </a:r>
+          </a:p>
+          <a:p>
+            <a:r>
+              <a:rPr lang="pt-BR" dirty="0">
+                <a:solidFill>
+                  <a:schemeClr val="accent1">
+                    <a:lumMod val="75000"/>
+                  </a:schemeClr>
+                </a:solidFill>
+              </a:rPr>
+              <a:t>anl a, @R0</a:t>
+            </a:r>
+            <a:endParaRPr lang="en-US" dirty="0">
+              <a:solidFill>
+                <a:schemeClr val="accent1">
+                  <a:lumMod val="75000"/>
+                </a:schemeClr>
+              </a:solidFill>
+            </a:endParaRPr>
+          </a:p>
+          <a:p>
+            <a:endParaRPr lang="en-US" dirty="0">
+              <a:solidFill>
+                <a:schemeClr val="accent1">
+                  <a:lumMod val="75000"/>
+                </a:schemeClr>
+              </a:solidFill>
+            </a:endParaRPr>
+          </a:p>
+          <a:p>
+            <a:r>
+              <a:rPr lang="pt-BR" dirty="0">
+                <a:solidFill>
+                  <a:schemeClr val="accent1">
+                    <a:lumMod val="75000"/>
+                  </a:schemeClr>
+                </a:solidFill>
+              </a:rPr>
+              <a:t>inc R0</a:t>
+            </a:r>
+          </a:p>
+          <a:p>
+            <a:r>
+              <a:rPr lang="pt-BR" dirty="0">
+                <a:solidFill>
+                  <a:schemeClr val="accent1">
+                    <a:lumMod val="75000"/>
+                  </a:schemeClr>
+                </a:solidFill>
+              </a:rPr>
+              <a:t>anl a, @R0</a:t>
+            </a:r>
+            <a:endParaRPr lang="en-US" dirty="0">
+              <a:solidFill>
+                <a:schemeClr val="accent1">
+                  <a:lumMod val="75000"/>
+                </a:schemeClr>
+              </a:solidFill>
+            </a:endParaRPr>
+          </a:p>
+          <a:p>
+            <a:endParaRPr lang="de-DE" dirty="0">
+              <a:solidFill>
+                <a:schemeClr val="accent1">
+                  <a:lumMod val="75000"/>
+                </a:schemeClr>
+              </a:solidFill>
+            </a:endParaRPr>
+          </a:p>
+          <a:p>
+            <a:r>
+              <a:rPr lang="de-DE" dirty="0" err="1">
+                <a:solidFill>
+                  <a:schemeClr val="accent1">
+                    <a:lumMod val="75000"/>
+                  </a:schemeClr>
+                </a:solidFill>
+              </a:rPr>
+              <a:t>jz</a:t>
+            </a:r>
+            <a:r>
+              <a:rPr lang="de-DE" dirty="0">
+                <a:solidFill>
+                  <a:schemeClr val="accent1">
+                    <a:lumMod val="75000"/>
+                  </a:schemeClr>
+                </a:solidFill>
+              </a:rPr>
+              <a:t> </a:t>
+            </a:r>
+            <a:r>
+              <a:rPr lang="de-DE" dirty="0" err="1">
+                <a:solidFill>
+                  <a:schemeClr val="accent1">
+                    <a:lumMod val="75000"/>
+                  </a:schemeClr>
+                </a:solidFill>
+              </a:rPr>
+              <a:t>spielstand_vert_exit</a:t>
+            </a:r>
+            <a:endParaRPr lang="de-DE" dirty="0">
+              <a:solidFill>
+                <a:schemeClr val="accent1">
+                  <a:lumMod val="75000"/>
+                </a:schemeClr>
+              </a:solidFill>
+            </a:endParaRPr>
+          </a:p>
+          <a:p>
+            <a:r>
+              <a:rPr lang="de-DE" dirty="0" err="1">
+                <a:solidFill>
+                  <a:schemeClr val="accent1">
+                    <a:lumMod val="75000"/>
+                  </a:schemeClr>
+                </a:solidFill>
+              </a:rPr>
+              <a:t>jmp</a:t>
+            </a:r>
+            <a:r>
+              <a:rPr lang="de-DE" dirty="0">
+                <a:solidFill>
+                  <a:schemeClr val="accent1">
+                    <a:lumMod val="75000"/>
+                  </a:schemeClr>
+                </a:solidFill>
+              </a:rPr>
+              <a:t> </a:t>
+            </a:r>
+            <a:r>
+              <a:rPr lang="de-DE" dirty="0" err="1">
+                <a:solidFill>
+                  <a:schemeClr val="accent1">
+                    <a:lumMod val="75000"/>
+                  </a:schemeClr>
+                </a:solidFill>
+              </a:rPr>
+              <a:t>win</a:t>
+            </a:r>
+            <a:endParaRPr lang="de-DE" dirty="0">
+              <a:solidFill>
+                <a:schemeClr val="accent1">
+                  <a:lumMod val="75000"/>
+                </a:schemeClr>
+              </a:solidFill>
+            </a:endParaRPr>
+          </a:p>
+          <a:p>
+            <a:endParaRPr lang="de-DE" dirty="0"/>
+          </a:p>
+        </p:txBody>
+      </p:sp>
+      <p:cxnSp>
+        <p:nvCxnSpPr>
+          <p:cNvPr id="8" name="Straight Connector 7">
+            <a:extLst>
+              <a:ext uri="{FF2B5EF4-FFF2-40B4-BE49-F238E27FC236}">
+                <a16:creationId xmlns:a16="http://schemas.microsoft.com/office/drawing/2014/main" id="{C3AC5342-4FBB-440B-8809-C08159E3AD08}"/>
+              </a:ext>
+            </a:extLst>
+          </p:cNvPr>
+          <p:cNvCxnSpPr/>
+          <p:nvPr/>
+        </p:nvCxnSpPr>
+        <p:spPr>
+          <a:xfrm>
+            <a:off x="4147127" y="994441"/>
+            <a:ext cx="0" cy="5863559"/>
+          </a:xfrm>
+          <a:prstGeom prst="line">
+            <a:avLst/>
+          </a:prstGeom>
+        </p:spPr>
+        <p:style>
+          <a:lnRef idx="3">
+            <a:schemeClr val="accent1"/>
+          </a:lnRef>
+          <a:fillRef idx="0">
+            <a:schemeClr val="accent1"/>
+          </a:fillRef>
+          <a:effectRef idx="2">
+            <a:schemeClr val="accent1"/>
+          </a:effectRef>
+          <a:fontRef idx="minor">
+            <a:schemeClr val="tx1"/>
+          </a:fontRef>
+        </p:style>
+      </p:cxnSp>
+    </p:spTree>
+    <p:extLst>
+      <p:ext uri="{BB962C8B-B14F-4D97-AF65-F5344CB8AC3E}">
+        <p14:creationId xmlns:p14="http://schemas.microsoft.com/office/powerpoint/2010/main" val="3161684329"/>
+      </p:ext>
+    </p:extLst>
+  </p:cSld>
+  <p:clrMapOvr>
+    <a:masterClrMapping/>
+  </p:clrMapOvr>
+</p:sld>
+</file>
+
+<file path=ppt/slides/slide12.xml><?xml version="1.0" encoding="utf-8"?>
+<p:sld xmlns:a="http://schemas.openxmlformats.org/drawingml/2006/main" xmlns:r="http://schemas.openxmlformats.org/officeDocument/2006/relationships" xmlns:p="http://schemas.openxmlformats.org/presentationml/2006/main">
+  <p:cSld>
+    <p:spTree>
+      <p:nvGrpSpPr>
+        <p:cNvPr id="1" name=""/>
+        <p:cNvGrpSpPr/>
+        <p:nvPr/>
+      </p:nvGrpSpPr>
+      <p:grpSpPr>
+        <a:xfrm>
+          <a:off x="0" y="0"/>
+          <a:ext cx="0" cy="0"/>
+          <a:chOff x="0" y="0"/>
+          <a:chExt cx="0" cy="0"/>
+        </a:xfrm>
+      </p:grpSpPr>
+      <p:sp>
+        <p:nvSpPr>
+          <p:cNvPr id="2" name="Titel 1">
+            <a:extLst>
+              <a:ext uri="{FF2B5EF4-FFF2-40B4-BE49-F238E27FC236}">
                 <a16:creationId xmlns:a16="http://schemas.microsoft.com/office/drawing/2014/main" id="{D215DADA-2CD0-4CB5-8FB5-628F7C3FD518}"/>
               </a:ext>
             </a:extLst>
@@ -4577,7 +6328,7 @@
 </p:sld>
 </file>
 
-<file path=ppt/slides/slide11.xml><?xml version="1.0" encoding="utf-8"?>
+<file path=ppt/slides/slide13.xml><?xml version="1.0" encoding="utf-8"?>
 <p:sld xmlns:a="http://schemas.openxmlformats.org/drawingml/2006/main" xmlns:r="http://schemas.openxmlformats.org/officeDocument/2006/relationships" xmlns:p="http://schemas.openxmlformats.org/presentationml/2006/main">
   <p:cSld>
     <p:spTree>
@@ -4955,7 +6706,7 @@
 </p:sld>
 </file>
 
-<file path=ppt/slides/slide12.xml><?xml version="1.0" encoding="utf-8"?>
+<file path=ppt/slides/slide14.xml><?xml version="1.0" encoding="utf-8"?>
 <p:sld xmlns:a="http://schemas.openxmlformats.org/drawingml/2006/main" xmlns:r="http://schemas.openxmlformats.org/officeDocument/2006/relationships" xmlns:p="http://schemas.openxmlformats.org/presentationml/2006/main">
   <p:cSld>
     <p:spTree>
@@ -5540,6 +7291,519 @@
 </file>
 
 <file path=ppt/slides/slide4.xml><?xml version="1.0" encoding="utf-8"?>
+<p:sld xmlns:a="http://schemas.openxmlformats.org/drawingml/2006/main" xmlns:r="http://schemas.openxmlformats.org/officeDocument/2006/relationships" xmlns:p="http://schemas.openxmlformats.org/presentationml/2006/main">
+  <p:cSld>
+    <p:spTree>
+      <p:nvGrpSpPr>
+        <p:cNvPr id="1" name=""/>
+        <p:cNvGrpSpPr/>
+        <p:nvPr/>
+      </p:nvGrpSpPr>
+      <p:grpSpPr>
+        <a:xfrm>
+          <a:off x="0" y="0"/>
+          <a:ext cx="0" cy="0"/>
+          <a:chOff x="0" y="0"/>
+          <a:chExt cx="0" cy="0"/>
+        </a:xfrm>
+      </p:grpSpPr>
+      <p:sp>
+        <p:nvSpPr>
+          <p:cNvPr id="2" name="Title 1">
+            <a:extLst>
+              <a:ext uri="{FF2B5EF4-FFF2-40B4-BE49-F238E27FC236}">
+                <a16:creationId xmlns:a16="http://schemas.microsoft.com/office/drawing/2014/main" id="{AE18BD96-E39C-48A4-97ED-3F54BAEB3BBC}"/>
+              </a:ext>
+            </a:extLst>
+          </p:cNvPr>
+          <p:cNvSpPr>
+            <a:spLocks noGrp="1"/>
+          </p:cNvSpPr>
+          <p:nvPr>
+            <p:ph type="title"/>
+          </p:nvPr>
+        </p:nvSpPr>
+        <p:spPr/>
+        <p:txBody>
+          <a:bodyPr/>
+          <a:lstStyle/>
+          <a:p>
+            <a:r>
+              <a:rPr lang="en-US" dirty="0"/>
+              <a:t>Ein- und </a:t>
+            </a:r>
+            <a:r>
+              <a:rPr lang="en-US" dirty="0" err="1"/>
+              <a:t>Ausgabegeräte</a:t>
+            </a:r>
+            <a:endParaRPr lang="de-DE" dirty="0"/>
+          </a:p>
+        </p:txBody>
+      </p:sp>
+      <p:pic>
+        <p:nvPicPr>
+          <p:cNvPr id="4" name="Picture 3">
+            <a:extLst>
+              <a:ext uri="{FF2B5EF4-FFF2-40B4-BE49-F238E27FC236}">
+                <a16:creationId xmlns:a16="http://schemas.microsoft.com/office/drawing/2014/main" id="{4BDC7214-23F5-4EBF-8538-2BCADB61C16E}"/>
+              </a:ext>
+            </a:extLst>
+          </p:cNvPr>
+          <p:cNvPicPr>
+            <a:picLocks noChangeAspect="1"/>
+          </p:cNvPicPr>
+          <p:nvPr/>
+        </p:nvPicPr>
+        <p:blipFill>
+          <a:blip r:embed="rId2"/>
+          <a:stretch>
+            <a:fillRect/>
+          </a:stretch>
+        </p:blipFill>
+        <p:spPr>
+          <a:xfrm>
+            <a:off x="1643455" y="2495450"/>
+            <a:ext cx="2495238" cy="1428571"/>
+          </a:xfrm>
+          <a:prstGeom prst="rect">
+            <a:avLst/>
+          </a:prstGeom>
+        </p:spPr>
+      </p:pic>
+      <p:sp>
+        <p:nvSpPr>
+          <p:cNvPr id="5" name="TextBox 4">
+            <a:extLst>
+              <a:ext uri="{FF2B5EF4-FFF2-40B4-BE49-F238E27FC236}">
+                <a16:creationId xmlns:a16="http://schemas.microsoft.com/office/drawing/2014/main" id="{5F77CFEA-1985-458C-B8FD-D967897834D3}"/>
+              </a:ext>
+            </a:extLst>
+          </p:cNvPr>
+          <p:cNvSpPr txBox="1"/>
+          <p:nvPr/>
+        </p:nvSpPr>
+        <p:spPr>
+          <a:xfrm>
+            <a:off x="769499" y="5166108"/>
+            <a:ext cx="4243149" cy="646331"/>
+          </a:xfrm>
+          <a:prstGeom prst="rect">
+            <a:avLst/>
+          </a:prstGeom>
+          <a:noFill/>
+        </p:spPr>
+        <p:txBody>
+          <a:bodyPr wrap="none" rtlCol="0">
+            <a:spAutoFit/>
+          </a:bodyPr>
+          <a:lstStyle/>
+          <a:p>
+            <a:r>
+              <a:rPr lang="en-US" dirty="0"/>
+              <a:t>Simple Keypad</a:t>
+            </a:r>
+          </a:p>
+          <a:p>
+            <a:r>
+              <a:rPr lang="en-US" dirty="0">
+                <a:sym typeface="Wingdings" panose="05000000000000000000" pitchFamily="2" charset="2"/>
+              </a:rPr>
+              <a:t> </a:t>
+            </a:r>
+            <a:r>
+              <a:rPr lang="en-US" dirty="0" err="1">
+                <a:sym typeface="Wingdings" panose="05000000000000000000" pitchFamily="2" charset="2"/>
+              </a:rPr>
+              <a:t>Jeder</a:t>
+            </a:r>
+            <a:r>
+              <a:rPr lang="en-US" dirty="0">
+                <a:sym typeface="Wingdings" panose="05000000000000000000" pitchFamily="2" charset="2"/>
+              </a:rPr>
+              <a:t> Button </a:t>
+            </a:r>
+            <a:r>
+              <a:rPr lang="en-US" dirty="0" err="1">
+                <a:sym typeface="Wingdings" panose="05000000000000000000" pitchFamily="2" charset="2"/>
+              </a:rPr>
+              <a:t>spiegelt</a:t>
+            </a:r>
+            <a:r>
+              <a:rPr lang="en-US" dirty="0">
+                <a:sym typeface="Wingdings" panose="05000000000000000000" pitchFamily="2" charset="2"/>
+              </a:rPr>
+              <a:t> </a:t>
+            </a:r>
+            <a:r>
+              <a:rPr lang="en-US" dirty="0" err="1">
+                <a:sym typeface="Wingdings" panose="05000000000000000000" pitchFamily="2" charset="2"/>
+              </a:rPr>
+              <a:t>eine</a:t>
+            </a:r>
+            <a:r>
+              <a:rPr lang="en-US" dirty="0">
+                <a:sym typeface="Wingdings" panose="05000000000000000000" pitchFamily="2" charset="2"/>
+              </a:rPr>
+              <a:t> </a:t>
+            </a:r>
+            <a:r>
+              <a:rPr lang="en-US" dirty="0" err="1">
+                <a:sym typeface="Wingdings" panose="05000000000000000000" pitchFamily="2" charset="2"/>
+              </a:rPr>
+              <a:t>Spalte</a:t>
+            </a:r>
+            <a:r>
+              <a:rPr lang="en-US" dirty="0">
+                <a:sym typeface="Wingdings" panose="05000000000000000000" pitchFamily="2" charset="2"/>
+              </a:rPr>
+              <a:t> </a:t>
+            </a:r>
+            <a:r>
+              <a:rPr lang="en-US" dirty="0" err="1">
+                <a:sym typeface="Wingdings" panose="05000000000000000000" pitchFamily="2" charset="2"/>
+              </a:rPr>
+              <a:t>wieder</a:t>
+            </a:r>
+            <a:endParaRPr lang="de-DE" dirty="0"/>
+          </a:p>
+        </p:txBody>
+      </p:sp>
+      <p:pic>
+        <p:nvPicPr>
+          <p:cNvPr id="6" name="Picture 5">
+            <a:extLst>
+              <a:ext uri="{FF2B5EF4-FFF2-40B4-BE49-F238E27FC236}">
+                <a16:creationId xmlns:a16="http://schemas.microsoft.com/office/drawing/2014/main" id="{5C4FEF53-64DF-4A87-8937-1EF653E87D91}"/>
+              </a:ext>
+            </a:extLst>
+          </p:cNvPr>
+          <p:cNvPicPr>
+            <a:picLocks noChangeAspect="1"/>
+          </p:cNvPicPr>
+          <p:nvPr/>
+        </p:nvPicPr>
+        <p:blipFill>
+          <a:blip r:embed="rId3"/>
+          <a:stretch>
+            <a:fillRect/>
+          </a:stretch>
+        </p:blipFill>
+        <p:spPr>
+          <a:xfrm>
+            <a:off x="7260303" y="1690688"/>
+            <a:ext cx="2600000" cy="3038095"/>
+          </a:xfrm>
+          <a:prstGeom prst="rect">
+            <a:avLst/>
+          </a:prstGeom>
+        </p:spPr>
+      </p:pic>
+      <p:sp>
+        <p:nvSpPr>
+          <p:cNvPr id="7" name="TextBox 6">
+            <a:extLst>
+              <a:ext uri="{FF2B5EF4-FFF2-40B4-BE49-F238E27FC236}">
+                <a16:creationId xmlns:a16="http://schemas.microsoft.com/office/drawing/2014/main" id="{7650CD97-0124-40EB-A7BB-5949C9F38127}"/>
+              </a:ext>
+            </a:extLst>
+          </p:cNvPr>
+          <p:cNvSpPr txBox="1"/>
+          <p:nvPr/>
+        </p:nvSpPr>
+        <p:spPr>
+          <a:xfrm>
+            <a:off x="6471237" y="5166108"/>
+            <a:ext cx="4178131" cy="646331"/>
+          </a:xfrm>
+          <a:prstGeom prst="rect">
+            <a:avLst/>
+          </a:prstGeom>
+          <a:noFill/>
+        </p:spPr>
+        <p:txBody>
+          <a:bodyPr wrap="none" rtlCol="0">
+            <a:spAutoFit/>
+          </a:bodyPr>
+          <a:lstStyle/>
+          <a:p>
+            <a:r>
+              <a:rPr lang="en-US" dirty="0"/>
+              <a:t>LED Matrix</a:t>
+            </a:r>
+          </a:p>
+          <a:p>
+            <a:r>
+              <a:rPr lang="en-US" dirty="0">
+                <a:sym typeface="Wingdings" panose="05000000000000000000" pitchFamily="2" charset="2"/>
+              </a:rPr>
+              <a:t> </a:t>
+            </a:r>
+            <a:r>
+              <a:rPr lang="en-US" dirty="0" err="1">
+                <a:sym typeface="Wingdings" panose="05000000000000000000" pitchFamily="2" charset="2"/>
+              </a:rPr>
+              <a:t>Spielfeld</a:t>
+            </a:r>
+            <a:r>
+              <a:rPr lang="en-US" dirty="0">
+                <a:sym typeface="Wingdings" panose="05000000000000000000" pitchFamily="2" charset="2"/>
+              </a:rPr>
+              <a:t> und </a:t>
+            </a:r>
+            <a:r>
+              <a:rPr lang="en-US" dirty="0" err="1">
+                <a:sym typeface="Wingdings" panose="05000000000000000000" pitchFamily="2" charset="2"/>
+              </a:rPr>
+              <a:t>Anzeige</a:t>
+            </a:r>
+            <a:r>
+              <a:rPr lang="en-US" dirty="0">
+                <a:sym typeface="Wingdings" panose="05000000000000000000" pitchFamily="2" charset="2"/>
+              </a:rPr>
+              <a:t> </a:t>
+            </a:r>
+            <a:r>
+              <a:rPr lang="en-US" dirty="0" err="1">
+                <a:sym typeface="Wingdings" panose="05000000000000000000" pitchFamily="2" charset="2"/>
+              </a:rPr>
+              <a:t>für</a:t>
+            </a:r>
+            <a:r>
+              <a:rPr lang="en-US" dirty="0">
+                <a:sym typeface="Wingdings" panose="05000000000000000000" pitchFamily="2" charset="2"/>
+              </a:rPr>
+              <a:t> den </a:t>
+            </a:r>
+            <a:r>
+              <a:rPr lang="en-US" dirty="0" err="1">
+                <a:sym typeface="Wingdings" panose="05000000000000000000" pitchFamily="2" charset="2"/>
+              </a:rPr>
+              <a:t>Gewinner</a:t>
+            </a:r>
+            <a:endParaRPr lang="de-DE" dirty="0"/>
+          </a:p>
+        </p:txBody>
+      </p:sp>
+    </p:spTree>
+    <p:extLst>
+      <p:ext uri="{BB962C8B-B14F-4D97-AF65-F5344CB8AC3E}">
+        <p14:creationId xmlns:p14="http://schemas.microsoft.com/office/powerpoint/2010/main" val="1330431816"/>
+      </p:ext>
+    </p:extLst>
+  </p:cSld>
+  <p:clrMapOvr>
+    <a:masterClrMapping/>
+  </p:clrMapOvr>
+</p:sld>
+</file>
+
+<file path=ppt/slides/slide5.xml><?xml version="1.0" encoding="utf-8"?>
+<p:sld xmlns:a="http://schemas.openxmlformats.org/drawingml/2006/main" xmlns:r="http://schemas.openxmlformats.org/officeDocument/2006/relationships" xmlns:p="http://schemas.openxmlformats.org/presentationml/2006/main">
+  <p:cSld>
+    <p:spTree>
+      <p:nvGrpSpPr>
+        <p:cNvPr id="1" name=""/>
+        <p:cNvGrpSpPr/>
+        <p:nvPr/>
+      </p:nvGrpSpPr>
+      <p:grpSpPr>
+        <a:xfrm>
+          <a:off x="0" y="0"/>
+          <a:ext cx="0" cy="0"/>
+          <a:chOff x="0" y="0"/>
+          <a:chExt cx="0" cy="0"/>
+        </a:xfrm>
+      </p:grpSpPr>
+      <p:sp>
+        <p:nvSpPr>
+          <p:cNvPr id="2" name="Title 1">
+            <a:extLst>
+              <a:ext uri="{FF2B5EF4-FFF2-40B4-BE49-F238E27FC236}">
+                <a16:creationId xmlns:a16="http://schemas.microsoft.com/office/drawing/2014/main" id="{14E257D3-F1FF-4071-B8C7-A4C86AEB8FA1}"/>
+              </a:ext>
+            </a:extLst>
+          </p:cNvPr>
+          <p:cNvSpPr>
+            <a:spLocks noGrp="1"/>
+          </p:cNvSpPr>
+          <p:nvPr>
+            <p:ph type="title"/>
+          </p:nvPr>
+        </p:nvSpPr>
+        <p:spPr/>
+        <p:txBody>
+          <a:bodyPr/>
+          <a:lstStyle/>
+          <a:p>
+            <a:r>
+              <a:rPr lang="en-US" dirty="0" err="1"/>
+              <a:t>Speicherung</a:t>
+            </a:r>
+            <a:r>
+              <a:rPr lang="en-US" dirty="0"/>
+              <a:t> des </a:t>
+            </a:r>
+            <a:r>
+              <a:rPr lang="en-US" dirty="0" err="1"/>
+              <a:t>Spielstandes</a:t>
+            </a:r>
+            <a:endParaRPr lang="de-DE" dirty="0"/>
+          </a:p>
+        </p:txBody>
+      </p:sp>
+      <p:sp>
+        <p:nvSpPr>
+          <p:cNvPr id="3" name="Content Placeholder 2">
+            <a:extLst>
+              <a:ext uri="{FF2B5EF4-FFF2-40B4-BE49-F238E27FC236}">
+                <a16:creationId xmlns:a16="http://schemas.microsoft.com/office/drawing/2014/main" id="{FA6D49A2-147B-4F21-9CBE-A3823C55D879}"/>
+              </a:ext>
+            </a:extLst>
+          </p:cNvPr>
+          <p:cNvSpPr>
+            <a:spLocks noGrp="1"/>
+          </p:cNvSpPr>
+          <p:nvPr>
+            <p:ph idx="1"/>
+          </p:nvPr>
+        </p:nvSpPr>
+        <p:spPr/>
+        <p:txBody>
+          <a:bodyPr/>
+          <a:lstStyle/>
+          <a:p>
+            <a:r>
+              <a:rPr lang="en-US" dirty="0" err="1"/>
+              <a:t>Spielstand</a:t>
+            </a:r>
+            <a:r>
+              <a:rPr lang="en-US" dirty="0"/>
+              <a:t> </a:t>
+            </a:r>
+            <a:r>
+              <a:rPr lang="en-US" dirty="0" err="1"/>
+              <a:t>wird</a:t>
+            </a:r>
+            <a:r>
+              <a:rPr lang="en-US" dirty="0"/>
+              <a:t> </a:t>
+            </a:r>
+            <a:r>
+              <a:rPr lang="en-US" dirty="0" err="1"/>
+              <a:t>für</a:t>
+            </a:r>
+            <a:r>
+              <a:rPr lang="en-US" dirty="0"/>
+              <a:t> </a:t>
+            </a:r>
+            <a:r>
+              <a:rPr lang="en-US" dirty="0" err="1"/>
+              <a:t>jeden</a:t>
+            </a:r>
+            <a:r>
+              <a:rPr lang="en-US" dirty="0"/>
+              <a:t> </a:t>
+            </a:r>
+            <a:r>
+              <a:rPr lang="en-US" dirty="0" err="1"/>
+              <a:t>Spieler</a:t>
+            </a:r>
+            <a:r>
+              <a:rPr lang="en-US" dirty="0"/>
+              <a:t> </a:t>
+            </a:r>
+            <a:r>
+              <a:rPr lang="en-US" dirty="0" err="1"/>
+              <a:t>einzeln</a:t>
+            </a:r>
+            <a:r>
+              <a:rPr lang="en-US" dirty="0"/>
+              <a:t> </a:t>
+            </a:r>
+            <a:r>
+              <a:rPr lang="en-US" dirty="0" err="1"/>
+              <a:t>gespeichert</a:t>
+            </a:r>
+            <a:endParaRPr lang="en-US" dirty="0"/>
+          </a:p>
+          <a:p>
+            <a:r>
+              <a:rPr lang="en-US" dirty="0"/>
+              <a:t>Ein Byte pro </a:t>
+            </a:r>
+            <a:r>
+              <a:rPr lang="en-US" dirty="0" err="1"/>
+              <a:t>Spieler</a:t>
+            </a:r>
+            <a:r>
+              <a:rPr lang="en-US" dirty="0"/>
+              <a:t> pro </a:t>
+            </a:r>
+            <a:r>
+              <a:rPr lang="en-US" dirty="0" err="1"/>
+              <a:t>Zeile</a:t>
+            </a:r>
+            <a:endParaRPr lang="en-US" dirty="0"/>
+          </a:p>
+          <a:p>
+            <a:r>
+              <a:rPr lang="en-US" dirty="0" err="1"/>
+              <a:t>Hintereinander</a:t>
+            </a:r>
+            <a:r>
+              <a:rPr lang="en-US" dirty="0"/>
+              <a:t> </a:t>
+            </a:r>
+            <a:r>
+              <a:rPr lang="en-US" dirty="0" err="1"/>
+              <a:t>im</a:t>
+            </a:r>
+            <a:r>
+              <a:rPr lang="en-US" dirty="0"/>
+              <a:t> RAM </a:t>
+            </a:r>
+            <a:r>
+              <a:rPr lang="en-US" dirty="0" err="1"/>
+              <a:t>angeordnet</a:t>
+            </a:r>
+            <a:endParaRPr lang="en-US" dirty="0"/>
+          </a:p>
+          <a:p>
+            <a:pPr lvl="1"/>
+            <a:r>
+              <a:rPr lang="en-US" dirty="0"/>
+              <a:t>Von 0. </a:t>
+            </a:r>
+            <a:r>
+              <a:rPr lang="en-US" dirty="0" err="1"/>
+              <a:t>Reihe</a:t>
+            </a:r>
+            <a:r>
+              <a:rPr lang="en-US" dirty="0"/>
+              <a:t> bis 7. </a:t>
+            </a:r>
+            <a:r>
+              <a:rPr lang="en-US" dirty="0" err="1"/>
+              <a:t>Reihe</a:t>
+            </a:r>
+            <a:endParaRPr lang="en-US" dirty="0"/>
+          </a:p>
+        </p:txBody>
+      </p:sp>
+    </p:spTree>
+    <p:extLst>
+      <p:ext uri="{BB962C8B-B14F-4D97-AF65-F5344CB8AC3E}">
+        <p14:creationId xmlns:p14="http://schemas.microsoft.com/office/powerpoint/2010/main" val="1121345616"/>
+      </p:ext>
+    </p:extLst>
+  </p:cSld>
+  <p:clrMapOvr>
+    <a:masterClrMapping/>
+  </p:clrMapOvr>
+</p:sld>
+</file>
+
+<file path=ppt/slides/slide6.xml><?xml version="1.0" encoding="utf-8"?>
 <p:sld xmlns:a="http://schemas.openxmlformats.org/drawingml/2006/main" xmlns:r="http://schemas.openxmlformats.org/officeDocument/2006/relationships" xmlns:p="http://schemas.openxmlformats.org/presentationml/2006/main">
   <p:cSld>
     <p:spTree>
@@ -6372,7 +8636,7 @@
 </p:sld>
 </file>
 
-<file path=ppt/slides/slide5.xml><?xml version="1.0" encoding="utf-8"?>
+<file path=ppt/slides/slide7.xml><?xml version="1.0" encoding="utf-8"?>
 <p:sld xmlns:a="http://schemas.openxmlformats.org/drawingml/2006/main" xmlns:r="http://schemas.openxmlformats.org/officeDocument/2006/relationships" xmlns:p="http://schemas.openxmlformats.org/presentationml/2006/main">
   <p:cSld>
     <p:spTree>
@@ -7079,7 +9343,7 @@
 </p:sld>
 </file>
 
-<file path=ppt/slides/slide6.xml><?xml version="1.0" encoding="utf-8"?>
+<file path=ppt/slides/slide8.xml><?xml version="1.0" encoding="utf-8"?>
 <p:sld xmlns:a="http://schemas.openxmlformats.org/drawingml/2006/main" xmlns:r="http://schemas.openxmlformats.org/officeDocument/2006/relationships" xmlns:p="http://schemas.openxmlformats.org/presentationml/2006/main">
   <p:cSld>
     <p:spTree>
@@ -7319,7 +9583,7 @@
 </p:sld>
 </file>
 
-<file path=ppt/slides/slide7.xml><?xml version="1.0" encoding="utf-8"?>
+<file path=ppt/slides/slide9.xml><?xml version="1.0" encoding="utf-8"?>
 <p:sld xmlns:a="http://schemas.openxmlformats.org/drawingml/2006/main" xmlns:r="http://schemas.openxmlformats.org/officeDocument/2006/relationships" xmlns:p="http://schemas.openxmlformats.org/presentationml/2006/main">
   <p:cSld>
     <p:spTree>
@@ -8559,1376 +10823,6 @@
     <p:extLst>
       <p:ext uri="{BB962C8B-B14F-4D97-AF65-F5344CB8AC3E}">
         <p14:creationId xmlns:p14="http://schemas.microsoft.com/office/powerpoint/2010/main" val="2952799758"/>
-      </p:ext>
-    </p:extLst>
-  </p:cSld>
-  <p:clrMapOvr>
-    <a:masterClrMapping/>
-  </p:clrMapOvr>
-</p:sld>
-</file>
-
-<file path=ppt/slides/slide8.xml><?xml version="1.0" encoding="utf-8"?>
-<p:sld xmlns:a="http://schemas.openxmlformats.org/drawingml/2006/main" xmlns:r="http://schemas.openxmlformats.org/officeDocument/2006/relationships" xmlns:p="http://schemas.openxmlformats.org/presentationml/2006/main">
-  <p:cSld>
-    <p:spTree>
-      <p:nvGrpSpPr>
-        <p:cNvPr id="1" name=""/>
-        <p:cNvGrpSpPr/>
-        <p:nvPr/>
-      </p:nvGrpSpPr>
-      <p:grpSpPr>
-        <a:xfrm>
-          <a:off x="0" y="0"/>
-          <a:ext cx="0" cy="0"/>
-          <a:chOff x="0" y="0"/>
-          <a:chExt cx="0" cy="0"/>
-        </a:xfrm>
-      </p:grpSpPr>
-      <p:sp>
-        <p:nvSpPr>
-          <p:cNvPr id="2" name="Titel 1">
-            <a:extLst>
-              <a:ext uri="{FF2B5EF4-FFF2-40B4-BE49-F238E27FC236}">
-                <a16:creationId xmlns:a16="http://schemas.microsoft.com/office/drawing/2014/main" id="{9D44D46B-EA06-447C-AFB6-160680A203ED}"/>
-              </a:ext>
-            </a:extLst>
-          </p:cNvPr>
-          <p:cNvSpPr>
-            <a:spLocks noGrp="1"/>
-          </p:cNvSpPr>
-          <p:nvPr>
-            <p:ph type="title"/>
-          </p:nvPr>
-        </p:nvSpPr>
-        <p:spPr>
-          <a:xfrm>
-            <a:off x="838200" y="18255"/>
-            <a:ext cx="10515600" cy="1325563"/>
-          </a:xfrm>
-        </p:spPr>
-        <p:txBody>
-          <a:bodyPr/>
-          <a:lstStyle/>
-          <a:p>
-            <a:r>
-              <a:rPr lang="de-DE" dirty="0"/>
-              <a:t>Eingabe auswerten</a:t>
-            </a:r>
-          </a:p>
-        </p:txBody>
-      </p:sp>
-      <p:sp>
-        <p:nvSpPr>
-          <p:cNvPr id="3" name="Inhaltsplatzhalter 2">
-            <a:extLst>
-              <a:ext uri="{FF2B5EF4-FFF2-40B4-BE49-F238E27FC236}">
-                <a16:creationId xmlns:a16="http://schemas.microsoft.com/office/drawing/2014/main" id="{6D7E88EE-7F8F-4FCE-B3A5-A60E4DA71967}"/>
-              </a:ext>
-            </a:extLst>
-          </p:cNvPr>
-          <p:cNvSpPr>
-            <a:spLocks noGrp="1"/>
-          </p:cNvSpPr>
-          <p:nvPr>
-            <p:ph idx="1"/>
-          </p:nvPr>
-        </p:nvSpPr>
-        <p:spPr>
-          <a:xfrm>
-            <a:off x="838201" y="1825625"/>
-            <a:ext cx="3254406" cy="4351338"/>
-          </a:xfrm>
-        </p:spPr>
-        <p:txBody>
-          <a:bodyPr>
-            <a:noAutofit/>
-          </a:bodyPr>
-          <a:lstStyle/>
-          <a:p>
-            <a:pPr marL="0" indent="0">
-              <a:buNone/>
-            </a:pPr>
-            <a:r>
-              <a:rPr lang="de-DE" sz="2400" dirty="0">
-                <a:solidFill>
-                  <a:schemeClr val="bg2">
-                    <a:lumMod val="50000"/>
-                  </a:schemeClr>
-                </a:solidFill>
-              </a:rPr>
-              <a:t>; R2 = Schleifenzähler</a:t>
-            </a:r>
-          </a:p>
-          <a:p>
-            <a:pPr marL="0" indent="0">
-              <a:buNone/>
-            </a:pPr>
-            <a:r>
-              <a:rPr lang="de-DE" sz="2400" dirty="0">
-                <a:solidFill>
-                  <a:schemeClr val="accent1">
-                    <a:lumMod val="75000"/>
-                  </a:schemeClr>
-                </a:solidFill>
-              </a:rPr>
-              <a:t>MOV</a:t>
-            </a:r>
-            <a:r>
-              <a:rPr lang="de-DE" sz="2400" dirty="0"/>
-              <a:t> r2, #07h</a:t>
-            </a:r>
-          </a:p>
-          <a:p>
-            <a:pPr marL="0" indent="0">
-              <a:buNone/>
-            </a:pPr>
-            <a:endParaRPr lang="de-DE" sz="2400" dirty="0"/>
-          </a:p>
-          <a:p>
-            <a:pPr marL="0" indent="0">
-              <a:buNone/>
-            </a:pPr>
-            <a:r>
-              <a:rPr lang="de-DE" sz="2400" dirty="0">
-                <a:solidFill>
-                  <a:schemeClr val="accent4">
-                    <a:lumMod val="75000"/>
-                  </a:schemeClr>
-                </a:solidFill>
-              </a:rPr>
-              <a:t>vergleich:</a:t>
-            </a:r>
-          </a:p>
-          <a:p>
-            <a:pPr marL="0" indent="0">
-              <a:buNone/>
-            </a:pPr>
-            <a:r>
-              <a:rPr lang="de-DE" sz="2400" dirty="0">
-                <a:solidFill>
-                  <a:schemeClr val="accent1">
-                    <a:lumMod val="75000"/>
-                  </a:schemeClr>
-                </a:solidFill>
-              </a:rPr>
-              <a:t>MOV a, </a:t>
-            </a:r>
-            <a:r>
-              <a:rPr lang="de-DE" sz="2400" dirty="0">
-                <a:solidFill>
-                  <a:srgbClr val="FFC000"/>
-                </a:solidFill>
-              </a:rPr>
-              <a:t>#SPIELER1</a:t>
-            </a:r>
-          </a:p>
-          <a:p>
-            <a:pPr marL="0" indent="0">
-              <a:buNone/>
-            </a:pPr>
-            <a:r>
-              <a:rPr lang="de-DE" sz="2400" dirty="0">
-                <a:solidFill>
-                  <a:schemeClr val="accent1">
-                    <a:lumMod val="75000"/>
-                  </a:schemeClr>
-                </a:solidFill>
-              </a:rPr>
-              <a:t>ADD a, r2</a:t>
-            </a:r>
-          </a:p>
-          <a:p>
-            <a:pPr marL="0" indent="0">
-              <a:buNone/>
-            </a:pPr>
-            <a:r>
-              <a:rPr lang="de-DE" sz="2400" dirty="0">
-                <a:solidFill>
-                  <a:schemeClr val="accent1">
-                    <a:lumMod val="75000"/>
-                  </a:schemeClr>
-                </a:solidFill>
-              </a:rPr>
-              <a:t>MOV r0, a</a:t>
-            </a:r>
-          </a:p>
-          <a:p>
-            <a:pPr marL="0" indent="0">
-              <a:buNone/>
-            </a:pPr>
-            <a:r>
-              <a:rPr lang="de-DE" sz="2400" dirty="0">
-                <a:solidFill>
-                  <a:schemeClr val="accent1">
-                    <a:lumMod val="75000"/>
-                  </a:schemeClr>
-                </a:solidFill>
-              </a:rPr>
-              <a:t>MOV a, @R0</a:t>
-            </a:r>
-          </a:p>
-          <a:p>
-            <a:pPr marL="0" indent="0">
-              <a:buNone/>
-            </a:pPr>
-            <a:r>
-              <a:rPr lang="de-DE" sz="2400" dirty="0">
-                <a:solidFill>
-                  <a:schemeClr val="accent1">
-                    <a:lumMod val="75000"/>
-                  </a:schemeClr>
-                </a:solidFill>
-              </a:rPr>
-              <a:t>ANL a, r3</a:t>
-            </a:r>
-          </a:p>
-          <a:p>
-            <a:pPr marL="0" indent="0">
-              <a:buNone/>
-            </a:pPr>
-            <a:r>
-              <a:rPr lang="de-DE" sz="2400" dirty="0">
-                <a:solidFill>
-                  <a:schemeClr val="accent1">
-                    <a:lumMod val="75000"/>
-                  </a:schemeClr>
-                </a:solidFill>
-              </a:rPr>
-              <a:t>MOV r1, a</a:t>
-            </a:r>
-          </a:p>
-          <a:p>
-            <a:pPr marL="0" indent="0">
-              <a:buNone/>
-            </a:pPr>
-            <a:endParaRPr lang="de-DE" sz="2400" dirty="0"/>
-          </a:p>
-          <a:p>
-            <a:pPr marL="0" indent="0">
-              <a:buNone/>
-            </a:pPr>
-            <a:endParaRPr lang="de-DE" sz="2400" dirty="0"/>
-          </a:p>
-          <a:p>
-            <a:endParaRPr lang="de-DE" sz="2400" dirty="0"/>
-          </a:p>
-        </p:txBody>
-      </p:sp>
-      <p:sp>
-        <p:nvSpPr>
-          <p:cNvPr id="4" name="Textfeld 3">
-            <a:extLst>
-              <a:ext uri="{FF2B5EF4-FFF2-40B4-BE49-F238E27FC236}">
-                <a16:creationId xmlns:a16="http://schemas.microsoft.com/office/drawing/2014/main" id="{4B9B6400-B3C2-4204-8EE5-77772B1F7191}"/>
-              </a:ext>
-            </a:extLst>
-          </p:cNvPr>
-          <p:cNvSpPr txBox="1"/>
-          <p:nvPr/>
-        </p:nvSpPr>
-        <p:spPr>
-          <a:xfrm>
-            <a:off x="4643022" y="1786939"/>
-            <a:ext cx="3456373" cy="4893647"/>
-          </a:xfrm>
-          <a:prstGeom prst="rect">
-            <a:avLst/>
-          </a:prstGeom>
-          <a:noFill/>
-        </p:spPr>
-        <p:txBody>
-          <a:bodyPr wrap="square" rtlCol="0">
-            <a:spAutoFit/>
-          </a:bodyPr>
-          <a:lstStyle/>
-          <a:p>
-            <a:r>
-              <a:rPr lang="de-DE" sz="2400" dirty="0">
-                <a:solidFill>
-                  <a:schemeClr val="accent1">
-                    <a:lumMod val="75000"/>
-                  </a:schemeClr>
-                </a:solidFill>
-              </a:rPr>
-              <a:t>MOV</a:t>
-            </a:r>
-            <a:r>
-              <a:rPr lang="de-DE" sz="2400" dirty="0"/>
-              <a:t> </a:t>
-            </a:r>
-            <a:r>
-              <a:rPr lang="de-DE" sz="2400" dirty="0">
-                <a:solidFill>
-                  <a:schemeClr val="accent1">
-                    <a:lumMod val="75000"/>
-                  </a:schemeClr>
-                </a:solidFill>
-              </a:rPr>
-              <a:t>a</a:t>
-            </a:r>
-            <a:r>
-              <a:rPr lang="de-DE" sz="2400" dirty="0"/>
-              <a:t>, </a:t>
-            </a:r>
-            <a:r>
-              <a:rPr lang="de-DE" sz="2400" dirty="0">
-                <a:solidFill>
-                  <a:srgbClr val="FFC000"/>
-                </a:solidFill>
-              </a:rPr>
-              <a:t>#SPIELER2</a:t>
-            </a:r>
-          </a:p>
-          <a:p>
-            <a:r>
-              <a:rPr lang="de-DE" sz="2400" dirty="0">
-                <a:solidFill>
-                  <a:schemeClr val="accent1">
-                    <a:lumMod val="75000"/>
-                  </a:schemeClr>
-                </a:solidFill>
-              </a:rPr>
-              <a:t>ADD a, r2</a:t>
-            </a:r>
-          </a:p>
-          <a:p>
-            <a:r>
-              <a:rPr lang="de-DE" sz="2400" dirty="0">
-                <a:solidFill>
-                  <a:schemeClr val="accent1">
-                    <a:lumMod val="75000"/>
-                  </a:schemeClr>
-                </a:solidFill>
-              </a:rPr>
-              <a:t>MOV r0, a</a:t>
-            </a:r>
-          </a:p>
-          <a:p>
-            <a:r>
-              <a:rPr lang="de-DE" sz="2400" dirty="0">
-                <a:solidFill>
-                  <a:schemeClr val="accent1">
-                    <a:lumMod val="75000"/>
-                  </a:schemeClr>
-                </a:solidFill>
-              </a:rPr>
-              <a:t>MOV a, @R0</a:t>
-            </a:r>
-          </a:p>
-          <a:p>
-            <a:r>
-              <a:rPr lang="de-DE" sz="2400" dirty="0">
-                <a:solidFill>
-                  <a:schemeClr val="accent1">
-                    <a:lumMod val="75000"/>
-                  </a:schemeClr>
-                </a:solidFill>
-              </a:rPr>
-              <a:t>ANL a, r3</a:t>
-            </a:r>
-          </a:p>
-          <a:p>
-            <a:endParaRPr lang="de-DE" sz="2400" dirty="0"/>
-          </a:p>
-          <a:p>
-            <a:r>
-              <a:rPr lang="de-DE" sz="2400" dirty="0">
-                <a:solidFill>
-                  <a:schemeClr val="accent1">
-                    <a:lumMod val="75000"/>
-                  </a:schemeClr>
-                </a:solidFill>
-              </a:rPr>
-              <a:t>ORL a, r1</a:t>
-            </a:r>
-          </a:p>
-          <a:p>
-            <a:r>
-              <a:rPr lang="de-DE" sz="2400" dirty="0">
-                <a:solidFill>
-                  <a:schemeClr val="bg2">
-                    <a:lumMod val="50000"/>
-                  </a:schemeClr>
-                </a:solidFill>
-              </a:rPr>
-              <a:t>; Wir können einfügen</a:t>
-            </a:r>
-          </a:p>
-          <a:p>
-            <a:r>
-              <a:rPr lang="de-DE" sz="2400" dirty="0">
-                <a:solidFill>
-                  <a:schemeClr val="accent1">
-                    <a:lumMod val="75000"/>
-                  </a:schemeClr>
-                </a:solidFill>
-              </a:rPr>
-              <a:t>JZ </a:t>
-            </a:r>
-            <a:r>
-              <a:rPr lang="de-DE" sz="2400" dirty="0" err="1">
-                <a:solidFill>
-                  <a:srgbClr val="00B050"/>
-                </a:solidFill>
-              </a:rPr>
-              <a:t>einfuegen</a:t>
-            </a:r>
-            <a:endParaRPr lang="de-DE" sz="2400" dirty="0">
-              <a:solidFill>
-                <a:srgbClr val="00B050"/>
-              </a:solidFill>
-            </a:endParaRPr>
-          </a:p>
-          <a:p>
-            <a:r>
-              <a:rPr lang="de-DE" sz="2400" dirty="0">
-                <a:solidFill>
-                  <a:schemeClr val="bg2">
-                    <a:lumMod val="50000"/>
-                  </a:schemeClr>
-                </a:solidFill>
-              </a:rPr>
-              <a:t>; Schleifenabbruch</a:t>
-            </a:r>
-          </a:p>
-          <a:p>
-            <a:r>
-              <a:rPr lang="de-DE" sz="2400" dirty="0">
-                <a:solidFill>
-                  <a:schemeClr val="accent1">
-                    <a:lumMod val="75000"/>
-                  </a:schemeClr>
-                </a:solidFill>
-              </a:rPr>
-              <a:t>MOV</a:t>
-            </a:r>
-            <a:r>
-              <a:rPr lang="de-DE" sz="2400" dirty="0"/>
-              <a:t> </a:t>
-            </a:r>
-            <a:r>
-              <a:rPr lang="de-DE" sz="2400" dirty="0">
-                <a:solidFill>
-                  <a:schemeClr val="accent1">
-                    <a:lumMod val="75000"/>
-                  </a:schemeClr>
-                </a:solidFill>
-              </a:rPr>
-              <a:t>a, r2</a:t>
-            </a:r>
-          </a:p>
-          <a:p>
-            <a:r>
-              <a:rPr lang="de-DE" sz="2400" dirty="0">
-                <a:solidFill>
-                  <a:schemeClr val="accent1">
-                    <a:lumMod val="75000"/>
-                  </a:schemeClr>
-                </a:solidFill>
-              </a:rPr>
-              <a:t>JZ </a:t>
-            </a:r>
-            <a:r>
-              <a:rPr lang="de-DE" sz="2400" dirty="0" err="1">
-                <a:solidFill>
-                  <a:srgbClr val="00B050"/>
-                </a:solidFill>
-              </a:rPr>
-              <a:t>eingabe_fertig</a:t>
-            </a:r>
-            <a:endParaRPr lang="de-DE" sz="2400" dirty="0">
-              <a:solidFill>
-                <a:srgbClr val="00B050"/>
-              </a:solidFill>
-            </a:endParaRPr>
-          </a:p>
-          <a:p>
-            <a:endParaRPr lang="de-DE" sz="2400" dirty="0"/>
-          </a:p>
-        </p:txBody>
-      </p:sp>
-      <p:sp>
-        <p:nvSpPr>
-          <p:cNvPr id="5" name="Textfeld 4">
-            <a:extLst>
-              <a:ext uri="{FF2B5EF4-FFF2-40B4-BE49-F238E27FC236}">
-                <a16:creationId xmlns:a16="http://schemas.microsoft.com/office/drawing/2014/main" id="{F1273E93-ADBB-405F-A76D-1E11EAFFC0BF}"/>
-              </a:ext>
-            </a:extLst>
-          </p:cNvPr>
-          <p:cNvSpPr txBox="1"/>
-          <p:nvPr/>
-        </p:nvSpPr>
-        <p:spPr>
-          <a:xfrm>
-            <a:off x="8487052" y="1825625"/>
-            <a:ext cx="3542190" cy="3785652"/>
-          </a:xfrm>
-          <a:prstGeom prst="rect">
-            <a:avLst/>
-          </a:prstGeom>
-          <a:noFill/>
-        </p:spPr>
-        <p:txBody>
-          <a:bodyPr wrap="square" rtlCol="0">
-            <a:spAutoFit/>
-          </a:bodyPr>
-          <a:lstStyle/>
-          <a:p>
-            <a:r>
-              <a:rPr lang="de-DE" sz="2400" dirty="0">
-                <a:solidFill>
-                  <a:schemeClr val="accent1">
-                    <a:lumMod val="75000"/>
-                  </a:schemeClr>
-                </a:solidFill>
-              </a:rPr>
-              <a:t>DEC r2</a:t>
-            </a:r>
-          </a:p>
-          <a:p>
-            <a:r>
-              <a:rPr lang="de-DE" sz="2400" dirty="0">
-                <a:solidFill>
-                  <a:schemeClr val="accent1">
-                    <a:lumMod val="75000"/>
-                  </a:schemeClr>
-                </a:solidFill>
-              </a:rPr>
-              <a:t>JMP </a:t>
-            </a:r>
-            <a:r>
-              <a:rPr lang="de-DE" sz="2400" dirty="0">
-                <a:solidFill>
-                  <a:srgbClr val="00B050"/>
-                </a:solidFill>
-              </a:rPr>
-              <a:t>vergleich</a:t>
-            </a:r>
-          </a:p>
-          <a:p>
-            <a:endParaRPr lang="de-DE" sz="2400" dirty="0"/>
-          </a:p>
-          <a:p>
-            <a:r>
-              <a:rPr lang="de-DE" sz="2400" dirty="0" err="1">
-                <a:solidFill>
-                  <a:schemeClr val="accent4">
-                    <a:lumMod val="75000"/>
-                  </a:schemeClr>
-                </a:solidFill>
-              </a:rPr>
-              <a:t>einfuegen</a:t>
-            </a:r>
-            <a:r>
-              <a:rPr lang="de-DE" sz="2400" dirty="0">
-                <a:solidFill>
-                  <a:schemeClr val="accent4">
-                    <a:lumMod val="75000"/>
-                  </a:schemeClr>
-                </a:solidFill>
-              </a:rPr>
-              <a:t>:</a:t>
-            </a:r>
-          </a:p>
-          <a:p>
-            <a:r>
-              <a:rPr lang="de-DE" sz="2400" dirty="0">
-                <a:solidFill>
-                  <a:schemeClr val="accent1">
-                    <a:lumMod val="75000"/>
-                  </a:schemeClr>
-                </a:solidFill>
-              </a:rPr>
-              <a:t>MOV a, </a:t>
-            </a:r>
-            <a:r>
-              <a:rPr lang="de-DE" sz="2400" dirty="0">
-                <a:solidFill>
-                  <a:srgbClr val="00B050"/>
-                </a:solidFill>
-              </a:rPr>
-              <a:t>AKTIVERSPIELER</a:t>
-            </a:r>
-          </a:p>
-          <a:p>
-            <a:r>
-              <a:rPr lang="de-DE" sz="2400" dirty="0">
-                <a:solidFill>
-                  <a:schemeClr val="accent1">
-                    <a:lumMod val="75000"/>
-                  </a:schemeClr>
-                </a:solidFill>
-              </a:rPr>
-              <a:t>ADD a, r2</a:t>
-            </a:r>
-          </a:p>
-          <a:p>
-            <a:r>
-              <a:rPr lang="de-DE" sz="2400" dirty="0">
-                <a:solidFill>
-                  <a:schemeClr val="accent1">
-                    <a:lumMod val="75000"/>
-                  </a:schemeClr>
-                </a:solidFill>
-              </a:rPr>
-              <a:t>MOV r0, a</a:t>
-            </a:r>
-          </a:p>
-          <a:p>
-            <a:r>
-              <a:rPr lang="de-DE" sz="2400" dirty="0">
-                <a:solidFill>
-                  <a:schemeClr val="accent1">
-                    <a:lumMod val="75000"/>
-                  </a:schemeClr>
-                </a:solidFill>
-              </a:rPr>
-              <a:t>MOV a, @r0</a:t>
-            </a:r>
-          </a:p>
-          <a:p>
-            <a:r>
-              <a:rPr lang="de-DE" sz="2400" dirty="0">
-                <a:solidFill>
-                  <a:schemeClr val="accent1">
-                    <a:lumMod val="75000"/>
-                  </a:schemeClr>
-                </a:solidFill>
-              </a:rPr>
-              <a:t>ORL a, r3</a:t>
-            </a:r>
-          </a:p>
-          <a:p>
-            <a:r>
-              <a:rPr lang="de-DE" sz="2400" dirty="0">
-                <a:solidFill>
-                  <a:schemeClr val="accent1">
-                    <a:lumMod val="75000"/>
-                  </a:schemeClr>
-                </a:solidFill>
-              </a:rPr>
-              <a:t>MOV @r0, a</a:t>
-            </a:r>
-          </a:p>
-        </p:txBody>
-      </p:sp>
-    </p:spTree>
-    <p:extLst>
-      <p:ext uri="{BB962C8B-B14F-4D97-AF65-F5344CB8AC3E}">
-        <p14:creationId xmlns:p14="http://schemas.microsoft.com/office/powerpoint/2010/main" val="754373753"/>
-      </p:ext>
-    </p:extLst>
-  </p:cSld>
-  <p:clrMapOvr>
-    <a:masterClrMapping/>
-  </p:clrMapOvr>
-</p:sld>
-</file>
-
-<file path=ppt/slides/slide9.xml><?xml version="1.0" encoding="utf-8"?>
-<p:sld xmlns:a="http://schemas.openxmlformats.org/drawingml/2006/main" xmlns:r="http://schemas.openxmlformats.org/officeDocument/2006/relationships" xmlns:p="http://schemas.openxmlformats.org/presentationml/2006/main">
-  <p:cSld>
-    <p:spTree>
-      <p:nvGrpSpPr>
-        <p:cNvPr id="1" name=""/>
-        <p:cNvGrpSpPr/>
-        <p:nvPr/>
-      </p:nvGrpSpPr>
-      <p:grpSpPr>
-        <a:xfrm>
-          <a:off x="0" y="0"/>
-          <a:ext cx="0" cy="0"/>
-          <a:chOff x="0" y="0"/>
-          <a:chExt cx="0" cy="0"/>
-        </a:xfrm>
-      </p:grpSpPr>
-      <p:sp>
-        <p:nvSpPr>
-          <p:cNvPr id="2" name="Titel 1">
-            <a:extLst>
-              <a:ext uri="{FF2B5EF4-FFF2-40B4-BE49-F238E27FC236}">
-                <a16:creationId xmlns:a16="http://schemas.microsoft.com/office/drawing/2014/main" id="{9D44D46B-EA06-447C-AFB6-160680A203ED}"/>
-              </a:ext>
-            </a:extLst>
-          </p:cNvPr>
-          <p:cNvSpPr>
-            <a:spLocks noGrp="1"/>
-          </p:cNvSpPr>
-          <p:nvPr>
-            <p:ph type="title"/>
-          </p:nvPr>
-        </p:nvSpPr>
-        <p:spPr>
-          <a:xfrm>
-            <a:off x="838200" y="18255"/>
-            <a:ext cx="10515600" cy="1325563"/>
-          </a:xfrm>
-        </p:spPr>
-        <p:txBody>
-          <a:bodyPr/>
-          <a:lstStyle/>
-          <a:p>
-            <a:r>
-              <a:rPr lang="de-DE" dirty="0"/>
-              <a:t>Gewonnen?</a:t>
-            </a:r>
-          </a:p>
-        </p:txBody>
-      </p:sp>
-      <p:sp>
-        <p:nvSpPr>
-          <p:cNvPr id="3" name="Inhaltsplatzhalter 2">
-            <a:extLst>
-              <a:ext uri="{FF2B5EF4-FFF2-40B4-BE49-F238E27FC236}">
-                <a16:creationId xmlns:a16="http://schemas.microsoft.com/office/drawing/2014/main" id="{6D7E88EE-7F8F-4FCE-B3A5-A60E4DA71967}"/>
-              </a:ext>
-            </a:extLst>
-          </p:cNvPr>
-          <p:cNvSpPr>
-            <a:spLocks noGrp="1"/>
-          </p:cNvSpPr>
-          <p:nvPr>
-            <p:ph idx="1"/>
-          </p:nvPr>
-        </p:nvSpPr>
-        <p:spPr>
-          <a:xfrm>
-            <a:off x="838200" y="1825624"/>
-            <a:ext cx="10515600" cy="5032375"/>
-          </a:xfrm>
-        </p:spPr>
-        <p:txBody>
-          <a:bodyPr>
-            <a:noAutofit/>
-          </a:bodyPr>
-          <a:lstStyle/>
-          <a:p>
-            <a:pPr marL="0" indent="0">
-              <a:buNone/>
-            </a:pPr>
-            <a:r>
-              <a:rPr lang="de-DE" sz="2400" dirty="0">
-                <a:solidFill>
-                  <a:schemeClr val="bg2">
-                    <a:lumMod val="50000"/>
-                  </a:schemeClr>
-                </a:solidFill>
-              </a:rPr>
-              <a:t>; R2 =&gt; eingefügte Reihe</a:t>
-            </a:r>
-          </a:p>
-          <a:p>
-            <a:pPr marL="0" indent="0">
-              <a:buNone/>
-            </a:pPr>
-            <a:r>
-              <a:rPr lang="de-DE" sz="2400" dirty="0" err="1">
-                <a:solidFill>
-                  <a:schemeClr val="accent4">
-                    <a:lumMod val="75000"/>
-                  </a:schemeClr>
-                </a:solidFill>
-              </a:rPr>
-              <a:t>spielstand_horiz</a:t>
-            </a:r>
-            <a:r>
-              <a:rPr lang="de-DE" sz="2400" dirty="0">
-                <a:solidFill>
-                  <a:schemeClr val="accent4">
-                    <a:lumMod val="75000"/>
-                  </a:schemeClr>
-                </a:solidFill>
-              </a:rPr>
-              <a:t>:</a:t>
-            </a:r>
-          </a:p>
-          <a:p>
-            <a:pPr marL="0" indent="0">
-              <a:buNone/>
-            </a:pPr>
-            <a:r>
-              <a:rPr lang="de-DE" sz="2400" dirty="0">
-                <a:solidFill>
-                  <a:schemeClr val="bg2">
-                    <a:lumMod val="50000"/>
-                  </a:schemeClr>
-                </a:solidFill>
-              </a:rPr>
-              <a:t>; Wenn aktueller Spieler 4 horizontal nebeneinander hat</a:t>
-            </a:r>
-          </a:p>
-          <a:p>
-            <a:pPr marL="0" indent="0">
-              <a:buNone/>
-            </a:pPr>
-            <a:r>
-              <a:rPr lang="de-DE" sz="2400" dirty="0">
-                <a:solidFill>
-                  <a:schemeClr val="bg2">
-                    <a:lumMod val="50000"/>
-                  </a:schemeClr>
-                </a:solidFill>
-              </a:rPr>
-              <a:t>; Für jede Zeile &gt;= 127 auf = 127 testen und dann bis 4 mal nach rechts shiften</a:t>
-            </a:r>
-          </a:p>
-          <a:p>
-            <a:pPr marL="0" indent="0">
-              <a:buNone/>
-            </a:pPr>
-            <a:r>
-              <a:rPr lang="de-DE" sz="2400" dirty="0">
-                <a:solidFill>
-                  <a:schemeClr val="bg2">
-                    <a:lumMod val="50000"/>
-                  </a:schemeClr>
-                </a:solidFill>
-              </a:rPr>
-              <a:t>; Ist die Zeile 127, dann sind 4 Steine nebeneinander =&gt; </a:t>
-            </a:r>
-            <a:r>
-              <a:rPr lang="de-DE" sz="2400" dirty="0" err="1">
-                <a:solidFill>
-                  <a:schemeClr val="bg2">
-                    <a:lumMod val="50000"/>
-                  </a:schemeClr>
-                </a:solidFill>
-              </a:rPr>
-              <a:t>Win</a:t>
-            </a:r>
-            <a:endParaRPr lang="de-DE" sz="2400" dirty="0">
-              <a:solidFill>
-                <a:schemeClr val="bg2">
-                  <a:lumMod val="50000"/>
-                </a:schemeClr>
-              </a:solidFill>
-            </a:endParaRPr>
-          </a:p>
-          <a:p>
-            <a:pPr marL="0" indent="0">
-              <a:buNone/>
-            </a:pPr>
-            <a:endParaRPr lang="de-DE" sz="2400" dirty="0"/>
-          </a:p>
-          <a:p>
-            <a:pPr marL="0" indent="0">
-              <a:buNone/>
-            </a:pPr>
-            <a:r>
-              <a:rPr lang="de-DE" sz="2400" dirty="0">
-                <a:solidFill>
-                  <a:schemeClr val="accent1">
-                    <a:lumMod val="75000"/>
-                  </a:schemeClr>
-                </a:solidFill>
-              </a:rPr>
-              <a:t>MOV a, </a:t>
-            </a:r>
-            <a:r>
-              <a:rPr lang="de-DE" sz="2400" dirty="0" err="1">
-                <a:solidFill>
-                  <a:srgbClr val="00B050"/>
-                </a:solidFill>
-              </a:rPr>
-              <a:t>aktiverspieler</a:t>
-            </a:r>
-            <a:endParaRPr lang="de-DE" sz="2400" dirty="0">
-              <a:solidFill>
-                <a:srgbClr val="00B050"/>
-              </a:solidFill>
-            </a:endParaRPr>
-          </a:p>
-          <a:p>
-            <a:pPr marL="0" indent="0">
-              <a:buNone/>
-            </a:pPr>
-            <a:r>
-              <a:rPr lang="de-DE" sz="2400" dirty="0">
-                <a:solidFill>
-                  <a:schemeClr val="accent1">
-                    <a:lumMod val="75000"/>
-                  </a:schemeClr>
-                </a:solidFill>
-              </a:rPr>
-              <a:t>ADD a, R2</a:t>
-            </a:r>
-          </a:p>
-          <a:p>
-            <a:pPr marL="0" indent="0">
-              <a:buNone/>
-            </a:pPr>
-            <a:r>
-              <a:rPr lang="de-DE" sz="2400" dirty="0">
-                <a:solidFill>
-                  <a:schemeClr val="accent1">
-                    <a:lumMod val="75000"/>
-                  </a:schemeClr>
-                </a:solidFill>
-              </a:rPr>
-              <a:t>MOV R0, a</a:t>
-            </a:r>
-          </a:p>
-          <a:p>
-            <a:pPr marL="0" indent="0">
-              <a:buNone/>
-            </a:pPr>
-            <a:r>
-              <a:rPr lang="de-DE" sz="2400" dirty="0">
-                <a:solidFill>
-                  <a:schemeClr val="accent1">
-                    <a:lumMod val="75000"/>
-                  </a:schemeClr>
-                </a:solidFill>
-              </a:rPr>
-              <a:t>MOV a, @R0</a:t>
-            </a:r>
-          </a:p>
-          <a:p>
-            <a:pPr marL="0" indent="0">
-              <a:buNone/>
-            </a:pPr>
-            <a:r>
-              <a:rPr lang="de-DE" sz="2400" dirty="0">
-                <a:solidFill>
-                  <a:schemeClr val="accent1">
-                    <a:lumMod val="75000"/>
-                  </a:schemeClr>
-                </a:solidFill>
-              </a:rPr>
-              <a:t>MOV R1, a</a:t>
-            </a:r>
-          </a:p>
-          <a:p>
-            <a:pPr marL="0" indent="0">
-              <a:buNone/>
-            </a:pPr>
-            <a:endParaRPr lang="de-DE" sz="2400" dirty="0"/>
-          </a:p>
-          <a:p>
-            <a:pPr marL="0" indent="0">
-              <a:buNone/>
-            </a:pPr>
-            <a:r>
-              <a:rPr lang="de-DE" sz="2400" dirty="0"/>
-              <a:t>CMP_HORIZ #15d</a:t>
-            </a:r>
-          </a:p>
-          <a:p>
-            <a:pPr marL="0" indent="0">
-              <a:buNone/>
-            </a:pPr>
-            <a:r>
-              <a:rPr lang="de-DE" sz="2400" dirty="0"/>
-              <a:t>CMP_HORIZ #30d</a:t>
-            </a:r>
-          </a:p>
-          <a:p>
-            <a:pPr marL="0" indent="0">
-              <a:buNone/>
-            </a:pPr>
-            <a:r>
-              <a:rPr lang="de-DE" sz="2400" dirty="0"/>
-              <a:t>CMP_HORIZ #60d</a:t>
-            </a:r>
-          </a:p>
-          <a:p>
-            <a:pPr marL="0" indent="0">
-              <a:buNone/>
-            </a:pPr>
-            <a:r>
-              <a:rPr lang="de-DE" sz="2400" dirty="0"/>
-              <a:t>CMP_HORIZ #120d</a:t>
-            </a:r>
-          </a:p>
-          <a:p>
-            <a:pPr marL="0" indent="0">
-              <a:buNone/>
-            </a:pPr>
-            <a:r>
-              <a:rPr lang="de-DE" sz="2400" dirty="0"/>
-              <a:t>CMP_HORIZ #240d</a:t>
-            </a:r>
-          </a:p>
-          <a:p>
-            <a:pPr marL="0" indent="0">
-              <a:buNone/>
-            </a:pPr>
-            <a:endParaRPr lang="de-DE" sz="2400" dirty="0"/>
-          </a:p>
-          <a:p>
-            <a:pPr marL="0" indent="0">
-              <a:buNone/>
-            </a:pPr>
-            <a:r>
-              <a:rPr lang="de-DE" sz="2400" dirty="0" err="1"/>
-              <a:t>spielstand_horiz_exit</a:t>
-            </a:r>
-            <a:r>
-              <a:rPr lang="de-DE" sz="2400" dirty="0"/>
-              <a:t>:</a:t>
-            </a:r>
-          </a:p>
-          <a:p>
-            <a:pPr marL="0" indent="0">
-              <a:buNone/>
-            </a:pPr>
-            <a:r>
-              <a:rPr lang="de-DE" sz="2400" dirty="0" err="1"/>
-              <a:t>ret</a:t>
-            </a:r>
-            <a:endParaRPr lang="de-DE" sz="2400" dirty="0"/>
-          </a:p>
-          <a:p>
-            <a:pPr marL="0" indent="0">
-              <a:buNone/>
-            </a:pPr>
-            <a:endParaRPr lang="de-DE" sz="2400" dirty="0"/>
-          </a:p>
-          <a:p>
-            <a:pPr marL="0" indent="0">
-              <a:buNone/>
-            </a:pPr>
-            <a:r>
-              <a:rPr lang="de-DE" sz="2400" dirty="0"/>
-              <a:t>; R2 =&gt; eingefügte Reihe</a:t>
-            </a:r>
-          </a:p>
-          <a:p>
-            <a:pPr marL="0" indent="0">
-              <a:buNone/>
-            </a:pPr>
-            <a:r>
-              <a:rPr lang="de-DE" sz="2400" dirty="0" err="1"/>
-              <a:t>spielstand_vert</a:t>
-            </a:r>
-            <a:r>
-              <a:rPr lang="de-DE" sz="2400" dirty="0"/>
-              <a:t>:</a:t>
-            </a:r>
-          </a:p>
-          <a:p>
-            <a:pPr marL="0" indent="0">
-              <a:buNone/>
-            </a:pPr>
-            <a:r>
-              <a:rPr lang="de-DE" sz="2400" dirty="0"/>
-              <a:t>; Wenn aktueller Spieler 4 vertikal übereinander hat</a:t>
-            </a:r>
-          </a:p>
-          <a:p>
-            <a:pPr marL="0" indent="0">
-              <a:buNone/>
-            </a:pPr>
-            <a:r>
-              <a:rPr lang="de-DE" sz="2400" dirty="0"/>
-              <a:t>; Wenn eingefügte Reihe &lt; 4 dann eingefügte Reihe bis +3 </a:t>
-            </a:r>
-            <a:r>
-              <a:rPr lang="de-DE" sz="2400" dirty="0" err="1"/>
-              <a:t>verunden</a:t>
-            </a:r>
-            <a:endParaRPr lang="de-DE" sz="2400" dirty="0"/>
-          </a:p>
-          <a:p>
-            <a:pPr marL="0" indent="0">
-              <a:buNone/>
-            </a:pPr>
-            <a:r>
-              <a:rPr lang="de-DE" sz="2400" dirty="0"/>
-              <a:t>; Ergebnis &gt; 0 =&gt; 4 Steine übereinander</a:t>
-            </a:r>
-          </a:p>
-          <a:p>
-            <a:pPr marL="0" indent="0">
-              <a:buNone/>
-            </a:pPr>
-            <a:endParaRPr lang="de-DE" sz="2400" dirty="0"/>
-          </a:p>
-          <a:p>
-            <a:pPr marL="0" indent="0">
-              <a:buNone/>
-            </a:pPr>
-            <a:r>
-              <a:rPr lang="de-DE" sz="2400" dirty="0"/>
-              <a:t>mov a, R2</a:t>
-            </a:r>
-          </a:p>
-          <a:p>
-            <a:pPr marL="0" indent="0">
-              <a:buNone/>
-            </a:pPr>
-            <a:r>
-              <a:rPr lang="de-DE" sz="2400" dirty="0" err="1"/>
-              <a:t>clr</a:t>
-            </a:r>
-            <a:r>
-              <a:rPr lang="de-DE" sz="2400" dirty="0"/>
-              <a:t> c</a:t>
-            </a:r>
-          </a:p>
-          <a:p>
-            <a:pPr marL="0" indent="0">
-              <a:buNone/>
-            </a:pPr>
-            <a:r>
-              <a:rPr lang="de-DE" sz="2400" dirty="0" err="1"/>
-              <a:t>subb</a:t>
-            </a:r>
-            <a:r>
-              <a:rPr lang="de-DE" sz="2400" dirty="0"/>
-              <a:t> a, #5d</a:t>
-            </a:r>
-          </a:p>
-          <a:p>
-            <a:pPr marL="0" indent="0">
-              <a:buNone/>
-            </a:pPr>
-            <a:r>
-              <a:rPr lang="de-DE" sz="2400" dirty="0" err="1"/>
-              <a:t>jnc</a:t>
-            </a:r>
-            <a:r>
-              <a:rPr lang="de-DE" sz="2400" dirty="0"/>
-              <a:t> </a:t>
-            </a:r>
-            <a:r>
-              <a:rPr lang="de-DE" sz="2400" dirty="0" err="1"/>
-              <a:t>spielstand_vert_exit</a:t>
-            </a:r>
-            <a:endParaRPr lang="de-DE" sz="2400" dirty="0"/>
-          </a:p>
-          <a:p>
-            <a:pPr marL="0" indent="0">
-              <a:buNone/>
-            </a:pPr>
-            <a:endParaRPr lang="de-DE" sz="2400" dirty="0"/>
-          </a:p>
-          <a:p>
-            <a:pPr marL="0" indent="0">
-              <a:buNone/>
-            </a:pPr>
-            <a:r>
-              <a:rPr lang="de-DE" sz="2400" dirty="0"/>
-              <a:t>mov a, </a:t>
-            </a:r>
-            <a:r>
-              <a:rPr lang="de-DE" sz="2400" dirty="0" err="1"/>
-              <a:t>aktiverspieler</a:t>
-            </a:r>
-            <a:endParaRPr lang="de-DE" sz="2400" dirty="0"/>
-          </a:p>
-          <a:p>
-            <a:pPr marL="0" indent="0">
-              <a:buNone/>
-            </a:pPr>
-            <a:r>
-              <a:rPr lang="de-DE" sz="2400" dirty="0" err="1"/>
-              <a:t>add</a:t>
-            </a:r>
-            <a:r>
-              <a:rPr lang="de-DE" sz="2400" dirty="0"/>
-              <a:t> a, R2</a:t>
-            </a:r>
-          </a:p>
-          <a:p>
-            <a:pPr marL="0" indent="0">
-              <a:buNone/>
-            </a:pPr>
-            <a:r>
-              <a:rPr lang="de-DE" sz="2400" dirty="0"/>
-              <a:t>mov R0, a</a:t>
-            </a:r>
-          </a:p>
-          <a:p>
-            <a:pPr marL="0" indent="0">
-              <a:buNone/>
-            </a:pPr>
-            <a:r>
-              <a:rPr lang="de-DE" sz="2400" dirty="0"/>
-              <a:t>mov a, @R0</a:t>
-            </a:r>
-          </a:p>
-          <a:p>
-            <a:pPr marL="0" indent="0">
-              <a:buNone/>
-            </a:pPr>
-            <a:endParaRPr lang="de-DE" sz="2400" dirty="0"/>
-          </a:p>
-          <a:p>
-            <a:pPr marL="0" indent="0">
-              <a:buNone/>
-            </a:pPr>
-            <a:r>
-              <a:rPr lang="de-DE" sz="2400" dirty="0" err="1"/>
-              <a:t>inc</a:t>
-            </a:r>
-            <a:r>
-              <a:rPr lang="de-DE" sz="2400" dirty="0"/>
-              <a:t> R0</a:t>
-            </a:r>
-          </a:p>
-          <a:p>
-            <a:pPr marL="0" indent="0">
-              <a:buNone/>
-            </a:pPr>
-            <a:r>
-              <a:rPr lang="de-DE" sz="2400" dirty="0" err="1"/>
-              <a:t>anl</a:t>
-            </a:r>
-            <a:r>
-              <a:rPr lang="de-DE" sz="2400" dirty="0"/>
-              <a:t> a, @R0</a:t>
-            </a:r>
-          </a:p>
-          <a:p>
-            <a:pPr marL="0" indent="0">
-              <a:buNone/>
-            </a:pPr>
-            <a:endParaRPr lang="de-DE" sz="2400" dirty="0"/>
-          </a:p>
-          <a:p>
-            <a:pPr marL="0" indent="0">
-              <a:buNone/>
-            </a:pPr>
-            <a:r>
-              <a:rPr lang="de-DE" sz="2400" dirty="0" err="1"/>
-              <a:t>inc</a:t>
-            </a:r>
-            <a:r>
-              <a:rPr lang="de-DE" sz="2400" dirty="0"/>
-              <a:t> R0</a:t>
-            </a:r>
-          </a:p>
-          <a:p>
-            <a:pPr marL="0" indent="0">
-              <a:buNone/>
-            </a:pPr>
-            <a:r>
-              <a:rPr lang="de-DE" sz="2400" dirty="0" err="1"/>
-              <a:t>anl</a:t>
-            </a:r>
-            <a:r>
-              <a:rPr lang="de-DE" sz="2400" dirty="0"/>
-              <a:t> a, @R0</a:t>
-            </a:r>
-          </a:p>
-          <a:p>
-            <a:pPr marL="0" indent="0">
-              <a:buNone/>
-            </a:pPr>
-            <a:endParaRPr lang="de-DE" sz="2400" dirty="0"/>
-          </a:p>
-          <a:p>
-            <a:pPr marL="0" indent="0">
-              <a:buNone/>
-            </a:pPr>
-            <a:r>
-              <a:rPr lang="de-DE" sz="2400" dirty="0" err="1"/>
-              <a:t>inc</a:t>
-            </a:r>
-            <a:r>
-              <a:rPr lang="de-DE" sz="2400" dirty="0"/>
-              <a:t> R0</a:t>
-            </a:r>
-          </a:p>
-          <a:p>
-            <a:pPr marL="0" indent="0">
-              <a:buNone/>
-            </a:pPr>
-            <a:r>
-              <a:rPr lang="de-DE" sz="2400" dirty="0" err="1"/>
-              <a:t>anl</a:t>
-            </a:r>
-            <a:r>
-              <a:rPr lang="de-DE" sz="2400" dirty="0"/>
-              <a:t> a, @R0</a:t>
-            </a:r>
-          </a:p>
-          <a:p>
-            <a:pPr marL="0" indent="0">
-              <a:buNone/>
-            </a:pPr>
-            <a:endParaRPr lang="de-DE" sz="2400" dirty="0"/>
-          </a:p>
-          <a:p>
-            <a:pPr marL="0" indent="0">
-              <a:buNone/>
-            </a:pPr>
-            <a:r>
-              <a:rPr lang="de-DE" sz="2400" dirty="0" err="1"/>
-              <a:t>jz</a:t>
-            </a:r>
-            <a:r>
-              <a:rPr lang="de-DE" sz="2400" dirty="0"/>
-              <a:t> </a:t>
-            </a:r>
-            <a:r>
-              <a:rPr lang="de-DE" sz="2400" dirty="0" err="1"/>
-              <a:t>spielstand_vert_exit</a:t>
-            </a:r>
-            <a:endParaRPr lang="de-DE" sz="2400" dirty="0"/>
-          </a:p>
-          <a:p>
-            <a:pPr marL="0" indent="0">
-              <a:buNone/>
-            </a:pPr>
-            <a:endParaRPr lang="de-DE" sz="2400" dirty="0"/>
-          </a:p>
-          <a:p>
-            <a:pPr marL="0" indent="0">
-              <a:buNone/>
-            </a:pPr>
-            <a:r>
-              <a:rPr lang="de-DE" sz="2400" dirty="0" err="1"/>
-              <a:t>jmp</a:t>
-            </a:r>
-            <a:r>
-              <a:rPr lang="de-DE" sz="2400" dirty="0"/>
-              <a:t> </a:t>
-            </a:r>
-            <a:r>
-              <a:rPr lang="de-DE" sz="2400" dirty="0" err="1"/>
-              <a:t>win</a:t>
-            </a:r>
-            <a:endParaRPr lang="de-DE" sz="2400" dirty="0"/>
-          </a:p>
-          <a:p>
-            <a:pPr marL="0" indent="0">
-              <a:buNone/>
-            </a:pPr>
-            <a:endParaRPr lang="de-DE" sz="2400" dirty="0"/>
-          </a:p>
-          <a:p>
-            <a:pPr marL="0" indent="0">
-              <a:buNone/>
-            </a:pPr>
-            <a:r>
-              <a:rPr lang="de-DE" sz="2400" dirty="0" err="1"/>
-              <a:t>spielstand_vert_exit</a:t>
-            </a:r>
-            <a:r>
-              <a:rPr lang="de-DE" sz="2400" dirty="0"/>
-              <a:t>:</a:t>
-            </a:r>
-          </a:p>
-          <a:p>
-            <a:pPr marL="0" indent="0">
-              <a:buNone/>
-            </a:pPr>
-            <a:r>
-              <a:rPr lang="de-DE" sz="2400" dirty="0" err="1"/>
-              <a:t>ret</a:t>
-            </a:r>
-            <a:endParaRPr lang="de-DE" sz="2400" dirty="0"/>
-          </a:p>
-        </p:txBody>
-      </p:sp>
-    </p:spTree>
-    <p:extLst>
-      <p:ext uri="{BB962C8B-B14F-4D97-AF65-F5344CB8AC3E}">
-        <p14:creationId xmlns:p14="http://schemas.microsoft.com/office/powerpoint/2010/main" val="3161684329"/>
       </p:ext>
     </p:extLst>
   </p:cSld>

--- a/VierGewinnt.pptx
+++ b/VierGewinnt.pptx
@@ -210,7 +210,7 @@
           <a:p>
             <a:fld id="{61DDA1E3-3876-4C1F-96B2-3E43399C967B}" type="datetimeFigureOut">
               <a:rPr lang="de-DE" smtClean="0"/>
-              <a:t>10.12.2018</a:t>
+              <a:t>11.12.2018</a:t>
             </a:fld>
             <a:endParaRPr lang="de-DE"/>
           </a:p>
@@ -708,7 +708,7 @@
           <a:p>
             <a:fld id="{C0B7EBB8-4147-43FD-9509-4BE2F59CD7E9}" type="datetimeFigureOut">
               <a:rPr lang="de-DE" smtClean="0"/>
-              <a:t>10.12.2018</a:t>
+              <a:t>11.12.2018</a:t>
             </a:fld>
             <a:endParaRPr lang="de-DE"/>
           </a:p>
@@ -906,7 +906,7 @@
           <a:p>
             <a:fld id="{C0B7EBB8-4147-43FD-9509-4BE2F59CD7E9}" type="datetimeFigureOut">
               <a:rPr lang="de-DE" smtClean="0"/>
-              <a:t>10.12.2018</a:t>
+              <a:t>11.12.2018</a:t>
             </a:fld>
             <a:endParaRPr lang="de-DE"/>
           </a:p>
@@ -1114,7 +1114,7 @@
           <a:p>
             <a:fld id="{C0B7EBB8-4147-43FD-9509-4BE2F59CD7E9}" type="datetimeFigureOut">
               <a:rPr lang="de-DE" smtClean="0"/>
-              <a:t>10.12.2018</a:t>
+              <a:t>11.12.2018</a:t>
             </a:fld>
             <a:endParaRPr lang="de-DE"/>
           </a:p>
@@ -1312,7 +1312,7 @@
           <a:p>
             <a:fld id="{C0B7EBB8-4147-43FD-9509-4BE2F59CD7E9}" type="datetimeFigureOut">
               <a:rPr lang="de-DE" smtClean="0"/>
-              <a:t>10.12.2018</a:t>
+              <a:t>11.12.2018</a:t>
             </a:fld>
             <a:endParaRPr lang="de-DE"/>
           </a:p>
@@ -1587,7 +1587,7 @@
           <a:p>
             <a:fld id="{C0B7EBB8-4147-43FD-9509-4BE2F59CD7E9}" type="datetimeFigureOut">
               <a:rPr lang="de-DE" smtClean="0"/>
-              <a:t>10.12.2018</a:t>
+              <a:t>11.12.2018</a:t>
             </a:fld>
             <a:endParaRPr lang="de-DE"/>
           </a:p>
@@ -1852,7 +1852,7 @@
           <a:p>
             <a:fld id="{C0B7EBB8-4147-43FD-9509-4BE2F59CD7E9}" type="datetimeFigureOut">
               <a:rPr lang="de-DE" smtClean="0"/>
-              <a:t>10.12.2018</a:t>
+              <a:t>11.12.2018</a:t>
             </a:fld>
             <a:endParaRPr lang="de-DE"/>
           </a:p>
@@ -2264,7 +2264,7 @@
           <a:p>
             <a:fld id="{C0B7EBB8-4147-43FD-9509-4BE2F59CD7E9}" type="datetimeFigureOut">
               <a:rPr lang="de-DE" smtClean="0"/>
-              <a:t>10.12.2018</a:t>
+              <a:t>11.12.2018</a:t>
             </a:fld>
             <a:endParaRPr lang="de-DE"/>
           </a:p>
@@ -2405,7 +2405,7 @@
           <a:p>
             <a:fld id="{C0B7EBB8-4147-43FD-9509-4BE2F59CD7E9}" type="datetimeFigureOut">
               <a:rPr lang="de-DE" smtClean="0"/>
-              <a:t>10.12.2018</a:t>
+              <a:t>11.12.2018</a:t>
             </a:fld>
             <a:endParaRPr lang="de-DE"/>
           </a:p>
@@ -2518,7 +2518,7 @@
           <a:p>
             <a:fld id="{C0B7EBB8-4147-43FD-9509-4BE2F59CD7E9}" type="datetimeFigureOut">
               <a:rPr lang="de-DE" smtClean="0"/>
-              <a:t>10.12.2018</a:t>
+              <a:t>11.12.2018</a:t>
             </a:fld>
             <a:endParaRPr lang="de-DE"/>
           </a:p>
@@ -2829,7 +2829,7 @@
           <a:p>
             <a:fld id="{C0B7EBB8-4147-43FD-9509-4BE2F59CD7E9}" type="datetimeFigureOut">
               <a:rPr lang="de-DE" smtClean="0"/>
-              <a:t>10.12.2018</a:t>
+              <a:t>11.12.2018</a:t>
             </a:fld>
             <a:endParaRPr lang="de-DE"/>
           </a:p>
@@ -3117,7 +3117,7 @@
           <a:p>
             <a:fld id="{C0B7EBB8-4147-43FD-9509-4BE2F59CD7E9}" type="datetimeFigureOut">
               <a:rPr lang="de-DE" smtClean="0"/>
-              <a:t>10.12.2018</a:t>
+              <a:t>11.12.2018</a:t>
             </a:fld>
             <a:endParaRPr lang="de-DE"/>
           </a:p>
@@ -3358,7 +3358,7 @@
           <a:p>
             <a:fld id="{C0B7EBB8-4147-43FD-9509-4BE2F59CD7E9}" type="datetimeFigureOut">
               <a:rPr lang="de-DE" smtClean="0"/>
-              <a:t>10.12.2018</a:t>
+              <a:t>11.12.2018</a:t>
             </a:fld>
             <a:endParaRPr lang="de-DE"/>
           </a:p>
@@ -7867,7 +7867,7 @@
         </p:nvSpPr>
         <p:spPr>
           <a:xfrm>
-            <a:off x="3973104" y="1190400"/>
+            <a:off x="3728670" y="1190400"/>
             <a:ext cx="3563471" cy="797018"/>
           </a:xfrm>
           <a:prstGeom prst="roundRect">
@@ -7919,7 +7919,7 @@
         </p:nvSpPr>
         <p:spPr>
           <a:xfrm>
-            <a:off x="5762119" y="5812908"/>
+            <a:off x="5517685" y="5812908"/>
             <a:ext cx="518914" cy="369332"/>
           </a:xfrm>
           <a:prstGeom prst="rect">
@@ -7957,7 +7957,7 @@
         </p:nvCxnSpPr>
         <p:spPr>
           <a:xfrm>
-            <a:off x="5754840" y="1987418"/>
+            <a:off x="5510406" y="1987418"/>
             <a:ext cx="5918" cy="427319"/>
           </a:xfrm>
           <a:prstGeom prst="straightConnector1">
@@ -8001,7 +8001,7 @@
         </p:nvCxnSpPr>
         <p:spPr>
           <a:xfrm>
-            <a:off x="5762119" y="3210870"/>
+            <a:off x="5517685" y="3210870"/>
             <a:ext cx="0" cy="347739"/>
           </a:xfrm>
           <a:prstGeom prst="straightConnector1">
@@ -8045,7 +8045,7 @@
         </p:nvCxnSpPr>
         <p:spPr>
           <a:xfrm>
-            <a:off x="5762119" y="4355627"/>
+            <a:off x="5517685" y="4355627"/>
             <a:ext cx="0" cy="347739"/>
           </a:xfrm>
           <a:prstGeom prst="straightConnector1">
@@ -8089,7 +8089,7 @@
         </p:nvCxnSpPr>
         <p:spPr>
           <a:xfrm>
-            <a:off x="5747559" y="5843234"/>
+            <a:off x="5503125" y="5843234"/>
             <a:ext cx="0" cy="384127"/>
           </a:xfrm>
           <a:prstGeom prst="straightConnector1">
@@ -8134,7 +8134,7 @@
         </p:nvCxnSpPr>
         <p:spPr>
           <a:xfrm flipV="1">
-            <a:off x="7560135" y="3965062"/>
+            <a:off x="7315701" y="3965062"/>
             <a:ext cx="12686" cy="1330840"/>
           </a:xfrm>
           <a:prstGeom prst="bentConnector3">
@@ -8178,7 +8178,7 @@
         </p:nvSpPr>
         <p:spPr>
           <a:xfrm>
-            <a:off x="7232004" y="4922162"/>
+            <a:off x="6987570" y="4922162"/>
             <a:ext cx="632816" cy="369332"/>
           </a:xfrm>
           <a:prstGeom prst="rect">
@@ -8213,7 +8213,7 @@
         </p:nvSpPr>
         <p:spPr>
           <a:xfrm>
-            <a:off x="9958504" y="5616111"/>
+            <a:off x="9526306" y="6227361"/>
             <a:ext cx="557096" cy="521807"/>
           </a:xfrm>
           <a:prstGeom prst="flowChartConnector">
@@ -8269,13 +8269,14 @@
           </p:cNvPr>
           <p:cNvCxnSpPr>
             <a:cxnSpLocks/>
+            <a:stCxn id="31" idx="0"/>
           </p:cNvCxnSpPr>
           <p:nvPr/>
         </p:nvCxnSpPr>
         <p:spPr>
           <a:xfrm rot="16200000" flipV="1">
-            <a:off x="7984214" y="3324933"/>
-            <a:ext cx="1864726" cy="2681859"/>
+            <a:off x="7216996" y="3639502"/>
+            <a:ext cx="2493860" cy="2681857"/>
           </a:xfrm>
           <a:prstGeom prst="bentConnector2">
             <a:avLst/>
@@ -8316,7 +8317,7 @@
         </p:nvSpPr>
         <p:spPr>
           <a:xfrm>
-            <a:off x="5464480" y="6227361"/>
+            <a:off x="5220046" y="6227361"/>
             <a:ext cx="557096" cy="521807"/>
           </a:xfrm>
           <a:prstGeom prst="flowChartConnector">
@@ -8361,8 +8362,8 @@
           </a:p>
         </p:txBody>
       </p:sp>
-      <mc:AlternateContent xmlns:mc="http://schemas.openxmlformats.org/markup-compatibility/2006" xmlns:pslz="http://schemas.microsoft.com/office/powerpoint/2016/slidezoom">
-        <mc:Choice Requires="pslz">
+      <mc:AlternateContent xmlns:mc="http://schemas.openxmlformats.org/markup-compatibility/2006">
+        <mc:Choice xmlns:pslz="http://schemas.microsoft.com/office/powerpoint/2016/slidezoom" Requires="pslz">
           <p:graphicFrame>
             <p:nvGraphicFramePr>
               <p:cNvPr id="37" name="Folienzoom 36">
@@ -8378,13 +8379,13 @@
               <p:nvPr>
                 <p:extLst>
                   <p:ext uri="{D42A27DB-BD31-4B8C-83A1-F6EECF244321}">
-                    <p14:modId xmlns:p14="http://schemas.microsoft.com/office/powerpoint/2010/main" val="917359074"/>
+                    <p14:modId xmlns:p14="http://schemas.microsoft.com/office/powerpoint/2010/main" val="805674254"/>
                   </p:ext>
                 </p:extLst>
               </p:nvPr>
             </p:nvGraphicFramePr>
             <p:xfrm>
-              <a:off x="3968115" y="2425575"/>
+              <a:off x="3723681" y="2425575"/>
               <a:ext cx="3588008" cy="808741"/>
             </p:xfrm>
             <a:graphic>
@@ -8423,7 +8424,7 @@
             </a:graphic>
           </p:graphicFrame>
         </mc:Choice>
-        <mc:Fallback xmlns="">
+        <mc:Fallback>
           <p:pic>
             <p:nvPicPr>
               <p:cNvPr id="37" name="Folienzoom 36">
@@ -8440,7 +8441,7 @@
               <p:nvPr/>
             </p:nvPicPr>
             <p:blipFill>
-              <a:blip r:embed="rId5">
+              <a:blip r:embed="rId3">
                 <a:extLst>
                   <a:ext uri="{28A0092B-C50C-407E-A947-70E740481C1C}">
                     <a14:useLocalDpi xmlns:a14="http://schemas.microsoft.com/office/drawing/2010/main" val="0"/>
@@ -8453,7 +8454,7 @@
             </p:blipFill>
             <p:spPr>
               <a:xfrm>
-                <a:off x="3968115" y="2425575"/>
+                <a:off x="3723681" y="2425575"/>
                 <a:ext cx="3588008" cy="808741"/>
               </a:xfrm>
               <a:prstGeom prst="rect">
@@ -8466,8 +8467,8 @@
           </p:pic>
         </mc:Fallback>
       </mc:AlternateContent>
-      <mc:AlternateContent xmlns:mc="http://schemas.openxmlformats.org/markup-compatibility/2006" xmlns:pslz="http://schemas.microsoft.com/office/powerpoint/2016/slidezoom">
-        <mc:Choice Requires="pslz">
+      <mc:AlternateContent xmlns:mc="http://schemas.openxmlformats.org/markup-compatibility/2006">
+        <mc:Choice xmlns:pslz="http://schemas.microsoft.com/office/powerpoint/2016/slidezoom" Requires="pslz">
           <p:graphicFrame>
             <p:nvGraphicFramePr>
               <p:cNvPr id="10" name="Folienzoom 9">
@@ -8483,13 +8484,13 @@
               <p:nvPr>
                 <p:extLst>
                   <p:ext uri="{D42A27DB-BD31-4B8C-83A1-F6EECF244321}">
-                    <p14:modId xmlns:p14="http://schemas.microsoft.com/office/powerpoint/2010/main" val="1067648877"/>
+                    <p14:modId xmlns:p14="http://schemas.microsoft.com/office/powerpoint/2010/main" val="1282182176"/>
                   </p:ext>
                 </p:extLst>
               </p:nvPr>
             </p:nvGraphicFramePr>
             <p:xfrm>
-              <a:off x="3954612" y="3573369"/>
+              <a:off x="3710178" y="3573369"/>
               <a:ext cx="3618209" cy="783385"/>
             </p:xfrm>
             <a:graphic>
@@ -8498,7 +8499,7 @@
                   <pslz:sldZmObj sldId="263" cId="566164889">
                     <pslz:zmPr id="{2F6B6AE8-4D8C-4D39-8CA7-B4E3BC07D4BF}" imageType="cover" transitionDur="1000">
                       <p166:blipFill xmlns:p166="http://schemas.microsoft.com/office/powerpoint/2016/6/main">
-                        <a:blip r:embed="rId6">
+                        <a:blip r:embed="rId5">
                           <a:extLst>
                             <a:ext uri="{28A0092B-C50C-407E-A947-70E740481C1C}">
                               <a14:useLocalDpi xmlns:a14="http://schemas.microsoft.com/office/drawing/2010/main" val="0"/>
@@ -8530,11 +8531,11 @@
             </a:graphic>
           </p:graphicFrame>
         </mc:Choice>
-        <mc:Fallback xmlns="">
+        <mc:Fallback>
           <p:pic>
             <p:nvPicPr>
               <p:cNvPr id="10" name="Folienzoom 9">
-                <a:hlinkClick r:id="rId9" action="ppaction://hlinksldjump"/>
+                <a:hlinkClick r:id="rId6" action="ppaction://hlinksldjump"/>
                 <a:extLst>
                   <a:ext uri="{FF2B5EF4-FFF2-40B4-BE49-F238E27FC236}">
                     <a16:creationId xmlns:a16="http://schemas.microsoft.com/office/drawing/2014/main" id="{E85796D8-F401-4630-AE7F-DFBA8FE8BD15}"/>
@@ -8547,7 +8548,7 @@
               <p:nvPr/>
             </p:nvPicPr>
             <p:blipFill>
-              <a:blip r:embed="rId10">
+              <a:blip r:embed="rId5">
                 <a:extLst>
                   <a:ext uri="{28A0092B-C50C-407E-A947-70E740481C1C}">
                     <a14:useLocalDpi xmlns:a14="http://schemas.microsoft.com/office/drawing/2010/main" val="0"/>
@@ -8560,7 +8561,7 @@
             </p:blipFill>
             <p:spPr>
               <a:xfrm>
-                <a:off x="3954612" y="3573369"/>
+                <a:off x="3710178" y="3573369"/>
                 <a:ext cx="3618209" cy="783385"/>
               </a:xfrm>
               <a:prstGeom prst="rect">
@@ -8589,7 +8590,7 @@
         </p:nvSpPr>
         <p:spPr>
           <a:xfrm>
-            <a:off x="3997793" y="4720492"/>
+            <a:off x="3753359" y="4720492"/>
             <a:ext cx="3528652" cy="1166357"/>
           </a:xfrm>
           <a:prstGeom prst="flowChartDecision">
@@ -10147,13 +10148,14 @@
           </p:cNvPr>
           <p:cNvCxnSpPr>
             <a:cxnSpLocks/>
+            <a:endCxn id="37" idx="4"/>
           </p:cNvCxnSpPr>
           <p:nvPr/>
         </p:nvCxnSpPr>
         <p:spPr>
           <a:xfrm flipV="1">
-            <a:off x="9812731" y="1102229"/>
-            <a:ext cx="0" cy="3464820"/>
+            <a:off x="9812731" y="608278"/>
+            <a:ext cx="0" cy="3958772"/>
           </a:xfrm>
           <a:prstGeom prst="straightConnector1">
             <a:avLst/>
@@ -10194,7 +10196,7 @@
         </p:nvSpPr>
         <p:spPr>
           <a:xfrm>
-            <a:off x="9534174" y="580422"/>
+            <a:off x="9534183" y="86471"/>
             <a:ext cx="557096" cy="521807"/>
           </a:xfrm>
           <a:prstGeom prst="flowChartConnector">
@@ -10829,6 +10831,9 @@
   <p:clrMapOvr>
     <a:masterClrMapping/>
   </p:clrMapOvr>
+  <p:transition spd="slow">
+    <p:push dir="u"/>
+  </p:transition>
 </p:sld>
 </file>
 

--- a/VierGewinnt.pptx
+++ b/VierGewinnt.pptx
@@ -128,6 +128,77 @@
 </p:presentation>
 </file>
 
+<file path=ppt/revisionInfo.xml><?xml version="1.0" encoding="utf-8"?>
+<p1510:revInfo xmlns:a="http://schemas.openxmlformats.org/drawingml/2006/main" xmlns:r="http://schemas.openxmlformats.org/officeDocument/2006/relationships" xmlns:p1510="http://schemas.microsoft.com/office/powerpoint/2015/10/main">
+  <p1510:revLst>
+    <p1510:client id="{820D4242-43EA-46E6-81B7-6465D4F89800}" v="50" dt="2018-12-11T09:56:03.773"/>
+  </p1510:revLst>
+</p1510:revInfo>
+</file>
+
+<file path=ppt/changesInfos/changesInfo1.xml><?xml version="1.0" encoding="utf-8"?>
+<pc:chgInfo xmlns:a="http://schemas.openxmlformats.org/drawingml/2006/main" xmlns:r="http://schemas.openxmlformats.org/officeDocument/2006/relationships" xmlns:ac="http://schemas.microsoft.com/office/drawing/2013/main/command" xmlns:pc="http://schemas.microsoft.com/office/powerpoint/2013/main/command">
+  <pc:docChgLst>
+    <pc:chgData name="Riesinger, Pascal" userId="b20ee373-397d-454b-8ed3-652fbfccf75c" providerId="ADAL" clId="{820D4242-43EA-46E6-81B7-6465D4F89800}"/>
+    <pc:docChg chg="modSld">
+      <pc:chgData name="Riesinger, Pascal" userId="b20ee373-397d-454b-8ed3-652fbfccf75c" providerId="ADAL" clId="{820D4242-43EA-46E6-81B7-6465D4F89800}" dt="2018-12-11T09:56:03.773" v="49" actId="20577"/>
+      <pc:docMkLst>
+        <pc:docMk/>
+      </pc:docMkLst>
+      <pc:sldChg chg="modNotesTx">
+        <pc:chgData name="Riesinger, Pascal" userId="b20ee373-397d-454b-8ed3-652fbfccf75c" providerId="ADAL" clId="{820D4242-43EA-46E6-81B7-6465D4F89800}" dt="2018-12-11T09:52:26.435" v="6" actId="20577"/>
+        <pc:sldMkLst>
+          <pc:docMk/>
+          <pc:sldMk cId="3600987528" sldId="256"/>
+        </pc:sldMkLst>
+      </pc:sldChg>
+      <pc:sldChg chg="modNotesTx">
+        <pc:chgData name="Riesinger, Pascal" userId="b20ee373-397d-454b-8ed3-652fbfccf75c" providerId="ADAL" clId="{820D4242-43EA-46E6-81B7-6465D4F89800}" dt="2018-12-11T09:56:03.773" v="49" actId="20577"/>
+        <pc:sldMkLst>
+          <pc:docMk/>
+          <pc:sldMk cId="3203935500" sldId="258"/>
+        </pc:sldMkLst>
+      </pc:sldChg>
+      <pc:sldChg chg="modNotesTx">
+        <pc:chgData name="Riesinger, Pascal" userId="b20ee373-397d-454b-8ed3-652fbfccf75c" providerId="ADAL" clId="{820D4242-43EA-46E6-81B7-6465D4F89800}" dt="2018-12-11T09:55:15.734" v="18" actId="20577"/>
+        <pc:sldMkLst>
+          <pc:docMk/>
+          <pc:sldMk cId="1024924244" sldId="259"/>
+        </pc:sldMkLst>
+      </pc:sldChg>
+      <pc:sldChg chg="modNotesTx">
+        <pc:chgData name="Riesinger, Pascal" userId="b20ee373-397d-454b-8ed3-652fbfccf75c" providerId="ADAL" clId="{820D4242-43EA-46E6-81B7-6465D4F89800}" dt="2018-12-11T09:55:20.910" v="21" actId="20577"/>
+        <pc:sldMkLst>
+          <pc:docMk/>
+          <pc:sldMk cId="2952799758" sldId="262"/>
+        </pc:sldMkLst>
+      </pc:sldChg>
+      <pc:sldChg chg="modNotesTx">
+        <pc:chgData name="Riesinger, Pascal" userId="b20ee373-397d-454b-8ed3-652fbfccf75c" providerId="ADAL" clId="{820D4242-43EA-46E6-81B7-6465D4F89800}" dt="2018-12-11T09:55:56" v="40" actId="20577"/>
+        <pc:sldMkLst>
+          <pc:docMk/>
+          <pc:sldMk cId="566164889" sldId="263"/>
+        </pc:sldMkLst>
+      </pc:sldChg>
+      <pc:sldChg chg="modNotesTx">
+        <pc:chgData name="Riesinger, Pascal" userId="b20ee373-397d-454b-8ed3-652fbfccf75c" providerId="ADAL" clId="{820D4242-43EA-46E6-81B7-6465D4F89800}" dt="2018-12-11T09:54:46.603" v="12" actId="20577"/>
+        <pc:sldMkLst>
+          <pc:docMk/>
+          <pc:sldMk cId="1330431816" sldId="270"/>
+        </pc:sldMkLst>
+      </pc:sldChg>
+      <pc:sldChg chg="modNotesTx">
+        <pc:chgData name="Riesinger, Pascal" userId="b20ee373-397d-454b-8ed3-652fbfccf75c" providerId="ADAL" clId="{820D4242-43EA-46E6-81B7-6465D4F89800}" dt="2018-12-11T09:55:51.374" v="32" actId="20577"/>
+        <pc:sldMkLst>
+          <pc:docMk/>
+          <pc:sldMk cId="1121345616" sldId="271"/>
+        </pc:sldMkLst>
+      </pc:sldChg>
+    </pc:docChg>
+  </pc:docChgLst>
+</pc:chgInfo>
+</file>
+
 <file path=ppt/notesMasters/notesMaster1.xml><?xml version="1.0" encoding="utf-8"?>
 <p:notesMaster xmlns:a="http://schemas.openxmlformats.org/drawingml/2006/main" xmlns:r="http://schemas.openxmlformats.org/officeDocument/2006/relationships" xmlns:p="http://schemas.openxmlformats.org/presentationml/2006/main">
   <p:cSld>
@@ -496,6 +567,357 @@
       </p:grpSpPr>
       <p:sp>
         <p:nvSpPr>
+          <p:cNvPr id="2" name="Slide Image Placeholder 1"/>
+          <p:cNvSpPr>
+            <a:spLocks noGrp="1" noRot="1" noChangeAspect="1"/>
+          </p:cNvSpPr>
+          <p:nvPr>
+            <p:ph type="sldImg"/>
+          </p:nvPr>
+        </p:nvSpPr>
+        <p:spPr/>
+      </p:sp>
+      <p:sp>
+        <p:nvSpPr>
+          <p:cNvPr id="3" name="Notes Placeholder 2"/>
+          <p:cNvSpPr>
+            <a:spLocks noGrp="1"/>
+          </p:cNvSpPr>
+          <p:nvPr>
+            <p:ph type="body" idx="1"/>
+          </p:nvPr>
+        </p:nvSpPr>
+        <p:spPr/>
+        <p:txBody>
+          <a:bodyPr/>
+          <a:lstStyle/>
+          <a:p>
+            <a:r>
+              <a:rPr lang="en-US" dirty="0"/>
+              <a:t>Martin</a:t>
+            </a:r>
+          </a:p>
+          <a:p>
+            <a:endParaRPr lang="en-US" dirty="0"/>
+          </a:p>
+        </p:txBody>
+      </p:sp>
+      <p:sp>
+        <p:nvSpPr>
+          <p:cNvPr id="4" name="Slide Number Placeholder 3"/>
+          <p:cNvSpPr>
+            <a:spLocks noGrp="1"/>
+          </p:cNvSpPr>
+          <p:nvPr>
+            <p:ph type="sldNum" sz="quarter" idx="5"/>
+          </p:nvPr>
+        </p:nvSpPr>
+        <p:spPr/>
+        <p:txBody>
+          <a:bodyPr/>
+          <a:lstStyle/>
+          <a:p>
+            <a:fld id="{0CDA9607-FCE4-497D-AD75-D71330362BE7}" type="slidenum">
+              <a:rPr lang="de-DE" smtClean="0"/>
+              <a:t>1</a:t>
+            </a:fld>
+            <a:endParaRPr lang="de-DE"/>
+          </a:p>
+        </p:txBody>
+      </p:sp>
+    </p:spTree>
+    <p:extLst>
+      <p:ext uri="{BB962C8B-B14F-4D97-AF65-F5344CB8AC3E}">
+        <p14:creationId xmlns:p14="http://schemas.microsoft.com/office/powerpoint/2010/main" val="1687019647"/>
+      </p:ext>
+    </p:extLst>
+  </p:cSld>
+  <p:clrMapOvr>
+    <a:masterClrMapping/>
+  </p:clrMapOvr>
+</p:notes>
+</file>
+
+<file path=ppt/notesSlides/notesSlide2.xml><?xml version="1.0" encoding="utf-8"?>
+<p:notes xmlns:a="http://schemas.openxmlformats.org/drawingml/2006/main" xmlns:r="http://schemas.openxmlformats.org/officeDocument/2006/relationships" xmlns:p="http://schemas.openxmlformats.org/presentationml/2006/main">
+  <p:cSld>
+    <p:spTree>
+      <p:nvGrpSpPr>
+        <p:cNvPr id="1" name=""/>
+        <p:cNvGrpSpPr/>
+        <p:nvPr/>
+      </p:nvGrpSpPr>
+      <p:grpSpPr>
+        <a:xfrm>
+          <a:off x="0" y="0"/>
+          <a:ext cx="0" cy="0"/>
+          <a:chOff x="0" y="0"/>
+          <a:chExt cx="0" cy="0"/>
+        </a:xfrm>
+      </p:grpSpPr>
+      <p:sp>
+        <p:nvSpPr>
+          <p:cNvPr id="2" name="Slide Image Placeholder 1"/>
+          <p:cNvSpPr>
+            <a:spLocks noGrp="1" noRot="1" noChangeAspect="1"/>
+          </p:cNvSpPr>
+          <p:nvPr>
+            <p:ph type="sldImg"/>
+          </p:nvPr>
+        </p:nvSpPr>
+        <p:spPr/>
+      </p:sp>
+      <p:sp>
+        <p:nvSpPr>
+          <p:cNvPr id="3" name="Notes Placeholder 2"/>
+          <p:cNvSpPr>
+            <a:spLocks noGrp="1"/>
+          </p:cNvSpPr>
+          <p:nvPr>
+            <p:ph type="body" idx="1"/>
+          </p:nvPr>
+        </p:nvSpPr>
+        <p:spPr/>
+        <p:txBody>
+          <a:bodyPr/>
+          <a:lstStyle/>
+          <a:p>
+            <a:r>
+              <a:rPr lang="en-US" dirty="0"/>
+              <a:t>-&gt; Sophia</a:t>
+            </a:r>
+          </a:p>
+        </p:txBody>
+      </p:sp>
+      <p:sp>
+        <p:nvSpPr>
+          <p:cNvPr id="4" name="Slide Number Placeholder 3"/>
+          <p:cNvSpPr>
+            <a:spLocks noGrp="1"/>
+          </p:cNvSpPr>
+          <p:nvPr>
+            <p:ph type="sldNum" sz="quarter" idx="5"/>
+          </p:nvPr>
+        </p:nvSpPr>
+        <p:spPr/>
+        <p:txBody>
+          <a:bodyPr/>
+          <a:lstStyle/>
+          <a:p>
+            <a:fld id="{0CDA9607-FCE4-497D-AD75-D71330362BE7}" type="slidenum">
+              <a:rPr lang="de-DE" smtClean="0"/>
+              <a:t>3</a:t>
+            </a:fld>
+            <a:endParaRPr lang="de-DE"/>
+          </a:p>
+        </p:txBody>
+      </p:sp>
+    </p:spTree>
+    <p:extLst>
+      <p:ext uri="{BB962C8B-B14F-4D97-AF65-F5344CB8AC3E}">
+        <p14:creationId xmlns:p14="http://schemas.microsoft.com/office/powerpoint/2010/main" val="1998145753"/>
+      </p:ext>
+    </p:extLst>
+  </p:cSld>
+  <p:clrMapOvr>
+    <a:masterClrMapping/>
+  </p:clrMapOvr>
+</p:notes>
+</file>
+
+<file path=ppt/notesSlides/notesSlide3.xml><?xml version="1.0" encoding="utf-8"?>
+<p:notes xmlns:a="http://schemas.openxmlformats.org/drawingml/2006/main" xmlns:r="http://schemas.openxmlformats.org/officeDocument/2006/relationships" xmlns:p="http://schemas.openxmlformats.org/presentationml/2006/main">
+  <p:cSld>
+    <p:spTree>
+      <p:nvGrpSpPr>
+        <p:cNvPr id="1" name=""/>
+        <p:cNvGrpSpPr/>
+        <p:nvPr/>
+      </p:nvGrpSpPr>
+      <p:grpSpPr>
+        <a:xfrm>
+          <a:off x="0" y="0"/>
+          <a:ext cx="0" cy="0"/>
+          <a:chOff x="0" y="0"/>
+          <a:chExt cx="0" cy="0"/>
+        </a:xfrm>
+      </p:grpSpPr>
+      <p:sp>
+        <p:nvSpPr>
+          <p:cNvPr id="2" name="Slide Image Placeholder 1"/>
+          <p:cNvSpPr>
+            <a:spLocks noGrp="1" noRot="1" noChangeAspect="1"/>
+          </p:cNvSpPr>
+          <p:nvPr>
+            <p:ph type="sldImg"/>
+          </p:nvPr>
+        </p:nvSpPr>
+        <p:spPr/>
+      </p:sp>
+      <p:sp>
+        <p:nvSpPr>
+          <p:cNvPr id="3" name="Notes Placeholder 2"/>
+          <p:cNvSpPr>
+            <a:spLocks noGrp="1"/>
+          </p:cNvSpPr>
+          <p:nvPr>
+            <p:ph type="body" idx="1"/>
+          </p:nvPr>
+        </p:nvSpPr>
+        <p:spPr/>
+        <p:txBody>
+          <a:bodyPr/>
+          <a:lstStyle/>
+          <a:p>
+            <a:r>
+              <a:rPr lang="en-US" dirty="0"/>
+              <a:t>Sophia</a:t>
+            </a:r>
+          </a:p>
+        </p:txBody>
+      </p:sp>
+      <p:sp>
+        <p:nvSpPr>
+          <p:cNvPr id="4" name="Slide Number Placeholder 3"/>
+          <p:cNvSpPr>
+            <a:spLocks noGrp="1"/>
+          </p:cNvSpPr>
+          <p:nvPr>
+            <p:ph type="sldNum" sz="quarter" idx="5"/>
+          </p:nvPr>
+        </p:nvSpPr>
+        <p:spPr/>
+        <p:txBody>
+          <a:bodyPr/>
+          <a:lstStyle/>
+          <a:p>
+            <a:fld id="{0CDA9607-FCE4-497D-AD75-D71330362BE7}" type="slidenum">
+              <a:rPr lang="de-DE" smtClean="0"/>
+              <a:t>4</a:t>
+            </a:fld>
+            <a:endParaRPr lang="de-DE"/>
+          </a:p>
+        </p:txBody>
+      </p:sp>
+    </p:spTree>
+    <p:extLst>
+      <p:ext uri="{BB962C8B-B14F-4D97-AF65-F5344CB8AC3E}">
+        <p14:creationId xmlns:p14="http://schemas.microsoft.com/office/powerpoint/2010/main" val="2258335551"/>
+      </p:ext>
+    </p:extLst>
+  </p:cSld>
+  <p:clrMapOvr>
+    <a:masterClrMapping/>
+  </p:clrMapOvr>
+</p:notes>
+</file>
+
+<file path=ppt/notesSlides/notesSlide4.xml><?xml version="1.0" encoding="utf-8"?>
+<p:notes xmlns:a="http://schemas.openxmlformats.org/drawingml/2006/main" xmlns:r="http://schemas.openxmlformats.org/officeDocument/2006/relationships" xmlns:p="http://schemas.openxmlformats.org/presentationml/2006/main">
+  <p:cSld>
+    <p:spTree>
+      <p:nvGrpSpPr>
+        <p:cNvPr id="1" name=""/>
+        <p:cNvGrpSpPr/>
+        <p:nvPr/>
+      </p:nvGrpSpPr>
+      <p:grpSpPr>
+        <a:xfrm>
+          <a:off x="0" y="0"/>
+          <a:ext cx="0" cy="0"/>
+          <a:chOff x="0" y="0"/>
+          <a:chExt cx="0" cy="0"/>
+        </a:xfrm>
+      </p:grpSpPr>
+      <p:sp>
+        <p:nvSpPr>
+          <p:cNvPr id="2" name="Slide Image Placeholder 1"/>
+          <p:cNvSpPr>
+            <a:spLocks noGrp="1" noRot="1" noChangeAspect="1"/>
+          </p:cNvSpPr>
+          <p:nvPr>
+            <p:ph type="sldImg"/>
+          </p:nvPr>
+        </p:nvSpPr>
+        <p:spPr/>
+      </p:sp>
+      <p:sp>
+        <p:nvSpPr>
+          <p:cNvPr id="3" name="Notes Placeholder 2"/>
+          <p:cNvSpPr>
+            <a:spLocks noGrp="1"/>
+          </p:cNvSpPr>
+          <p:nvPr>
+            <p:ph type="body" idx="1"/>
+          </p:nvPr>
+        </p:nvSpPr>
+        <p:spPr/>
+        <p:txBody>
+          <a:bodyPr/>
+          <a:lstStyle/>
+          <a:p>
+            <a:r>
+              <a:rPr lang="en-US" dirty="0"/>
+              <a:t>-&gt; Pascal</a:t>
+            </a:r>
+          </a:p>
+        </p:txBody>
+      </p:sp>
+      <p:sp>
+        <p:nvSpPr>
+          <p:cNvPr id="4" name="Slide Number Placeholder 3"/>
+          <p:cNvSpPr>
+            <a:spLocks noGrp="1"/>
+          </p:cNvSpPr>
+          <p:nvPr>
+            <p:ph type="sldNum" sz="quarter" idx="5"/>
+          </p:nvPr>
+        </p:nvSpPr>
+        <p:spPr/>
+        <p:txBody>
+          <a:bodyPr/>
+          <a:lstStyle/>
+          <a:p>
+            <a:fld id="{0CDA9607-FCE4-497D-AD75-D71330362BE7}" type="slidenum">
+              <a:rPr lang="de-DE" smtClean="0"/>
+              <a:t>5</a:t>
+            </a:fld>
+            <a:endParaRPr lang="de-DE"/>
+          </a:p>
+        </p:txBody>
+      </p:sp>
+    </p:spTree>
+    <p:extLst>
+      <p:ext uri="{BB962C8B-B14F-4D97-AF65-F5344CB8AC3E}">
+        <p14:creationId xmlns:p14="http://schemas.microsoft.com/office/powerpoint/2010/main" val="2587706841"/>
+      </p:ext>
+    </p:extLst>
+  </p:cSld>
+  <p:clrMapOvr>
+    <a:masterClrMapping/>
+  </p:clrMapOvr>
+</p:notes>
+</file>
+
+<file path=ppt/notesSlides/notesSlide5.xml><?xml version="1.0" encoding="utf-8"?>
+<p:notes xmlns:a="http://schemas.openxmlformats.org/drawingml/2006/main" xmlns:r="http://schemas.openxmlformats.org/officeDocument/2006/relationships" xmlns:p="http://schemas.openxmlformats.org/presentationml/2006/main">
+  <p:cSld>
+    <p:spTree>
+      <p:nvGrpSpPr>
+        <p:cNvPr id="1" name=""/>
+        <p:cNvGrpSpPr/>
+        <p:nvPr/>
+      </p:nvGrpSpPr>
+      <p:grpSpPr>
+        <a:xfrm>
+          <a:off x="0" y="0"/>
+          <a:ext cx="0" cy="0"/>
+          <a:chOff x="0" y="0"/>
+          <a:chExt cx="0" cy="0"/>
+        </a:xfrm>
+      </p:grpSpPr>
+      <p:sp>
+        <p:nvSpPr>
           <p:cNvPr id="2" name="Folienbildplatzhalter 1"/>
           <p:cNvSpPr>
             <a:spLocks noGrp="1" noRot="1" noChangeAspect="1"/>
@@ -521,7 +943,10 @@
           <a:bodyPr/>
           <a:lstStyle/>
           <a:p>
-            <a:endParaRPr lang="de-DE" dirty="0"/>
+            <a:r>
+              <a:rPr lang="de-DE" dirty="0"/>
+              <a:t>Pascal</a:t>
+            </a:r>
           </a:p>
         </p:txBody>
       </p:sp>
@@ -552,6 +977,180 @@
     <p:extLst>
       <p:ext uri="{BB962C8B-B14F-4D97-AF65-F5344CB8AC3E}">
         <p14:creationId xmlns:p14="http://schemas.microsoft.com/office/powerpoint/2010/main" val="3142411823"/>
+      </p:ext>
+    </p:extLst>
+  </p:cSld>
+  <p:clrMapOvr>
+    <a:masterClrMapping/>
+  </p:clrMapOvr>
+</p:notes>
+</file>
+
+<file path=ppt/notesSlides/notesSlide6.xml><?xml version="1.0" encoding="utf-8"?>
+<p:notes xmlns:a="http://schemas.openxmlformats.org/drawingml/2006/main" xmlns:r="http://schemas.openxmlformats.org/officeDocument/2006/relationships" xmlns:p="http://schemas.openxmlformats.org/presentationml/2006/main">
+  <p:cSld>
+    <p:spTree>
+      <p:nvGrpSpPr>
+        <p:cNvPr id="1" name=""/>
+        <p:cNvGrpSpPr/>
+        <p:nvPr/>
+      </p:nvGrpSpPr>
+      <p:grpSpPr>
+        <a:xfrm>
+          <a:off x="0" y="0"/>
+          <a:ext cx="0" cy="0"/>
+          <a:chOff x="0" y="0"/>
+          <a:chExt cx="0" cy="0"/>
+        </a:xfrm>
+      </p:grpSpPr>
+      <p:sp>
+        <p:nvSpPr>
+          <p:cNvPr id="2" name="Slide Image Placeholder 1"/>
+          <p:cNvSpPr>
+            <a:spLocks noGrp="1" noRot="1" noChangeAspect="1"/>
+          </p:cNvSpPr>
+          <p:nvPr>
+            <p:ph type="sldImg"/>
+          </p:nvPr>
+        </p:nvSpPr>
+        <p:spPr/>
+      </p:sp>
+      <p:sp>
+        <p:nvSpPr>
+          <p:cNvPr id="3" name="Notes Placeholder 2"/>
+          <p:cNvSpPr>
+            <a:spLocks noGrp="1"/>
+          </p:cNvSpPr>
+          <p:nvPr>
+            <p:ph type="body" idx="1"/>
+          </p:nvPr>
+        </p:nvSpPr>
+        <p:spPr/>
+        <p:txBody>
+          <a:bodyPr/>
+          <a:lstStyle/>
+          <a:p>
+            <a:r>
+              <a:rPr lang="en-US" dirty="0"/>
+              <a:t>-&gt; Max</a:t>
+            </a:r>
+          </a:p>
+        </p:txBody>
+      </p:sp>
+      <p:sp>
+        <p:nvSpPr>
+          <p:cNvPr id="4" name="Slide Number Placeholder 3"/>
+          <p:cNvSpPr>
+            <a:spLocks noGrp="1"/>
+          </p:cNvSpPr>
+          <p:nvPr>
+            <p:ph type="sldNum" sz="quarter" idx="5"/>
+          </p:nvPr>
+        </p:nvSpPr>
+        <p:spPr/>
+        <p:txBody>
+          <a:bodyPr/>
+          <a:lstStyle/>
+          <a:p>
+            <a:fld id="{0CDA9607-FCE4-497D-AD75-D71330362BE7}" type="slidenum">
+              <a:rPr lang="de-DE" smtClean="0"/>
+              <a:t>8</a:t>
+            </a:fld>
+            <a:endParaRPr lang="de-DE"/>
+          </a:p>
+        </p:txBody>
+      </p:sp>
+    </p:spTree>
+    <p:extLst>
+      <p:ext uri="{BB962C8B-B14F-4D97-AF65-F5344CB8AC3E}">
+        <p14:creationId xmlns:p14="http://schemas.microsoft.com/office/powerpoint/2010/main" val="1506721980"/>
+      </p:ext>
+    </p:extLst>
+  </p:cSld>
+  <p:clrMapOvr>
+    <a:masterClrMapping/>
+  </p:clrMapOvr>
+</p:notes>
+</file>
+
+<file path=ppt/notesSlides/notesSlide7.xml><?xml version="1.0" encoding="utf-8"?>
+<p:notes xmlns:a="http://schemas.openxmlformats.org/drawingml/2006/main" xmlns:r="http://schemas.openxmlformats.org/officeDocument/2006/relationships" xmlns:p="http://schemas.openxmlformats.org/presentationml/2006/main">
+  <p:cSld>
+    <p:spTree>
+      <p:nvGrpSpPr>
+        <p:cNvPr id="1" name=""/>
+        <p:cNvGrpSpPr/>
+        <p:nvPr/>
+      </p:nvGrpSpPr>
+      <p:grpSpPr>
+        <a:xfrm>
+          <a:off x="0" y="0"/>
+          <a:ext cx="0" cy="0"/>
+          <a:chOff x="0" y="0"/>
+          <a:chExt cx="0" cy="0"/>
+        </a:xfrm>
+      </p:grpSpPr>
+      <p:sp>
+        <p:nvSpPr>
+          <p:cNvPr id="2" name="Slide Image Placeholder 1"/>
+          <p:cNvSpPr>
+            <a:spLocks noGrp="1" noRot="1" noChangeAspect="1"/>
+          </p:cNvSpPr>
+          <p:nvPr>
+            <p:ph type="sldImg"/>
+          </p:nvPr>
+        </p:nvSpPr>
+        <p:spPr/>
+      </p:sp>
+      <p:sp>
+        <p:nvSpPr>
+          <p:cNvPr id="3" name="Notes Placeholder 2"/>
+          <p:cNvSpPr>
+            <a:spLocks noGrp="1"/>
+          </p:cNvSpPr>
+          <p:nvPr>
+            <p:ph type="body" idx="1"/>
+          </p:nvPr>
+        </p:nvSpPr>
+        <p:spPr/>
+        <p:txBody>
+          <a:bodyPr/>
+          <a:lstStyle/>
+          <a:p>
+            <a:r>
+              <a:rPr lang="en-US" dirty="0"/>
+              <a:t>Max</a:t>
+            </a:r>
+          </a:p>
+        </p:txBody>
+      </p:sp>
+      <p:sp>
+        <p:nvSpPr>
+          <p:cNvPr id="4" name="Slide Number Placeholder 3"/>
+          <p:cNvSpPr>
+            <a:spLocks noGrp="1"/>
+          </p:cNvSpPr>
+          <p:nvPr>
+            <p:ph type="sldNum" sz="quarter" idx="5"/>
+          </p:nvPr>
+        </p:nvSpPr>
+        <p:spPr/>
+        <p:txBody>
+          <a:bodyPr/>
+          <a:lstStyle/>
+          <a:p>
+            <a:fld id="{0CDA9607-FCE4-497D-AD75-D71330362BE7}" type="slidenum">
+              <a:rPr lang="de-DE" smtClean="0"/>
+              <a:t>9</a:t>
+            </a:fld>
+            <a:endParaRPr lang="de-DE"/>
+          </a:p>
+        </p:txBody>
+      </p:sp>
+    </p:spTree>
+    <p:extLst>
+      <p:ext uri="{BB962C8B-B14F-4D97-AF65-F5344CB8AC3E}">
+        <p14:creationId xmlns:p14="http://schemas.microsoft.com/office/powerpoint/2010/main" val="1779622574"/>
       </p:ext>
     </p:extLst>
   </p:cSld>
@@ -3913,7 +4512,7 @@
           <p:nvPr/>
         </p:nvPicPr>
         <p:blipFill>
-          <a:blip r:embed="rId2">
+          <a:blip r:embed="rId3">
             <a:extLst>
               <a:ext uri="{28A0092B-C50C-407E-A947-70E740481C1C}">
                 <a14:useLocalDpi xmlns:a14="http://schemas.microsoft.com/office/drawing/2010/main" val="0"/>
@@ -7355,7 +7954,7 @@
           <p:nvPr/>
         </p:nvPicPr>
         <p:blipFill>
-          <a:blip r:embed="rId2"/>
+          <a:blip r:embed="rId3"/>
           <a:stretch>
             <a:fillRect/>
           </a:stretch>
@@ -7483,7 +8082,7 @@
           <p:nvPr/>
         </p:nvPicPr>
         <p:blipFill>
-          <a:blip r:embed="rId3"/>
+          <a:blip r:embed="rId4"/>
           <a:stretch>
             <a:fillRect/>
           </a:stretch>
@@ -8362,8 +8961,8 @@
           </a:p>
         </p:txBody>
       </p:sp>
-      <mc:AlternateContent xmlns:mc="http://schemas.openxmlformats.org/markup-compatibility/2006">
-        <mc:Choice xmlns:pslz="http://schemas.microsoft.com/office/powerpoint/2016/slidezoom" Requires="pslz">
+      <mc:AlternateContent xmlns:mc="http://schemas.openxmlformats.org/markup-compatibility/2006" xmlns:pslz="http://schemas.microsoft.com/office/powerpoint/2016/slidezoom">
+        <mc:Choice Requires="pslz">
           <p:graphicFrame>
             <p:nvGraphicFramePr>
               <p:cNvPr id="37" name="Folienzoom 36">
@@ -8424,7 +9023,7 @@
             </a:graphic>
           </p:graphicFrame>
         </mc:Choice>
-        <mc:Fallback>
+        <mc:Fallback xmlns="">
           <p:pic>
             <p:nvPicPr>
               <p:cNvPr id="37" name="Folienzoom 36">
@@ -8441,7 +9040,7 @@
               <p:nvPr/>
             </p:nvPicPr>
             <p:blipFill>
-              <a:blip r:embed="rId3">
+              <a:blip r:embed="rId5">
                 <a:extLst>
                   <a:ext uri="{28A0092B-C50C-407E-A947-70E740481C1C}">
                     <a14:useLocalDpi xmlns:a14="http://schemas.microsoft.com/office/drawing/2010/main" val="0"/>
@@ -8467,8 +9066,8 @@
           </p:pic>
         </mc:Fallback>
       </mc:AlternateContent>
-      <mc:AlternateContent xmlns:mc="http://schemas.openxmlformats.org/markup-compatibility/2006">
-        <mc:Choice xmlns:pslz="http://schemas.microsoft.com/office/powerpoint/2016/slidezoom" Requires="pslz">
+      <mc:AlternateContent xmlns:mc="http://schemas.openxmlformats.org/markup-compatibility/2006" xmlns:pslz="http://schemas.microsoft.com/office/powerpoint/2016/slidezoom">
+        <mc:Choice Requires="pslz">
           <p:graphicFrame>
             <p:nvGraphicFramePr>
               <p:cNvPr id="10" name="Folienzoom 9">
@@ -8499,7 +9098,7 @@
                   <pslz:sldZmObj sldId="263" cId="566164889">
                     <pslz:zmPr id="{2F6B6AE8-4D8C-4D39-8CA7-B4E3BC07D4BF}" imageType="cover" transitionDur="1000">
                       <p166:blipFill xmlns:p166="http://schemas.microsoft.com/office/powerpoint/2016/6/main">
-                        <a:blip r:embed="rId5">
+                        <a:blip r:embed="rId6">
                           <a:extLst>
                             <a:ext uri="{28A0092B-C50C-407E-A947-70E740481C1C}">
                               <a14:useLocalDpi xmlns:a14="http://schemas.microsoft.com/office/drawing/2010/main" val="0"/>
@@ -8531,11 +9130,11 @@
             </a:graphic>
           </p:graphicFrame>
         </mc:Choice>
-        <mc:Fallback>
+        <mc:Fallback xmlns="">
           <p:pic>
             <p:nvPicPr>
               <p:cNvPr id="10" name="Folienzoom 9">
-                <a:hlinkClick r:id="rId6" action="ppaction://hlinksldjump"/>
+                <a:hlinkClick r:id="rId7" action="ppaction://hlinksldjump"/>
                 <a:extLst>
                   <a:ext uri="{FF2B5EF4-FFF2-40B4-BE49-F238E27FC236}">
                     <a16:creationId xmlns:a16="http://schemas.microsoft.com/office/drawing/2014/main" id="{E85796D8-F401-4630-AE7F-DFBA8FE8BD15}"/>
@@ -8548,7 +9147,7 @@
               <p:nvPr/>
             </p:nvPicPr>
             <p:blipFill>
-              <a:blip r:embed="rId5">
+              <a:blip r:embed="rId8">
                 <a:extLst>
                   <a:ext uri="{28A0092B-C50C-407E-A947-70E740481C1C}">
                     <a14:useLocalDpi xmlns:a14="http://schemas.microsoft.com/office/drawing/2010/main" val="0"/>
@@ -10377,7 +10976,7 @@
                   <pslz:sldZmObj sldId="265" cId="754373753">
                     <pslz:zmPr id="{68D6DA47-4D26-4922-BA76-918F096EFEA8}" imageType="cover" transitionDur="1000">
                       <p166:blipFill xmlns:p166="http://schemas.microsoft.com/office/powerpoint/2016/6/main">
-                        <a:blip r:embed="rId2">
+                        <a:blip r:embed="rId3">
                           <a:extLst>
                             <a:ext uri="{28A0092B-C50C-407E-A947-70E740481C1C}">
                               <a14:useLocalDpi xmlns:a14="http://schemas.microsoft.com/office/drawing/2010/main" val="0"/>
@@ -10413,7 +11012,7 @@
           <p:pic>
             <p:nvPicPr>
               <p:cNvPr id="28" name="Folienzoom 27">
-                <a:hlinkClick r:id="rId3" action="ppaction://hlinksldjump"/>
+                <a:hlinkClick r:id="rId4" action="ppaction://hlinksldjump"/>
                 <a:extLst>
                   <a:ext uri="{FF2B5EF4-FFF2-40B4-BE49-F238E27FC236}">
                     <a16:creationId xmlns:a16="http://schemas.microsoft.com/office/drawing/2014/main" id="{76572E65-320D-4EE9-93C4-86F5654EA415}"/>

--- a/VierGewinnt.pptx
+++ b/VierGewinnt.pptx
@@ -439,7 +439,7 @@
           <a:p>
             <a:fld id="{0CDA9607-FCE4-497D-AD75-D71330362BE7}" type="slidenum">
               <a:rPr lang="de-DE" smtClean="0"/>
-              <a:t>‹#›</a:t>
+              <a:t>‹Nr.›</a:t>
             </a:fld>
             <a:endParaRPr lang="de-DE"/>
           </a:p>
@@ -770,9 +770,247 @@
           <a:lstStyle/>
           <a:p>
             <a:r>
+              <a:rPr lang="en-US" dirty="0" err="1"/>
+              <a:t>Ausgabe</a:t>
+            </a:r>
+            <a:r>
               <a:rPr lang="en-US" dirty="0"/>
-              <a:t>Sophia</a:t>
-            </a:r>
+              <a:t>: LED –Matrix; </a:t>
+            </a:r>
+            <a:r>
+              <a:rPr lang="en-US" dirty="0" err="1"/>
+              <a:t>Horizontale</a:t>
+            </a:r>
+            <a:r>
+              <a:rPr lang="en-US" dirty="0"/>
+              <a:t> </a:t>
+            </a:r>
+            <a:r>
+              <a:rPr lang="en-US" dirty="0" err="1"/>
+              <a:t>über</a:t>
+            </a:r>
+            <a:r>
+              <a:rPr lang="en-US" dirty="0"/>
+              <a:t> Port 0, </a:t>
+            </a:r>
+            <a:r>
+              <a:rPr lang="en-US" dirty="0" err="1"/>
+              <a:t>Vertikale</a:t>
+            </a:r>
+            <a:r>
+              <a:rPr lang="en-US" dirty="0"/>
+              <a:t> </a:t>
+            </a:r>
+            <a:r>
+              <a:rPr lang="en-US" dirty="0" err="1"/>
+              <a:t>über</a:t>
+            </a:r>
+            <a:r>
+              <a:rPr lang="en-US" dirty="0"/>
+              <a:t> Port1</a:t>
+            </a:r>
+          </a:p>
+          <a:p>
+            <a:r>
+              <a:rPr lang="en-US" dirty="0"/>
+              <a:t>	</a:t>
+            </a:r>
+            <a:r>
+              <a:rPr lang="en-US" dirty="0" err="1"/>
+              <a:t>Spielsteine</a:t>
+            </a:r>
+            <a:r>
+              <a:rPr lang="en-US" dirty="0"/>
+              <a:t> </a:t>
+            </a:r>
+            <a:r>
+              <a:rPr lang="en-US" dirty="0" err="1"/>
+              <a:t>durch</a:t>
+            </a:r>
+            <a:r>
+              <a:rPr lang="en-US" dirty="0"/>
+              <a:t> </a:t>
+            </a:r>
+            <a:r>
+              <a:rPr lang="en-US" dirty="0" err="1"/>
+              <a:t>einleinzelne</a:t>
+            </a:r>
+            <a:r>
+              <a:rPr lang="en-US" dirty="0"/>
+              <a:t> LEDs, </a:t>
+            </a:r>
+            <a:r>
+              <a:rPr lang="en-US" dirty="0" err="1"/>
+              <a:t>Spieler</a:t>
+            </a:r>
+            <a:r>
+              <a:rPr lang="en-US" dirty="0"/>
+              <a:t> </a:t>
+            </a:r>
+            <a:r>
+              <a:rPr lang="en-US" dirty="0" err="1"/>
+              <a:t>unterscheidung</a:t>
+            </a:r>
+            <a:r>
+              <a:rPr lang="en-US" dirty="0"/>
+              <a:t> : 2. </a:t>
+            </a:r>
+            <a:r>
+              <a:rPr lang="en-US" dirty="0" err="1"/>
+              <a:t>Spieler</a:t>
+            </a:r>
+            <a:r>
+              <a:rPr lang="en-US" dirty="0"/>
+              <a:t> </a:t>
+            </a:r>
+            <a:r>
+              <a:rPr lang="en-US" dirty="0" err="1"/>
+              <a:t>nur</a:t>
+            </a:r>
+            <a:r>
+              <a:rPr lang="en-US" dirty="0"/>
+              <a:t> </a:t>
+            </a:r>
+            <a:r>
+              <a:rPr lang="en-US" dirty="0" err="1"/>
+              <a:t>jede</a:t>
+            </a:r>
+            <a:r>
+              <a:rPr lang="en-US" dirty="0"/>
+              <a:t> </a:t>
+            </a:r>
+            <a:r>
+              <a:rPr lang="en-US" dirty="0" err="1"/>
+              <a:t>zweite</a:t>
+            </a:r>
+            <a:r>
+              <a:rPr lang="en-US" dirty="0"/>
+              <a:t> </a:t>
+            </a:r>
+            <a:r>
+              <a:rPr lang="en-US" dirty="0" err="1"/>
+              <a:t>Ausgabe</a:t>
+            </a:r>
+            <a:r>
+              <a:rPr lang="en-US" dirty="0"/>
+              <a:t> 	</a:t>
+            </a:r>
+            <a:r>
+              <a:rPr lang="en-US" dirty="0" err="1"/>
+              <a:t>angezeigt</a:t>
+            </a:r>
+            <a:r>
+              <a:rPr lang="en-US" dirty="0"/>
+              <a:t>, </a:t>
+            </a:r>
+            <a:r>
+              <a:rPr lang="en-US" dirty="0">
+                <a:sym typeface="Wingdings" panose="05000000000000000000" pitchFamily="2" charset="2"/>
+              </a:rPr>
+              <a:t> </a:t>
+            </a:r>
+            <a:r>
+              <a:rPr lang="en-US" dirty="0" err="1">
+                <a:sym typeface="Wingdings" panose="05000000000000000000" pitchFamily="2" charset="2"/>
+              </a:rPr>
+              <a:t>blinken</a:t>
+            </a:r>
+            <a:endParaRPr lang="en-US" dirty="0">
+              <a:sym typeface="Wingdings" panose="05000000000000000000" pitchFamily="2" charset="2"/>
+            </a:endParaRPr>
+          </a:p>
+          <a:p>
+            <a:r>
+              <a:rPr lang="en-US" dirty="0" err="1">
+                <a:sym typeface="Wingdings" panose="05000000000000000000" pitchFamily="2" charset="2"/>
+              </a:rPr>
+              <a:t>Eingabe</a:t>
+            </a:r>
+            <a:r>
+              <a:rPr lang="en-US" dirty="0">
+                <a:sym typeface="Wingdings" panose="05000000000000000000" pitchFamily="2" charset="2"/>
+              </a:rPr>
+              <a:t>: Keypad; Port2 </a:t>
+            </a:r>
+            <a:r>
+              <a:rPr lang="en-US" dirty="0" err="1">
+                <a:sym typeface="Wingdings" panose="05000000000000000000" pitchFamily="2" charset="2"/>
+              </a:rPr>
+              <a:t>Schalter</a:t>
+            </a:r>
+            <a:r>
+              <a:rPr lang="en-US" dirty="0">
+                <a:sym typeface="Wingdings" panose="05000000000000000000" pitchFamily="2" charset="2"/>
+              </a:rPr>
+              <a:t> </a:t>
+            </a:r>
+            <a:r>
+              <a:rPr lang="en-US" dirty="0" err="1">
+                <a:sym typeface="Wingdings" panose="05000000000000000000" pitchFamily="2" charset="2"/>
+              </a:rPr>
+              <a:t>betätigt</a:t>
+            </a:r>
+            <a:r>
+              <a:rPr lang="en-US" dirty="0">
+                <a:sym typeface="Wingdings" panose="05000000000000000000" pitchFamily="2" charset="2"/>
+              </a:rPr>
+              <a:t>, </a:t>
+            </a:r>
+            <a:r>
+              <a:rPr lang="en-US" dirty="0" err="1">
+                <a:sym typeface="Wingdings" panose="05000000000000000000" pitchFamily="2" charset="2"/>
+              </a:rPr>
+              <a:t>jeweiliger</a:t>
+            </a:r>
+            <a:r>
+              <a:rPr lang="en-US" dirty="0">
+                <a:sym typeface="Wingdings" panose="05000000000000000000" pitchFamily="2" charset="2"/>
+              </a:rPr>
+              <a:t> Pin </a:t>
+            </a:r>
+            <a:r>
+              <a:rPr lang="en-US" dirty="0" err="1">
+                <a:sym typeface="Wingdings" panose="05000000000000000000" pitchFamily="2" charset="2"/>
+              </a:rPr>
+              <a:t>mit</a:t>
+            </a:r>
+            <a:r>
+              <a:rPr lang="en-US" dirty="0">
+                <a:sym typeface="Wingdings" panose="05000000000000000000" pitchFamily="2" charset="2"/>
+              </a:rPr>
+              <a:t> </a:t>
+            </a:r>
+            <a:r>
+              <a:rPr lang="en-US" dirty="0" err="1">
+                <a:sym typeface="Wingdings" panose="05000000000000000000" pitchFamily="2" charset="2"/>
+              </a:rPr>
+              <a:t>Massenpotential</a:t>
+            </a:r>
+            <a:r>
+              <a:rPr lang="en-US" dirty="0">
+                <a:sym typeface="Wingdings" panose="05000000000000000000" pitchFamily="2" charset="2"/>
+              </a:rPr>
+              <a:t> </a:t>
+            </a:r>
+            <a:r>
+              <a:rPr lang="en-US" dirty="0" err="1">
+                <a:sym typeface="Wingdings" panose="05000000000000000000" pitchFamily="2" charset="2"/>
+              </a:rPr>
+              <a:t>verbunden</a:t>
+            </a:r>
+            <a:r>
+              <a:rPr lang="en-US" dirty="0">
+                <a:sym typeface="Wingdings" panose="05000000000000000000" pitchFamily="2" charset="2"/>
+              </a:rPr>
+              <a:t>  low </a:t>
+            </a:r>
+            <a:r>
+              <a:rPr lang="en-US" dirty="0" err="1">
+                <a:sym typeface="Wingdings" panose="05000000000000000000" pitchFamily="2" charset="2"/>
+              </a:rPr>
+              <a:t>gesetzt</a:t>
+            </a:r>
+            <a:endParaRPr lang="en-US" dirty="0"/>
           </a:p>
         </p:txBody>
       </p:sp>
@@ -858,6 +1096,144 @@
           <a:p>
             <a:r>
               <a:rPr lang="en-US" dirty="0"/>
+              <a:t>Ein Byte pro </a:t>
+            </a:r>
+            <a:r>
+              <a:rPr lang="en-US" dirty="0" err="1"/>
+              <a:t>Zeile</a:t>
+            </a:r>
+            <a:r>
+              <a:rPr lang="en-US" dirty="0"/>
+              <a:t> auf der Matrix des </a:t>
+            </a:r>
+            <a:r>
+              <a:rPr lang="en-US" dirty="0" err="1"/>
+              <a:t>Spielers</a:t>
+            </a:r>
+            <a:r>
+              <a:rPr lang="en-US" dirty="0"/>
+              <a:t>, </a:t>
+            </a:r>
+            <a:r>
+              <a:rPr lang="en-US" dirty="0" err="1"/>
+              <a:t>jeder</a:t>
+            </a:r>
+            <a:r>
+              <a:rPr lang="en-US" dirty="0"/>
+              <a:t> </a:t>
+            </a:r>
+            <a:r>
+              <a:rPr lang="en-US" dirty="0" err="1"/>
+              <a:t>Spieler</a:t>
+            </a:r>
+            <a:r>
+              <a:rPr lang="en-US" dirty="0"/>
+              <a:t> hat </a:t>
+            </a:r>
+            <a:r>
+              <a:rPr lang="en-US" dirty="0" err="1"/>
+              <a:t>seperat</a:t>
+            </a:r>
+            <a:r>
+              <a:rPr lang="en-US" dirty="0"/>
+              <a:t> </a:t>
+            </a:r>
+            <a:r>
+              <a:rPr lang="en-US" dirty="0" err="1"/>
+              <a:t>gespeicherten</a:t>
+            </a:r>
+            <a:r>
+              <a:rPr lang="en-US" dirty="0"/>
+              <a:t> </a:t>
+            </a:r>
+            <a:r>
+              <a:rPr lang="en-US" dirty="0" err="1"/>
+              <a:t>Spielstand</a:t>
+            </a:r>
+            <a:endParaRPr lang="en-US" dirty="0"/>
+          </a:p>
+          <a:p>
+            <a:r>
+              <a:rPr lang="en-US" dirty="0" err="1"/>
+              <a:t>Zeilen</a:t>
+            </a:r>
+            <a:r>
+              <a:rPr lang="en-US" dirty="0"/>
+              <a:t> </a:t>
+            </a:r>
+            <a:r>
+              <a:rPr lang="en-US" dirty="0" err="1"/>
+              <a:t>hintereinander</a:t>
+            </a:r>
+            <a:r>
+              <a:rPr lang="en-US" dirty="0"/>
+              <a:t> </a:t>
+            </a:r>
+            <a:r>
+              <a:rPr lang="en-US" dirty="0" err="1"/>
+              <a:t>im</a:t>
+            </a:r>
+            <a:r>
+              <a:rPr lang="en-US" dirty="0"/>
+              <a:t> RAM </a:t>
+            </a:r>
+            <a:r>
+              <a:rPr lang="en-US" dirty="0" err="1"/>
+              <a:t>angeordnet</a:t>
+            </a:r>
+            <a:r>
+              <a:rPr lang="en-US" dirty="0"/>
+              <a:t> -&gt; </a:t>
+            </a:r>
+            <a:r>
+              <a:rPr lang="en-US" dirty="0" err="1"/>
+              <a:t>Insgesamt</a:t>
+            </a:r>
+            <a:r>
+              <a:rPr lang="en-US" dirty="0"/>
+              <a:t> also 16 </a:t>
+            </a:r>
+            <a:r>
+              <a:rPr lang="en-US" dirty="0" err="1"/>
+              <a:t>Reihen</a:t>
+            </a:r>
+            <a:r>
+              <a:rPr lang="en-US" dirty="0"/>
+              <a:t> </a:t>
+            </a:r>
+            <a:r>
+              <a:rPr lang="en-US" dirty="0" err="1"/>
+              <a:t>im</a:t>
+            </a:r>
+            <a:r>
+              <a:rPr lang="en-US" dirty="0"/>
+              <a:t> RAM </a:t>
+            </a:r>
+            <a:r>
+              <a:rPr lang="en-US" dirty="0" err="1"/>
+              <a:t>für</a:t>
+            </a:r>
+            <a:r>
+              <a:rPr lang="en-US" dirty="0"/>
+              <a:t> die </a:t>
+            </a:r>
+            <a:r>
+              <a:rPr lang="en-US" dirty="0" err="1"/>
+              <a:t>speicherung</a:t>
+            </a:r>
+            <a:r>
+              <a:rPr lang="en-US" dirty="0"/>
+              <a:t> der </a:t>
+            </a:r>
+            <a:r>
+              <a:rPr lang="en-US" dirty="0" err="1"/>
+              <a:t>Spielstände</a:t>
+            </a:r>
+            <a:endParaRPr lang="en-US" dirty="0"/>
+          </a:p>
+          <a:p>
+            <a:r>
+              <a:rPr lang="en-US" dirty="0"/>
               <a:t>-&gt; Pascal</a:t>
             </a:r>
           </a:p>
@@ -1361,7 +1737,7 @@
           <a:p>
             <a:fld id="{BD53F27A-5BF1-40F9-A240-2C738F6BA072}" type="slidenum">
               <a:rPr lang="de-DE" smtClean="0"/>
-              <a:t>‹#›</a:t>
+              <a:t>‹Nr.›</a:t>
             </a:fld>
             <a:endParaRPr lang="de-DE"/>
           </a:p>
@@ -1559,7 +1935,7 @@
           <a:p>
             <a:fld id="{BD53F27A-5BF1-40F9-A240-2C738F6BA072}" type="slidenum">
               <a:rPr lang="de-DE" smtClean="0"/>
-              <a:t>‹#›</a:t>
+              <a:t>‹Nr.›</a:t>
             </a:fld>
             <a:endParaRPr lang="de-DE"/>
           </a:p>
@@ -1767,7 +2143,7 @@
           <a:p>
             <a:fld id="{BD53F27A-5BF1-40F9-A240-2C738F6BA072}" type="slidenum">
               <a:rPr lang="de-DE" smtClean="0"/>
-              <a:t>‹#›</a:t>
+              <a:t>‹Nr.›</a:t>
             </a:fld>
             <a:endParaRPr lang="de-DE"/>
           </a:p>
@@ -1965,7 +2341,7 @@
           <a:p>
             <a:fld id="{BD53F27A-5BF1-40F9-A240-2C738F6BA072}" type="slidenum">
               <a:rPr lang="de-DE" smtClean="0"/>
-              <a:t>‹#›</a:t>
+              <a:t>‹Nr.›</a:t>
             </a:fld>
             <a:endParaRPr lang="de-DE"/>
           </a:p>
@@ -2240,7 +2616,7 @@
           <a:p>
             <a:fld id="{BD53F27A-5BF1-40F9-A240-2C738F6BA072}" type="slidenum">
               <a:rPr lang="de-DE" smtClean="0"/>
-              <a:t>‹#›</a:t>
+              <a:t>‹Nr.›</a:t>
             </a:fld>
             <a:endParaRPr lang="de-DE"/>
           </a:p>
@@ -2505,7 +2881,7 @@
           <a:p>
             <a:fld id="{BD53F27A-5BF1-40F9-A240-2C738F6BA072}" type="slidenum">
               <a:rPr lang="de-DE" smtClean="0"/>
-              <a:t>‹#›</a:t>
+              <a:t>‹Nr.›</a:t>
             </a:fld>
             <a:endParaRPr lang="de-DE"/>
           </a:p>
@@ -2917,7 +3293,7 @@
           <a:p>
             <a:fld id="{BD53F27A-5BF1-40F9-A240-2C738F6BA072}" type="slidenum">
               <a:rPr lang="de-DE" smtClean="0"/>
-              <a:t>‹#›</a:t>
+              <a:t>‹Nr.›</a:t>
             </a:fld>
             <a:endParaRPr lang="de-DE"/>
           </a:p>
@@ -3058,7 +3434,7 @@
           <a:p>
             <a:fld id="{BD53F27A-5BF1-40F9-A240-2C738F6BA072}" type="slidenum">
               <a:rPr lang="de-DE" smtClean="0"/>
-              <a:t>‹#›</a:t>
+              <a:t>‹Nr.›</a:t>
             </a:fld>
             <a:endParaRPr lang="de-DE"/>
           </a:p>
@@ -3171,7 +3547,7 @@
           <a:p>
             <a:fld id="{BD53F27A-5BF1-40F9-A240-2C738F6BA072}" type="slidenum">
               <a:rPr lang="de-DE" smtClean="0"/>
-              <a:t>‹#›</a:t>
+              <a:t>‹Nr.›</a:t>
             </a:fld>
             <a:endParaRPr lang="de-DE"/>
           </a:p>
@@ -3482,7 +3858,7 @@
           <a:p>
             <a:fld id="{BD53F27A-5BF1-40F9-A240-2C738F6BA072}" type="slidenum">
               <a:rPr lang="de-DE" smtClean="0"/>
-              <a:t>‹#›</a:t>
+              <a:t>‹Nr.›</a:t>
             </a:fld>
             <a:endParaRPr lang="de-DE"/>
           </a:p>
@@ -3770,7 +4146,7 @@
           <a:p>
             <a:fld id="{BD53F27A-5BF1-40F9-A240-2C738F6BA072}" type="slidenum">
               <a:rPr lang="de-DE" smtClean="0"/>
-              <a:t>‹#›</a:t>
+              <a:t>‹Nr.›</a:t>
             </a:fld>
             <a:endParaRPr lang="de-DE"/>
           </a:p>
@@ -4047,7 +4423,7 @@
           <a:p>
             <a:fld id="{BD53F27A-5BF1-40F9-A240-2C738F6BA072}" type="slidenum">
               <a:rPr lang="de-DE" smtClean="0"/>
-              <a:t>‹#›</a:t>
+              <a:t>‹Nr.›</a:t>
             </a:fld>
             <a:endParaRPr lang="de-DE"/>
           </a:p>

--- a/VierGewinnt.pptx
+++ b/VierGewinnt.pptx
@@ -439,7 +439,7 @@
           <a:p>
             <a:fld id="{0CDA9607-FCE4-497D-AD75-D71330362BE7}" type="slidenum">
               <a:rPr lang="de-DE" smtClean="0"/>
-              <a:t>‹Nr.›</a:t>
+              <a:t>‹#›</a:t>
             </a:fld>
             <a:endParaRPr lang="de-DE"/>
           </a:p>
@@ -684,7 +684,7 @@
           <a:p>
             <a:r>
               <a:rPr lang="en-US" dirty="0"/>
-              <a:t>-&gt; Sophia</a:t>
+              <a:t>Martin -&gt; Sophia</a:t>
             </a:r>
           </a:p>
         </p:txBody>
@@ -770,6 +770,12 @@
           <a:lstStyle/>
           <a:p>
             <a:r>
+              <a:rPr lang="en-US" dirty="0"/>
+              <a:t>Sophia</a:t>
+            </a:r>
+          </a:p>
+          <a:p>
+            <a:r>
               <a:rPr lang="en-US" dirty="0" err="1"/>
               <a:t>Ausgabe</a:t>
             </a:r>
@@ -1234,7 +1240,7 @@
           <a:p>
             <a:r>
               <a:rPr lang="en-US" dirty="0"/>
-              <a:t>-&gt; Pascal</a:t>
+              <a:t>Sophia -&gt; Pascal</a:t>
             </a:r>
           </a:p>
         </p:txBody>
@@ -1408,7 +1414,7 @@
           <a:p>
             <a:r>
               <a:rPr lang="en-US" dirty="0"/>
-              <a:t>-&gt; Max</a:t>
+              <a:t>Pascal -&gt; Max</a:t>
             </a:r>
           </a:p>
         </p:txBody>
@@ -1527,6 +1533,182 @@
     <p:extLst>
       <p:ext uri="{BB962C8B-B14F-4D97-AF65-F5344CB8AC3E}">
         <p14:creationId xmlns:p14="http://schemas.microsoft.com/office/powerpoint/2010/main" val="1779622574"/>
+      </p:ext>
+    </p:extLst>
+  </p:cSld>
+  <p:clrMapOvr>
+    <a:masterClrMapping/>
+  </p:clrMapOvr>
+</p:notes>
+</file>
+
+<file path=ppt/notesSlides/notesSlide8.xml><?xml version="1.0" encoding="utf-8"?>
+<p:notes xmlns:a="http://schemas.openxmlformats.org/drawingml/2006/main" xmlns:r="http://schemas.openxmlformats.org/officeDocument/2006/relationships" xmlns:p="http://schemas.openxmlformats.org/presentationml/2006/main">
+  <p:cSld>
+    <p:spTree>
+      <p:nvGrpSpPr>
+        <p:cNvPr id="1" name=""/>
+        <p:cNvGrpSpPr/>
+        <p:nvPr/>
+      </p:nvGrpSpPr>
+      <p:grpSpPr>
+        <a:xfrm>
+          <a:off x="0" y="0"/>
+          <a:ext cx="0" cy="0"/>
+          <a:chOff x="0" y="0"/>
+          <a:chExt cx="0" cy="0"/>
+        </a:xfrm>
+      </p:grpSpPr>
+      <p:sp>
+        <p:nvSpPr>
+          <p:cNvPr id="2" name="Slide Image Placeholder 1"/>
+          <p:cNvSpPr>
+            <a:spLocks noGrp="1" noRot="1" noChangeAspect="1"/>
+          </p:cNvSpPr>
+          <p:nvPr>
+            <p:ph type="sldImg"/>
+          </p:nvPr>
+        </p:nvSpPr>
+        <p:spPr/>
+      </p:sp>
+      <p:sp>
+        <p:nvSpPr>
+          <p:cNvPr id="3" name="Notes Placeholder 2"/>
+          <p:cNvSpPr>
+            <a:spLocks noGrp="1"/>
+          </p:cNvSpPr>
+          <p:nvPr>
+            <p:ph type="body" idx="1"/>
+          </p:nvPr>
+        </p:nvSpPr>
+        <p:spPr/>
+        <p:txBody>
+          <a:bodyPr/>
+          <a:lstStyle/>
+          <a:p>
+            <a:r>
+              <a:rPr lang="en-US" dirty="0"/>
+              <a:t>Max -&gt; Pascal</a:t>
+            </a:r>
+            <a:endParaRPr lang="de-DE" dirty="0"/>
+          </a:p>
+        </p:txBody>
+      </p:sp>
+      <p:sp>
+        <p:nvSpPr>
+          <p:cNvPr id="4" name="Slide Number Placeholder 3"/>
+          <p:cNvSpPr>
+            <a:spLocks noGrp="1"/>
+          </p:cNvSpPr>
+          <p:nvPr>
+            <p:ph type="sldNum" sz="quarter" idx="5"/>
+          </p:nvPr>
+        </p:nvSpPr>
+        <p:spPr/>
+        <p:txBody>
+          <a:bodyPr/>
+          <a:lstStyle/>
+          <a:p>
+            <a:fld id="{0CDA9607-FCE4-497D-AD75-D71330362BE7}" type="slidenum">
+              <a:rPr lang="de-DE" smtClean="0"/>
+              <a:t>11</a:t>
+            </a:fld>
+            <a:endParaRPr lang="de-DE"/>
+          </a:p>
+        </p:txBody>
+      </p:sp>
+    </p:spTree>
+    <p:extLst>
+      <p:ext uri="{BB962C8B-B14F-4D97-AF65-F5344CB8AC3E}">
+        <p14:creationId xmlns:p14="http://schemas.microsoft.com/office/powerpoint/2010/main" val="3527023446"/>
+      </p:ext>
+    </p:extLst>
+  </p:cSld>
+  <p:clrMapOvr>
+    <a:masterClrMapping/>
+  </p:clrMapOvr>
+</p:notes>
+</file>
+
+<file path=ppt/notesSlides/notesSlide9.xml><?xml version="1.0" encoding="utf-8"?>
+<p:notes xmlns:a="http://schemas.openxmlformats.org/drawingml/2006/main" xmlns:r="http://schemas.openxmlformats.org/officeDocument/2006/relationships" xmlns:p="http://schemas.openxmlformats.org/presentationml/2006/main">
+  <p:cSld>
+    <p:spTree>
+      <p:nvGrpSpPr>
+        <p:cNvPr id="1" name=""/>
+        <p:cNvGrpSpPr/>
+        <p:nvPr/>
+      </p:nvGrpSpPr>
+      <p:grpSpPr>
+        <a:xfrm>
+          <a:off x="0" y="0"/>
+          <a:ext cx="0" cy="0"/>
+          <a:chOff x="0" y="0"/>
+          <a:chExt cx="0" cy="0"/>
+        </a:xfrm>
+      </p:grpSpPr>
+      <p:sp>
+        <p:nvSpPr>
+          <p:cNvPr id="2" name="Slide Image Placeholder 1"/>
+          <p:cNvSpPr>
+            <a:spLocks noGrp="1" noRot="1" noChangeAspect="1"/>
+          </p:cNvSpPr>
+          <p:nvPr>
+            <p:ph type="sldImg"/>
+          </p:nvPr>
+        </p:nvSpPr>
+        <p:spPr/>
+      </p:sp>
+      <p:sp>
+        <p:nvSpPr>
+          <p:cNvPr id="3" name="Notes Placeholder 2"/>
+          <p:cNvSpPr>
+            <a:spLocks noGrp="1"/>
+          </p:cNvSpPr>
+          <p:nvPr>
+            <p:ph type="body" idx="1"/>
+          </p:nvPr>
+        </p:nvSpPr>
+        <p:spPr/>
+        <p:txBody>
+          <a:bodyPr/>
+          <a:lstStyle/>
+          <a:p>
+            <a:r>
+              <a:rPr lang="en-US" dirty="0"/>
+              <a:t>Pascal</a:t>
+            </a:r>
+            <a:endParaRPr lang="de-DE" dirty="0"/>
+          </a:p>
+        </p:txBody>
+      </p:sp>
+      <p:sp>
+        <p:nvSpPr>
+          <p:cNvPr id="4" name="Slide Number Placeholder 3"/>
+          <p:cNvSpPr>
+            <a:spLocks noGrp="1"/>
+          </p:cNvSpPr>
+          <p:nvPr>
+            <p:ph type="sldNum" sz="quarter" idx="5"/>
+          </p:nvPr>
+        </p:nvSpPr>
+        <p:spPr/>
+        <p:txBody>
+          <a:bodyPr/>
+          <a:lstStyle/>
+          <a:p>
+            <a:fld id="{0CDA9607-FCE4-497D-AD75-D71330362BE7}" type="slidenum">
+              <a:rPr lang="de-DE" smtClean="0"/>
+              <a:t>12</a:t>
+            </a:fld>
+            <a:endParaRPr lang="de-DE"/>
+          </a:p>
+        </p:txBody>
+      </p:sp>
+    </p:spTree>
+    <p:extLst>
+      <p:ext uri="{BB962C8B-B14F-4D97-AF65-F5344CB8AC3E}">
+        <p14:creationId xmlns:p14="http://schemas.microsoft.com/office/powerpoint/2010/main" val="1532181370"/>
       </p:ext>
     </p:extLst>
   </p:cSld>
@@ -1737,7 +1919,7 @@
           <a:p>
             <a:fld id="{BD53F27A-5BF1-40F9-A240-2C738F6BA072}" type="slidenum">
               <a:rPr lang="de-DE" smtClean="0"/>
-              <a:t>‹Nr.›</a:t>
+              <a:t>‹#›</a:t>
             </a:fld>
             <a:endParaRPr lang="de-DE"/>
           </a:p>
@@ -1935,7 +2117,7 @@
           <a:p>
             <a:fld id="{BD53F27A-5BF1-40F9-A240-2C738F6BA072}" type="slidenum">
               <a:rPr lang="de-DE" smtClean="0"/>
-              <a:t>‹Nr.›</a:t>
+              <a:t>‹#›</a:t>
             </a:fld>
             <a:endParaRPr lang="de-DE"/>
           </a:p>
@@ -2143,7 +2325,7 @@
           <a:p>
             <a:fld id="{BD53F27A-5BF1-40F9-A240-2C738F6BA072}" type="slidenum">
               <a:rPr lang="de-DE" smtClean="0"/>
-              <a:t>‹Nr.›</a:t>
+              <a:t>‹#›</a:t>
             </a:fld>
             <a:endParaRPr lang="de-DE"/>
           </a:p>
@@ -2341,7 +2523,7 @@
           <a:p>
             <a:fld id="{BD53F27A-5BF1-40F9-A240-2C738F6BA072}" type="slidenum">
               <a:rPr lang="de-DE" smtClean="0"/>
-              <a:t>‹Nr.›</a:t>
+              <a:t>‹#›</a:t>
             </a:fld>
             <a:endParaRPr lang="de-DE"/>
           </a:p>
@@ -2616,7 +2798,7 @@
           <a:p>
             <a:fld id="{BD53F27A-5BF1-40F9-A240-2C738F6BA072}" type="slidenum">
               <a:rPr lang="de-DE" smtClean="0"/>
-              <a:t>‹Nr.›</a:t>
+              <a:t>‹#›</a:t>
             </a:fld>
             <a:endParaRPr lang="de-DE"/>
           </a:p>
@@ -2881,7 +3063,7 @@
           <a:p>
             <a:fld id="{BD53F27A-5BF1-40F9-A240-2C738F6BA072}" type="slidenum">
               <a:rPr lang="de-DE" smtClean="0"/>
-              <a:t>‹Nr.›</a:t>
+              <a:t>‹#›</a:t>
             </a:fld>
             <a:endParaRPr lang="de-DE"/>
           </a:p>
@@ -3293,7 +3475,7 @@
           <a:p>
             <a:fld id="{BD53F27A-5BF1-40F9-A240-2C738F6BA072}" type="slidenum">
               <a:rPr lang="de-DE" smtClean="0"/>
-              <a:t>‹Nr.›</a:t>
+              <a:t>‹#›</a:t>
             </a:fld>
             <a:endParaRPr lang="de-DE"/>
           </a:p>
@@ -3434,7 +3616,7 @@
           <a:p>
             <a:fld id="{BD53F27A-5BF1-40F9-A240-2C738F6BA072}" type="slidenum">
               <a:rPr lang="de-DE" smtClean="0"/>
-              <a:t>‹Nr.›</a:t>
+              <a:t>‹#›</a:t>
             </a:fld>
             <a:endParaRPr lang="de-DE"/>
           </a:p>
@@ -3547,7 +3729,7 @@
           <a:p>
             <a:fld id="{BD53F27A-5BF1-40F9-A240-2C738F6BA072}" type="slidenum">
               <a:rPr lang="de-DE" smtClean="0"/>
-              <a:t>‹Nr.›</a:t>
+              <a:t>‹#›</a:t>
             </a:fld>
             <a:endParaRPr lang="de-DE"/>
           </a:p>
@@ -3858,7 +4040,7 @@
           <a:p>
             <a:fld id="{BD53F27A-5BF1-40F9-A240-2C738F6BA072}" type="slidenum">
               <a:rPr lang="de-DE" smtClean="0"/>
-              <a:t>‹Nr.›</a:t>
+              <a:t>‹#›</a:t>
             </a:fld>
             <a:endParaRPr lang="de-DE"/>
           </a:p>
@@ -4146,7 +4328,7 @@
           <a:p>
             <a:fld id="{BD53F27A-5BF1-40F9-A240-2C738F6BA072}" type="slidenum">
               <a:rPr lang="de-DE" smtClean="0"/>
-              <a:t>‹Nr.›</a:t>
+              <a:t>‹#›</a:t>
             </a:fld>
             <a:endParaRPr lang="de-DE"/>
           </a:p>
@@ -4423,7 +4605,7 @@
           <a:p>
             <a:fld id="{BD53F27A-5BF1-40F9-A240-2C738F6BA072}" type="slidenum">
               <a:rPr lang="de-DE" smtClean="0"/>
-              <a:t>‹Nr.›</a:t>
+              <a:t>‹#›</a:t>
             </a:fld>
             <a:endParaRPr lang="de-DE"/>
           </a:p>
@@ -5001,6 +5183,9 @@
           <a:lstStyle/>
           <a:p>
             <a:pPr marL="0" indent="0">
+              <a:lnSpc>
+                <a:spcPct val="100000"/>
+              </a:lnSpc>
               <a:buNone/>
             </a:pPr>
             <a:r>
@@ -5013,11 +5198,44 @@
               </a:rPr>
               <a:t>; R2 = Schleifenzähler</a:t>
             </a:r>
-          </a:p>
-          <a:p>
-            <a:pPr marL="0" indent="0">
-              <a:buNone/>
-            </a:pPr>
+            <a:br>
+              <a:rPr lang="de-DE" sz="2400" dirty="0">
+                <a:solidFill>
+                  <a:schemeClr val="bg2">
+                    <a:lumMod val="50000"/>
+                  </a:schemeClr>
+                </a:solidFill>
+              </a:rPr>
+            </a:br>
+            <a:r>
+              <a:rPr lang="en-US" sz="2400" dirty="0">
+                <a:solidFill>
+                  <a:schemeClr val="bg2">
+                    <a:lumMod val="50000"/>
+                  </a:schemeClr>
+                </a:solidFill>
+              </a:rPr>
+              <a:t>;</a:t>
+            </a:r>
+            <a:r>
+              <a:rPr lang="de-DE" sz="2400" dirty="0">
+                <a:solidFill>
+                  <a:schemeClr val="bg2">
+                    <a:lumMod val="50000"/>
+                  </a:schemeClr>
+                </a:solidFill>
+              </a:rPr>
+              <a:t> R3 = Eingabe</a:t>
+            </a:r>
+            <a:br>
+              <a:rPr lang="de-DE" sz="2400" dirty="0">
+                <a:solidFill>
+                  <a:schemeClr val="bg2">
+                    <a:lumMod val="50000"/>
+                  </a:schemeClr>
+                </a:solidFill>
+              </a:rPr>
+            </a:br>
             <a:r>
               <a:rPr lang="de-DE" sz="2400" dirty="0">
                 <a:solidFill>
@@ -5035,12 +5253,18 @@
           </a:p>
           <a:p>
             <a:pPr marL="0" indent="0">
+              <a:lnSpc>
+                <a:spcPct val="100000"/>
+              </a:lnSpc>
               <a:buNone/>
             </a:pPr>
             <a:endParaRPr lang="de-DE" sz="2400" dirty="0"/>
           </a:p>
           <a:p>
             <a:pPr marL="0" indent="0">
+              <a:lnSpc>
+                <a:spcPct val="100000"/>
+              </a:lnSpc>
               <a:buNone/>
             </a:pPr>
             <a:r>
@@ -5053,11 +5277,15 @@
               </a:rPr>
               <a:t>vergleich:</a:t>
             </a:r>
-          </a:p>
-          <a:p>
-            <a:pPr marL="0" indent="0">
-              <a:buNone/>
-            </a:pPr>
+            <a:br>
+              <a:rPr lang="de-DE" sz="2400" dirty="0">
+                <a:solidFill>
+                  <a:schemeClr val="accent4">
+                    <a:lumMod val="75000"/>
+                  </a:schemeClr>
+                </a:solidFill>
+              </a:rPr>
+            </a:br>
             <a:r>
               <a:rPr lang="de-DE" sz="2400" dirty="0">
                 <a:solidFill>
@@ -5076,11 +5304,13 @@
               </a:rPr>
               <a:t>#SPIELER1</a:t>
             </a:r>
-          </a:p>
-          <a:p>
-            <a:pPr marL="0" indent="0">
-              <a:buNone/>
-            </a:pPr>
+            <a:br>
+              <a:rPr lang="de-DE" sz="2400" dirty="0">
+                <a:solidFill>
+                  <a:srgbClr val="FFC000"/>
+                </a:solidFill>
+              </a:rPr>
+            </a:br>
             <a:r>
               <a:rPr lang="de-DE" sz="2400" dirty="0">
                 <a:solidFill>
@@ -5091,11 +5321,15 @@
               </a:rPr>
               <a:t>ADD a, r2</a:t>
             </a:r>
-          </a:p>
-          <a:p>
-            <a:pPr marL="0" indent="0">
-              <a:buNone/>
-            </a:pPr>
+            <a:br>
+              <a:rPr lang="de-DE" sz="2400" dirty="0">
+                <a:solidFill>
+                  <a:schemeClr val="accent1">
+                    <a:lumMod val="75000"/>
+                  </a:schemeClr>
+                </a:solidFill>
+              </a:rPr>
+            </a:br>
             <a:r>
               <a:rPr lang="de-DE" sz="2400" dirty="0">
                 <a:solidFill>
@@ -5106,11 +5340,15 @@
               </a:rPr>
               <a:t>MOV r0, a</a:t>
             </a:r>
-          </a:p>
-          <a:p>
-            <a:pPr marL="0" indent="0">
-              <a:buNone/>
-            </a:pPr>
+            <a:br>
+              <a:rPr lang="de-DE" sz="2400" dirty="0">
+                <a:solidFill>
+                  <a:schemeClr val="accent1">
+                    <a:lumMod val="75000"/>
+                  </a:schemeClr>
+                </a:solidFill>
+              </a:rPr>
+            </a:br>
             <a:r>
               <a:rPr lang="de-DE" sz="2400" dirty="0">
                 <a:solidFill>
@@ -5121,11 +5359,15 @@
               </a:rPr>
               <a:t>MOV a, @R0</a:t>
             </a:r>
-          </a:p>
-          <a:p>
-            <a:pPr marL="0" indent="0">
-              <a:buNone/>
-            </a:pPr>
+            <a:br>
+              <a:rPr lang="de-DE" sz="2400" dirty="0">
+                <a:solidFill>
+                  <a:schemeClr val="accent1">
+                    <a:lumMod val="75000"/>
+                  </a:schemeClr>
+                </a:solidFill>
+              </a:rPr>
+            </a:br>
             <a:r>
               <a:rPr lang="de-DE" sz="2400" dirty="0">
                 <a:solidFill>
@@ -5136,11 +5378,15 @@
               </a:rPr>
               <a:t>ANL a, r3</a:t>
             </a:r>
-          </a:p>
-          <a:p>
-            <a:pPr marL="0" indent="0">
-              <a:buNone/>
-            </a:pPr>
+            <a:br>
+              <a:rPr lang="de-DE" sz="2400" dirty="0">
+                <a:solidFill>
+                  <a:schemeClr val="accent1">
+                    <a:lumMod val="75000"/>
+                  </a:schemeClr>
+                </a:solidFill>
+              </a:rPr>
+            </a:br>
             <a:r>
               <a:rPr lang="de-DE" sz="2400" dirty="0">
                 <a:solidFill>
@@ -5151,20 +5397,6 @@
               </a:rPr>
               <a:t>MOV r1, a</a:t>
             </a:r>
-          </a:p>
-          <a:p>
-            <a:pPr marL="0" indent="0">
-              <a:buNone/>
-            </a:pPr>
-            <a:endParaRPr lang="de-DE" sz="2400" dirty="0"/>
-          </a:p>
-          <a:p>
-            <a:pPr marL="0" indent="0">
-              <a:buNone/>
-            </a:pPr>
-            <a:endParaRPr lang="de-DE" sz="2400" dirty="0"/>
-          </a:p>
-          <a:p>
             <a:endParaRPr lang="de-DE" sz="2400" dirty="0"/>
           </a:p>
         </p:txBody>
@@ -5792,22 +6024,13 @@
             <a:pPr marL="0" indent="0">
               <a:buNone/>
             </a:pPr>
-            <a:endParaRPr lang="de-DE" sz="2400" dirty="0"/>
-          </a:p>
-          <a:p>
-            <a:pPr marL="0" indent="0">
-              <a:buNone/>
-            </a:pPr>
-            <a:r>
-              <a:rPr lang="de-DE" sz="2400" dirty="0">
-                <a:solidFill>
-                  <a:schemeClr val="accent1">
-                    <a:lumMod val="75000"/>
-                  </a:schemeClr>
-                </a:solidFill>
-              </a:rPr>
-              <a:t>MOV a, R1</a:t>
-            </a:r>
+            <a:endParaRPr lang="de-DE" sz="2400" dirty="0">
+              <a:solidFill>
+                <a:schemeClr val="accent1">
+                  <a:lumMod val="75000"/>
+                </a:schemeClr>
+              </a:solidFill>
+            </a:endParaRPr>
           </a:p>
           <a:p>
             <a:pPr marL="0" indent="0">
@@ -7217,7 +7440,7 @@
                   <pslz:sldZmObj sldId="269" cId="2813325783">
                     <pslz:zmPr id="{85B1D7B2-A83D-4D33-90C2-1864D3B6422E}" imageType="cover" transitionDur="1000">
                       <p166:blipFill xmlns:p166="http://schemas.microsoft.com/office/powerpoint/2016/6/main">
-                        <a:blip r:embed="rId2">
+                        <a:blip r:embed="rId3">
                           <a:extLst>
                             <a:ext uri="{28A0092B-C50C-407E-A947-70E740481C1C}">
                               <a14:useLocalDpi xmlns:a14="http://schemas.microsoft.com/office/drawing/2010/main" val="0"/>
@@ -7251,7 +7474,7 @@
           <p:pic>
             <p:nvPicPr>
               <p:cNvPr id="6" name="Folienzoom 5">
-                <a:hlinkClick r:id="rId3" action="ppaction://hlinksldjump"/>
+                <a:hlinkClick r:id="rId4" action="ppaction://hlinksldjump"/>
                 <a:extLst>
                   <a:ext uri="{FF2B5EF4-FFF2-40B4-BE49-F238E27FC236}">
                     <a16:creationId xmlns:a16="http://schemas.microsoft.com/office/drawing/2014/main" id="{2C42E88D-793B-417E-8566-C3EC8262A494}"/>
@@ -7264,7 +7487,7 @@
               <p:nvPr/>
             </p:nvPicPr>
             <p:blipFill>
-              <a:blip r:embed="rId4">
+              <a:blip r:embed="rId5">
                 <a:extLst>
                   <a:ext uri="{28A0092B-C50C-407E-A947-70E740481C1C}">
                     <a14:useLocalDpi xmlns:a14="http://schemas.microsoft.com/office/drawing/2010/main" val="0"/>

--- a/VierGewinnt.pptx
+++ b/VierGewinnt.pptx
@@ -131,7 +131,7 @@
 <file path=ppt/revisionInfo.xml><?xml version="1.0" encoding="utf-8"?>
 <p1510:revInfo xmlns:a="http://schemas.openxmlformats.org/drawingml/2006/main" xmlns:r="http://schemas.openxmlformats.org/officeDocument/2006/relationships" xmlns:p1510="http://schemas.microsoft.com/office/powerpoint/2015/10/main">
   <p1510:revLst>
-    <p1510:client id="{820D4242-43EA-46E6-81B7-6465D4F89800}" v="50" dt="2018-12-11T09:56:03.773"/>
+    <p1510:client id="{820D4242-43EA-46E6-81B7-6465D4F89800}" v="219" dt="2018-12-11T11:44:52.206"/>
   </p1510:revLst>
 </p1510:revInfo>
 </file>
@@ -140,8 +140,8 @@
 <pc:chgInfo xmlns:a="http://schemas.openxmlformats.org/drawingml/2006/main" xmlns:r="http://schemas.openxmlformats.org/officeDocument/2006/relationships" xmlns:ac="http://schemas.microsoft.com/office/drawing/2013/main/command" xmlns:pc="http://schemas.microsoft.com/office/powerpoint/2013/main/command">
   <pc:docChgLst>
     <pc:chgData name="Riesinger, Pascal" userId="b20ee373-397d-454b-8ed3-652fbfccf75c" providerId="ADAL" clId="{820D4242-43EA-46E6-81B7-6465D4F89800}"/>
-    <pc:docChg chg="modSld">
-      <pc:chgData name="Riesinger, Pascal" userId="b20ee373-397d-454b-8ed3-652fbfccf75c" providerId="ADAL" clId="{820D4242-43EA-46E6-81B7-6465D4F89800}" dt="2018-12-11T09:56:03.773" v="49" actId="20577"/>
+    <pc:docChg chg="custSel modSld">
+      <pc:chgData name="Riesinger, Pascal" userId="b20ee373-397d-454b-8ed3-652fbfccf75c" providerId="ADAL" clId="{820D4242-43EA-46E6-81B7-6465D4F89800}" dt="2018-12-11T11:44:52.206" v="218" actId="20577"/>
       <pc:docMkLst>
         <pc:docMk/>
       </pc:docMkLst>
@@ -179,6 +179,35 @@
           <pc:docMk/>
           <pc:sldMk cId="566164889" sldId="263"/>
         </pc:sldMkLst>
+      </pc:sldChg>
+      <pc:sldChg chg="modNotesTx">
+        <pc:chgData name="Riesinger, Pascal" userId="b20ee373-397d-454b-8ed3-652fbfccf75c" providerId="ADAL" clId="{820D4242-43EA-46E6-81B7-6465D4F89800}" dt="2018-12-11T11:44:52.206" v="218" actId="20577"/>
+        <pc:sldMkLst>
+          <pc:docMk/>
+          <pc:sldMk cId="3702486606" sldId="267"/>
+        </pc:sldMkLst>
+      </pc:sldChg>
+      <pc:sldChg chg="modNotesTx">
+        <pc:chgData name="Riesinger, Pascal" userId="b20ee373-397d-454b-8ed3-652fbfccf75c" providerId="ADAL" clId="{820D4242-43EA-46E6-81B7-6465D4F89800}" dt="2018-12-11T11:36:19.704" v="163" actId="20577"/>
+        <pc:sldMkLst>
+          <pc:docMk/>
+          <pc:sldMk cId="3602023725" sldId="268"/>
+        </pc:sldMkLst>
+      </pc:sldChg>
+      <pc:sldChg chg="modSp">
+        <pc:chgData name="Riesinger, Pascal" userId="b20ee373-397d-454b-8ed3-652fbfccf75c" providerId="ADAL" clId="{820D4242-43EA-46E6-81B7-6465D4F89800}" dt="2018-12-11T11:36:37.890" v="164" actId="20577"/>
+        <pc:sldMkLst>
+          <pc:docMk/>
+          <pc:sldMk cId="2813325783" sldId="269"/>
+        </pc:sldMkLst>
+        <pc:spChg chg="mod">
+          <ac:chgData name="Riesinger, Pascal" userId="b20ee373-397d-454b-8ed3-652fbfccf75c" providerId="ADAL" clId="{820D4242-43EA-46E6-81B7-6465D4F89800}" dt="2018-12-11T11:36:37.890" v="164" actId="20577"/>
+          <ac:spMkLst>
+            <pc:docMk/>
+            <pc:sldMk cId="2813325783" sldId="269"/>
+            <ac:spMk id="3" creationId="{97AAAE67-A688-4279-9111-810820E869CF}"/>
+          </ac:spMkLst>
+        </pc:spChg>
       </pc:sldChg>
       <pc:sldChg chg="modNotesTx">
         <pc:chgData name="Riesinger, Pascal" userId="b20ee373-397d-454b-8ed3-652fbfccf75c" providerId="ADAL" clId="{820D4242-43EA-46E6-81B7-6465D4F89800}" dt="2018-12-11T09:54:46.603" v="12" actId="20577"/>
@@ -638,6 +667,90 @@
 </p:notes>
 </file>
 
+<file path=ppt/notesSlides/notesSlide10.xml><?xml version="1.0" encoding="utf-8"?>
+<p:notes xmlns:a="http://schemas.openxmlformats.org/drawingml/2006/main" xmlns:r="http://schemas.openxmlformats.org/officeDocument/2006/relationships" xmlns:p="http://schemas.openxmlformats.org/presentationml/2006/main">
+  <p:cSld>
+    <p:spTree>
+      <p:nvGrpSpPr>
+        <p:cNvPr id="1" name=""/>
+        <p:cNvGrpSpPr/>
+        <p:nvPr/>
+      </p:nvGrpSpPr>
+      <p:grpSpPr>
+        <a:xfrm>
+          <a:off x="0" y="0"/>
+          <a:ext cx="0" cy="0"/>
+          <a:chOff x="0" y="0"/>
+          <a:chExt cx="0" cy="0"/>
+        </a:xfrm>
+      </p:grpSpPr>
+      <p:sp>
+        <p:nvSpPr>
+          <p:cNvPr id="2" name="Slide Image Placeholder 1"/>
+          <p:cNvSpPr>
+            <a:spLocks noGrp="1" noRot="1" noChangeAspect="1"/>
+          </p:cNvSpPr>
+          <p:nvPr>
+            <p:ph type="sldImg"/>
+          </p:nvPr>
+        </p:nvSpPr>
+        <p:spPr/>
+      </p:sp>
+      <p:sp>
+        <p:nvSpPr>
+          <p:cNvPr id="3" name="Notes Placeholder 2"/>
+          <p:cNvSpPr>
+            <a:spLocks noGrp="1"/>
+          </p:cNvSpPr>
+          <p:nvPr>
+            <p:ph type="body" idx="1"/>
+          </p:nvPr>
+        </p:nvSpPr>
+        <p:spPr/>
+        <p:txBody>
+          <a:bodyPr/>
+          <a:lstStyle/>
+          <a:p>
+            <a:endParaRPr lang="en-US" dirty="0"/>
+          </a:p>
+        </p:txBody>
+      </p:sp>
+      <p:sp>
+        <p:nvSpPr>
+          <p:cNvPr id="4" name="Slide Number Placeholder 3"/>
+          <p:cNvSpPr>
+            <a:spLocks noGrp="1"/>
+          </p:cNvSpPr>
+          <p:nvPr>
+            <p:ph type="sldNum" sz="quarter" idx="5"/>
+          </p:nvPr>
+        </p:nvSpPr>
+        <p:spPr/>
+        <p:txBody>
+          <a:bodyPr/>
+          <a:lstStyle/>
+          <a:p>
+            <a:fld id="{0CDA9607-FCE4-497D-AD75-D71330362BE7}" type="slidenum">
+              <a:rPr lang="de-DE" smtClean="0"/>
+              <a:t>14</a:t>
+            </a:fld>
+            <a:endParaRPr lang="de-DE"/>
+          </a:p>
+        </p:txBody>
+      </p:sp>
+    </p:spTree>
+    <p:extLst>
+      <p:ext uri="{BB962C8B-B14F-4D97-AF65-F5344CB8AC3E}">
+        <p14:creationId xmlns:p14="http://schemas.microsoft.com/office/powerpoint/2010/main" val="2355125754"/>
+      </p:ext>
+    </p:extLst>
+  </p:cSld>
+  <p:clrMapOvr>
+    <a:masterClrMapping/>
+  </p:clrMapOvr>
+</p:notes>
+</file>
+
 <file path=ppt/notesSlides/notesSlide2.xml><?xml version="1.0" encoding="utf-8"?>
 <p:notes xmlns:a="http://schemas.openxmlformats.org/drawingml/2006/main" xmlns:r="http://schemas.openxmlformats.org/officeDocument/2006/relationships" xmlns:p="http://schemas.openxmlformats.org/presentationml/2006/main">
   <p:cSld>
@@ -1678,7 +1791,102 @@
               <a:rPr lang="en-US" dirty="0"/>
               <a:t>Pascal</a:t>
             </a:r>
-            <a:endParaRPr lang="de-DE" dirty="0"/>
+          </a:p>
+          <a:p>
+            <a:endParaRPr lang="en-US" dirty="0"/>
+          </a:p>
+          <a:p>
+            <a:r>
+              <a:rPr lang="en-US" dirty="0"/>
+              <a:t>Spieler1 </a:t>
+            </a:r>
+            <a:r>
+              <a:rPr lang="en-US" dirty="0" err="1"/>
+              <a:t>wird</a:t>
+            </a:r>
+            <a:r>
+              <a:rPr lang="en-US" dirty="0"/>
+              <a:t> </a:t>
+            </a:r>
+            <a:r>
+              <a:rPr lang="en-US" dirty="0" err="1"/>
+              <a:t>geleert</a:t>
+            </a:r>
+            <a:r>
+              <a:rPr lang="en-US" dirty="0"/>
+              <a:t>.</a:t>
+            </a:r>
+          </a:p>
+          <a:p>
+            <a:r>
+              <a:rPr lang="en-US" dirty="0" err="1"/>
+              <a:t>Abfrage</a:t>
+            </a:r>
+            <a:r>
+              <a:rPr lang="en-US" dirty="0"/>
+              <a:t>, </a:t>
+            </a:r>
+            <a:r>
+              <a:rPr lang="en-US" dirty="0" err="1"/>
+              <a:t>welcher</a:t>
+            </a:r>
+            <a:r>
+              <a:rPr lang="en-US" dirty="0"/>
+              <a:t> </a:t>
+            </a:r>
+            <a:r>
+              <a:rPr lang="en-US" dirty="0" err="1"/>
+              <a:t>Spieler</a:t>
+            </a:r>
+            <a:r>
+              <a:rPr lang="en-US" dirty="0"/>
+              <a:t> </a:t>
+            </a:r>
+            <a:r>
+              <a:rPr lang="en-US" dirty="0" err="1"/>
+              <a:t>gewonnen</a:t>
+            </a:r>
+            <a:r>
+              <a:rPr lang="en-US" dirty="0"/>
+              <a:t> hat, </a:t>
+            </a:r>
+            <a:r>
+              <a:rPr lang="en-US" dirty="0" err="1"/>
+              <a:t>dann</a:t>
+            </a:r>
+            <a:r>
+              <a:rPr lang="en-US" dirty="0"/>
+              <a:t> </a:t>
+            </a:r>
+            <a:r>
+              <a:rPr lang="en-US" dirty="0" err="1"/>
+              <a:t>entsprechende</a:t>
+            </a:r>
+            <a:r>
+              <a:rPr lang="en-US" dirty="0"/>
+              <a:t> </a:t>
+            </a:r>
+            <a:r>
+              <a:rPr lang="en-US" dirty="0" err="1"/>
+              <a:t>Ausgabe</a:t>
+            </a:r>
+            <a:r>
+              <a:rPr lang="en-US" dirty="0"/>
+              <a:t> </a:t>
+            </a:r>
+            <a:r>
+              <a:rPr lang="en-US" dirty="0" err="1"/>
+              <a:t>aus</a:t>
+            </a:r>
+            <a:r>
+              <a:rPr lang="en-US" dirty="0"/>
+              <a:t> der </a:t>
+            </a:r>
+            <a:r>
+              <a:rPr lang="en-US" dirty="0" err="1"/>
+              <a:t>Datenbank</a:t>
+            </a:r>
+            <a:endParaRPr lang="en-US" dirty="0"/>
           </a:p>
         </p:txBody>
       </p:sp>
@@ -7815,7 +8023,7 @@
                   </a:schemeClr>
                 </a:solidFill>
               </a:rPr>
-              <a:t>; wenn erste und letzter </a:t>
+              <a:t>; wenn erster und letzter </a:t>
             </a:r>
             <a:r>
               <a:rPr lang="de-DE" sz="2400" dirty="0" err="1">

--- a/VierGewinnt.pptx
+++ b/VierGewinnt.pptx
@@ -5226,7 +5226,29 @@
                   </a:schemeClr>
                 </a:solidFill>
               </a:rPr>
-              <a:t>Heidinger, Matthis, </a:t>
+              <a:t>Heidinger, </a:t>
+            </a:r>
+            <a:r>
+              <a:rPr lang="de-DE" sz="1800" dirty="0" err="1">
+                <a:solidFill>
+                  <a:schemeClr val="tx1">
+                    <a:lumMod val="65000"/>
+                    <a:lumOff val="35000"/>
+                  </a:schemeClr>
+                </a:solidFill>
+              </a:rPr>
+              <a:t>Matthis</a:t>
+            </a:r>
+            <a:r>
+              <a:rPr lang="de-DE" sz="1800" dirty="0">
+                <a:solidFill>
+                  <a:schemeClr val="tx1">
+                    <a:lumMod val="65000"/>
+                    <a:lumOff val="35000"/>
+                  </a:schemeClr>
+                </a:solidFill>
+              </a:rPr>
+              <a:t>, </a:t>
             </a:r>
             <a:r>
               <a:rPr lang="de-DE" sz="1800" dirty="0" err="1">
@@ -9980,11 +10002,11 @@
             </a:pPr>
             <a:r>
               <a:rPr lang="de-DE" sz="3200" dirty="0"/>
-              <a:t>Speicherung des </a:t>
-            </a:r>
-            <a:r>
-              <a:rPr lang="de-DE" sz="3200" dirty="0" err="1"/>
-              <a:t>Spielstandaes</a:t>
+              <a:t>Speicherung </a:t>
+            </a:r>
+            <a:r>
+              <a:rPr lang="de-DE" sz="3200"/>
+              <a:t>des Spielstandes</a:t>
             </a:r>
             <a:endParaRPr lang="de-DE" sz="3200" dirty="0"/>
           </a:p>
